--- a/multi-tenancy-wearedevelopers-2025_30mins.pptx
+++ b/multi-tenancy-wearedevelopers-2025_30mins.pptx
@@ -162,6 +162,3215 @@
 </p:presentation>
 </file>
 
+<file path=ppt/diagrams/colors1.xml><?xml version="1.0" encoding="utf-8"?>
+<dgm:colorsDef xmlns:dgm="http://schemas.openxmlformats.org/drawingml/2006/diagram" xmlns:a="http://schemas.openxmlformats.org/drawingml/2006/main" uniqueId="urn:microsoft.com/office/officeart/2005/8/colors/colorful2">
+  <dgm:title val=""/>
+  <dgm:desc val=""/>
+  <dgm:catLst>
+    <dgm:cat type="colorful" pri="10200"/>
+  </dgm:catLst>
+  <dgm:styleLbl name="node0">
+    <dgm:fillClrLst meth="repeat">
+      <a:schemeClr val="accent1"/>
+    </dgm:fillClrLst>
+    <dgm:linClrLst meth="repeat">
+      <a:schemeClr val="lt1"/>
+    </dgm:linClrLst>
+    <dgm:effectClrLst/>
+    <dgm:txLinClrLst/>
+    <dgm:txFillClrLst/>
+    <dgm:txEffectClrLst/>
+  </dgm:styleLbl>
+  <dgm:styleLbl name="node1">
+    <dgm:fillClrLst>
+      <a:schemeClr val="accent2"/>
+      <a:schemeClr val="accent3"/>
+    </dgm:fillClrLst>
+    <dgm:linClrLst meth="repeat">
+      <a:schemeClr val="lt1"/>
+    </dgm:linClrLst>
+    <dgm:effectClrLst/>
+    <dgm:txLinClrLst/>
+    <dgm:txFillClrLst/>
+    <dgm:txEffectClrLst/>
+  </dgm:styleLbl>
+  <dgm:styleLbl name="alignNode1">
+    <dgm:fillClrLst>
+      <a:schemeClr val="accent2"/>
+      <a:schemeClr val="accent3"/>
+    </dgm:fillClrLst>
+    <dgm:linClrLst>
+      <a:schemeClr val="accent2"/>
+      <a:schemeClr val="accent3"/>
+    </dgm:linClrLst>
+    <dgm:effectClrLst/>
+    <dgm:txLinClrLst/>
+    <dgm:txFillClrLst/>
+    <dgm:txEffectClrLst/>
+  </dgm:styleLbl>
+  <dgm:styleLbl name="lnNode1">
+    <dgm:fillClrLst>
+      <a:schemeClr val="accent2"/>
+      <a:schemeClr val="accent3"/>
+    </dgm:fillClrLst>
+    <dgm:linClrLst meth="repeat">
+      <a:schemeClr val="lt1"/>
+    </dgm:linClrLst>
+    <dgm:effectClrLst/>
+    <dgm:txLinClrLst/>
+    <dgm:txFillClrLst/>
+    <dgm:txEffectClrLst/>
+  </dgm:styleLbl>
+  <dgm:styleLbl name="vennNode1">
+    <dgm:fillClrLst>
+      <a:schemeClr val="accent2">
+        <a:alpha val="50000"/>
+      </a:schemeClr>
+      <a:schemeClr val="accent3">
+        <a:alpha val="50000"/>
+      </a:schemeClr>
+    </dgm:fillClrLst>
+    <dgm:linClrLst meth="repeat">
+      <a:schemeClr val="lt1"/>
+    </dgm:linClrLst>
+    <dgm:effectClrLst/>
+    <dgm:txLinClrLst/>
+    <dgm:txFillClrLst/>
+    <dgm:txEffectClrLst/>
+  </dgm:styleLbl>
+  <dgm:styleLbl name="node2">
+    <dgm:fillClrLst>
+      <a:schemeClr val="accent3"/>
+    </dgm:fillClrLst>
+    <dgm:linClrLst meth="repeat">
+      <a:schemeClr val="lt1"/>
+    </dgm:linClrLst>
+    <dgm:effectClrLst/>
+    <dgm:txLinClrLst/>
+    <dgm:txFillClrLst/>
+    <dgm:txEffectClrLst/>
+  </dgm:styleLbl>
+  <dgm:styleLbl name="node3">
+    <dgm:fillClrLst>
+      <a:schemeClr val="accent4"/>
+    </dgm:fillClrLst>
+    <dgm:linClrLst meth="repeat">
+      <a:schemeClr val="lt1"/>
+    </dgm:linClrLst>
+    <dgm:effectClrLst/>
+    <dgm:txLinClrLst/>
+    <dgm:txFillClrLst/>
+    <dgm:txEffectClrLst/>
+  </dgm:styleLbl>
+  <dgm:styleLbl name="node4">
+    <dgm:fillClrLst>
+      <a:schemeClr val="accent5"/>
+    </dgm:fillClrLst>
+    <dgm:linClrLst meth="repeat">
+      <a:schemeClr val="lt1"/>
+    </dgm:linClrLst>
+    <dgm:effectClrLst/>
+    <dgm:txLinClrLst/>
+    <dgm:txFillClrLst/>
+    <dgm:txEffectClrLst/>
+  </dgm:styleLbl>
+  <dgm:styleLbl name="fgImgPlace1">
+    <dgm:fillClrLst>
+      <a:schemeClr val="accent2">
+        <a:tint val="50000"/>
+      </a:schemeClr>
+      <a:schemeClr val="accent3">
+        <a:tint val="50000"/>
+      </a:schemeClr>
+    </dgm:fillClrLst>
+    <dgm:linClrLst meth="repeat">
+      <a:schemeClr val="lt1"/>
+    </dgm:linClrLst>
+    <dgm:effectClrLst/>
+    <dgm:txLinClrLst/>
+    <dgm:txFillClrLst meth="repeat">
+      <a:schemeClr val="lt1"/>
+    </dgm:txFillClrLst>
+    <dgm:txEffectClrLst/>
+  </dgm:styleLbl>
+  <dgm:styleLbl name="alignImgPlace1">
+    <dgm:fillClrLst>
+      <a:schemeClr val="accent2">
+        <a:tint val="50000"/>
+      </a:schemeClr>
+      <a:schemeClr val="accent3">
+        <a:tint val="20000"/>
+      </a:schemeClr>
+    </dgm:fillClrLst>
+    <dgm:linClrLst meth="repeat">
+      <a:schemeClr val="lt1"/>
+    </dgm:linClrLst>
+    <dgm:effectClrLst/>
+    <dgm:txLinClrLst/>
+    <dgm:txFillClrLst meth="repeat">
+      <a:schemeClr val="lt1"/>
+    </dgm:txFillClrLst>
+    <dgm:txEffectClrLst/>
+  </dgm:styleLbl>
+  <dgm:styleLbl name="bgImgPlace1">
+    <dgm:fillClrLst>
+      <a:schemeClr val="accent2">
+        <a:tint val="50000"/>
+      </a:schemeClr>
+      <a:schemeClr val="accent3">
+        <a:tint val="20000"/>
+      </a:schemeClr>
+    </dgm:fillClrLst>
+    <dgm:linClrLst meth="repeat">
+      <a:schemeClr val="lt1"/>
+    </dgm:linClrLst>
+    <dgm:effectClrLst/>
+    <dgm:txLinClrLst/>
+    <dgm:txFillClrLst meth="repeat">
+      <a:schemeClr val="lt1"/>
+    </dgm:txFillClrLst>
+    <dgm:txEffectClrLst/>
+  </dgm:styleLbl>
+  <dgm:styleLbl name="sibTrans2D1">
+    <dgm:fillClrLst>
+      <a:schemeClr val="accent2"/>
+      <a:schemeClr val="accent3"/>
+    </dgm:fillClrLst>
+    <dgm:linClrLst meth="repeat">
+      <a:schemeClr val="lt1"/>
+    </dgm:linClrLst>
+    <dgm:effectClrLst/>
+    <dgm:txLinClrLst/>
+    <dgm:txFillClrLst/>
+    <dgm:txEffectClrLst/>
+  </dgm:styleLbl>
+  <dgm:styleLbl name="fgSibTrans2D1">
+    <dgm:fillClrLst>
+      <a:schemeClr val="accent2"/>
+      <a:schemeClr val="accent3"/>
+    </dgm:fillClrLst>
+    <dgm:linClrLst meth="repeat">
+      <a:schemeClr val="lt1"/>
+    </dgm:linClrLst>
+    <dgm:effectClrLst/>
+    <dgm:txLinClrLst/>
+    <dgm:txFillClrLst meth="repeat">
+      <a:schemeClr val="lt1"/>
+    </dgm:txFillClrLst>
+    <dgm:txEffectClrLst/>
+  </dgm:styleLbl>
+  <dgm:styleLbl name="bgSibTrans2D1">
+    <dgm:fillClrLst>
+      <a:schemeClr val="accent2"/>
+      <a:schemeClr val="accent3"/>
+    </dgm:fillClrLst>
+    <dgm:linClrLst meth="repeat">
+      <a:schemeClr val="lt1"/>
+    </dgm:linClrLst>
+    <dgm:effectClrLst/>
+    <dgm:txLinClrLst/>
+    <dgm:txFillClrLst meth="repeat">
+      <a:schemeClr val="lt1"/>
+    </dgm:txFillClrLst>
+    <dgm:txEffectClrLst/>
+  </dgm:styleLbl>
+  <dgm:styleLbl name="sibTrans1D1">
+    <dgm:fillClrLst/>
+    <dgm:linClrLst>
+      <a:schemeClr val="accent2"/>
+      <a:schemeClr val="accent3"/>
+    </dgm:linClrLst>
+    <dgm:effectClrLst/>
+    <dgm:txLinClrLst/>
+    <dgm:txFillClrLst meth="repeat">
+      <a:schemeClr val="tx1"/>
+    </dgm:txFillClrLst>
+    <dgm:txEffectClrLst/>
+  </dgm:styleLbl>
+  <dgm:styleLbl name="callout">
+    <dgm:fillClrLst meth="repeat">
+      <a:schemeClr val="accent2"/>
+    </dgm:fillClrLst>
+    <dgm:linClrLst meth="repeat">
+      <a:schemeClr val="accent2">
+        <a:tint val="50000"/>
+      </a:schemeClr>
+    </dgm:linClrLst>
+    <dgm:effectClrLst/>
+    <dgm:txLinClrLst/>
+    <dgm:txFillClrLst meth="repeat">
+      <a:schemeClr val="tx1"/>
+    </dgm:txFillClrLst>
+    <dgm:txEffectClrLst/>
+  </dgm:styleLbl>
+  <dgm:styleLbl name="asst0">
+    <dgm:fillClrLst meth="repeat">
+      <a:schemeClr val="accent2"/>
+    </dgm:fillClrLst>
+    <dgm:linClrLst meth="repeat">
+      <a:schemeClr val="lt1">
+        <a:shade val="80000"/>
+      </a:schemeClr>
+    </dgm:linClrLst>
+    <dgm:effectClrLst/>
+    <dgm:txLinClrLst/>
+    <dgm:txFillClrLst/>
+    <dgm:txEffectClrLst/>
+  </dgm:styleLbl>
+  <dgm:styleLbl name="asst1">
+    <dgm:fillClrLst meth="repeat">
+      <a:schemeClr val="accent3"/>
+    </dgm:fillClrLst>
+    <dgm:linClrLst meth="repeat">
+      <a:schemeClr val="lt1">
+        <a:shade val="80000"/>
+      </a:schemeClr>
+    </dgm:linClrLst>
+    <dgm:effectClrLst/>
+    <dgm:txLinClrLst/>
+    <dgm:txFillClrLst/>
+    <dgm:txEffectClrLst/>
+  </dgm:styleLbl>
+  <dgm:styleLbl name="asst2">
+    <dgm:fillClrLst>
+      <a:schemeClr val="accent4"/>
+    </dgm:fillClrLst>
+    <dgm:linClrLst meth="repeat">
+      <a:schemeClr val="lt1"/>
+    </dgm:linClrLst>
+    <dgm:effectClrLst/>
+    <dgm:txLinClrLst/>
+    <dgm:txFillClrLst/>
+    <dgm:txEffectClrLst/>
+  </dgm:styleLbl>
+  <dgm:styleLbl name="asst3">
+    <dgm:fillClrLst>
+      <a:schemeClr val="accent5"/>
+    </dgm:fillClrLst>
+    <dgm:linClrLst meth="repeat">
+      <a:schemeClr val="lt1"/>
+    </dgm:linClrLst>
+    <dgm:effectClrLst/>
+    <dgm:txLinClrLst/>
+    <dgm:txFillClrLst/>
+    <dgm:txEffectClrLst/>
+  </dgm:styleLbl>
+  <dgm:styleLbl name="asst4">
+    <dgm:fillClrLst>
+      <a:schemeClr val="accent6"/>
+    </dgm:fillClrLst>
+    <dgm:linClrLst meth="repeat">
+      <a:schemeClr val="lt1"/>
+    </dgm:linClrLst>
+    <dgm:effectClrLst/>
+    <dgm:txLinClrLst/>
+    <dgm:txFillClrLst/>
+    <dgm:txEffectClrLst/>
+  </dgm:styleLbl>
+  <dgm:styleLbl name="parChTrans2D1">
+    <dgm:fillClrLst meth="repeat">
+      <a:schemeClr val="accent2"/>
+    </dgm:fillClrLst>
+    <dgm:linClrLst meth="repeat">
+      <a:schemeClr val="lt1"/>
+    </dgm:linClrLst>
+    <dgm:effectClrLst/>
+    <dgm:txLinClrLst/>
+    <dgm:txFillClrLst meth="repeat">
+      <a:schemeClr val="lt1"/>
+    </dgm:txFillClrLst>
+    <dgm:txEffectClrLst/>
+  </dgm:styleLbl>
+  <dgm:styleLbl name="parChTrans2D2">
+    <dgm:fillClrLst meth="repeat">
+      <a:schemeClr val="accent3"/>
+    </dgm:fillClrLst>
+    <dgm:linClrLst meth="repeat">
+      <a:schemeClr val="lt1"/>
+    </dgm:linClrLst>
+    <dgm:effectClrLst/>
+    <dgm:txLinClrLst/>
+    <dgm:txFillClrLst/>
+    <dgm:txEffectClrLst/>
+  </dgm:styleLbl>
+  <dgm:styleLbl name="parChTrans2D3">
+    <dgm:fillClrLst meth="repeat">
+      <a:schemeClr val="accent4"/>
+    </dgm:fillClrLst>
+    <dgm:linClrLst meth="repeat">
+      <a:schemeClr val="lt1"/>
+    </dgm:linClrLst>
+    <dgm:effectClrLst/>
+    <dgm:txLinClrLst/>
+    <dgm:txFillClrLst/>
+    <dgm:txEffectClrLst/>
+  </dgm:styleLbl>
+  <dgm:styleLbl name="parChTrans2D4">
+    <dgm:fillClrLst meth="repeat">
+      <a:schemeClr val="accent5"/>
+    </dgm:fillClrLst>
+    <dgm:linClrLst meth="repeat">
+      <a:schemeClr val="lt1"/>
+    </dgm:linClrLst>
+    <dgm:effectClrLst/>
+    <dgm:txLinClrLst/>
+    <dgm:txFillClrLst meth="repeat">
+      <a:schemeClr val="lt1"/>
+    </dgm:txFillClrLst>
+    <dgm:txEffectClrLst/>
+  </dgm:styleLbl>
+  <dgm:styleLbl name="parChTrans1D1">
+    <dgm:fillClrLst meth="repeat">
+      <a:schemeClr val="accent2"/>
+    </dgm:fillClrLst>
+    <dgm:linClrLst meth="repeat">
+      <a:schemeClr val="accent2"/>
+    </dgm:linClrLst>
+    <dgm:effectClrLst/>
+    <dgm:txLinClrLst/>
+    <dgm:txFillClrLst meth="repeat">
+      <a:schemeClr val="tx1"/>
+    </dgm:txFillClrLst>
+    <dgm:txEffectClrLst/>
+  </dgm:styleLbl>
+  <dgm:styleLbl name="parChTrans1D2">
+    <dgm:fillClrLst meth="repeat">
+      <a:schemeClr val="accent2">
+        <a:tint val="90000"/>
+      </a:schemeClr>
+    </dgm:fillClrLst>
+    <dgm:linClrLst meth="repeat">
+      <a:schemeClr val="accent3"/>
+    </dgm:linClrLst>
+    <dgm:effectClrLst/>
+    <dgm:txLinClrLst/>
+    <dgm:txFillClrLst meth="repeat">
+      <a:schemeClr val="tx1"/>
+    </dgm:txFillClrLst>
+    <dgm:txEffectClrLst/>
+  </dgm:styleLbl>
+  <dgm:styleLbl name="parChTrans1D3">
+    <dgm:fillClrLst meth="repeat">
+      <a:schemeClr val="accent2">
+        <a:tint val="70000"/>
+      </a:schemeClr>
+    </dgm:fillClrLst>
+    <dgm:linClrLst meth="repeat">
+      <a:schemeClr val="accent4"/>
+    </dgm:linClrLst>
+    <dgm:effectClrLst/>
+    <dgm:txLinClrLst/>
+    <dgm:txFillClrLst meth="repeat">
+      <a:schemeClr val="tx1"/>
+    </dgm:txFillClrLst>
+    <dgm:txEffectClrLst/>
+  </dgm:styleLbl>
+  <dgm:styleLbl name="parChTrans1D4">
+    <dgm:fillClrLst meth="repeat">
+      <a:schemeClr val="accent2">
+        <a:tint val="50000"/>
+      </a:schemeClr>
+    </dgm:fillClrLst>
+    <dgm:linClrLst meth="repeat">
+      <a:schemeClr val="accent5"/>
+    </dgm:linClrLst>
+    <dgm:effectClrLst/>
+    <dgm:txLinClrLst/>
+    <dgm:txFillClrLst meth="repeat">
+      <a:schemeClr val="tx1"/>
+    </dgm:txFillClrLst>
+    <dgm:txEffectClrLst/>
+  </dgm:styleLbl>
+  <dgm:styleLbl name="fgAcc1">
+    <dgm:fillClrLst meth="repeat">
+      <a:schemeClr val="lt1">
+        <a:alpha val="90000"/>
+      </a:schemeClr>
+    </dgm:fillClrLst>
+    <dgm:linClrLst>
+      <a:schemeClr val="accent2"/>
+      <a:schemeClr val="accent3"/>
+    </dgm:linClrLst>
+    <dgm:effectClrLst/>
+    <dgm:txLinClrLst/>
+    <dgm:txFillClrLst meth="repeat">
+      <a:schemeClr val="dk1"/>
+    </dgm:txFillClrLst>
+    <dgm:txEffectClrLst/>
+  </dgm:styleLbl>
+  <dgm:styleLbl name="conFgAcc1">
+    <dgm:fillClrLst meth="repeat">
+      <a:schemeClr val="lt1">
+        <a:alpha val="90000"/>
+      </a:schemeClr>
+    </dgm:fillClrLst>
+    <dgm:linClrLst>
+      <a:schemeClr val="accent2"/>
+      <a:schemeClr val="accent3"/>
+    </dgm:linClrLst>
+    <dgm:effectClrLst/>
+    <dgm:txLinClrLst/>
+    <dgm:txFillClrLst meth="repeat">
+      <a:schemeClr val="dk1"/>
+    </dgm:txFillClrLst>
+    <dgm:txEffectClrLst/>
+  </dgm:styleLbl>
+  <dgm:styleLbl name="alignAcc1">
+    <dgm:fillClrLst meth="repeat">
+      <a:schemeClr val="lt1">
+        <a:alpha val="90000"/>
+      </a:schemeClr>
+    </dgm:fillClrLst>
+    <dgm:linClrLst>
+      <a:schemeClr val="accent2"/>
+      <a:schemeClr val="accent3"/>
+    </dgm:linClrLst>
+    <dgm:effectClrLst/>
+    <dgm:txLinClrLst/>
+    <dgm:txFillClrLst meth="repeat">
+      <a:schemeClr val="dk1"/>
+    </dgm:txFillClrLst>
+    <dgm:txEffectClrLst/>
+  </dgm:styleLbl>
+  <dgm:styleLbl name="trAlignAcc1">
+    <dgm:fillClrLst meth="repeat">
+      <a:schemeClr val="lt1">
+        <a:alpha val="40000"/>
+      </a:schemeClr>
+    </dgm:fillClrLst>
+    <dgm:linClrLst meth="repeat">
+      <a:schemeClr val="accent2"/>
+    </dgm:linClrLst>
+    <dgm:effectClrLst/>
+    <dgm:txLinClrLst/>
+    <dgm:txFillClrLst meth="repeat">
+      <a:schemeClr val="dk1"/>
+    </dgm:txFillClrLst>
+    <dgm:txEffectClrLst/>
+  </dgm:styleLbl>
+  <dgm:styleLbl name="bgAcc1">
+    <dgm:fillClrLst meth="repeat">
+      <a:schemeClr val="lt1">
+        <a:alpha val="90000"/>
+      </a:schemeClr>
+    </dgm:fillClrLst>
+    <dgm:linClrLst>
+      <a:schemeClr val="accent2"/>
+      <a:schemeClr val="accent3"/>
+    </dgm:linClrLst>
+    <dgm:effectClrLst/>
+    <dgm:txLinClrLst/>
+    <dgm:txFillClrLst meth="repeat">
+      <a:schemeClr val="dk1"/>
+    </dgm:txFillClrLst>
+    <dgm:txEffectClrLst/>
+  </dgm:styleLbl>
+  <dgm:styleLbl name="solidFgAcc1">
+    <dgm:fillClrLst meth="repeat">
+      <a:schemeClr val="lt1"/>
+    </dgm:fillClrLst>
+    <dgm:linClrLst>
+      <a:schemeClr val="accent2"/>
+      <a:schemeClr val="accent3"/>
+    </dgm:linClrLst>
+    <dgm:effectClrLst/>
+    <dgm:txLinClrLst/>
+    <dgm:txFillClrLst meth="repeat">
+      <a:schemeClr val="dk1"/>
+    </dgm:txFillClrLst>
+    <dgm:txEffectClrLst/>
+  </dgm:styleLbl>
+  <dgm:styleLbl name="solidAlignAcc1">
+    <dgm:fillClrLst meth="repeat">
+      <a:schemeClr val="lt1"/>
+    </dgm:fillClrLst>
+    <dgm:linClrLst>
+      <a:schemeClr val="accent2"/>
+      <a:schemeClr val="accent3"/>
+    </dgm:linClrLst>
+    <dgm:effectClrLst/>
+    <dgm:txLinClrLst/>
+    <dgm:txFillClrLst meth="repeat">
+      <a:schemeClr val="dk1"/>
+    </dgm:txFillClrLst>
+    <dgm:txEffectClrLst/>
+  </dgm:styleLbl>
+  <dgm:styleLbl name="solidBgAcc1">
+    <dgm:fillClrLst meth="repeat">
+      <a:schemeClr val="lt1"/>
+    </dgm:fillClrLst>
+    <dgm:linClrLst>
+      <a:schemeClr val="accent2"/>
+      <a:schemeClr val="accent3"/>
+    </dgm:linClrLst>
+    <dgm:effectClrLst/>
+    <dgm:txLinClrLst/>
+    <dgm:txFillClrLst meth="repeat">
+      <a:schemeClr val="dk1"/>
+    </dgm:txFillClrLst>
+    <dgm:txEffectClrLst/>
+  </dgm:styleLbl>
+  <dgm:styleLbl name="fgAccFollowNode1">
+    <dgm:fillClrLst>
+      <a:schemeClr val="accent2">
+        <a:tint val="40000"/>
+        <a:alpha val="90000"/>
+      </a:schemeClr>
+      <a:schemeClr val="accent3">
+        <a:tint val="40000"/>
+        <a:alpha val="90000"/>
+      </a:schemeClr>
+    </dgm:fillClrLst>
+    <dgm:linClrLst>
+      <a:schemeClr val="accent2">
+        <a:tint val="40000"/>
+        <a:alpha val="90000"/>
+      </a:schemeClr>
+      <a:schemeClr val="accent3">
+        <a:tint val="40000"/>
+        <a:alpha val="90000"/>
+      </a:schemeClr>
+    </dgm:linClrLst>
+    <dgm:effectClrLst/>
+    <dgm:txLinClrLst/>
+    <dgm:txFillClrLst meth="repeat">
+      <a:schemeClr val="dk1"/>
+    </dgm:txFillClrLst>
+    <dgm:txEffectClrLst/>
+  </dgm:styleLbl>
+  <dgm:styleLbl name="alignAccFollowNode1">
+    <dgm:fillClrLst>
+      <a:schemeClr val="accent2">
+        <a:tint val="40000"/>
+        <a:alpha val="90000"/>
+      </a:schemeClr>
+      <a:schemeClr val="accent3">
+        <a:tint val="40000"/>
+        <a:alpha val="90000"/>
+      </a:schemeClr>
+    </dgm:fillClrLst>
+    <dgm:linClrLst>
+      <a:schemeClr val="accent2">
+        <a:tint val="40000"/>
+        <a:alpha val="90000"/>
+      </a:schemeClr>
+      <a:schemeClr val="accent3">
+        <a:tint val="40000"/>
+        <a:alpha val="90000"/>
+      </a:schemeClr>
+    </dgm:linClrLst>
+    <dgm:effectClrLst/>
+    <dgm:txLinClrLst/>
+    <dgm:txFillClrLst meth="repeat">
+      <a:schemeClr val="dk1"/>
+    </dgm:txFillClrLst>
+    <dgm:txEffectClrLst/>
+  </dgm:styleLbl>
+  <dgm:styleLbl name="bgAccFollowNode1">
+    <dgm:fillClrLst>
+      <a:schemeClr val="accent2">
+        <a:tint val="40000"/>
+        <a:alpha val="90000"/>
+      </a:schemeClr>
+      <a:schemeClr val="accent3">
+        <a:tint val="40000"/>
+        <a:alpha val="90000"/>
+      </a:schemeClr>
+    </dgm:fillClrLst>
+    <dgm:linClrLst>
+      <a:schemeClr val="accent2">
+        <a:tint val="40000"/>
+        <a:alpha val="90000"/>
+      </a:schemeClr>
+      <a:schemeClr val="accent3">
+        <a:tint val="40000"/>
+        <a:alpha val="90000"/>
+      </a:schemeClr>
+    </dgm:linClrLst>
+    <dgm:effectClrLst/>
+    <dgm:txLinClrLst/>
+    <dgm:txFillClrLst meth="repeat">
+      <a:schemeClr val="dk1"/>
+    </dgm:txFillClrLst>
+    <dgm:txEffectClrLst/>
+  </dgm:styleLbl>
+  <dgm:styleLbl name="fgAcc0">
+    <dgm:fillClrLst meth="repeat">
+      <a:schemeClr val="lt1">
+        <a:alpha val="90000"/>
+      </a:schemeClr>
+    </dgm:fillClrLst>
+    <dgm:linClrLst>
+      <a:schemeClr val="accent1"/>
+    </dgm:linClrLst>
+    <dgm:effectClrLst/>
+    <dgm:txLinClrLst/>
+    <dgm:txFillClrLst meth="repeat">
+      <a:schemeClr val="dk1"/>
+    </dgm:txFillClrLst>
+    <dgm:txEffectClrLst/>
+  </dgm:styleLbl>
+  <dgm:styleLbl name="fgAcc2">
+    <dgm:fillClrLst meth="repeat">
+      <a:schemeClr val="lt1">
+        <a:alpha val="90000"/>
+      </a:schemeClr>
+    </dgm:fillClrLst>
+    <dgm:linClrLst>
+      <a:schemeClr val="accent3"/>
+    </dgm:linClrLst>
+    <dgm:effectClrLst/>
+    <dgm:txLinClrLst/>
+    <dgm:txFillClrLst meth="repeat">
+      <a:schemeClr val="dk1"/>
+    </dgm:txFillClrLst>
+    <dgm:txEffectClrLst/>
+  </dgm:styleLbl>
+  <dgm:styleLbl name="fgAcc3">
+    <dgm:fillClrLst meth="repeat">
+      <a:schemeClr val="lt1">
+        <a:alpha val="90000"/>
+      </a:schemeClr>
+    </dgm:fillClrLst>
+    <dgm:linClrLst>
+      <a:schemeClr val="accent4"/>
+    </dgm:linClrLst>
+    <dgm:effectClrLst/>
+    <dgm:txLinClrLst/>
+    <dgm:txFillClrLst meth="repeat">
+      <a:schemeClr val="dk1"/>
+    </dgm:txFillClrLst>
+    <dgm:txEffectClrLst/>
+  </dgm:styleLbl>
+  <dgm:styleLbl name="fgAcc4">
+    <dgm:fillClrLst meth="repeat">
+      <a:schemeClr val="lt1">
+        <a:alpha val="90000"/>
+      </a:schemeClr>
+    </dgm:fillClrLst>
+    <dgm:linClrLst>
+      <a:schemeClr val="accent5"/>
+    </dgm:linClrLst>
+    <dgm:effectClrLst/>
+    <dgm:txLinClrLst/>
+    <dgm:txFillClrLst meth="repeat">
+      <a:schemeClr val="dk1"/>
+    </dgm:txFillClrLst>
+    <dgm:txEffectClrLst/>
+  </dgm:styleLbl>
+  <dgm:styleLbl name="bgShp">
+    <dgm:fillClrLst meth="repeat">
+      <a:schemeClr val="accent2">
+        <a:tint val="40000"/>
+      </a:schemeClr>
+    </dgm:fillClrLst>
+    <dgm:linClrLst meth="repeat">
+      <a:schemeClr val="dk1"/>
+    </dgm:linClrLst>
+    <dgm:effectClrLst/>
+    <dgm:txLinClrLst/>
+    <dgm:txFillClrLst meth="repeat">
+      <a:schemeClr val="dk1"/>
+    </dgm:txFillClrLst>
+    <dgm:txEffectClrLst/>
+  </dgm:styleLbl>
+  <dgm:styleLbl name="dkBgShp">
+    <dgm:fillClrLst meth="repeat">
+      <a:schemeClr val="accent2">
+        <a:shade val="90000"/>
+      </a:schemeClr>
+    </dgm:fillClrLst>
+    <dgm:linClrLst meth="repeat">
+      <a:schemeClr val="dk1"/>
+    </dgm:linClrLst>
+    <dgm:effectClrLst/>
+    <dgm:txLinClrLst/>
+    <dgm:txFillClrLst meth="repeat">
+      <a:schemeClr val="lt1"/>
+    </dgm:txFillClrLst>
+    <dgm:txEffectClrLst/>
+  </dgm:styleLbl>
+  <dgm:styleLbl name="trBgShp">
+    <dgm:fillClrLst meth="repeat">
+      <a:schemeClr val="accent2">
+        <a:tint val="50000"/>
+        <a:alpha val="40000"/>
+      </a:schemeClr>
+    </dgm:fillClrLst>
+    <dgm:linClrLst meth="repeat">
+      <a:schemeClr val="accent2"/>
+    </dgm:linClrLst>
+    <dgm:effectClrLst/>
+    <dgm:txLinClrLst/>
+    <dgm:txFillClrLst meth="repeat">
+      <a:schemeClr val="lt1"/>
+    </dgm:txFillClrLst>
+    <dgm:txEffectClrLst/>
+  </dgm:styleLbl>
+  <dgm:styleLbl name="fgShp">
+    <dgm:fillClrLst meth="repeat">
+      <a:schemeClr val="accent2">
+        <a:tint val="40000"/>
+      </a:schemeClr>
+    </dgm:fillClrLst>
+    <dgm:linClrLst meth="repeat">
+      <a:schemeClr val="lt1"/>
+    </dgm:linClrLst>
+    <dgm:effectClrLst/>
+    <dgm:txLinClrLst/>
+    <dgm:txFillClrLst meth="repeat">
+      <a:schemeClr val="dk1"/>
+    </dgm:txFillClrLst>
+    <dgm:txEffectClrLst/>
+  </dgm:styleLbl>
+  <dgm:styleLbl name="revTx">
+    <dgm:fillClrLst meth="repeat">
+      <a:schemeClr val="lt1">
+        <a:alpha val="0"/>
+      </a:schemeClr>
+    </dgm:fillClrLst>
+    <dgm:linClrLst meth="repeat">
+      <a:schemeClr val="dk1">
+        <a:alpha val="0"/>
+      </a:schemeClr>
+    </dgm:linClrLst>
+    <dgm:effectClrLst/>
+    <dgm:txLinClrLst/>
+    <dgm:txFillClrLst meth="repeat">
+      <a:schemeClr val="tx1"/>
+    </dgm:txFillClrLst>
+    <dgm:txEffectClrLst/>
+  </dgm:styleLbl>
+</dgm:colorsDef>
+</file>
+
+<file path=ppt/diagrams/data1.xml><?xml version="1.0" encoding="utf-8"?>
+<dgm:dataModel xmlns:dgm="http://schemas.openxmlformats.org/drawingml/2006/diagram" xmlns:a="http://schemas.openxmlformats.org/drawingml/2006/main">
+  <dgm:ptLst>
+    <dgm:pt modelId="{F1400AC2-F179-4196-9EAB-D0752078AFD4}" type="doc">
+      <dgm:prSet loTypeId="urn:microsoft.com/office/officeart/2005/8/layout/process4" loCatId="list" qsTypeId="urn:microsoft.com/office/officeart/2005/8/quickstyle/simple2" qsCatId="simple" csTypeId="urn:microsoft.com/office/officeart/2005/8/colors/colorful2" csCatId="colorful" phldr="1"/>
+      <dgm:spPr/>
+      <dgm:t>
+        <a:bodyPr/>
+        <a:lstStyle/>
+        <a:p>
+          <a:endParaRPr lang="tr-TR"/>
+        </a:p>
+      </dgm:t>
+    </dgm:pt>
+    <dgm:pt modelId="{861C9607-2264-4302-B248-7EBF8E2E8ECA}">
+      <dgm:prSet phldrT="[Text]"/>
+      <dgm:spPr/>
+      <dgm:t>
+        <a:bodyPr/>
+        <a:lstStyle/>
+        <a:p>
+          <a:pPr>
+            <a:buFont typeface="+mj-lt"/>
+            <a:buAutoNum type="arabicPeriod"/>
+          </a:pPr>
+          <a:r>
+            <a:rPr lang="en-US" b="1" u="sng" dirty="0" err="1">
+              <a:latin typeface="Euclid Circular B" panose="020B0504000000000000" pitchFamily="34" charset="0"/>
+              <a:ea typeface="Euclid Circular B" panose="020B0504000000000000" pitchFamily="34" charset="0"/>
+            </a:rPr>
+            <a:t>CurrentUser</a:t>
+          </a:r>
+          <a:r>
+            <a:rPr lang="en-US" dirty="0" err="1">
+              <a:latin typeface="Euclid Circular B" panose="020B0504000000000000" pitchFamily="34" charset="0"/>
+              <a:ea typeface="Euclid Circular B" panose="020B0504000000000000" pitchFamily="34" charset="0"/>
+            </a:rPr>
+            <a:t>TenantResolveContributor</a:t>
+          </a:r>
+          <a:endParaRPr lang="tr-TR" dirty="0"/>
+        </a:p>
+      </dgm:t>
+    </dgm:pt>
+    <dgm:pt modelId="{92E74221-A648-40DE-BF29-42666E30900C}" type="parTrans" cxnId="{92763DE6-BA83-4F96-84A0-8D704DCFF6ED}">
+      <dgm:prSet/>
+      <dgm:spPr/>
+      <dgm:t>
+        <a:bodyPr/>
+        <a:lstStyle/>
+        <a:p>
+          <a:endParaRPr lang="tr-TR"/>
+        </a:p>
+      </dgm:t>
+    </dgm:pt>
+    <dgm:pt modelId="{57A476C0-5241-4374-BC86-CAB24475C01C}" type="sibTrans" cxnId="{92763DE6-BA83-4F96-84A0-8D704DCFF6ED}">
+      <dgm:prSet/>
+      <dgm:spPr/>
+      <dgm:t>
+        <a:bodyPr/>
+        <a:lstStyle/>
+        <a:p>
+          <a:endParaRPr lang="tr-TR"/>
+        </a:p>
+      </dgm:t>
+    </dgm:pt>
+    <dgm:pt modelId="{A2D7EB2D-0668-4109-9D03-E7D6E87F907E}">
+      <dgm:prSet/>
+      <dgm:spPr/>
+      <dgm:t>
+        <a:bodyPr/>
+        <a:lstStyle/>
+        <a:p>
+          <a:r>
+            <a:rPr lang="en-US" b="1" u="sng" dirty="0" err="1">
+              <a:latin typeface="Euclid Circular B" panose="020B0504000000000000" pitchFamily="34" charset="0"/>
+              <a:ea typeface="Euclid Circular B" panose="020B0504000000000000" pitchFamily="34" charset="0"/>
+            </a:rPr>
+            <a:t>QueryString</a:t>
+          </a:r>
+          <a:r>
+            <a:rPr lang="en-US" dirty="0" err="1">
+              <a:latin typeface="Euclid Circular B" panose="020B0504000000000000" pitchFamily="34" charset="0"/>
+              <a:ea typeface="Euclid Circular B" panose="020B0504000000000000" pitchFamily="34" charset="0"/>
+            </a:rPr>
+            <a:t>TenantResolveContributor</a:t>
+          </a:r>
+          <a:endParaRPr lang="en-US" dirty="0">
+            <a:latin typeface="Euclid Circular B" panose="020B0504000000000000" pitchFamily="34" charset="0"/>
+            <a:ea typeface="Euclid Circular B" panose="020B0504000000000000" pitchFamily="34" charset="0"/>
+          </a:endParaRPr>
+        </a:p>
+      </dgm:t>
+    </dgm:pt>
+    <dgm:pt modelId="{2484FC0C-6097-4B58-B67F-F4AD396847BE}" type="parTrans" cxnId="{CCD1BD61-2202-4F16-9B24-F03E3C399271}">
+      <dgm:prSet/>
+      <dgm:spPr/>
+      <dgm:t>
+        <a:bodyPr/>
+        <a:lstStyle/>
+        <a:p>
+          <a:endParaRPr lang="tr-TR"/>
+        </a:p>
+      </dgm:t>
+    </dgm:pt>
+    <dgm:pt modelId="{FB578EED-E3AB-4C03-B05C-C2716EC63CDC}" type="sibTrans" cxnId="{CCD1BD61-2202-4F16-9B24-F03E3C399271}">
+      <dgm:prSet/>
+      <dgm:spPr/>
+      <dgm:t>
+        <a:bodyPr/>
+        <a:lstStyle/>
+        <a:p>
+          <a:endParaRPr lang="tr-TR"/>
+        </a:p>
+      </dgm:t>
+    </dgm:pt>
+    <dgm:pt modelId="{DC7052BA-6824-425D-9D5B-8F68AEFC503A}">
+      <dgm:prSet/>
+      <dgm:spPr/>
+      <dgm:t>
+        <a:bodyPr/>
+        <a:lstStyle/>
+        <a:p>
+          <a:r>
+            <a:rPr lang="en-US" b="1" u="sng" dirty="0" err="1">
+              <a:latin typeface="Euclid Circular B" panose="020B0504000000000000" pitchFamily="34" charset="0"/>
+              <a:ea typeface="Euclid Circular B" panose="020B0504000000000000" pitchFamily="34" charset="0"/>
+            </a:rPr>
+            <a:t>Route</a:t>
+          </a:r>
+          <a:r>
+            <a:rPr lang="en-US" b="0" dirty="0" err="1">
+              <a:latin typeface="Euclid Circular B" panose="020B0504000000000000" pitchFamily="34" charset="0"/>
+              <a:ea typeface="Euclid Circular B" panose="020B0504000000000000" pitchFamily="34" charset="0"/>
+            </a:rPr>
+            <a:t>Tenant</a:t>
+          </a:r>
+          <a:r>
+            <a:rPr lang="en-US" dirty="0" err="1">
+              <a:latin typeface="Euclid Circular B" panose="020B0504000000000000" pitchFamily="34" charset="0"/>
+              <a:ea typeface="Euclid Circular B" panose="020B0504000000000000" pitchFamily="34" charset="0"/>
+            </a:rPr>
+            <a:t>ResolveContributor</a:t>
+          </a:r>
+          <a:endParaRPr lang="en-US" dirty="0">
+            <a:latin typeface="Euclid Circular B" panose="020B0504000000000000" pitchFamily="34" charset="0"/>
+            <a:ea typeface="Euclid Circular B" panose="020B0504000000000000" pitchFamily="34" charset="0"/>
+          </a:endParaRPr>
+        </a:p>
+      </dgm:t>
+    </dgm:pt>
+    <dgm:pt modelId="{1B185CDB-0E07-4A88-A314-9F9720AA8BD0}" type="parTrans" cxnId="{C9595939-572E-40F0-A09E-97B9479403A8}">
+      <dgm:prSet/>
+      <dgm:spPr/>
+      <dgm:t>
+        <a:bodyPr/>
+        <a:lstStyle/>
+        <a:p>
+          <a:endParaRPr lang="tr-TR"/>
+        </a:p>
+      </dgm:t>
+    </dgm:pt>
+    <dgm:pt modelId="{856EA059-57F8-4524-B59C-8E64B5CD5AC3}" type="sibTrans" cxnId="{C9595939-572E-40F0-A09E-97B9479403A8}">
+      <dgm:prSet/>
+      <dgm:spPr/>
+      <dgm:t>
+        <a:bodyPr/>
+        <a:lstStyle/>
+        <a:p>
+          <a:endParaRPr lang="tr-TR"/>
+        </a:p>
+      </dgm:t>
+    </dgm:pt>
+    <dgm:pt modelId="{08BD2C9B-4ADF-44D4-8668-68DC507C8CB1}">
+      <dgm:prSet/>
+      <dgm:spPr/>
+      <dgm:t>
+        <a:bodyPr/>
+        <a:lstStyle/>
+        <a:p>
+          <a:r>
+            <a:rPr lang="en-US" b="1" u="sng" dirty="0" err="1">
+              <a:latin typeface="Euclid Circular B" panose="020B0504000000000000" pitchFamily="34" charset="0"/>
+              <a:ea typeface="Euclid Circular B" panose="020B0504000000000000" pitchFamily="34" charset="0"/>
+            </a:rPr>
+            <a:t>Header</a:t>
+          </a:r>
+          <a:r>
+            <a:rPr lang="en-US" b="0" dirty="0" err="1">
+              <a:latin typeface="Euclid Circular B" panose="020B0504000000000000" pitchFamily="34" charset="0"/>
+              <a:ea typeface="Euclid Circular B" panose="020B0504000000000000" pitchFamily="34" charset="0"/>
+            </a:rPr>
+            <a:t>Tenant</a:t>
+          </a:r>
+          <a:r>
+            <a:rPr lang="en-US" dirty="0" err="1">
+              <a:latin typeface="Euclid Circular B" panose="020B0504000000000000" pitchFamily="34" charset="0"/>
+              <a:ea typeface="Euclid Circular B" panose="020B0504000000000000" pitchFamily="34" charset="0"/>
+            </a:rPr>
+            <a:t>ResolveContributor</a:t>
+          </a:r>
+          <a:endParaRPr lang="en-US" dirty="0">
+            <a:latin typeface="Euclid Circular B" panose="020B0504000000000000" pitchFamily="34" charset="0"/>
+            <a:ea typeface="Euclid Circular B" panose="020B0504000000000000" pitchFamily="34" charset="0"/>
+          </a:endParaRPr>
+        </a:p>
+      </dgm:t>
+    </dgm:pt>
+    <dgm:pt modelId="{D4BC8ED3-FB77-4F58-859B-46996D74FA99}" type="parTrans" cxnId="{24F4C038-B5D1-4DCF-8CD7-6D61A062DC34}">
+      <dgm:prSet/>
+      <dgm:spPr/>
+      <dgm:t>
+        <a:bodyPr/>
+        <a:lstStyle/>
+        <a:p>
+          <a:endParaRPr lang="tr-TR"/>
+        </a:p>
+      </dgm:t>
+    </dgm:pt>
+    <dgm:pt modelId="{BFD4ADAC-007E-4F2D-8015-CDA5793E26E9}" type="sibTrans" cxnId="{24F4C038-B5D1-4DCF-8CD7-6D61A062DC34}">
+      <dgm:prSet/>
+      <dgm:spPr/>
+      <dgm:t>
+        <a:bodyPr/>
+        <a:lstStyle/>
+        <a:p>
+          <a:endParaRPr lang="tr-TR"/>
+        </a:p>
+      </dgm:t>
+    </dgm:pt>
+    <dgm:pt modelId="{570AD39C-65D8-4118-A957-80E724E5FD16}">
+      <dgm:prSet/>
+      <dgm:spPr/>
+      <dgm:t>
+        <a:bodyPr/>
+        <a:lstStyle/>
+        <a:p>
+          <a:r>
+            <a:rPr lang="en-US" b="1" u="sng" dirty="0" err="1">
+              <a:latin typeface="Euclid Circular B" panose="020B0504000000000000" pitchFamily="34" charset="0"/>
+              <a:ea typeface="Euclid Circular B" panose="020B0504000000000000" pitchFamily="34" charset="0"/>
+            </a:rPr>
+            <a:t>Cookie</a:t>
+          </a:r>
+          <a:r>
+            <a:rPr lang="en-US" b="0" dirty="0" err="1">
+              <a:latin typeface="Euclid Circular B" panose="020B0504000000000000" pitchFamily="34" charset="0"/>
+              <a:ea typeface="Euclid Circular B" panose="020B0504000000000000" pitchFamily="34" charset="0"/>
+            </a:rPr>
+            <a:t>Tenant</a:t>
+          </a:r>
+          <a:r>
+            <a:rPr lang="en-US" dirty="0" err="1">
+              <a:latin typeface="Euclid Circular B" panose="020B0504000000000000" pitchFamily="34" charset="0"/>
+              <a:ea typeface="Euclid Circular B" panose="020B0504000000000000" pitchFamily="34" charset="0"/>
+            </a:rPr>
+            <a:t>ResolveContributor</a:t>
+          </a:r>
+          <a:endParaRPr lang="en-US" dirty="0">
+            <a:latin typeface="Euclid Circular B" panose="020B0504000000000000" pitchFamily="34" charset="0"/>
+            <a:ea typeface="Euclid Circular B" panose="020B0504000000000000" pitchFamily="34" charset="0"/>
+          </a:endParaRPr>
+        </a:p>
+      </dgm:t>
+    </dgm:pt>
+    <dgm:pt modelId="{22A01D28-8939-4D89-9FE2-7E1C390DCB27}" type="parTrans" cxnId="{BEE10A80-C268-4513-8896-94250DB34DA0}">
+      <dgm:prSet/>
+      <dgm:spPr/>
+      <dgm:t>
+        <a:bodyPr/>
+        <a:lstStyle/>
+        <a:p>
+          <a:endParaRPr lang="tr-TR"/>
+        </a:p>
+      </dgm:t>
+    </dgm:pt>
+    <dgm:pt modelId="{5F61EF1D-4E16-41DC-B4F9-B38EFA6EC3E0}" type="sibTrans" cxnId="{BEE10A80-C268-4513-8896-94250DB34DA0}">
+      <dgm:prSet/>
+      <dgm:spPr/>
+      <dgm:t>
+        <a:bodyPr/>
+        <a:lstStyle/>
+        <a:p>
+          <a:endParaRPr lang="tr-TR"/>
+        </a:p>
+      </dgm:t>
+    </dgm:pt>
+    <dgm:pt modelId="{05F8E9C4-FC80-45E7-BC0B-A573DEF4B834}">
+      <dgm:prSet/>
+      <dgm:spPr/>
+      <dgm:t>
+        <a:bodyPr/>
+        <a:lstStyle/>
+        <a:p>
+          <a:r>
+            <a:rPr lang="en-US" b="1" u="sng" dirty="0" err="1">
+              <a:latin typeface="Euclid Circular B" panose="020B0504000000000000" pitchFamily="34" charset="0"/>
+              <a:ea typeface="Euclid Circular B" panose="020B0504000000000000" pitchFamily="34" charset="0"/>
+            </a:rPr>
+            <a:t>Domain</a:t>
+          </a:r>
+          <a:r>
+            <a:rPr lang="en-US" dirty="0" err="1">
+              <a:latin typeface="Euclid Circular B" panose="020B0504000000000000" pitchFamily="34" charset="0"/>
+              <a:ea typeface="Euclid Circular B" panose="020B0504000000000000" pitchFamily="34" charset="0"/>
+            </a:rPr>
+            <a:t>TenantResolver</a:t>
+          </a:r>
+          <a:endParaRPr lang="en-US" dirty="0">
+            <a:latin typeface="Euclid Circular B" panose="020B0504000000000000" pitchFamily="34" charset="0"/>
+            <a:ea typeface="Euclid Circular B" panose="020B0504000000000000" pitchFamily="34" charset="0"/>
+          </a:endParaRPr>
+        </a:p>
+      </dgm:t>
+    </dgm:pt>
+    <dgm:pt modelId="{7AF23F23-8485-4CCB-926D-A631DF1E04C9}" type="parTrans" cxnId="{463A81CC-7E09-4906-9C63-6F83D3DB6672}">
+      <dgm:prSet/>
+      <dgm:spPr/>
+      <dgm:t>
+        <a:bodyPr/>
+        <a:lstStyle/>
+        <a:p>
+          <a:endParaRPr lang="tr-TR"/>
+        </a:p>
+      </dgm:t>
+    </dgm:pt>
+    <dgm:pt modelId="{ECE0E3E6-9D73-45F7-835D-574023F1A53E}" type="sibTrans" cxnId="{463A81CC-7E09-4906-9C63-6F83D3DB6672}">
+      <dgm:prSet/>
+      <dgm:spPr/>
+      <dgm:t>
+        <a:bodyPr/>
+        <a:lstStyle/>
+        <a:p>
+          <a:endParaRPr lang="tr-TR"/>
+        </a:p>
+      </dgm:t>
+    </dgm:pt>
+    <dgm:pt modelId="{DDA1DCD6-E736-4FFA-AA05-5051E0E2B253}" type="pres">
+      <dgm:prSet presAssocID="{F1400AC2-F179-4196-9EAB-D0752078AFD4}" presName="Name0" presStyleCnt="0">
+        <dgm:presLayoutVars>
+          <dgm:dir/>
+          <dgm:animLvl val="lvl"/>
+          <dgm:resizeHandles val="exact"/>
+        </dgm:presLayoutVars>
+      </dgm:prSet>
+      <dgm:spPr/>
+    </dgm:pt>
+    <dgm:pt modelId="{EB30F741-898B-418D-820B-AC0169E34672}" type="pres">
+      <dgm:prSet presAssocID="{05F8E9C4-FC80-45E7-BC0B-A573DEF4B834}" presName="boxAndChildren" presStyleCnt="0"/>
+      <dgm:spPr/>
+    </dgm:pt>
+    <dgm:pt modelId="{6CAD42DD-2CB3-46A0-81BF-676DCEE95094}" type="pres">
+      <dgm:prSet presAssocID="{05F8E9C4-FC80-45E7-BC0B-A573DEF4B834}" presName="parentTextBox" presStyleLbl="node1" presStyleIdx="0" presStyleCnt="6"/>
+      <dgm:spPr/>
+    </dgm:pt>
+    <dgm:pt modelId="{11E04369-C809-4A95-AFC4-35D3AAA09EF6}" type="pres">
+      <dgm:prSet presAssocID="{5F61EF1D-4E16-41DC-B4F9-B38EFA6EC3E0}" presName="sp" presStyleCnt="0"/>
+      <dgm:spPr/>
+    </dgm:pt>
+    <dgm:pt modelId="{858C957D-598A-472D-A7FC-3E643B2AF248}" type="pres">
+      <dgm:prSet presAssocID="{570AD39C-65D8-4118-A957-80E724E5FD16}" presName="arrowAndChildren" presStyleCnt="0"/>
+      <dgm:spPr/>
+    </dgm:pt>
+    <dgm:pt modelId="{EC7F126F-6A67-4DB0-AB86-F5EE921CD0E0}" type="pres">
+      <dgm:prSet presAssocID="{570AD39C-65D8-4118-A957-80E724E5FD16}" presName="parentTextArrow" presStyleLbl="node1" presStyleIdx="1" presStyleCnt="6"/>
+      <dgm:spPr/>
+    </dgm:pt>
+    <dgm:pt modelId="{A966957C-7099-4A3C-9630-4B05CAF97F6B}" type="pres">
+      <dgm:prSet presAssocID="{BFD4ADAC-007E-4F2D-8015-CDA5793E26E9}" presName="sp" presStyleCnt="0"/>
+      <dgm:spPr/>
+    </dgm:pt>
+    <dgm:pt modelId="{69E7769B-CD84-4270-832D-9B5554270F55}" type="pres">
+      <dgm:prSet presAssocID="{08BD2C9B-4ADF-44D4-8668-68DC507C8CB1}" presName="arrowAndChildren" presStyleCnt="0"/>
+      <dgm:spPr/>
+    </dgm:pt>
+    <dgm:pt modelId="{C64F082D-B4A4-470C-9CAF-8ED80B4FE4BB}" type="pres">
+      <dgm:prSet presAssocID="{08BD2C9B-4ADF-44D4-8668-68DC507C8CB1}" presName="parentTextArrow" presStyleLbl="node1" presStyleIdx="2" presStyleCnt="6"/>
+      <dgm:spPr/>
+    </dgm:pt>
+    <dgm:pt modelId="{B4F94D58-E9BE-4889-AF48-E1D7DAF77ED4}" type="pres">
+      <dgm:prSet presAssocID="{856EA059-57F8-4524-B59C-8E64B5CD5AC3}" presName="sp" presStyleCnt="0"/>
+      <dgm:spPr/>
+    </dgm:pt>
+    <dgm:pt modelId="{BD259854-D2C8-4B2D-BE88-94179035F4A8}" type="pres">
+      <dgm:prSet presAssocID="{DC7052BA-6824-425D-9D5B-8F68AEFC503A}" presName="arrowAndChildren" presStyleCnt="0"/>
+      <dgm:spPr/>
+    </dgm:pt>
+    <dgm:pt modelId="{E45F03E2-B813-42B5-B1C4-4C58276521C5}" type="pres">
+      <dgm:prSet presAssocID="{DC7052BA-6824-425D-9D5B-8F68AEFC503A}" presName="parentTextArrow" presStyleLbl="node1" presStyleIdx="3" presStyleCnt="6"/>
+      <dgm:spPr/>
+    </dgm:pt>
+    <dgm:pt modelId="{5343DFD1-6676-4477-B01B-D4786D06E521}" type="pres">
+      <dgm:prSet presAssocID="{FB578EED-E3AB-4C03-B05C-C2716EC63CDC}" presName="sp" presStyleCnt="0"/>
+      <dgm:spPr/>
+    </dgm:pt>
+    <dgm:pt modelId="{08CB0253-5E48-43A6-AF33-15BFAF68E325}" type="pres">
+      <dgm:prSet presAssocID="{A2D7EB2D-0668-4109-9D03-E7D6E87F907E}" presName="arrowAndChildren" presStyleCnt="0"/>
+      <dgm:spPr/>
+    </dgm:pt>
+    <dgm:pt modelId="{6DE4AAD6-20AF-4588-ACAE-590156253BD9}" type="pres">
+      <dgm:prSet presAssocID="{A2D7EB2D-0668-4109-9D03-E7D6E87F907E}" presName="parentTextArrow" presStyleLbl="node1" presStyleIdx="4" presStyleCnt="6"/>
+      <dgm:spPr/>
+    </dgm:pt>
+    <dgm:pt modelId="{0C98547B-8BA5-4C96-951F-9F84B39FC938}" type="pres">
+      <dgm:prSet presAssocID="{57A476C0-5241-4374-BC86-CAB24475C01C}" presName="sp" presStyleCnt="0"/>
+      <dgm:spPr/>
+    </dgm:pt>
+    <dgm:pt modelId="{57F34214-69AD-433C-9854-DE2250BCD06E}" type="pres">
+      <dgm:prSet presAssocID="{861C9607-2264-4302-B248-7EBF8E2E8ECA}" presName="arrowAndChildren" presStyleCnt="0"/>
+      <dgm:spPr/>
+    </dgm:pt>
+    <dgm:pt modelId="{92215185-05D6-4A1F-B98F-A4AD56658169}" type="pres">
+      <dgm:prSet presAssocID="{861C9607-2264-4302-B248-7EBF8E2E8ECA}" presName="parentTextArrow" presStyleLbl="node1" presStyleIdx="5" presStyleCnt="6"/>
+      <dgm:spPr/>
+    </dgm:pt>
+  </dgm:ptLst>
+  <dgm:cxnLst>
+    <dgm:cxn modelId="{5D50782B-6D7A-4B6A-9823-1B59AEA8BF05}" type="presOf" srcId="{F1400AC2-F179-4196-9EAB-D0752078AFD4}" destId="{DDA1DCD6-E736-4FFA-AA05-5051E0E2B253}" srcOrd="0" destOrd="0" presId="urn:microsoft.com/office/officeart/2005/8/layout/process4"/>
+    <dgm:cxn modelId="{24F4C038-B5D1-4DCF-8CD7-6D61A062DC34}" srcId="{F1400AC2-F179-4196-9EAB-D0752078AFD4}" destId="{08BD2C9B-4ADF-44D4-8668-68DC507C8CB1}" srcOrd="3" destOrd="0" parTransId="{D4BC8ED3-FB77-4F58-859B-46996D74FA99}" sibTransId="{BFD4ADAC-007E-4F2D-8015-CDA5793E26E9}"/>
+    <dgm:cxn modelId="{C9595939-572E-40F0-A09E-97B9479403A8}" srcId="{F1400AC2-F179-4196-9EAB-D0752078AFD4}" destId="{DC7052BA-6824-425D-9D5B-8F68AEFC503A}" srcOrd="2" destOrd="0" parTransId="{1B185CDB-0E07-4A88-A314-9F9720AA8BD0}" sibTransId="{856EA059-57F8-4524-B59C-8E64B5CD5AC3}"/>
+    <dgm:cxn modelId="{6B09CF3B-110A-4E80-AC42-B6E69C0F71F2}" type="presOf" srcId="{570AD39C-65D8-4118-A957-80E724E5FD16}" destId="{EC7F126F-6A67-4DB0-AB86-F5EE921CD0E0}" srcOrd="0" destOrd="0" presId="urn:microsoft.com/office/officeart/2005/8/layout/process4"/>
+    <dgm:cxn modelId="{71FA9360-3807-4B45-93C3-D58048C2FDAA}" type="presOf" srcId="{861C9607-2264-4302-B248-7EBF8E2E8ECA}" destId="{92215185-05D6-4A1F-B98F-A4AD56658169}" srcOrd="0" destOrd="0" presId="urn:microsoft.com/office/officeart/2005/8/layout/process4"/>
+    <dgm:cxn modelId="{CCD1BD61-2202-4F16-9B24-F03E3C399271}" srcId="{F1400AC2-F179-4196-9EAB-D0752078AFD4}" destId="{A2D7EB2D-0668-4109-9D03-E7D6E87F907E}" srcOrd="1" destOrd="0" parTransId="{2484FC0C-6097-4B58-B67F-F4AD396847BE}" sibTransId="{FB578EED-E3AB-4C03-B05C-C2716EC63CDC}"/>
+    <dgm:cxn modelId="{BEE10A80-C268-4513-8896-94250DB34DA0}" srcId="{F1400AC2-F179-4196-9EAB-D0752078AFD4}" destId="{570AD39C-65D8-4118-A957-80E724E5FD16}" srcOrd="4" destOrd="0" parTransId="{22A01D28-8939-4D89-9FE2-7E1C390DCB27}" sibTransId="{5F61EF1D-4E16-41DC-B4F9-B38EFA6EC3E0}"/>
+    <dgm:cxn modelId="{17F801AA-DD1F-41F4-87CC-7177195E2B46}" type="presOf" srcId="{A2D7EB2D-0668-4109-9D03-E7D6E87F907E}" destId="{6DE4AAD6-20AF-4588-ACAE-590156253BD9}" srcOrd="0" destOrd="0" presId="urn:microsoft.com/office/officeart/2005/8/layout/process4"/>
+    <dgm:cxn modelId="{ABC8CDC5-E3D1-428E-A5C1-4FD12D6FDB53}" type="presOf" srcId="{05F8E9C4-FC80-45E7-BC0B-A573DEF4B834}" destId="{6CAD42DD-2CB3-46A0-81BF-676DCEE95094}" srcOrd="0" destOrd="0" presId="urn:microsoft.com/office/officeart/2005/8/layout/process4"/>
+    <dgm:cxn modelId="{215955C6-8DA0-4F31-8845-5B51F7D30074}" type="presOf" srcId="{08BD2C9B-4ADF-44D4-8668-68DC507C8CB1}" destId="{C64F082D-B4A4-470C-9CAF-8ED80B4FE4BB}" srcOrd="0" destOrd="0" presId="urn:microsoft.com/office/officeart/2005/8/layout/process4"/>
+    <dgm:cxn modelId="{463A81CC-7E09-4906-9C63-6F83D3DB6672}" srcId="{F1400AC2-F179-4196-9EAB-D0752078AFD4}" destId="{05F8E9C4-FC80-45E7-BC0B-A573DEF4B834}" srcOrd="5" destOrd="0" parTransId="{7AF23F23-8485-4CCB-926D-A631DF1E04C9}" sibTransId="{ECE0E3E6-9D73-45F7-835D-574023F1A53E}"/>
+    <dgm:cxn modelId="{97DC7ADF-1D27-4E29-87E1-8320FC9F14E2}" type="presOf" srcId="{DC7052BA-6824-425D-9D5B-8F68AEFC503A}" destId="{E45F03E2-B813-42B5-B1C4-4C58276521C5}" srcOrd="0" destOrd="0" presId="urn:microsoft.com/office/officeart/2005/8/layout/process4"/>
+    <dgm:cxn modelId="{92763DE6-BA83-4F96-84A0-8D704DCFF6ED}" srcId="{F1400AC2-F179-4196-9EAB-D0752078AFD4}" destId="{861C9607-2264-4302-B248-7EBF8E2E8ECA}" srcOrd="0" destOrd="0" parTransId="{92E74221-A648-40DE-BF29-42666E30900C}" sibTransId="{57A476C0-5241-4374-BC86-CAB24475C01C}"/>
+    <dgm:cxn modelId="{3BCA4860-9882-408F-ADDD-A9DC7E2D7616}" type="presParOf" srcId="{DDA1DCD6-E736-4FFA-AA05-5051E0E2B253}" destId="{EB30F741-898B-418D-820B-AC0169E34672}" srcOrd="0" destOrd="0" presId="urn:microsoft.com/office/officeart/2005/8/layout/process4"/>
+    <dgm:cxn modelId="{6E968A16-857B-4891-8B31-E51864ED9A77}" type="presParOf" srcId="{EB30F741-898B-418D-820B-AC0169E34672}" destId="{6CAD42DD-2CB3-46A0-81BF-676DCEE95094}" srcOrd="0" destOrd="0" presId="urn:microsoft.com/office/officeart/2005/8/layout/process4"/>
+    <dgm:cxn modelId="{573EC217-9FF3-4221-9908-A18A13F6C456}" type="presParOf" srcId="{DDA1DCD6-E736-4FFA-AA05-5051E0E2B253}" destId="{11E04369-C809-4A95-AFC4-35D3AAA09EF6}" srcOrd="1" destOrd="0" presId="urn:microsoft.com/office/officeart/2005/8/layout/process4"/>
+    <dgm:cxn modelId="{810CAEB1-336E-48D3-9D32-ADC4062E4F16}" type="presParOf" srcId="{DDA1DCD6-E736-4FFA-AA05-5051E0E2B253}" destId="{858C957D-598A-472D-A7FC-3E643B2AF248}" srcOrd="2" destOrd="0" presId="urn:microsoft.com/office/officeart/2005/8/layout/process4"/>
+    <dgm:cxn modelId="{FAFFB8EC-14F7-45C2-A1C2-D9A0034EF787}" type="presParOf" srcId="{858C957D-598A-472D-A7FC-3E643B2AF248}" destId="{EC7F126F-6A67-4DB0-AB86-F5EE921CD0E0}" srcOrd="0" destOrd="0" presId="urn:microsoft.com/office/officeart/2005/8/layout/process4"/>
+    <dgm:cxn modelId="{413B87CF-96A6-4B84-B6C4-861693A4EB8E}" type="presParOf" srcId="{DDA1DCD6-E736-4FFA-AA05-5051E0E2B253}" destId="{A966957C-7099-4A3C-9630-4B05CAF97F6B}" srcOrd="3" destOrd="0" presId="urn:microsoft.com/office/officeart/2005/8/layout/process4"/>
+    <dgm:cxn modelId="{FA2D1A6E-05E9-4B25-A33F-B77F76E5E561}" type="presParOf" srcId="{DDA1DCD6-E736-4FFA-AA05-5051E0E2B253}" destId="{69E7769B-CD84-4270-832D-9B5554270F55}" srcOrd="4" destOrd="0" presId="urn:microsoft.com/office/officeart/2005/8/layout/process4"/>
+    <dgm:cxn modelId="{9290B61D-2E3F-45BA-92D7-43E830CF6744}" type="presParOf" srcId="{69E7769B-CD84-4270-832D-9B5554270F55}" destId="{C64F082D-B4A4-470C-9CAF-8ED80B4FE4BB}" srcOrd="0" destOrd="0" presId="urn:microsoft.com/office/officeart/2005/8/layout/process4"/>
+    <dgm:cxn modelId="{09DEE481-0078-44F4-A859-13D1DEC08A43}" type="presParOf" srcId="{DDA1DCD6-E736-4FFA-AA05-5051E0E2B253}" destId="{B4F94D58-E9BE-4889-AF48-E1D7DAF77ED4}" srcOrd="5" destOrd="0" presId="urn:microsoft.com/office/officeart/2005/8/layout/process4"/>
+    <dgm:cxn modelId="{FBE20719-DE1A-4ABA-83C9-A7C6D2BDB7EE}" type="presParOf" srcId="{DDA1DCD6-E736-4FFA-AA05-5051E0E2B253}" destId="{BD259854-D2C8-4B2D-BE88-94179035F4A8}" srcOrd="6" destOrd="0" presId="urn:microsoft.com/office/officeart/2005/8/layout/process4"/>
+    <dgm:cxn modelId="{FD737E9D-4558-4A95-92F6-195C005FBE29}" type="presParOf" srcId="{BD259854-D2C8-4B2D-BE88-94179035F4A8}" destId="{E45F03E2-B813-42B5-B1C4-4C58276521C5}" srcOrd="0" destOrd="0" presId="urn:microsoft.com/office/officeart/2005/8/layout/process4"/>
+    <dgm:cxn modelId="{6D4E2E00-410C-4FCF-B3C7-21F744D1439B}" type="presParOf" srcId="{DDA1DCD6-E736-4FFA-AA05-5051E0E2B253}" destId="{5343DFD1-6676-4477-B01B-D4786D06E521}" srcOrd="7" destOrd="0" presId="urn:microsoft.com/office/officeart/2005/8/layout/process4"/>
+    <dgm:cxn modelId="{DBC0DCF6-0302-4A0D-A5B1-D1F333D764A3}" type="presParOf" srcId="{DDA1DCD6-E736-4FFA-AA05-5051E0E2B253}" destId="{08CB0253-5E48-43A6-AF33-15BFAF68E325}" srcOrd="8" destOrd="0" presId="urn:microsoft.com/office/officeart/2005/8/layout/process4"/>
+    <dgm:cxn modelId="{B86C2284-246B-4877-97B5-2CD45161EF87}" type="presParOf" srcId="{08CB0253-5E48-43A6-AF33-15BFAF68E325}" destId="{6DE4AAD6-20AF-4588-ACAE-590156253BD9}" srcOrd="0" destOrd="0" presId="urn:microsoft.com/office/officeart/2005/8/layout/process4"/>
+    <dgm:cxn modelId="{AC3B7CDF-3636-4C1A-9C19-48DF73C2CD38}" type="presParOf" srcId="{DDA1DCD6-E736-4FFA-AA05-5051E0E2B253}" destId="{0C98547B-8BA5-4C96-951F-9F84B39FC938}" srcOrd="9" destOrd="0" presId="urn:microsoft.com/office/officeart/2005/8/layout/process4"/>
+    <dgm:cxn modelId="{31D2009C-B4DA-4E95-B1A9-7AB2D8D8CA86}" type="presParOf" srcId="{DDA1DCD6-E736-4FFA-AA05-5051E0E2B253}" destId="{57F34214-69AD-433C-9854-DE2250BCD06E}" srcOrd="10" destOrd="0" presId="urn:microsoft.com/office/officeart/2005/8/layout/process4"/>
+    <dgm:cxn modelId="{CA072C65-C642-4A1B-B625-7503F726BD5B}" type="presParOf" srcId="{57F34214-69AD-433C-9854-DE2250BCD06E}" destId="{92215185-05D6-4A1F-B98F-A4AD56658169}" srcOrd="0" destOrd="0" presId="urn:microsoft.com/office/officeart/2005/8/layout/process4"/>
+  </dgm:cxnLst>
+  <dgm:bg/>
+  <dgm:whole/>
+  <dgm:extLst>
+    <a:ext uri="http://schemas.microsoft.com/office/drawing/2008/diagram">
+      <dsp:dataModelExt xmlns:dsp="http://schemas.microsoft.com/office/drawing/2008/diagram" relId="rId8" minVer="http://schemas.openxmlformats.org/drawingml/2006/diagram"/>
+    </a:ext>
+  </dgm:extLst>
+</dgm:dataModel>
+</file>
+
+<file path=ppt/diagrams/drawing1.xml><?xml version="1.0" encoding="utf-8"?>
+<dsp:drawing xmlns:dgm="http://schemas.openxmlformats.org/drawingml/2006/diagram" xmlns:dsp="http://schemas.microsoft.com/office/drawing/2008/diagram" xmlns:a="http://schemas.openxmlformats.org/drawingml/2006/main">
+  <dsp:spTree>
+    <dsp:nvGrpSpPr>
+      <dsp:cNvPr id="0" name=""/>
+      <dsp:cNvGrpSpPr/>
+    </dsp:nvGrpSpPr>
+    <dsp:grpSpPr/>
+    <dsp:sp modelId="{6CAD42DD-2CB3-46A0-81BF-676DCEE95094}">
+      <dsp:nvSpPr>
+        <dsp:cNvPr id="0" name=""/>
+        <dsp:cNvSpPr/>
+      </dsp:nvSpPr>
+      <dsp:spPr>
+        <a:xfrm>
+          <a:off x="0" y="4557123"/>
+          <a:ext cx="8128000" cy="598119"/>
+        </a:xfrm>
+        <a:prstGeom prst="rect">
+          <a:avLst/>
+        </a:prstGeom>
+        <a:solidFill>
+          <a:schemeClr val="accent2">
+            <a:hueOff val="0"/>
+            <a:satOff val="0"/>
+            <a:lumOff val="0"/>
+            <a:alphaOff val="0"/>
+          </a:schemeClr>
+        </a:solidFill>
+        <a:ln w="19050" cap="flat" cmpd="sng" algn="ctr">
+          <a:solidFill>
+            <a:schemeClr val="lt1">
+              <a:hueOff val="0"/>
+              <a:satOff val="0"/>
+              <a:lumOff val="0"/>
+              <a:alphaOff val="0"/>
+            </a:schemeClr>
+          </a:solidFill>
+          <a:prstDash val="solid"/>
+          <a:miter lim="800000"/>
+        </a:ln>
+        <a:effectLst/>
+      </dsp:spPr>
+      <dsp:style>
+        <a:lnRef idx="3">
+          <a:scrgbClr r="0" g="0" b="0"/>
+        </a:lnRef>
+        <a:fillRef idx="1">
+          <a:scrgbClr r="0" g="0" b="0"/>
+        </a:fillRef>
+        <a:effectRef idx="1">
+          <a:scrgbClr r="0" g="0" b="0"/>
+        </a:effectRef>
+        <a:fontRef idx="minor">
+          <a:schemeClr val="lt1"/>
+        </a:fontRef>
+      </dsp:style>
+      <dsp:txBody>
+        <a:bodyPr spcFirstLastPara="0" vert="horz" wrap="square" lIns="149352" tIns="149352" rIns="149352" bIns="149352" numCol="1" spcCol="1270" anchor="ctr" anchorCtr="0">
+          <a:noAutofit/>
+        </a:bodyPr>
+        <a:lstStyle/>
+        <a:p>
+          <a:pPr marL="0" lvl="0" indent="0" algn="ctr" defTabSz="933450">
+            <a:lnSpc>
+              <a:spcPct val="90000"/>
+            </a:lnSpc>
+            <a:spcBef>
+              <a:spcPct val="0"/>
+            </a:spcBef>
+            <a:spcAft>
+              <a:spcPct val="35000"/>
+            </a:spcAft>
+            <a:buNone/>
+          </a:pPr>
+          <a:r>
+            <a:rPr lang="en-US" sz="2100" b="1" u="sng" kern="1200" dirty="0" err="1">
+              <a:latin typeface="Euclid Circular B" panose="020B0504000000000000" pitchFamily="34" charset="0"/>
+              <a:ea typeface="Euclid Circular B" panose="020B0504000000000000" pitchFamily="34" charset="0"/>
+            </a:rPr>
+            <a:t>Domain</a:t>
+          </a:r>
+          <a:r>
+            <a:rPr lang="en-US" sz="2100" kern="1200" dirty="0" err="1">
+              <a:latin typeface="Euclid Circular B" panose="020B0504000000000000" pitchFamily="34" charset="0"/>
+              <a:ea typeface="Euclid Circular B" panose="020B0504000000000000" pitchFamily="34" charset="0"/>
+            </a:rPr>
+            <a:t>TenantResolver</a:t>
+          </a:r>
+          <a:endParaRPr lang="en-US" sz="2100" kern="1200" dirty="0">
+            <a:latin typeface="Euclid Circular B" panose="020B0504000000000000" pitchFamily="34" charset="0"/>
+            <a:ea typeface="Euclid Circular B" panose="020B0504000000000000" pitchFamily="34" charset="0"/>
+          </a:endParaRPr>
+        </a:p>
+      </dsp:txBody>
+      <dsp:txXfrm>
+        <a:off x="0" y="4557123"/>
+        <a:ext cx="8128000" cy="598119"/>
+      </dsp:txXfrm>
+    </dsp:sp>
+    <dsp:sp modelId="{EC7F126F-6A67-4DB0-AB86-F5EE921CD0E0}">
+      <dsp:nvSpPr>
+        <dsp:cNvPr id="0" name=""/>
+        <dsp:cNvSpPr/>
+      </dsp:nvSpPr>
+      <dsp:spPr>
+        <a:xfrm rot="10800000">
+          <a:off x="0" y="3646186"/>
+          <a:ext cx="8128000" cy="919908"/>
+        </a:xfrm>
+        <a:prstGeom prst="upArrowCallout">
+          <a:avLst/>
+        </a:prstGeom>
+        <a:solidFill>
+          <a:schemeClr val="accent2">
+            <a:hueOff val="-291073"/>
+            <a:satOff val="-16786"/>
+            <a:lumOff val="1726"/>
+            <a:alphaOff val="0"/>
+          </a:schemeClr>
+        </a:solidFill>
+        <a:ln w="19050" cap="flat" cmpd="sng" algn="ctr">
+          <a:solidFill>
+            <a:schemeClr val="lt1">
+              <a:hueOff val="0"/>
+              <a:satOff val="0"/>
+              <a:lumOff val="0"/>
+              <a:alphaOff val="0"/>
+            </a:schemeClr>
+          </a:solidFill>
+          <a:prstDash val="solid"/>
+          <a:miter lim="800000"/>
+        </a:ln>
+        <a:effectLst/>
+      </dsp:spPr>
+      <dsp:style>
+        <a:lnRef idx="3">
+          <a:scrgbClr r="0" g="0" b="0"/>
+        </a:lnRef>
+        <a:fillRef idx="1">
+          <a:scrgbClr r="0" g="0" b="0"/>
+        </a:fillRef>
+        <a:effectRef idx="1">
+          <a:scrgbClr r="0" g="0" b="0"/>
+        </a:effectRef>
+        <a:fontRef idx="minor">
+          <a:schemeClr val="lt1"/>
+        </a:fontRef>
+      </dsp:style>
+      <dsp:txBody>
+        <a:bodyPr spcFirstLastPara="0" vert="horz" wrap="square" lIns="149352" tIns="149352" rIns="149352" bIns="149352" numCol="1" spcCol="1270" anchor="ctr" anchorCtr="0">
+          <a:noAutofit/>
+        </a:bodyPr>
+        <a:lstStyle/>
+        <a:p>
+          <a:pPr marL="0" lvl="0" indent="0" algn="ctr" defTabSz="933450">
+            <a:lnSpc>
+              <a:spcPct val="90000"/>
+            </a:lnSpc>
+            <a:spcBef>
+              <a:spcPct val="0"/>
+            </a:spcBef>
+            <a:spcAft>
+              <a:spcPct val="35000"/>
+            </a:spcAft>
+            <a:buNone/>
+          </a:pPr>
+          <a:r>
+            <a:rPr lang="en-US" sz="2100" b="1" u="sng" kern="1200" dirty="0" err="1">
+              <a:latin typeface="Euclid Circular B" panose="020B0504000000000000" pitchFamily="34" charset="0"/>
+              <a:ea typeface="Euclid Circular B" panose="020B0504000000000000" pitchFamily="34" charset="0"/>
+            </a:rPr>
+            <a:t>Cookie</a:t>
+          </a:r>
+          <a:r>
+            <a:rPr lang="en-US" sz="2100" b="0" kern="1200" dirty="0" err="1">
+              <a:latin typeface="Euclid Circular B" panose="020B0504000000000000" pitchFamily="34" charset="0"/>
+              <a:ea typeface="Euclid Circular B" panose="020B0504000000000000" pitchFamily="34" charset="0"/>
+            </a:rPr>
+            <a:t>Tenant</a:t>
+          </a:r>
+          <a:r>
+            <a:rPr lang="en-US" sz="2100" kern="1200" dirty="0" err="1">
+              <a:latin typeface="Euclid Circular B" panose="020B0504000000000000" pitchFamily="34" charset="0"/>
+              <a:ea typeface="Euclid Circular B" panose="020B0504000000000000" pitchFamily="34" charset="0"/>
+            </a:rPr>
+            <a:t>ResolveContributor</a:t>
+          </a:r>
+          <a:endParaRPr lang="en-US" sz="2100" kern="1200" dirty="0">
+            <a:latin typeface="Euclid Circular B" panose="020B0504000000000000" pitchFamily="34" charset="0"/>
+            <a:ea typeface="Euclid Circular B" panose="020B0504000000000000" pitchFamily="34" charset="0"/>
+          </a:endParaRPr>
+        </a:p>
+      </dsp:txBody>
+      <dsp:txXfrm rot="10800000">
+        <a:off x="0" y="3646186"/>
+        <a:ext cx="8128000" cy="597729"/>
+      </dsp:txXfrm>
+    </dsp:sp>
+    <dsp:sp modelId="{C64F082D-B4A4-470C-9CAF-8ED80B4FE4BB}">
+      <dsp:nvSpPr>
+        <dsp:cNvPr id="0" name=""/>
+        <dsp:cNvSpPr/>
+      </dsp:nvSpPr>
+      <dsp:spPr>
+        <a:xfrm rot="10800000">
+          <a:off x="0" y="2735249"/>
+          <a:ext cx="8128000" cy="919908"/>
+        </a:xfrm>
+        <a:prstGeom prst="upArrowCallout">
+          <a:avLst/>
+        </a:prstGeom>
+        <a:solidFill>
+          <a:schemeClr val="accent2">
+            <a:hueOff val="-582145"/>
+            <a:satOff val="-33571"/>
+            <a:lumOff val="3451"/>
+            <a:alphaOff val="0"/>
+          </a:schemeClr>
+        </a:solidFill>
+        <a:ln w="19050" cap="flat" cmpd="sng" algn="ctr">
+          <a:solidFill>
+            <a:schemeClr val="lt1">
+              <a:hueOff val="0"/>
+              <a:satOff val="0"/>
+              <a:lumOff val="0"/>
+              <a:alphaOff val="0"/>
+            </a:schemeClr>
+          </a:solidFill>
+          <a:prstDash val="solid"/>
+          <a:miter lim="800000"/>
+        </a:ln>
+        <a:effectLst/>
+      </dsp:spPr>
+      <dsp:style>
+        <a:lnRef idx="3">
+          <a:scrgbClr r="0" g="0" b="0"/>
+        </a:lnRef>
+        <a:fillRef idx="1">
+          <a:scrgbClr r="0" g="0" b="0"/>
+        </a:fillRef>
+        <a:effectRef idx="1">
+          <a:scrgbClr r="0" g="0" b="0"/>
+        </a:effectRef>
+        <a:fontRef idx="minor">
+          <a:schemeClr val="lt1"/>
+        </a:fontRef>
+      </dsp:style>
+      <dsp:txBody>
+        <a:bodyPr spcFirstLastPara="0" vert="horz" wrap="square" lIns="149352" tIns="149352" rIns="149352" bIns="149352" numCol="1" spcCol="1270" anchor="ctr" anchorCtr="0">
+          <a:noAutofit/>
+        </a:bodyPr>
+        <a:lstStyle/>
+        <a:p>
+          <a:pPr marL="0" lvl="0" indent="0" algn="ctr" defTabSz="933450">
+            <a:lnSpc>
+              <a:spcPct val="90000"/>
+            </a:lnSpc>
+            <a:spcBef>
+              <a:spcPct val="0"/>
+            </a:spcBef>
+            <a:spcAft>
+              <a:spcPct val="35000"/>
+            </a:spcAft>
+            <a:buNone/>
+          </a:pPr>
+          <a:r>
+            <a:rPr lang="en-US" sz="2100" b="1" u="sng" kern="1200" dirty="0" err="1">
+              <a:latin typeface="Euclid Circular B" panose="020B0504000000000000" pitchFamily="34" charset="0"/>
+              <a:ea typeface="Euclid Circular B" panose="020B0504000000000000" pitchFamily="34" charset="0"/>
+            </a:rPr>
+            <a:t>Header</a:t>
+          </a:r>
+          <a:r>
+            <a:rPr lang="en-US" sz="2100" b="0" kern="1200" dirty="0" err="1">
+              <a:latin typeface="Euclid Circular B" panose="020B0504000000000000" pitchFamily="34" charset="0"/>
+              <a:ea typeface="Euclid Circular B" panose="020B0504000000000000" pitchFamily="34" charset="0"/>
+            </a:rPr>
+            <a:t>Tenant</a:t>
+          </a:r>
+          <a:r>
+            <a:rPr lang="en-US" sz="2100" kern="1200" dirty="0" err="1">
+              <a:latin typeface="Euclid Circular B" panose="020B0504000000000000" pitchFamily="34" charset="0"/>
+              <a:ea typeface="Euclid Circular B" panose="020B0504000000000000" pitchFamily="34" charset="0"/>
+            </a:rPr>
+            <a:t>ResolveContributor</a:t>
+          </a:r>
+          <a:endParaRPr lang="en-US" sz="2100" kern="1200" dirty="0">
+            <a:latin typeface="Euclid Circular B" panose="020B0504000000000000" pitchFamily="34" charset="0"/>
+            <a:ea typeface="Euclid Circular B" panose="020B0504000000000000" pitchFamily="34" charset="0"/>
+          </a:endParaRPr>
+        </a:p>
+      </dsp:txBody>
+      <dsp:txXfrm rot="10800000">
+        <a:off x="0" y="2735249"/>
+        <a:ext cx="8128000" cy="597729"/>
+      </dsp:txXfrm>
+    </dsp:sp>
+    <dsp:sp modelId="{E45F03E2-B813-42B5-B1C4-4C58276521C5}">
+      <dsp:nvSpPr>
+        <dsp:cNvPr id="0" name=""/>
+        <dsp:cNvSpPr/>
+      </dsp:nvSpPr>
+      <dsp:spPr>
+        <a:xfrm rot="10800000">
+          <a:off x="0" y="1824313"/>
+          <a:ext cx="8128000" cy="919908"/>
+        </a:xfrm>
+        <a:prstGeom prst="upArrowCallout">
+          <a:avLst/>
+        </a:prstGeom>
+        <a:solidFill>
+          <a:schemeClr val="accent2">
+            <a:hueOff val="-873218"/>
+            <a:satOff val="-50357"/>
+            <a:lumOff val="5177"/>
+            <a:alphaOff val="0"/>
+          </a:schemeClr>
+        </a:solidFill>
+        <a:ln w="19050" cap="flat" cmpd="sng" algn="ctr">
+          <a:solidFill>
+            <a:schemeClr val="lt1">
+              <a:hueOff val="0"/>
+              <a:satOff val="0"/>
+              <a:lumOff val="0"/>
+              <a:alphaOff val="0"/>
+            </a:schemeClr>
+          </a:solidFill>
+          <a:prstDash val="solid"/>
+          <a:miter lim="800000"/>
+        </a:ln>
+        <a:effectLst/>
+      </dsp:spPr>
+      <dsp:style>
+        <a:lnRef idx="3">
+          <a:scrgbClr r="0" g="0" b="0"/>
+        </a:lnRef>
+        <a:fillRef idx="1">
+          <a:scrgbClr r="0" g="0" b="0"/>
+        </a:fillRef>
+        <a:effectRef idx="1">
+          <a:scrgbClr r="0" g="0" b="0"/>
+        </a:effectRef>
+        <a:fontRef idx="minor">
+          <a:schemeClr val="lt1"/>
+        </a:fontRef>
+      </dsp:style>
+      <dsp:txBody>
+        <a:bodyPr spcFirstLastPara="0" vert="horz" wrap="square" lIns="149352" tIns="149352" rIns="149352" bIns="149352" numCol="1" spcCol="1270" anchor="ctr" anchorCtr="0">
+          <a:noAutofit/>
+        </a:bodyPr>
+        <a:lstStyle/>
+        <a:p>
+          <a:pPr marL="0" lvl="0" indent="0" algn="ctr" defTabSz="933450">
+            <a:lnSpc>
+              <a:spcPct val="90000"/>
+            </a:lnSpc>
+            <a:spcBef>
+              <a:spcPct val="0"/>
+            </a:spcBef>
+            <a:spcAft>
+              <a:spcPct val="35000"/>
+            </a:spcAft>
+            <a:buNone/>
+          </a:pPr>
+          <a:r>
+            <a:rPr lang="en-US" sz="2100" b="1" u="sng" kern="1200" dirty="0" err="1">
+              <a:latin typeface="Euclid Circular B" panose="020B0504000000000000" pitchFamily="34" charset="0"/>
+              <a:ea typeface="Euclid Circular B" panose="020B0504000000000000" pitchFamily="34" charset="0"/>
+            </a:rPr>
+            <a:t>Route</a:t>
+          </a:r>
+          <a:r>
+            <a:rPr lang="en-US" sz="2100" b="0" kern="1200" dirty="0" err="1">
+              <a:latin typeface="Euclid Circular B" panose="020B0504000000000000" pitchFamily="34" charset="0"/>
+              <a:ea typeface="Euclid Circular B" panose="020B0504000000000000" pitchFamily="34" charset="0"/>
+            </a:rPr>
+            <a:t>Tenant</a:t>
+          </a:r>
+          <a:r>
+            <a:rPr lang="en-US" sz="2100" kern="1200" dirty="0" err="1">
+              <a:latin typeface="Euclid Circular B" panose="020B0504000000000000" pitchFamily="34" charset="0"/>
+              <a:ea typeface="Euclid Circular B" panose="020B0504000000000000" pitchFamily="34" charset="0"/>
+            </a:rPr>
+            <a:t>ResolveContributor</a:t>
+          </a:r>
+          <a:endParaRPr lang="en-US" sz="2100" kern="1200" dirty="0">
+            <a:latin typeface="Euclid Circular B" panose="020B0504000000000000" pitchFamily="34" charset="0"/>
+            <a:ea typeface="Euclid Circular B" panose="020B0504000000000000" pitchFamily="34" charset="0"/>
+          </a:endParaRPr>
+        </a:p>
+      </dsp:txBody>
+      <dsp:txXfrm rot="10800000">
+        <a:off x="0" y="1824313"/>
+        <a:ext cx="8128000" cy="597729"/>
+      </dsp:txXfrm>
+    </dsp:sp>
+    <dsp:sp modelId="{6DE4AAD6-20AF-4588-ACAE-590156253BD9}">
+      <dsp:nvSpPr>
+        <dsp:cNvPr id="0" name=""/>
+        <dsp:cNvSpPr/>
+      </dsp:nvSpPr>
+      <dsp:spPr>
+        <a:xfrm rot="10800000">
+          <a:off x="0" y="913376"/>
+          <a:ext cx="8128000" cy="919908"/>
+        </a:xfrm>
+        <a:prstGeom prst="upArrowCallout">
+          <a:avLst/>
+        </a:prstGeom>
+        <a:solidFill>
+          <a:schemeClr val="accent2">
+            <a:hueOff val="-1164290"/>
+            <a:satOff val="-67142"/>
+            <a:lumOff val="6902"/>
+            <a:alphaOff val="0"/>
+          </a:schemeClr>
+        </a:solidFill>
+        <a:ln w="19050" cap="flat" cmpd="sng" algn="ctr">
+          <a:solidFill>
+            <a:schemeClr val="lt1">
+              <a:hueOff val="0"/>
+              <a:satOff val="0"/>
+              <a:lumOff val="0"/>
+              <a:alphaOff val="0"/>
+            </a:schemeClr>
+          </a:solidFill>
+          <a:prstDash val="solid"/>
+          <a:miter lim="800000"/>
+        </a:ln>
+        <a:effectLst/>
+      </dsp:spPr>
+      <dsp:style>
+        <a:lnRef idx="3">
+          <a:scrgbClr r="0" g="0" b="0"/>
+        </a:lnRef>
+        <a:fillRef idx="1">
+          <a:scrgbClr r="0" g="0" b="0"/>
+        </a:fillRef>
+        <a:effectRef idx="1">
+          <a:scrgbClr r="0" g="0" b="0"/>
+        </a:effectRef>
+        <a:fontRef idx="minor">
+          <a:schemeClr val="lt1"/>
+        </a:fontRef>
+      </dsp:style>
+      <dsp:txBody>
+        <a:bodyPr spcFirstLastPara="0" vert="horz" wrap="square" lIns="149352" tIns="149352" rIns="149352" bIns="149352" numCol="1" spcCol="1270" anchor="ctr" anchorCtr="0">
+          <a:noAutofit/>
+        </a:bodyPr>
+        <a:lstStyle/>
+        <a:p>
+          <a:pPr marL="0" lvl="0" indent="0" algn="ctr" defTabSz="933450">
+            <a:lnSpc>
+              <a:spcPct val="90000"/>
+            </a:lnSpc>
+            <a:spcBef>
+              <a:spcPct val="0"/>
+            </a:spcBef>
+            <a:spcAft>
+              <a:spcPct val="35000"/>
+            </a:spcAft>
+            <a:buNone/>
+          </a:pPr>
+          <a:r>
+            <a:rPr lang="en-US" sz="2100" b="1" u="sng" kern="1200" dirty="0" err="1">
+              <a:latin typeface="Euclid Circular B" panose="020B0504000000000000" pitchFamily="34" charset="0"/>
+              <a:ea typeface="Euclid Circular B" panose="020B0504000000000000" pitchFamily="34" charset="0"/>
+            </a:rPr>
+            <a:t>QueryString</a:t>
+          </a:r>
+          <a:r>
+            <a:rPr lang="en-US" sz="2100" kern="1200" dirty="0" err="1">
+              <a:latin typeface="Euclid Circular B" panose="020B0504000000000000" pitchFamily="34" charset="0"/>
+              <a:ea typeface="Euclid Circular B" panose="020B0504000000000000" pitchFamily="34" charset="0"/>
+            </a:rPr>
+            <a:t>TenantResolveContributor</a:t>
+          </a:r>
+          <a:endParaRPr lang="en-US" sz="2100" kern="1200" dirty="0">
+            <a:latin typeface="Euclid Circular B" panose="020B0504000000000000" pitchFamily="34" charset="0"/>
+            <a:ea typeface="Euclid Circular B" panose="020B0504000000000000" pitchFamily="34" charset="0"/>
+          </a:endParaRPr>
+        </a:p>
+      </dsp:txBody>
+      <dsp:txXfrm rot="10800000">
+        <a:off x="0" y="913376"/>
+        <a:ext cx="8128000" cy="597729"/>
+      </dsp:txXfrm>
+    </dsp:sp>
+    <dsp:sp modelId="{92215185-05D6-4A1F-B98F-A4AD56658169}">
+      <dsp:nvSpPr>
+        <dsp:cNvPr id="0" name=""/>
+        <dsp:cNvSpPr/>
+      </dsp:nvSpPr>
+      <dsp:spPr>
+        <a:xfrm rot="10800000">
+          <a:off x="0" y="2439"/>
+          <a:ext cx="8128000" cy="919908"/>
+        </a:xfrm>
+        <a:prstGeom prst="upArrowCallout">
+          <a:avLst/>
+        </a:prstGeom>
+        <a:solidFill>
+          <a:schemeClr val="accent2">
+            <a:hueOff val="-1455363"/>
+            <a:satOff val="-83928"/>
+            <a:lumOff val="8628"/>
+            <a:alphaOff val="0"/>
+          </a:schemeClr>
+        </a:solidFill>
+        <a:ln w="19050" cap="flat" cmpd="sng" algn="ctr">
+          <a:solidFill>
+            <a:schemeClr val="lt1">
+              <a:hueOff val="0"/>
+              <a:satOff val="0"/>
+              <a:lumOff val="0"/>
+              <a:alphaOff val="0"/>
+            </a:schemeClr>
+          </a:solidFill>
+          <a:prstDash val="solid"/>
+          <a:miter lim="800000"/>
+        </a:ln>
+        <a:effectLst/>
+      </dsp:spPr>
+      <dsp:style>
+        <a:lnRef idx="3">
+          <a:scrgbClr r="0" g="0" b="0"/>
+        </a:lnRef>
+        <a:fillRef idx="1">
+          <a:scrgbClr r="0" g="0" b="0"/>
+        </a:fillRef>
+        <a:effectRef idx="1">
+          <a:scrgbClr r="0" g="0" b="0"/>
+        </a:effectRef>
+        <a:fontRef idx="minor">
+          <a:schemeClr val="lt1"/>
+        </a:fontRef>
+      </dsp:style>
+      <dsp:txBody>
+        <a:bodyPr spcFirstLastPara="0" vert="horz" wrap="square" lIns="149352" tIns="149352" rIns="149352" bIns="149352" numCol="1" spcCol="1270" anchor="ctr" anchorCtr="0">
+          <a:noAutofit/>
+        </a:bodyPr>
+        <a:lstStyle/>
+        <a:p>
+          <a:pPr marL="0" lvl="0" indent="0" algn="ctr" defTabSz="933450">
+            <a:lnSpc>
+              <a:spcPct val="90000"/>
+            </a:lnSpc>
+            <a:spcBef>
+              <a:spcPct val="0"/>
+            </a:spcBef>
+            <a:spcAft>
+              <a:spcPct val="35000"/>
+            </a:spcAft>
+            <a:buFont typeface="+mj-lt"/>
+            <a:buNone/>
+          </a:pPr>
+          <a:r>
+            <a:rPr lang="en-US" sz="2100" b="1" u="sng" kern="1200" dirty="0" err="1">
+              <a:latin typeface="Euclid Circular B" panose="020B0504000000000000" pitchFamily="34" charset="0"/>
+              <a:ea typeface="Euclid Circular B" panose="020B0504000000000000" pitchFamily="34" charset="0"/>
+            </a:rPr>
+            <a:t>CurrentUser</a:t>
+          </a:r>
+          <a:r>
+            <a:rPr lang="en-US" sz="2100" kern="1200" dirty="0" err="1">
+              <a:latin typeface="Euclid Circular B" panose="020B0504000000000000" pitchFamily="34" charset="0"/>
+              <a:ea typeface="Euclid Circular B" panose="020B0504000000000000" pitchFamily="34" charset="0"/>
+            </a:rPr>
+            <a:t>TenantResolveContributor</a:t>
+          </a:r>
+          <a:endParaRPr lang="tr-TR" sz="2100" kern="1200" dirty="0"/>
+        </a:p>
+      </dsp:txBody>
+      <dsp:txXfrm rot="10800000">
+        <a:off x="0" y="2439"/>
+        <a:ext cx="8128000" cy="597729"/>
+      </dsp:txXfrm>
+    </dsp:sp>
+  </dsp:spTree>
+</dsp:drawing>
+</file>
+
+<file path=ppt/diagrams/layout1.xml><?xml version="1.0" encoding="utf-8"?>
+<dgm:layoutDef xmlns:dgm="http://schemas.openxmlformats.org/drawingml/2006/diagram" xmlns:a="http://schemas.openxmlformats.org/drawingml/2006/main" uniqueId="urn:microsoft.com/office/officeart/2005/8/layout/process4">
+  <dgm:title val=""/>
+  <dgm:desc val=""/>
+  <dgm:catLst>
+    <dgm:cat type="process" pri="16000"/>
+    <dgm:cat type="list" pri="20000"/>
+  </dgm:catLst>
+  <dgm:sampData>
+    <dgm:dataModel>
+      <dgm:ptLst>
+        <dgm:pt modelId="0" type="doc"/>
+        <dgm:pt modelId="1">
+          <dgm:prSet phldr="1"/>
+        </dgm:pt>
+        <dgm:pt modelId="11">
+          <dgm:prSet phldr="1"/>
+        </dgm:pt>
+        <dgm:pt modelId="12">
+          <dgm:prSet phldr="1"/>
+        </dgm:pt>
+        <dgm:pt modelId="2">
+          <dgm:prSet phldr="1"/>
+        </dgm:pt>
+        <dgm:pt modelId="21">
+          <dgm:prSet phldr="1"/>
+        </dgm:pt>
+        <dgm:pt modelId="22">
+          <dgm:prSet phldr="1"/>
+        </dgm:pt>
+        <dgm:pt modelId="3">
+          <dgm:prSet phldr="1"/>
+        </dgm:pt>
+        <dgm:pt modelId="31">
+          <dgm:prSet phldr="1"/>
+        </dgm:pt>
+        <dgm:pt modelId="32">
+          <dgm:prSet phldr="1"/>
+        </dgm:pt>
+      </dgm:ptLst>
+      <dgm:cxnLst>
+        <dgm:cxn modelId="4" srcId="0" destId="1" srcOrd="0" destOrd="0"/>
+        <dgm:cxn modelId="5" srcId="0" destId="2" srcOrd="1" destOrd="0"/>
+        <dgm:cxn modelId="6" srcId="0" destId="3" srcOrd="2" destOrd="0"/>
+        <dgm:cxn modelId="13" srcId="1" destId="11" srcOrd="0" destOrd="0"/>
+        <dgm:cxn modelId="14" srcId="1" destId="12" srcOrd="1" destOrd="0"/>
+        <dgm:cxn modelId="23" srcId="2" destId="21" srcOrd="0" destOrd="0"/>
+        <dgm:cxn modelId="24" srcId="2" destId="22" srcOrd="1" destOrd="0"/>
+        <dgm:cxn modelId="33" srcId="3" destId="31" srcOrd="0" destOrd="0"/>
+        <dgm:cxn modelId="34" srcId="3" destId="32" srcOrd="1" destOrd="0"/>
+      </dgm:cxnLst>
+      <dgm:bg/>
+      <dgm:whole/>
+    </dgm:dataModel>
+  </dgm:sampData>
+  <dgm:styleData>
+    <dgm:dataModel>
+      <dgm:ptLst>
+        <dgm:pt modelId="0" type="doc"/>
+        <dgm:pt modelId="1"/>
+        <dgm:pt modelId="11"/>
+        <dgm:pt modelId="2"/>
+        <dgm:pt modelId="21"/>
+      </dgm:ptLst>
+      <dgm:cxnLst>
+        <dgm:cxn modelId="4" srcId="0" destId="1" srcOrd="0" destOrd="0"/>
+        <dgm:cxn modelId="5" srcId="0" destId="2" srcOrd="1" destOrd="0"/>
+        <dgm:cxn modelId="13" srcId="1" destId="11" srcOrd="0" destOrd="0"/>
+        <dgm:cxn modelId="23" srcId="2" destId="21" srcOrd="0" destOrd="0"/>
+      </dgm:cxnLst>
+      <dgm:bg/>
+      <dgm:whole/>
+    </dgm:dataModel>
+  </dgm:styleData>
+  <dgm:clrData>
+    <dgm:dataModel>
+      <dgm:ptLst>
+        <dgm:pt modelId="0" type="doc"/>
+        <dgm:pt modelId="1"/>
+        <dgm:pt modelId="11"/>
+        <dgm:pt modelId="2"/>
+        <dgm:pt modelId="21"/>
+        <dgm:pt modelId="3"/>
+        <dgm:pt modelId="31"/>
+        <dgm:pt modelId="4"/>
+        <dgm:pt modelId="41"/>
+      </dgm:ptLst>
+      <dgm:cxnLst>
+        <dgm:cxn modelId="5" srcId="0" destId="1" srcOrd="0" destOrd="0"/>
+        <dgm:cxn modelId="6" srcId="0" destId="2" srcOrd="1" destOrd="0"/>
+        <dgm:cxn modelId="7" srcId="0" destId="3" srcOrd="2" destOrd="0"/>
+        <dgm:cxn modelId="8" srcId="0" destId="4" srcOrd="3" destOrd="0"/>
+        <dgm:cxn modelId="13" srcId="1" destId="11" srcOrd="0" destOrd="0"/>
+        <dgm:cxn modelId="23" srcId="2" destId="21" srcOrd="0" destOrd="0"/>
+        <dgm:cxn modelId="33" srcId="3" destId="31" srcOrd="0" destOrd="0"/>
+        <dgm:cxn modelId="43" srcId="4" destId="41" srcOrd="0" destOrd="0"/>
+      </dgm:cxnLst>
+      <dgm:bg/>
+      <dgm:whole/>
+    </dgm:dataModel>
+  </dgm:clrData>
+  <dgm:layoutNode name="Name0">
+    <dgm:varLst>
+      <dgm:dir/>
+      <dgm:animLvl val="lvl"/>
+      <dgm:resizeHandles val="exact"/>
+    </dgm:varLst>
+    <dgm:alg type="lin">
+      <dgm:param type="linDir" val="fromB"/>
+    </dgm:alg>
+    <dgm:shape xmlns:r="http://schemas.openxmlformats.org/officeDocument/2006/relationships" r:blip="">
+      <dgm:adjLst/>
+    </dgm:shape>
+    <dgm:presOf/>
+    <dgm:constrLst>
+      <dgm:constr type="h" for="ch" forName="boxAndChildren" refType="h"/>
+      <dgm:constr type="h" for="ch" forName="arrowAndChildren" refType="h" refFor="ch" refForName="boxAndChildren" op="equ" fact="1.538"/>
+      <dgm:constr type="w" for="ch" forName="arrowAndChildren" refType="w"/>
+      <dgm:constr type="w" for="ch" forName="boxAndChildren" refType="w"/>
+      <dgm:constr type="h" for="ch" forName="sp" refType="h" fact="-0.015"/>
+      <dgm:constr type="primFontSz" for="des" forName="parentTextBox" val="65"/>
+      <dgm:constr type="primFontSz" for="des" forName="parentTextArrow" refType="primFontSz" refFor="des" refForName="parentTextBox" op="equ"/>
+      <dgm:constr type="primFontSz" for="des" forName="childTextArrow" val="65"/>
+      <dgm:constr type="primFontSz" for="des" forName="childTextBox" refType="primFontSz" refFor="des" refForName="childTextArrow" op="equ"/>
+    </dgm:constrLst>
+    <dgm:ruleLst/>
+    <dgm:forEach name="Name1" axis="ch" ptType="node" st="-1" step="-1">
+      <dgm:choose name="Name2">
+        <dgm:if name="Name3" axis="self" ptType="node" func="revPos" op="equ" val="1">
+          <dgm:layoutNode name="boxAndChildren">
+            <dgm:alg type="composite"/>
+            <dgm:shape xmlns:r="http://schemas.openxmlformats.org/officeDocument/2006/relationships" r:blip="">
+              <dgm:adjLst/>
+            </dgm:shape>
+            <dgm:presOf/>
+            <dgm:choose name="Name4">
+              <dgm:if name="Name5" axis="ch" ptType="node" func="cnt" op="gte" val="1">
+                <dgm:constrLst>
+                  <dgm:constr type="w" for="ch" forName="parentTextBox" refType="w"/>
+                  <dgm:constr type="h" for="ch" forName="parentTextBox" refType="h" fact="0.54"/>
+                  <dgm:constr type="t" for="ch" forName="parentTextBox"/>
+                  <dgm:constr type="w" for="ch" forName="entireBox" refType="w"/>
+                  <dgm:constr type="h" for="ch" forName="entireBox" refType="h"/>
+                  <dgm:constr type="w" for="ch" forName="descendantBox" refType="w"/>
+                  <dgm:constr type="b" for="ch" forName="descendantBox" refType="h" fact="0.98"/>
+                  <dgm:constr type="h" for="ch" forName="descendantBox" refType="h" fact="0.46"/>
+                </dgm:constrLst>
+              </dgm:if>
+              <dgm:else name="Name6">
+                <dgm:constrLst>
+                  <dgm:constr type="w" for="ch" forName="parentTextBox" refType="w"/>
+                  <dgm:constr type="h" for="ch" forName="parentTextBox" refType="h"/>
+                </dgm:constrLst>
+              </dgm:else>
+            </dgm:choose>
+            <dgm:ruleLst/>
+            <dgm:layoutNode name="parentTextBox">
+              <dgm:alg type="tx"/>
+              <dgm:choose name="Name7">
+                <dgm:if name="Name8" axis="ch" ptType="node" func="cnt" op="gte" val="1">
+                  <dgm:shape xmlns:r="http://schemas.openxmlformats.org/officeDocument/2006/relationships" type="rect" r:blip="" zOrderOff="1" hideGeom="1">
+                    <dgm:adjLst/>
+                  </dgm:shape>
+                </dgm:if>
+                <dgm:else name="Name9">
+                  <dgm:shape xmlns:r="http://schemas.openxmlformats.org/officeDocument/2006/relationships" type="rect" r:blip="">
+                    <dgm:adjLst/>
+                  </dgm:shape>
+                </dgm:else>
+              </dgm:choose>
+              <dgm:presOf axis="self"/>
+              <dgm:constrLst/>
+              <dgm:ruleLst>
+                <dgm:rule type="primFontSz" val="5" fact="NaN" max="NaN"/>
+              </dgm:ruleLst>
+            </dgm:layoutNode>
+            <dgm:choose name="Name10">
+              <dgm:if name="Name11" axis="ch" ptType="node" func="cnt" op="gte" val="1">
+                <dgm:layoutNode name="entireBox">
+                  <dgm:alg type="sp"/>
+                  <dgm:shape xmlns:r="http://schemas.openxmlformats.org/officeDocument/2006/relationships" type="rect" r:blip="">
+                    <dgm:adjLst/>
+                  </dgm:shape>
+                  <dgm:presOf axis="self"/>
+                  <dgm:constrLst/>
+                  <dgm:ruleLst/>
+                </dgm:layoutNode>
+                <dgm:layoutNode name="descendantBox" styleLbl="fgAccFollowNode1">
+                  <dgm:choose name="Name12">
+                    <dgm:if name="Name13" func="var" arg="dir" op="equ" val="norm">
+                      <dgm:alg type="lin"/>
+                    </dgm:if>
+                    <dgm:else name="Name14">
+                      <dgm:alg type="lin">
+                        <dgm:param type="linDir" val="fromR"/>
+                      </dgm:alg>
+                    </dgm:else>
+                  </dgm:choose>
+                  <dgm:shape xmlns:r="http://schemas.openxmlformats.org/officeDocument/2006/relationships" r:blip="">
+                    <dgm:adjLst/>
+                  </dgm:shape>
+                  <dgm:presOf/>
+                  <dgm:constrLst>
+                    <dgm:constr type="w" for="ch" forName="childTextBox" refType="w"/>
+                    <dgm:constr type="h" for="ch" forName="childTextBox" refType="h"/>
+                  </dgm:constrLst>
+                  <dgm:ruleLst/>
+                  <dgm:forEach name="Name15" axis="ch" ptType="node">
+                    <dgm:layoutNode name="childTextBox" styleLbl="fgAccFollowNode1">
+                      <dgm:varLst>
+                        <dgm:bulletEnabled val="1"/>
+                      </dgm:varLst>
+                      <dgm:alg type="tx"/>
+                      <dgm:shape xmlns:r="http://schemas.openxmlformats.org/officeDocument/2006/relationships" type="rect" r:blip="">
+                        <dgm:adjLst/>
+                      </dgm:shape>
+                      <dgm:presOf axis="desOrSelf" ptType="node"/>
+                      <dgm:constrLst>
+                        <dgm:constr type="tMarg" refType="primFontSz" fact="0.1"/>
+                        <dgm:constr type="bMarg" refType="primFontSz" fact="0.1"/>
+                      </dgm:constrLst>
+                      <dgm:ruleLst>
+                        <dgm:rule type="primFontSz" val="5" fact="NaN" max="NaN"/>
+                      </dgm:ruleLst>
+                    </dgm:layoutNode>
+                  </dgm:forEach>
+                </dgm:layoutNode>
+              </dgm:if>
+              <dgm:else name="Name16"/>
+            </dgm:choose>
+          </dgm:layoutNode>
+        </dgm:if>
+        <dgm:else name="Name17">
+          <dgm:layoutNode name="arrowAndChildren">
+            <dgm:alg type="composite"/>
+            <dgm:shape xmlns:r="http://schemas.openxmlformats.org/officeDocument/2006/relationships" r:blip="">
+              <dgm:adjLst/>
+            </dgm:shape>
+            <dgm:presOf/>
+            <dgm:choose name="Name18">
+              <dgm:if name="Name19" axis="ch" ptType="node" func="cnt" op="gte" val="1">
+                <dgm:constrLst>
+                  <dgm:constr type="w" for="ch" forName="parentTextArrow" refType="w"/>
+                  <dgm:constr type="t" for="ch" forName="parentTextArrow"/>
+                  <dgm:constr type="h" for="ch" forName="parentTextArrow" refType="h" fact="0.351"/>
+                  <dgm:constr type="w" for="ch" forName="arrow" refType="w"/>
+                  <dgm:constr type="h" for="ch" forName="arrow" refType="h"/>
+                  <dgm:constr type="w" for="ch" forName="descendantArrow" refType="w"/>
+                  <dgm:constr type="b" for="ch" forName="descendantArrow" refType="h" fact="0.65"/>
+                  <dgm:constr type="h" for="ch" forName="descendantArrow" refType="h" fact="0.299"/>
+                </dgm:constrLst>
+              </dgm:if>
+              <dgm:else name="Name20">
+                <dgm:constrLst>
+                  <dgm:constr type="w" for="ch" forName="parentTextArrow" refType="w"/>
+                  <dgm:constr type="h" for="ch" forName="parentTextArrow" refType="h"/>
+                </dgm:constrLst>
+              </dgm:else>
+            </dgm:choose>
+            <dgm:ruleLst/>
+            <dgm:layoutNode name="parentTextArrow">
+              <dgm:alg type="tx"/>
+              <dgm:choose name="Name21">
+                <dgm:if name="Name22" axis="ch" ptType="node" func="cnt" op="gte" val="1">
+                  <dgm:shape xmlns:r="http://schemas.openxmlformats.org/officeDocument/2006/relationships" type="rect" r:blip="" zOrderOff="1" hideGeom="1">
+                    <dgm:adjLst/>
+                  </dgm:shape>
+                </dgm:if>
+                <dgm:else name="Name23">
+                  <dgm:shape xmlns:r="http://schemas.openxmlformats.org/officeDocument/2006/relationships" rot="180" type="upArrowCallout" r:blip="">
+                    <dgm:adjLst/>
+                  </dgm:shape>
+                </dgm:else>
+              </dgm:choose>
+              <dgm:presOf axis="self"/>
+              <dgm:constrLst/>
+              <dgm:ruleLst>
+                <dgm:rule type="primFontSz" val="5" fact="NaN" max="NaN"/>
+              </dgm:ruleLst>
+            </dgm:layoutNode>
+            <dgm:choose name="Name24">
+              <dgm:if name="Name25" axis="ch" ptType="node" func="cnt" op="gte" val="1">
+                <dgm:layoutNode name="arrow">
+                  <dgm:alg type="sp"/>
+                  <dgm:shape xmlns:r="http://schemas.openxmlformats.org/officeDocument/2006/relationships" rot="180" type="upArrowCallout" r:blip="">
+                    <dgm:adjLst/>
+                  </dgm:shape>
+                  <dgm:presOf axis="self"/>
+                  <dgm:constrLst/>
+                  <dgm:ruleLst/>
+                </dgm:layoutNode>
+                <dgm:layoutNode name="descendantArrow">
+                  <dgm:choose name="Name26">
+                    <dgm:if name="Name27" func="var" arg="dir" op="equ" val="norm">
+                      <dgm:alg type="lin"/>
+                    </dgm:if>
+                    <dgm:else name="Name28">
+                      <dgm:alg type="lin">
+                        <dgm:param type="linDir" val="fromR"/>
+                      </dgm:alg>
+                    </dgm:else>
+                  </dgm:choose>
+                  <dgm:shape xmlns:r="http://schemas.openxmlformats.org/officeDocument/2006/relationships" r:blip="">
+                    <dgm:adjLst/>
+                  </dgm:shape>
+                  <dgm:presOf/>
+                  <dgm:constrLst>
+                    <dgm:constr type="w" for="ch" forName="childTextArrow" refType="w"/>
+                    <dgm:constr type="h" for="ch" forName="childTextArrow" refType="h"/>
+                  </dgm:constrLst>
+                  <dgm:ruleLst/>
+                  <dgm:forEach name="Name29" axis="ch" ptType="node">
+                    <dgm:layoutNode name="childTextArrow" styleLbl="fgAccFollowNode1">
+                      <dgm:varLst>
+                        <dgm:bulletEnabled val="1"/>
+                      </dgm:varLst>
+                      <dgm:alg type="tx"/>
+                      <dgm:shape xmlns:r="http://schemas.openxmlformats.org/officeDocument/2006/relationships" type="rect" r:blip="">
+                        <dgm:adjLst/>
+                      </dgm:shape>
+                      <dgm:presOf axis="desOrSelf" ptType="node"/>
+                      <dgm:constrLst>
+                        <dgm:constr type="tMarg" refType="primFontSz" fact="0.1"/>
+                        <dgm:constr type="bMarg" refType="primFontSz" fact="0.1"/>
+                      </dgm:constrLst>
+                      <dgm:ruleLst>
+                        <dgm:rule type="primFontSz" val="5" fact="NaN" max="NaN"/>
+                      </dgm:ruleLst>
+                    </dgm:layoutNode>
+                  </dgm:forEach>
+                </dgm:layoutNode>
+              </dgm:if>
+              <dgm:else name="Name30"/>
+            </dgm:choose>
+          </dgm:layoutNode>
+        </dgm:else>
+      </dgm:choose>
+      <dgm:forEach name="Name31" axis="precedSib" ptType="sibTrans" st="-1" cnt="1">
+        <dgm:layoutNode name="sp">
+          <dgm:alg type="sp"/>
+          <dgm:shape xmlns:r="http://schemas.openxmlformats.org/officeDocument/2006/relationships" r:blip="">
+            <dgm:adjLst/>
+          </dgm:shape>
+          <dgm:presOf axis="self"/>
+          <dgm:constrLst/>
+          <dgm:ruleLst/>
+        </dgm:layoutNode>
+      </dgm:forEach>
+    </dgm:forEach>
+  </dgm:layoutNode>
+</dgm:layoutDef>
+</file>
+
+<file path=ppt/diagrams/quickStyle1.xml><?xml version="1.0" encoding="utf-8"?>
+<dgm:styleDef xmlns:dgm="http://schemas.openxmlformats.org/drawingml/2006/diagram" xmlns:a="http://schemas.openxmlformats.org/drawingml/2006/main" uniqueId="urn:microsoft.com/office/officeart/2005/8/quickstyle/simple2">
+  <dgm:title val=""/>
+  <dgm:desc val=""/>
+  <dgm:catLst>
+    <dgm:cat type="simple" pri="10200"/>
+  </dgm:catLst>
+  <dgm:scene3d>
+    <a:camera prst="orthographicFront"/>
+    <a:lightRig rig="threePt" dir="t"/>
+  </dgm:scene3d>
+  <dgm:styleLbl name="node0">
+    <dgm:scene3d>
+      <a:camera prst="orthographicFront"/>
+      <a:lightRig rig="threePt" dir="t"/>
+    </dgm:scene3d>
+    <dgm:sp3d/>
+    <dgm:txPr/>
+    <dgm:style>
+      <a:lnRef idx="3">
+        <a:scrgbClr r="0" g="0" b="0"/>
+      </a:lnRef>
+      <a:fillRef idx="1">
+        <a:scrgbClr r="0" g="0" b="0"/>
+      </a:fillRef>
+      <a:effectRef idx="1">
+        <a:scrgbClr r="0" g="0" b="0"/>
+      </a:effectRef>
+      <a:fontRef idx="minor">
+        <a:schemeClr val="lt1"/>
+      </a:fontRef>
+    </dgm:style>
+  </dgm:styleLbl>
+  <dgm:styleLbl name="lnNode1">
+    <dgm:scene3d>
+      <a:camera prst="orthographicFront"/>
+      <a:lightRig rig="threePt" dir="t"/>
+    </dgm:scene3d>
+    <dgm:sp3d/>
+    <dgm:txPr/>
+    <dgm:style>
+      <a:lnRef idx="3">
+        <a:scrgbClr r="0" g="0" b="0"/>
+      </a:lnRef>
+      <a:fillRef idx="1">
+        <a:scrgbClr r="0" g="0" b="0"/>
+      </a:fillRef>
+      <a:effectRef idx="1">
+        <a:scrgbClr r="0" g="0" b="0"/>
+      </a:effectRef>
+      <a:fontRef idx="minor">
+        <a:schemeClr val="lt1"/>
+      </a:fontRef>
+    </dgm:style>
+  </dgm:styleLbl>
+  <dgm:styleLbl name="vennNode1">
+    <dgm:scene3d>
+      <a:camera prst="orthographicFront"/>
+      <a:lightRig rig="threePt" dir="t"/>
+    </dgm:scene3d>
+    <dgm:sp3d/>
+    <dgm:txPr/>
+    <dgm:style>
+      <a:lnRef idx="3">
+        <a:scrgbClr r="0" g="0" b="0"/>
+      </a:lnRef>
+      <a:fillRef idx="1">
+        <a:scrgbClr r="0" g="0" b="0"/>
+      </a:fillRef>
+      <a:effectRef idx="0">
+        <a:scrgbClr r="0" g="0" b="0"/>
+      </a:effectRef>
+      <a:fontRef idx="minor">
+        <a:schemeClr val="tx1"/>
+      </a:fontRef>
+    </dgm:style>
+  </dgm:styleLbl>
+  <dgm:styleLbl name="alignNode1">
+    <dgm:scene3d>
+      <a:camera prst="orthographicFront"/>
+      <a:lightRig rig="threePt" dir="t"/>
+    </dgm:scene3d>
+    <dgm:sp3d/>
+    <dgm:txPr/>
+    <dgm:style>
+      <a:lnRef idx="2">
+        <a:scrgbClr r="0" g="0" b="0"/>
+      </a:lnRef>
+      <a:fillRef idx="1">
+        <a:scrgbClr r="0" g="0" b="0"/>
+      </a:fillRef>
+      <a:effectRef idx="1">
+        <a:scrgbClr r="0" g="0" b="0"/>
+      </a:effectRef>
+      <a:fontRef idx="minor">
+        <a:schemeClr val="lt1"/>
+      </a:fontRef>
+    </dgm:style>
+  </dgm:styleLbl>
+  <dgm:styleLbl name="node1">
+    <dgm:scene3d>
+      <a:camera prst="orthographicFront"/>
+      <a:lightRig rig="threePt" dir="t"/>
+    </dgm:scene3d>
+    <dgm:sp3d/>
+    <dgm:txPr/>
+    <dgm:style>
+      <a:lnRef idx="3">
+        <a:scrgbClr r="0" g="0" b="0"/>
+      </a:lnRef>
+      <a:fillRef idx="1">
+        <a:scrgbClr r="0" g="0" b="0"/>
+      </a:fillRef>
+      <a:effectRef idx="1">
+        <a:scrgbClr r="0" g="0" b="0"/>
+      </a:effectRef>
+      <a:fontRef idx="minor">
+        <a:schemeClr val="lt1"/>
+      </a:fontRef>
+    </dgm:style>
+  </dgm:styleLbl>
+  <dgm:styleLbl name="node2">
+    <dgm:scene3d>
+      <a:camera prst="orthographicFront"/>
+      <a:lightRig rig="threePt" dir="t"/>
+    </dgm:scene3d>
+    <dgm:sp3d/>
+    <dgm:txPr/>
+    <dgm:style>
+      <a:lnRef idx="3">
+        <a:scrgbClr r="0" g="0" b="0"/>
+      </a:lnRef>
+      <a:fillRef idx="1">
+        <a:scrgbClr r="0" g="0" b="0"/>
+      </a:fillRef>
+      <a:effectRef idx="1">
+        <a:scrgbClr r="0" g="0" b="0"/>
+      </a:effectRef>
+      <a:fontRef idx="minor">
+        <a:schemeClr val="lt1"/>
+      </a:fontRef>
+    </dgm:style>
+  </dgm:styleLbl>
+  <dgm:styleLbl name="node3">
+    <dgm:scene3d>
+      <a:camera prst="orthographicFront"/>
+      <a:lightRig rig="threePt" dir="t"/>
+    </dgm:scene3d>
+    <dgm:sp3d/>
+    <dgm:txPr/>
+    <dgm:style>
+      <a:lnRef idx="3">
+        <a:scrgbClr r="0" g="0" b="0"/>
+      </a:lnRef>
+      <a:fillRef idx="1">
+        <a:scrgbClr r="0" g="0" b="0"/>
+      </a:fillRef>
+      <a:effectRef idx="1">
+        <a:scrgbClr r="0" g="0" b="0"/>
+      </a:effectRef>
+      <a:fontRef idx="minor">
+        <a:schemeClr val="lt1"/>
+      </a:fontRef>
+    </dgm:style>
+  </dgm:styleLbl>
+  <dgm:styleLbl name="node4">
+    <dgm:scene3d>
+      <a:camera prst="orthographicFront"/>
+      <a:lightRig rig="threePt" dir="t"/>
+    </dgm:scene3d>
+    <dgm:sp3d/>
+    <dgm:txPr/>
+    <dgm:style>
+      <a:lnRef idx="3">
+        <a:scrgbClr r="0" g="0" b="0"/>
+      </a:lnRef>
+      <a:fillRef idx="1">
+        <a:scrgbClr r="0" g="0" b="0"/>
+      </a:fillRef>
+      <a:effectRef idx="1">
+        <a:scrgbClr r="0" g="0" b="0"/>
+      </a:effectRef>
+      <a:fontRef idx="minor">
+        <a:schemeClr val="lt1"/>
+      </a:fontRef>
+    </dgm:style>
+  </dgm:styleLbl>
+  <dgm:styleLbl name="fgImgPlace1">
+    <dgm:scene3d>
+      <a:camera prst="orthographicFront"/>
+      <a:lightRig rig="threePt" dir="t"/>
+    </dgm:scene3d>
+    <dgm:sp3d/>
+    <dgm:txPr/>
+    <dgm:style>
+      <a:lnRef idx="3">
+        <a:scrgbClr r="0" g="0" b="0"/>
+      </a:lnRef>
+      <a:fillRef idx="1">
+        <a:scrgbClr r="0" g="0" b="0"/>
+      </a:fillRef>
+      <a:effectRef idx="1">
+        <a:scrgbClr r="0" g="0" b="0"/>
+      </a:effectRef>
+      <a:fontRef idx="minor"/>
+    </dgm:style>
+  </dgm:styleLbl>
+  <dgm:styleLbl name="alignImgPlace1">
+    <dgm:scene3d>
+      <a:camera prst="orthographicFront"/>
+      <a:lightRig rig="threePt" dir="t"/>
+    </dgm:scene3d>
+    <dgm:sp3d/>
+    <dgm:txPr/>
+    <dgm:style>
+      <a:lnRef idx="3">
+        <a:scrgbClr r="0" g="0" b="0"/>
+      </a:lnRef>
+      <a:fillRef idx="1">
+        <a:scrgbClr r="0" g="0" b="0"/>
+      </a:fillRef>
+      <a:effectRef idx="1">
+        <a:scrgbClr r="0" g="0" b="0"/>
+      </a:effectRef>
+      <a:fontRef idx="minor"/>
+    </dgm:style>
+  </dgm:styleLbl>
+  <dgm:styleLbl name="bgImgPlace1">
+    <dgm:scene3d>
+      <a:camera prst="orthographicFront"/>
+      <a:lightRig rig="threePt" dir="t"/>
+    </dgm:scene3d>
+    <dgm:sp3d/>
+    <dgm:txPr/>
+    <dgm:style>
+      <a:lnRef idx="3">
+        <a:scrgbClr r="0" g="0" b="0"/>
+      </a:lnRef>
+      <a:fillRef idx="1">
+        <a:scrgbClr r="0" g="0" b="0"/>
+      </a:fillRef>
+      <a:effectRef idx="1">
+        <a:scrgbClr r="0" g="0" b="0"/>
+      </a:effectRef>
+      <a:fontRef idx="minor"/>
+    </dgm:style>
+  </dgm:styleLbl>
+  <dgm:styleLbl name="sibTrans2D1">
+    <dgm:scene3d>
+      <a:camera prst="orthographicFront"/>
+      <a:lightRig rig="threePt" dir="t"/>
+    </dgm:scene3d>
+    <dgm:sp3d/>
+    <dgm:txPr/>
+    <dgm:style>
+      <a:lnRef idx="0">
+        <a:scrgbClr r="0" g="0" b="0"/>
+      </a:lnRef>
+      <a:fillRef idx="1">
+        <a:scrgbClr r="0" g="0" b="0"/>
+      </a:fillRef>
+      <a:effectRef idx="1">
+        <a:scrgbClr r="0" g="0" b="0"/>
+      </a:effectRef>
+      <a:fontRef idx="minor">
+        <a:schemeClr val="lt1"/>
+      </a:fontRef>
+    </dgm:style>
+  </dgm:styleLbl>
+  <dgm:styleLbl name="fgSibTrans2D1">
+    <dgm:scene3d>
+      <a:camera prst="orthographicFront"/>
+      <a:lightRig rig="threePt" dir="t"/>
+    </dgm:scene3d>
+    <dgm:sp3d/>
+    <dgm:txPr/>
+    <dgm:style>
+      <a:lnRef idx="0">
+        <a:scrgbClr r="0" g="0" b="0"/>
+      </a:lnRef>
+      <a:fillRef idx="1">
+        <a:scrgbClr r="0" g="0" b="0"/>
+      </a:fillRef>
+      <a:effectRef idx="1">
+        <a:scrgbClr r="0" g="0" b="0"/>
+      </a:effectRef>
+      <a:fontRef idx="minor">
+        <a:schemeClr val="lt1"/>
+      </a:fontRef>
+    </dgm:style>
+  </dgm:styleLbl>
+  <dgm:styleLbl name="bgSibTrans2D1">
+    <dgm:scene3d>
+      <a:camera prst="orthographicFront"/>
+      <a:lightRig rig="threePt" dir="t"/>
+    </dgm:scene3d>
+    <dgm:sp3d/>
+    <dgm:txPr/>
+    <dgm:style>
+      <a:lnRef idx="0">
+        <a:scrgbClr r="0" g="0" b="0"/>
+      </a:lnRef>
+      <a:fillRef idx="1">
+        <a:scrgbClr r="0" g="0" b="0"/>
+      </a:fillRef>
+      <a:effectRef idx="1">
+        <a:scrgbClr r="0" g="0" b="0"/>
+      </a:effectRef>
+      <a:fontRef idx="minor">
+        <a:schemeClr val="lt1"/>
+      </a:fontRef>
+    </dgm:style>
+  </dgm:styleLbl>
+  <dgm:styleLbl name="sibTrans1D1">
+    <dgm:scene3d>
+      <a:camera prst="orthographicFront"/>
+      <a:lightRig rig="threePt" dir="t"/>
+    </dgm:scene3d>
+    <dgm:sp3d/>
+    <dgm:txPr/>
+    <dgm:style>
+      <a:lnRef idx="1">
+        <a:scrgbClr r="0" g="0" b="0"/>
+      </a:lnRef>
+      <a:fillRef idx="0">
+        <a:scrgbClr r="0" g="0" b="0"/>
+      </a:fillRef>
+      <a:effectRef idx="0">
+        <a:scrgbClr r="0" g="0" b="0"/>
+      </a:effectRef>
+      <a:fontRef idx="minor"/>
+    </dgm:style>
+  </dgm:styleLbl>
+  <dgm:styleLbl name="callout">
+    <dgm:scene3d>
+      <a:camera prst="orthographicFront"/>
+      <a:lightRig rig="threePt" dir="t"/>
+    </dgm:scene3d>
+    <dgm:sp3d/>
+    <dgm:txPr/>
+    <dgm:style>
+      <a:lnRef idx="2">
+        <a:scrgbClr r="0" g="0" b="0"/>
+      </a:lnRef>
+      <a:fillRef idx="1">
+        <a:scrgbClr r="0" g="0" b="0"/>
+      </a:fillRef>
+      <a:effectRef idx="1">
+        <a:scrgbClr r="0" g="0" b="0"/>
+      </a:effectRef>
+      <a:fontRef idx="minor"/>
+    </dgm:style>
+  </dgm:styleLbl>
+  <dgm:styleLbl name="asst0">
+    <dgm:scene3d>
+      <a:camera prst="orthographicFront"/>
+      <a:lightRig rig="threePt" dir="t"/>
+    </dgm:scene3d>
+    <dgm:sp3d/>
+    <dgm:txPr/>
+    <dgm:style>
+      <a:lnRef idx="3">
+        <a:scrgbClr r="0" g="0" b="0"/>
+      </a:lnRef>
+      <a:fillRef idx="1">
+        <a:scrgbClr r="0" g="0" b="0"/>
+      </a:fillRef>
+      <a:effectRef idx="1">
+        <a:scrgbClr r="0" g="0" b="0"/>
+      </a:effectRef>
+      <a:fontRef idx="minor">
+        <a:schemeClr val="lt1"/>
+      </a:fontRef>
+    </dgm:style>
+  </dgm:styleLbl>
+  <dgm:styleLbl name="asst1">
+    <dgm:scene3d>
+      <a:camera prst="orthographicFront"/>
+      <a:lightRig rig="threePt" dir="t"/>
+    </dgm:scene3d>
+    <dgm:sp3d/>
+    <dgm:txPr/>
+    <dgm:style>
+      <a:lnRef idx="3">
+        <a:scrgbClr r="0" g="0" b="0"/>
+      </a:lnRef>
+      <a:fillRef idx="1">
+        <a:scrgbClr r="0" g="0" b="0"/>
+      </a:fillRef>
+      <a:effectRef idx="1">
+        <a:scrgbClr r="0" g="0" b="0"/>
+      </a:effectRef>
+      <a:fontRef idx="minor">
+        <a:schemeClr val="lt1"/>
+      </a:fontRef>
+    </dgm:style>
+  </dgm:styleLbl>
+  <dgm:styleLbl name="asst2">
+    <dgm:scene3d>
+      <a:camera prst="orthographicFront"/>
+      <a:lightRig rig="threePt" dir="t"/>
+    </dgm:scene3d>
+    <dgm:sp3d/>
+    <dgm:txPr/>
+    <dgm:style>
+      <a:lnRef idx="3">
+        <a:scrgbClr r="0" g="0" b="0"/>
+      </a:lnRef>
+      <a:fillRef idx="1">
+        <a:scrgbClr r="0" g="0" b="0"/>
+      </a:fillRef>
+      <a:effectRef idx="1">
+        <a:scrgbClr r="0" g="0" b="0"/>
+      </a:effectRef>
+      <a:fontRef idx="minor">
+        <a:schemeClr val="lt1"/>
+      </a:fontRef>
+    </dgm:style>
+  </dgm:styleLbl>
+  <dgm:styleLbl name="asst3">
+    <dgm:scene3d>
+      <a:camera prst="orthographicFront"/>
+      <a:lightRig rig="threePt" dir="t"/>
+    </dgm:scene3d>
+    <dgm:sp3d/>
+    <dgm:txPr/>
+    <dgm:style>
+      <a:lnRef idx="3">
+        <a:scrgbClr r="0" g="0" b="0"/>
+      </a:lnRef>
+      <a:fillRef idx="1">
+        <a:scrgbClr r="0" g="0" b="0"/>
+      </a:fillRef>
+      <a:effectRef idx="1">
+        <a:scrgbClr r="0" g="0" b="0"/>
+      </a:effectRef>
+      <a:fontRef idx="minor">
+        <a:schemeClr val="lt1"/>
+      </a:fontRef>
+    </dgm:style>
+  </dgm:styleLbl>
+  <dgm:styleLbl name="asst4">
+    <dgm:scene3d>
+      <a:camera prst="orthographicFront"/>
+      <a:lightRig rig="threePt" dir="t"/>
+    </dgm:scene3d>
+    <dgm:sp3d/>
+    <dgm:txPr/>
+    <dgm:style>
+      <a:lnRef idx="3">
+        <a:scrgbClr r="0" g="0" b="0"/>
+      </a:lnRef>
+      <a:fillRef idx="1">
+        <a:scrgbClr r="0" g="0" b="0"/>
+      </a:fillRef>
+      <a:effectRef idx="1">
+        <a:scrgbClr r="0" g="0" b="0"/>
+      </a:effectRef>
+      <a:fontRef idx="minor">
+        <a:schemeClr val="lt1"/>
+      </a:fontRef>
+    </dgm:style>
+  </dgm:styleLbl>
+  <dgm:styleLbl name="parChTrans2D1">
+    <dgm:scene3d>
+      <a:camera prst="orthographicFront"/>
+      <a:lightRig rig="threePt" dir="t"/>
+    </dgm:scene3d>
+    <dgm:sp3d/>
+    <dgm:txPr/>
+    <dgm:style>
+      <a:lnRef idx="3">
+        <a:scrgbClr r="0" g="0" b="0"/>
+      </a:lnRef>
+      <a:fillRef idx="1">
+        <a:scrgbClr r="0" g="0" b="0"/>
+      </a:fillRef>
+      <a:effectRef idx="1">
+        <a:scrgbClr r="0" g="0" b="0"/>
+      </a:effectRef>
+      <a:fontRef idx="minor">
+        <a:schemeClr val="lt1"/>
+      </a:fontRef>
+    </dgm:style>
+  </dgm:styleLbl>
+  <dgm:styleLbl name="parChTrans2D2">
+    <dgm:scene3d>
+      <a:camera prst="orthographicFront"/>
+      <a:lightRig rig="threePt" dir="t"/>
+    </dgm:scene3d>
+    <dgm:sp3d/>
+    <dgm:txPr/>
+    <dgm:style>
+      <a:lnRef idx="3">
+        <a:scrgbClr r="0" g="0" b="0"/>
+      </a:lnRef>
+      <a:fillRef idx="1">
+        <a:scrgbClr r="0" g="0" b="0"/>
+      </a:fillRef>
+      <a:effectRef idx="1">
+        <a:scrgbClr r="0" g="0" b="0"/>
+      </a:effectRef>
+      <a:fontRef idx="minor">
+        <a:schemeClr val="lt1"/>
+      </a:fontRef>
+    </dgm:style>
+  </dgm:styleLbl>
+  <dgm:styleLbl name="parChTrans2D3">
+    <dgm:scene3d>
+      <a:camera prst="orthographicFront"/>
+      <a:lightRig rig="threePt" dir="t"/>
+    </dgm:scene3d>
+    <dgm:sp3d/>
+    <dgm:txPr/>
+    <dgm:style>
+      <a:lnRef idx="3">
+        <a:scrgbClr r="0" g="0" b="0"/>
+      </a:lnRef>
+      <a:fillRef idx="1">
+        <a:scrgbClr r="0" g="0" b="0"/>
+      </a:fillRef>
+      <a:effectRef idx="1">
+        <a:scrgbClr r="0" g="0" b="0"/>
+      </a:effectRef>
+      <a:fontRef idx="minor">
+        <a:schemeClr val="lt1"/>
+      </a:fontRef>
+    </dgm:style>
+  </dgm:styleLbl>
+  <dgm:styleLbl name="parChTrans2D4">
+    <dgm:scene3d>
+      <a:camera prst="orthographicFront"/>
+      <a:lightRig rig="threePt" dir="t"/>
+    </dgm:scene3d>
+    <dgm:sp3d/>
+    <dgm:txPr/>
+    <dgm:style>
+      <a:lnRef idx="3">
+        <a:scrgbClr r="0" g="0" b="0"/>
+      </a:lnRef>
+      <a:fillRef idx="1">
+        <a:scrgbClr r="0" g="0" b="0"/>
+      </a:fillRef>
+      <a:effectRef idx="1">
+        <a:scrgbClr r="0" g="0" b="0"/>
+      </a:effectRef>
+      <a:fontRef idx="minor">
+        <a:schemeClr val="lt1"/>
+      </a:fontRef>
+    </dgm:style>
+  </dgm:styleLbl>
+  <dgm:styleLbl name="parChTrans1D1">
+    <dgm:scene3d>
+      <a:camera prst="orthographicFront"/>
+      <a:lightRig rig="threePt" dir="t"/>
+    </dgm:scene3d>
+    <dgm:sp3d/>
+    <dgm:txPr/>
+    <dgm:style>
+      <a:lnRef idx="2">
+        <a:scrgbClr r="0" g="0" b="0"/>
+      </a:lnRef>
+      <a:fillRef idx="0">
+        <a:scrgbClr r="0" g="0" b="0"/>
+      </a:fillRef>
+      <a:effectRef idx="0">
+        <a:scrgbClr r="0" g="0" b="0"/>
+      </a:effectRef>
+      <a:fontRef idx="minor"/>
+    </dgm:style>
+  </dgm:styleLbl>
+  <dgm:styleLbl name="parChTrans1D2">
+    <dgm:scene3d>
+      <a:camera prst="orthographicFront"/>
+      <a:lightRig rig="threePt" dir="t"/>
+    </dgm:scene3d>
+    <dgm:sp3d/>
+    <dgm:txPr/>
+    <dgm:style>
+      <a:lnRef idx="2">
+        <a:scrgbClr r="0" g="0" b="0"/>
+      </a:lnRef>
+      <a:fillRef idx="0">
+        <a:scrgbClr r="0" g="0" b="0"/>
+      </a:fillRef>
+      <a:effectRef idx="0">
+        <a:scrgbClr r="0" g="0" b="0"/>
+      </a:effectRef>
+      <a:fontRef idx="minor"/>
+    </dgm:style>
+  </dgm:styleLbl>
+  <dgm:styleLbl name="parChTrans1D3">
+    <dgm:scene3d>
+      <a:camera prst="orthographicFront"/>
+      <a:lightRig rig="threePt" dir="t"/>
+    </dgm:scene3d>
+    <dgm:sp3d/>
+    <dgm:txPr/>
+    <dgm:style>
+      <a:lnRef idx="2">
+        <a:scrgbClr r="0" g="0" b="0"/>
+      </a:lnRef>
+      <a:fillRef idx="0">
+        <a:scrgbClr r="0" g="0" b="0"/>
+      </a:fillRef>
+      <a:effectRef idx="0">
+        <a:scrgbClr r="0" g="0" b="0"/>
+      </a:effectRef>
+      <a:fontRef idx="minor"/>
+    </dgm:style>
+  </dgm:styleLbl>
+  <dgm:styleLbl name="parChTrans1D4">
+    <dgm:scene3d>
+      <a:camera prst="orthographicFront"/>
+      <a:lightRig rig="threePt" dir="t"/>
+    </dgm:scene3d>
+    <dgm:sp3d/>
+    <dgm:txPr/>
+    <dgm:style>
+      <a:lnRef idx="2">
+        <a:scrgbClr r="0" g="0" b="0"/>
+      </a:lnRef>
+      <a:fillRef idx="0">
+        <a:scrgbClr r="0" g="0" b="0"/>
+      </a:fillRef>
+      <a:effectRef idx="0">
+        <a:scrgbClr r="0" g="0" b="0"/>
+      </a:effectRef>
+      <a:fontRef idx="minor"/>
+    </dgm:style>
+  </dgm:styleLbl>
+  <dgm:styleLbl name="fgAcc1">
+    <dgm:scene3d>
+      <a:camera prst="orthographicFront"/>
+      <a:lightRig rig="threePt" dir="t"/>
+    </dgm:scene3d>
+    <dgm:sp3d/>
+    <dgm:txPr/>
+    <dgm:style>
+      <a:lnRef idx="2">
+        <a:scrgbClr r="0" g="0" b="0"/>
+      </a:lnRef>
+      <a:fillRef idx="1">
+        <a:scrgbClr r="0" g="0" b="0"/>
+      </a:fillRef>
+      <a:effectRef idx="0">
+        <a:scrgbClr r="0" g="0" b="0"/>
+      </a:effectRef>
+      <a:fontRef idx="minor"/>
+    </dgm:style>
+  </dgm:styleLbl>
+  <dgm:styleLbl name="conFgAcc1">
+    <dgm:scene3d>
+      <a:camera prst="orthographicFront"/>
+      <a:lightRig rig="threePt" dir="t"/>
+    </dgm:scene3d>
+    <dgm:sp3d/>
+    <dgm:txPr/>
+    <dgm:style>
+      <a:lnRef idx="2">
+        <a:scrgbClr r="0" g="0" b="0"/>
+      </a:lnRef>
+      <a:fillRef idx="1">
+        <a:scrgbClr r="0" g="0" b="0"/>
+      </a:fillRef>
+      <a:effectRef idx="0">
+        <a:scrgbClr r="0" g="0" b="0"/>
+      </a:effectRef>
+      <a:fontRef idx="minor"/>
+    </dgm:style>
+  </dgm:styleLbl>
+  <dgm:styleLbl name="alignAcc1">
+    <dgm:scene3d>
+      <a:camera prst="orthographicFront"/>
+      <a:lightRig rig="threePt" dir="t"/>
+    </dgm:scene3d>
+    <dgm:sp3d/>
+    <dgm:txPr/>
+    <dgm:style>
+      <a:lnRef idx="2">
+        <a:scrgbClr r="0" g="0" b="0"/>
+      </a:lnRef>
+      <a:fillRef idx="1">
+        <a:scrgbClr r="0" g="0" b="0"/>
+      </a:fillRef>
+      <a:effectRef idx="0">
+        <a:scrgbClr r="0" g="0" b="0"/>
+      </a:effectRef>
+      <a:fontRef idx="minor"/>
+    </dgm:style>
+  </dgm:styleLbl>
+  <dgm:styleLbl name="trAlignAcc1">
+    <dgm:scene3d>
+      <a:camera prst="orthographicFront"/>
+      <a:lightRig rig="threePt" dir="t"/>
+    </dgm:scene3d>
+    <dgm:sp3d/>
+    <dgm:txPr/>
+    <dgm:style>
+      <a:lnRef idx="1">
+        <a:scrgbClr r="0" g="0" b="0"/>
+      </a:lnRef>
+      <a:fillRef idx="1">
+        <a:scrgbClr r="0" g="0" b="0"/>
+      </a:fillRef>
+      <a:effectRef idx="0">
+        <a:scrgbClr r="0" g="0" b="0"/>
+      </a:effectRef>
+      <a:fontRef idx="minor"/>
+    </dgm:style>
+  </dgm:styleLbl>
+  <dgm:styleLbl name="bgAcc1">
+    <dgm:scene3d>
+      <a:camera prst="orthographicFront"/>
+      <a:lightRig rig="threePt" dir="t"/>
+    </dgm:scene3d>
+    <dgm:sp3d/>
+    <dgm:txPr/>
+    <dgm:style>
+      <a:lnRef idx="2">
+        <a:scrgbClr r="0" g="0" b="0"/>
+      </a:lnRef>
+      <a:fillRef idx="1">
+        <a:scrgbClr r="0" g="0" b="0"/>
+      </a:fillRef>
+      <a:effectRef idx="0">
+        <a:scrgbClr r="0" g="0" b="0"/>
+      </a:effectRef>
+      <a:fontRef idx="minor"/>
+    </dgm:style>
+  </dgm:styleLbl>
+  <dgm:styleLbl name="solidFgAcc1">
+    <dgm:scene3d>
+      <a:camera prst="orthographicFront"/>
+      <a:lightRig rig="threePt" dir="t"/>
+    </dgm:scene3d>
+    <dgm:sp3d/>
+    <dgm:txPr/>
+    <dgm:style>
+      <a:lnRef idx="2">
+        <a:scrgbClr r="0" g="0" b="0"/>
+      </a:lnRef>
+      <a:fillRef idx="1">
+        <a:scrgbClr r="0" g="0" b="0"/>
+      </a:fillRef>
+      <a:effectRef idx="0">
+        <a:scrgbClr r="0" g="0" b="0"/>
+      </a:effectRef>
+      <a:fontRef idx="minor"/>
+    </dgm:style>
+  </dgm:styleLbl>
+  <dgm:styleLbl name="solidAlignAcc1">
+    <dgm:scene3d>
+      <a:camera prst="orthographicFront"/>
+      <a:lightRig rig="threePt" dir="t"/>
+    </dgm:scene3d>
+    <dgm:sp3d/>
+    <dgm:txPr/>
+    <dgm:style>
+      <a:lnRef idx="2">
+        <a:scrgbClr r="0" g="0" b="0"/>
+      </a:lnRef>
+      <a:fillRef idx="1">
+        <a:scrgbClr r="0" g="0" b="0"/>
+      </a:fillRef>
+      <a:effectRef idx="0">
+        <a:scrgbClr r="0" g="0" b="0"/>
+      </a:effectRef>
+      <a:fontRef idx="minor"/>
+    </dgm:style>
+  </dgm:styleLbl>
+  <dgm:styleLbl name="solidBgAcc1">
+    <dgm:scene3d>
+      <a:camera prst="orthographicFront"/>
+      <a:lightRig rig="threePt" dir="t"/>
+    </dgm:scene3d>
+    <dgm:sp3d/>
+    <dgm:txPr/>
+    <dgm:style>
+      <a:lnRef idx="2">
+        <a:scrgbClr r="0" g="0" b="0"/>
+      </a:lnRef>
+      <a:fillRef idx="1">
+        <a:scrgbClr r="0" g="0" b="0"/>
+      </a:fillRef>
+      <a:effectRef idx="0">
+        <a:scrgbClr r="0" g="0" b="0"/>
+      </a:effectRef>
+      <a:fontRef idx="minor"/>
+    </dgm:style>
+  </dgm:styleLbl>
+  <dgm:styleLbl name="fgAccFollowNode1">
+    <dgm:scene3d>
+      <a:camera prst="orthographicFront"/>
+      <a:lightRig rig="threePt" dir="t"/>
+    </dgm:scene3d>
+    <dgm:sp3d/>
+    <dgm:txPr/>
+    <dgm:style>
+      <a:lnRef idx="2">
+        <a:scrgbClr r="0" g="0" b="0"/>
+      </a:lnRef>
+      <a:fillRef idx="1">
+        <a:scrgbClr r="0" g="0" b="0"/>
+      </a:fillRef>
+      <a:effectRef idx="0">
+        <a:scrgbClr r="0" g="0" b="0"/>
+      </a:effectRef>
+      <a:fontRef idx="minor"/>
+    </dgm:style>
+  </dgm:styleLbl>
+  <dgm:styleLbl name="alignAccFollowNode1">
+    <dgm:scene3d>
+      <a:camera prst="orthographicFront"/>
+      <a:lightRig rig="threePt" dir="t"/>
+    </dgm:scene3d>
+    <dgm:sp3d/>
+    <dgm:txPr/>
+    <dgm:style>
+      <a:lnRef idx="2">
+        <a:scrgbClr r="0" g="0" b="0"/>
+      </a:lnRef>
+      <a:fillRef idx="1">
+        <a:scrgbClr r="0" g="0" b="0"/>
+      </a:fillRef>
+      <a:effectRef idx="0">
+        <a:scrgbClr r="0" g="0" b="0"/>
+      </a:effectRef>
+      <a:fontRef idx="minor"/>
+    </dgm:style>
+  </dgm:styleLbl>
+  <dgm:styleLbl name="bgAccFollowNode1">
+    <dgm:scene3d>
+      <a:camera prst="orthographicFront"/>
+      <a:lightRig rig="threePt" dir="t"/>
+    </dgm:scene3d>
+    <dgm:sp3d/>
+    <dgm:txPr/>
+    <dgm:style>
+      <a:lnRef idx="2">
+        <a:scrgbClr r="0" g="0" b="0"/>
+      </a:lnRef>
+      <a:fillRef idx="1">
+        <a:scrgbClr r="0" g="0" b="0"/>
+      </a:fillRef>
+      <a:effectRef idx="0">
+        <a:scrgbClr r="0" g="0" b="0"/>
+      </a:effectRef>
+      <a:fontRef idx="minor"/>
+    </dgm:style>
+  </dgm:styleLbl>
+  <dgm:styleLbl name="fgAcc0">
+    <dgm:scene3d>
+      <a:camera prst="orthographicFront"/>
+      <a:lightRig rig="threePt" dir="t"/>
+    </dgm:scene3d>
+    <dgm:sp3d/>
+    <dgm:txPr/>
+    <dgm:style>
+      <a:lnRef idx="2">
+        <a:scrgbClr r="0" g="0" b="0"/>
+      </a:lnRef>
+      <a:fillRef idx="1">
+        <a:scrgbClr r="0" g="0" b="0"/>
+      </a:fillRef>
+      <a:effectRef idx="0">
+        <a:scrgbClr r="0" g="0" b="0"/>
+      </a:effectRef>
+      <a:fontRef idx="minor"/>
+    </dgm:style>
+  </dgm:styleLbl>
+  <dgm:styleLbl name="fgAcc2">
+    <dgm:scene3d>
+      <a:camera prst="orthographicFront"/>
+      <a:lightRig rig="threePt" dir="t"/>
+    </dgm:scene3d>
+    <dgm:sp3d/>
+    <dgm:txPr/>
+    <dgm:style>
+      <a:lnRef idx="2">
+        <a:scrgbClr r="0" g="0" b="0"/>
+      </a:lnRef>
+      <a:fillRef idx="1">
+        <a:scrgbClr r="0" g="0" b="0"/>
+      </a:fillRef>
+      <a:effectRef idx="0">
+        <a:scrgbClr r="0" g="0" b="0"/>
+      </a:effectRef>
+      <a:fontRef idx="minor"/>
+    </dgm:style>
+  </dgm:styleLbl>
+  <dgm:styleLbl name="fgAcc3">
+    <dgm:scene3d>
+      <a:camera prst="orthographicFront"/>
+      <a:lightRig rig="threePt" dir="t"/>
+    </dgm:scene3d>
+    <dgm:sp3d/>
+    <dgm:txPr/>
+    <dgm:style>
+      <a:lnRef idx="2">
+        <a:scrgbClr r="0" g="0" b="0"/>
+      </a:lnRef>
+      <a:fillRef idx="1">
+        <a:scrgbClr r="0" g="0" b="0"/>
+      </a:fillRef>
+      <a:effectRef idx="0">
+        <a:scrgbClr r="0" g="0" b="0"/>
+      </a:effectRef>
+      <a:fontRef idx="minor"/>
+    </dgm:style>
+  </dgm:styleLbl>
+  <dgm:styleLbl name="fgAcc4">
+    <dgm:scene3d>
+      <a:camera prst="orthographicFront"/>
+      <a:lightRig rig="threePt" dir="t"/>
+    </dgm:scene3d>
+    <dgm:sp3d/>
+    <dgm:txPr/>
+    <dgm:style>
+      <a:lnRef idx="2">
+        <a:scrgbClr r="0" g="0" b="0"/>
+      </a:lnRef>
+      <a:fillRef idx="1">
+        <a:scrgbClr r="0" g="0" b="0"/>
+      </a:fillRef>
+      <a:effectRef idx="0">
+        <a:scrgbClr r="0" g="0" b="0"/>
+      </a:effectRef>
+      <a:fontRef idx="minor"/>
+    </dgm:style>
+  </dgm:styleLbl>
+  <dgm:styleLbl name="bgShp">
+    <dgm:scene3d>
+      <a:camera prst="orthographicFront"/>
+      <a:lightRig rig="threePt" dir="t"/>
+    </dgm:scene3d>
+    <dgm:sp3d/>
+    <dgm:txPr/>
+    <dgm:style>
+      <a:lnRef idx="0">
+        <a:scrgbClr r="0" g="0" b="0"/>
+      </a:lnRef>
+      <a:fillRef idx="1">
+        <a:scrgbClr r="0" g="0" b="0"/>
+      </a:fillRef>
+      <a:effectRef idx="0">
+        <a:scrgbClr r="0" g="0" b="0"/>
+      </a:effectRef>
+      <a:fontRef idx="minor"/>
+    </dgm:style>
+  </dgm:styleLbl>
+  <dgm:styleLbl name="dkBgShp">
+    <dgm:scene3d>
+      <a:camera prst="orthographicFront"/>
+      <a:lightRig rig="threePt" dir="t"/>
+    </dgm:scene3d>
+    <dgm:sp3d/>
+    <dgm:txPr/>
+    <dgm:style>
+      <a:lnRef idx="0">
+        <a:scrgbClr r="0" g="0" b="0"/>
+      </a:lnRef>
+      <a:fillRef idx="1">
+        <a:scrgbClr r="0" g="0" b="0"/>
+      </a:fillRef>
+      <a:effectRef idx="0">
+        <a:scrgbClr r="0" g="0" b="0"/>
+      </a:effectRef>
+      <a:fontRef idx="minor"/>
+    </dgm:style>
+  </dgm:styleLbl>
+  <dgm:styleLbl name="trBgShp">
+    <dgm:scene3d>
+      <a:camera prst="orthographicFront"/>
+      <a:lightRig rig="threePt" dir="t"/>
+    </dgm:scene3d>
+    <dgm:sp3d/>
+    <dgm:txPr/>
+    <dgm:style>
+      <a:lnRef idx="0">
+        <a:scrgbClr r="0" g="0" b="0"/>
+      </a:lnRef>
+      <a:fillRef idx="1">
+        <a:scrgbClr r="0" g="0" b="0"/>
+      </a:fillRef>
+      <a:effectRef idx="0">
+        <a:scrgbClr r="0" g="0" b="0"/>
+      </a:effectRef>
+      <a:fontRef idx="minor"/>
+    </dgm:style>
+  </dgm:styleLbl>
+  <dgm:styleLbl name="fgShp">
+    <dgm:scene3d>
+      <a:camera prst="orthographicFront"/>
+      <a:lightRig rig="threePt" dir="t"/>
+    </dgm:scene3d>
+    <dgm:sp3d/>
+    <dgm:txPr/>
+    <dgm:style>
+      <a:lnRef idx="3">
+        <a:scrgbClr r="0" g="0" b="0"/>
+      </a:lnRef>
+      <a:fillRef idx="1">
+        <a:scrgbClr r="0" g="0" b="0"/>
+      </a:fillRef>
+      <a:effectRef idx="1">
+        <a:scrgbClr r="0" g="0" b="0"/>
+      </a:effectRef>
+      <a:fontRef idx="minor"/>
+    </dgm:style>
+  </dgm:styleLbl>
+  <dgm:styleLbl name="revTx">
+    <dgm:scene3d>
+      <a:camera prst="orthographicFront"/>
+      <a:lightRig rig="threePt" dir="t"/>
+    </dgm:scene3d>
+    <dgm:sp3d/>
+    <dgm:txPr/>
+    <dgm:style>
+      <a:lnRef idx="0">
+        <a:scrgbClr r="0" g="0" b="0"/>
+      </a:lnRef>
+      <a:fillRef idx="0">
+        <a:scrgbClr r="0" g="0" b="0"/>
+      </a:fillRef>
+      <a:effectRef idx="0">
+        <a:scrgbClr r="0" g="0" b="0"/>
+      </a:effectRef>
+      <a:fontRef idx="minor"/>
+    </dgm:style>
+  </dgm:styleLbl>
+</dgm:styleDef>
+</file>
+
 <file path=ppt/notesMasters/notesMaster1.xml><?xml version="1.0" encoding="utf-8"?>
 <p:notesMaster xmlns:a="http://schemas.openxmlformats.org/drawingml/2006/main" xmlns:r="http://schemas.openxmlformats.org/officeDocument/2006/relationships" xmlns:p="http://schemas.openxmlformats.org/presentationml/2006/main">
   <p:cSld>
@@ -244,7 +3453,7 @@
           <a:p>
             <a:fld id="{0243448F-3A69-4D00-BEC4-199950B08586}" type="datetimeFigureOut">
               <a:rPr lang="en-US" smtClean="0"/>
-              <a:t>6/17/2025</a:t>
+              <a:t>6/30/2025</a:t>
             </a:fld>
             <a:endParaRPr lang="en-US"/>
           </a:p>
@@ -760,6 +3969,57 @@
             </a:pPr>
             <a:endParaRPr lang="en-US" dirty="0"/>
           </a:p>
+          <a:p>
+            <a:pPr marL="0" marR="0" lvl="0" indent="0" algn="l" defTabSz="914400" rtl="0" eaLnBrk="1" fontAlgn="auto" latinLnBrk="0" hangingPunct="1">
+              <a:lnSpc>
+                <a:spcPct val="100000"/>
+              </a:lnSpc>
+              <a:spcBef>
+                <a:spcPts val="0"/>
+              </a:spcBef>
+              <a:spcAft>
+                <a:spcPts val="0"/>
+              </a:spcAft>
+              <a:buClrTx/>
+              <a:buSzTx/>
+              <a:buFontTx/>
+              <a:buNone/>
+              <a:tabLst/>
+              <a:defRPr/>
+            </a:pPr>
+            <a:endParaRPr lang="en-US" dirty="0"/>
+          </a:p>
+          <a:p>
+            <a:pPr marL="0" marR="0" lvl="0" indent="0" algn="l" defTabSz="914400" rtl="0" eaLnBrk="1" fontAlgn="auto" latinLnBrk="0" hangingPunct="1">
+              <a:lnSpc>
+                <a:spcPct val="100000"/>
+              </a:lnSpc>
+              <a:spcBef>
+                <a:spcPts val="0"/>
+              </a:spcBef>
+              <a:spcAft>
+                <a:spcPts val="0"/>
+              </a:spcAft>
+              <a:buClrTx/>
+              <a:buSzTx/>
+              <a:buFontTx/>
+              <a:buNone/>
+              <a:tabLst/>
+              <a:defRPr/>
+            </a:pPr>
+            <a:r>
+              <a:rPr lang="en-US" dirty="0"/>
+              <a:t>These strategies, known as </a:t>
+            </a:r>
+            <a:r>
+              <a:rPr lang="en-US" i="1" dirty="0"/>
+              <a:t>Tenant Resolve Contributors</a:t>
+            </a:r>
+            <a:r>
+              <a:rPr lang="en-US" dirty="0"/>
+              <a:t>, allow the application to extract the tenant ID from different parts of the HTTP request. Here are the most common sources:</a:t>
+            </a:r>
+          </a:p>
         </p:txBody>
       </p:sp>
       <p:sp>
@@ -2390,10 +5650,10 @@
           <a:p>
             <a:r>
               <a:rPr lang="en-US" dirty="0"/>
-              <a:t>In traditional way, you need to use </a:t>
-            </a:r>
-            <a:r>
-              <a:rPr lang="en-US" b="1" dirty="0"/>
+              <a:t>Use </a:t>
+            </a:r>
+            <a:r>
+              <a:rPr lang="en-US" b="1" dirty="0" err="1"/>
               <a:t>HasQueryFilter</a:t>
             </a:r>
             <a:r>
@@ -3235,13 +6495,6 @@
             </a:r>
           </a:p>
           <a:p>
-            <a:pPr marL="0" indent="0">
-              <a:buFontTx/>
-              <a:buNone/>
-            </a:pPr>
-            <a:endParaRPr lang="en-US" dirty="0"/>
-          </a:p>
-          <a:p>
             <a:pPr marL="0" marR="0" lvl="0" indent="0" algn="l" defTabSz="914400" rtl="0" eaLnBrk="1" fontAlgn="auto" latinLnBrk="0" hangingPunct="1">
               <a:lnSpc>
                 <a:spcPct val="100000"/>
@@ -3262,16 +6515,6 @@
             <a:r>
               <a:rPr lang="en-US" dirty="0"/>
               <a:t>But Row Level Security is relatively complex to implement and you need to stick to SQL Server.</a:t>
-            </a:r>
-          </a:p>
-          <a:p>
-            <a:pPr marL="0" indent="0">
-              <a:buFontTx/>
-              <a:buNone/>
-            </a:pPr>
-            <a:r>
-              <a:rPr lang="en-US" dirty="0"/>
-              <a:t> </a:t>
             </a:r>
           </a:p>
           <a:p>
@@ -3507,16 +6750,9 @@
               <a:defRPr/>
             </a:pPr>
             <a:r>
-              <a:rPr lang="en-US" b="1"/>
+              <a:rPr lang="en-US" b="1" dirty="0"/>
               <a:t>To avoid mistakes.</a:t>
             </a:r>
-          </a:p>
-          <a:p>
-            <a:pPr marL="0" indent="0">
-              <a:buFontTx/>
-              <a:buNone/>
-            </a:pPr>
-            <a:endParaRPr lang="en-US"/>
           </a:p>
           <a:p>
             <a:pPr marL="0" indent="0">
@@ -4203,9 +7439,6 @@
             </a:r>
           </a:p>
           <a:p>
-            <a:endParaRPr lang="en-US" dirty="0"/>
-          </a:p>
-          <a:p>
             <a:r>
               <a:rPr lang="en-US" dirty="0"/>
               <a:t>https://learn.microsoft.com/en-us/dotnet/api/microsoft.entityframeworkcore.dbcontextoptionsbuilder</a:t>
@@ -4396,23 +7629,48 @@
           <a:p>
             <a:r>
               <a:rPr lang="en-US" dirty="0"/>
-              <a:t>In each HTTP request, you can only query for the active tenant.</a:t>
-            </a:r>
-          </a:p>
-          <a:p>
+              <a:t>It may be necessary to change the active tenant When you have </a:t>
+            </a:r>
+            <a:r>
+              <a:rPr lang="en-US" b="1" dirty="0"/>
+              <a:t>background job </a:t>
+            </a:r>
             <a:r>
               <a:rPr lang="en-US" dirty="0"/>
-              <a:t>But sometimes it may be necessary to change the active tenant.</a:t>
-            </a:r>
-          </a:p>
-          <a:p>
+              <a:t>that generates </a:t>
+            </a:r>
+            <a:r>
+              <a:rPr lang="en-US" b="1" dirty="0"/>
+              <a:t>reports </a:t>
+            </a:r>
             <a:r>
               <a:rPr lang="en-US" dirty="0"/>
-              <a:t>For example when you have background job that generates reports for each tenant (or in Windows Services)</a:t>
-            </a:r>
-          </a:p>
-          <a:p>
-            <a:endParaRPr lang="en-US" dirty="0"/>
+              <a:t>for </a:t>
+            </a:r>
+            <a:r>
+              <a:rPr lang="en-US" b="1" dirty="0"/>
+              <a:t>each</a:t>
+            </a:r>
+            <a:r>
+              <a:rPr lang="en-US" dirty="0"/>
+              <a:t> </a:t>
+            </a:r>
+            <a:r>
+              <a:rPr lang="en-US" b="1" dirty="0"/>
+              <a:t>tenant </a:t>
+            </a:r>
+            <a:r>
+              <a:rPr lang="en-US" dirty="0"/>
+              <a:t>(or in </a:t>
+            </a:r>
+            <a:r>
+              <a:rPr lang="en-US" b="1" dirty="0"/>
+              <a:t>Windows Services</a:t>
+            </a:r>
+            <a:r>
+              <a:rPr lang="en-US" dirty="0"/>
+              <a:t>)</a:t>
+            </a:r>
           </a:p>
           <a:p>
             <a:r>
@@ -4520,40 +7778,31 @@
           <a:bodyPr/>
           <a:lstStyle/>
           <a:p>
-            <a:pPr marL="0" marR="0" lvl="0" indent="0" algn="l" defTabSz="914400" rtl="0" eaLnBrk="1" fontAlgn="auto" latinLnBrk="0" hangingPunct="1">
-              <a:lnSpc>
-                <a:spcPct val="100000"/>
-              </a:lnSpc>
-              <a:spcBef>
-                <a:spcPts val="0"/>
-              </a:spcBef>
-              <a:spcAft>
-                <a:spcPts val="0"/>
-              </a:spcAft>
-              <a:buClrTx/>
-              <a:buSzTx/>
-              <a:buFontTx/>
-              <a:buNone/>
-              <a:tabLst/>
-              <a:defRPr/>
-            </a:pPr>
             <a:r>
               <a:rPr lang="en-US" dirty="0"/>
-              <a:t>We created a middleware called </a:t>
-            </a:r>
-            <a:r>
-              <a:rPr lang="en-US" i="1" dirty="0" err="1"/>
+              <a:t>We register a custom </a:t>
+            </a:r>
+            <a:r>
+              <a:rPr lang="en-US" dirty="0" err="1"/>
               <a:t>MultiTenancyMiddleware</a:t>
             </a:r>
             <a:r>
               <a:rPr lang="en-US" dirty="0"/>
-              <a:t>.</a:t>
+              <a:t>. </a:t>
             </a:r>
           </a:p>
           <a:p>
             <a:r>
               <a:rPr lang="en-US" dirty="0"/>
-              <a:t>And we set the current active tenant in this middleware.</a:t>
+              <a:t>This middleware resolves the tenant early in the pipeline and sets the current tenant using _</a:t>
+            </a:r>
+            <a:r>
+              <a:rPr lang="en-US" dirty="0" err="1"/>
+              <a:t>currentTenant.Change</a:t>
+            </a:r>
+            <a:r>
+              <a:rPr lang="en-US" dirty="0"/>
+              <a:t>(). </a:t>
             </a:r>
           </a:p>
         </p:txBody>
@@ -5295,14 +8544,7 @@
           <a:bodyPr/>
           <a:lstStyle/>
           <a:p>
-            <a:r>
-              <a:rPr lang="en-US" dirty="0"/>
-              <a:t>Approach 2: </a:t>
-            </a:r>
-            <a:r>
-              <a:rPr lang="en-US" b="1" dirty="0"/>
-              <a:t>race condition</a:t>
-            </a:r>
+            <a:endParaRPr lang="en-US" b="1" dirty="0"/>
           </a:p>
         </p:txBody>
       </p:sp>
@@ -6445,22 +9687,101 @@
           <a:bodyPr/>
           <a:lstStyle/>
           <a:p>
+            <a:pPr marL="0" indent="0">
+              <a:buFont typeface="Arial" panose="020B0604020202020204" pitchFamily="34" charset="0"/>
+              <a:buNone/>
+            </a:pPr>
+            <a:r>
+              <a:rPr lang="en-US" b="0" dirty="0"/>
+              <a:t>Multi-tenancy; </a:t>
+            </a:r>
+            <a:r>
+              <a:rPr lang="en-US" b="1" dirty="0"/>
+              <a:t>architectural approach</a:t>
+            </a:r>
+            <a:r>
+              <a:rPr lang="en-US" b="1" u="none" noProof="0" dirty="0">
+                <a:latin typeface="Euclid Circular B" panose="020B0504000000000000" pitchFamily="34" charset="0"/>
+                <a:ea typeface="Euclid Circular B" panose="020B0504000000000000" pitchFamily="34" charset="0"/>
+              </a:rPr>
+              <a:t> </a:t>
+            </a:r>
+            <a:r>
+              <a:rPr lang="en-US" b="0" u="none" noProof="0" dirty="0">
+                <a:latin typeface="Euclid Circular B" panose="020B0504000000000000" pitchFamily="34" charset="0"/>
+                <a:ea typeface="Euclid Circular B" panose="020B0504000000000000" pitchFamily="34" charset="0"/>
+              </a:rPr>
+              <a:t>to build </a:t>
+            </a:r>
+            <a:r>
+              <a:rPr lang="en-US" b="1" u="none" noProof="0" dirty="0">
+                <a:latin typeface="Euclid Circular B" panose="020B0504000000000000" pitchFamily="34" charset="0"/>
+                <a:ea typeface="Euclid Circular B" panose="020B0504000000000000" pitchFamily="34" charset="0"/>
+              </a:rPr>
+              <a:t>SaaS</a:t>
+            </a:r>
+            <a:r>
+              <a:rPr lang="en-US" b="0" u="none" noProof="0" dirty="0">
+                <a:latin typeface="Euclid Circular B" panose="020B0504000000000000" pitchFamily="34" charset="0"/>
+                <a:ea typeface="Euclid Circular B" panose="020B0504000000000000" pitchFamily="34" charset="0"/>
+              </a:rPr>
+              <a:t> </a:t>
+            </a:r>
+            <a:endParaRPr lang="en-US" b="0" u="none" dirty="0"/>
+          </a:p>
+          <a:p>
+            <a:pPr marL="0" indent="0">
+              <a:buFont typeface="Arial" panose="020B0604020202020204" pitchFamily="34" charset="0"/>
+              <a:buNone/>
+            </a:pPr>
+            <a:r>
+              <a:rPr lang="en-US" b="1" dirty="0"/>
+              <a:t>Hardware + Software resources</a:t>
+            </a:r>
+            <a:r>
+              <a:rPr lang="en-US" dirty="0"/>
+              <a:t> </a:t>
+            </a:r>
+            <a:r>
+              <a:rPr lang="en-US" b="1" dirty="0"/>
+              <a:t>shared</a:t>
+            </a:r>
+            <a:r>
+              <a:rPr lang="en-US" dirty="0"/>
+              <a:t> btw tenants.</a:t>
+            </a:r>
+          </a:p>
+          <a:p>
+            <a:pPr marL="0" indent="0">
+              <a:buFont typeface="Arial" panose="020B0604020202020204" pitchFamily="34" charset="0"/>
+              <a:buNone/>
+            </a:pPr>
+            <a:r>
+              <a:rPr lang="en-US" dirty="0"/>
+              <a:t>Tenant's </a:t>
+            </a:r>
+            <a:r>
+              <a:rPr lang="en-US" b="1" dirty="0"/>
+              <a:t>data and configurations are logically or physically separated</a:t>
+            </a:r>
+            <a:r>
+              <a:rPr lang="en-US" dirty="0"/>
+              <a:t>. </a:t>
+            </a:r>
+          </a:p>
+          <a:p>
             <a:pPr marL="171450" indent="-171450">
               <a:buFont typeface="Arial" panose="020B0604020202020204" pitchFamily="34" charset="0"/>
               <a:buChar char="•"/>
             </a:pPr>
             <a:r>
               <a:rPr lang="en-US" b="1" dirty="0"/>
-              <a:t>Architectural approach</a:t>
-            </a:r>
-            <a:r>
-              <a:rPr lang="en-US" b="1" u="none" noProof="0" dirty="0">
-                <a:latin typeface="Euclid Circular B" panose="020B0504000000000000" pitchFamily="34" charset="0"/>
-                <a:ea typeface="Euclid Circular B" panose="020B0504000000000000" pitchFamily="34" charset="0"/>
-              </a:rPr>
-              <a:t> to build SaaS </a:t>
-            </a:r>
-            <a:endParaRPr lang="en-US" b="1" u="none" dirty="0"/>
+              <a:t>Tenants: </a:t>
+            </a:r>
+            <a:r>
+              <a:rPr lang="en-US" b="0" dirty="0"/>
+              <a:t>Customers</a:t>
+            </a:r>
           </a:p>
           <a:p>
             <a:pPr marL="171450" indent="-171450">
@@ -6469,19 +9790,11 @@
             </a:pPr>
             <a:r>
               <a:rPr lang="en-US" b="1" dirty="0"/>
-              <a:t>Hardware + Software resources</a:t>
-            </a:r>
-            <a:r>
-              <a:rPr lang="en-US" dirty="0"/>
-              <a:t> </a:t>
-            </a:r>
-            <a:r>
-              <a:rPr lang="en-US" b="1" dirty="0"/>
-              <a:t>shared</a:t>
-            </a:r>
-            <a:r>
-              <a:rPr lang="en-US" dirty="0"/>
-              <a:t> btw tenants.</a:t>
+              <a:t>Host: </a:t>
+            </a:r>
+            <a:r>
+              <a:rPr lang="en-US" b="0" dirty="0"/>
+              <a:t>Solution owner</a:t>
             </a:r>
           </a:p>
           <a:p>
@@ -6489,56 +9802,7 @@
               <a:buFont typeface="Arial" panose="020B0604020202020204" pitchFamily="34" charset="0"/>
               <a:buChar char="•"/>
             </a:pPr>
-            <a:r>
-              <a:rPr lang="en-US" dirty="0"/>
-              <a:t>Tenant's </a:t>
-            </a:r>
-            <a:r>
-              <a:rPr lang="en-US" b="1" dirty="0"/>
-              <a:t>data and configurations are logically or physically separated</a:t>
-            </a:r>
-            <a:r>
-              <a:rPr lang="en-US" dirty="0"/>
-              <a:t>. </a:t>
-            </a:r>
-          </a:p>
-          <a:p>
-            <a:pPr marL="171450" indent="-171450">
-              <a:buFont typeface="Arial" panose="020B0604020202020204" pitchFamily="34" charset="0"/>
-              <a:buChar char="•"/>
-            </a:pPr>
-            <a:r>
-              <a:rPr lang="en-US" b="1" dirty="0"/>
-              <a:t>Tenants: Customers ---</a:t>
-            </a:r>
-            <a:r>
-              <a:rPr lang="en-US" dirty="0"/>
-              <a:t> </a:t>
-            </a:r>
-            <a:r>
-              <a:rPr lang="en-US" b="1" dirty="0"/>
-              <a:t>Host: Solution owner</a:t>
-            </a:r>
-          </a:p>
-          <a:p>
-            <a:pPr marL="171450" indent="-171450">
-              <a:buFont typeface="Arial" panose="020B0604020202020204" pitchFamily="34" charset="0"/>
-              <a:buChar char="•"/>
-            </a:pPr>
-            <a:r>
-              <a:rPr lang="en-US" u="sng" dirty="0">
-                <a:latin typeface="Euclid Circular B" panose="020B0504000000000000" pitchFamily="34" charset="0"/>
-                <a:ea typeface="Euclid Circular B" panose="020B0504000000000000" pitchFamily="34" charset="0"/>
-              </a:rPr>
-              <a:t>Unaware of multi-tenancy</a:t>
-            </a:r>
-            <a:r>
-              <a:rPr lang="en-US" b="1" dirty="0">
-                <a:latin typeface="Euclid Circular B" panose="020B0504000000000000" pitchFamily="34" charset="0"/>
-                <a:ea typeface="Euclid Circular B" panose="020B0504000000000000" pitchFamily="34" charset="0"/>
-              </a:rPr>
-              <a:t> : </a:t>
-            </a:r>
+            <a:endParaRPr lang="en-US" b="0" dirty="0"/>
           </a:p>
           <a:p>
             <a:pPr marL="0" indent="0">
@@ -6546,31 +9810,8 @@
               <a:buNone/>
             </a:pPr>
             <a:r>
-              <a:rPr lang="en-US" b="1" dirty="0">
-                <a:latin typeface="Euclid Circular B" panose="020B0504000000000000" pitchFamily="34" charset="0"/>
-                <a:ea typeface="Euclid Circular B" panose="020B0504000000000000" pitchFamily="34" charset="0"/>
-              </a:rPr>
-              <a:t>     </a:t>
-            </a:r>
-            <a:r>
-              <a:rPr lang="en-US" dirty="0"/>
-              <a:t>Multi-tenancy system should be designed to </a:t>
-            </a:r>
-            <a:r>
               <a:rPr lang="en-US" b="1" dirty="0"/>
-              <a:t>work seamlessly</a:t>
-            </a:r>
-            <a:r>
-              <a:rPr lang="en-US" dirty="0"/>
-              <a:t> and make your application code </a:t>
-            </a:r>
-            <a:r>
-              <a:rPr lang="en-US" b="1" dirty="0"/>
-              <a:t>multi-tenancy unaware</a:t>
-            </a:r>
-            <a:r>
-              <a:rPr lang="en-US" dirty="0"/>
-              <a:t> as much as possible.</a:t>
+              <a:t>Ideal Multi-tenant:</a:t>
             </a:r>
           </a:p>
           <a:p>
@@ -6592,12 +9833,32 @@
               <a:defRPr/>
             </a:pPr>
             <a:r>
+              <a:rPr lang="en-US" b="1" dirty="0"/>
+              <a:t>Unaware of multi-tenancy: </a:t>
+            </a:r>
+            <a:r>
               <a:rPr lang="en-US" dirty="0"/>
-              <a:t>---- Y</a:t>
+              <a:t>System should be designed to </a:t>
+            </a:r>
+            <a:r>
+              <a:rPr lang="en-US" b="1" dirty="0"/>
+              <a:t>work seamlessly</a:t>
+            </a:r>
+            <a:r>
+              <a:rPr lang="en-US" dirty="0"/>
+              <a:t> and make your application code </a:t>
+            </a:r>
+            <a:r>
+              <a:rPr lang="en-US" b="1" dirty="0"/>
+              <a:t>multi-tenancy unaware</a:t>
+            </a:r>
+            <a:r>
+              <a:rPr lang="en-US" dirty="0"/>
+              <a:t> as much as possible.</a:t>
             </a:r>
             <a:r>
               <a:rPr lang="en-US" b="0" i="0" dirty="0"/>
-              <a:t>ou shouldn’t </a:t>
+              <a:t> Shouldn’t </a:t>
             </a:r>
             <a:r>
               <a:rPr lang="en-US" b="1" i="0" dirty="0"/>
@@ -6617,11 +9878,11 @@
             </a:r>
             <a:r>
               <a:rPr lang="en-US" b="1" i="0" dirty="0"/>
-              <a:t>controllers, application services, repositories or domain services</a:t>
+              <a:t>controllers, application services, </a:t>
             </a:r>
             <a:r>
               <a:rPr lang="en-US" b="0" i="0" dirty="0"/>
-              <a:t>…</a:t>
+              <a:t>repositories or domain services… tenancy related stuff in a low-level layer and keep your business code clean as much as possible.</a:t>
             </a:r>
           </a:p>
           <a:p>
@@ -6643,146 +9904,12 @@
               <a:defRPr/>
             </a:pPr>
             <a:r>
+              <a:rPr lang="en-US" b="1" i="0" dirty="0"/>
+              <a:t>Deployable to on-premise:</a:t>
+            </a:r>
+            <a:r>
               <a:rPr lang="en-US" b="0" i="0" dirty="0"/>
-              <a:t>---- Do all tenancy related stuff in a low level layer and keep your business code clean as much as possible.</a:t>
-            </a:r>
-          </a:p>
-          <a:p>
-            <a:pPr marL="171450" marR="0" lvl="0" indent="-171450" algn="l" defTabSz="914400" rtl="0" eaLnBrk="1" fontAlgn="auto" latinLnBrk="0" hangingPunct="1">
-              <a:lnSpc>
-                <a:spcPct val="100000"/>
-              </a:lnSpc>
-              <a:spcBef>
-                <a:spcPts val="0"/>
-              </a:spcBef>
-              <a:spcAft>
-                <a:spcPts val="0"/>
-              </a:spcAft>
-              <a:buClrTx/>
-              <a:buSzTx/>
-              <a:buFont typeface="Arial" panose="020B0604020202020204" pitchFamily="34" charset="0"/>
-              <a:buChar char="•"/>
-              <a:tabLst/>
-              <a:defRPr/>
-            </a:pPr>
-            <a:endParaRPr lang="en-US" b="0" i="0" dirty="0"/>
-          </a:p>
-          <a:p>
-            <a:pPr marL="171450" indent="-171450">
-              <a:buFont typeface="Arial" panose="020B0604020202020204" pitchFamily="34" charset="0"/>
-              <a:buChar char="•"/>
-            </a:pPr>
-            <a:endParaRPr lang="en-US" dirty="0"/>
-          </a:p>
-          <a:p>
-            <a:pPr marL="171450" indent="-171450">
-              <a:buFont typeface="Arial" panose="020B0604020202020204" pitchFamily="34" charset="0"/>
-              <a:buChar char="•"/>
-            </a:pPr>
-            <a:endParaRPr lang="en-US" b="1" dirty="0"/>
-          </a:p>
-          <a:p>
-            <a:endParaRPr lang="en-US" dirty="0"/>
-          </a:p>
-          <a:p>
-            <a:r>
-              <a:rPr lang="en-US" dirty="0"/>
-              <a:t>---</a:t>
-            </a:r>
-          </a:p>
-          <a:p>
-            <a:endParaRPr lang="en-US" dirty="0"/>
-          </a:p>
-          <a:p>
-            <a:r>
-              <a:rPr lang="en-US" dirty="0"/>
-              <a:t>When you want to build a solution, you need to deal first with multi-tenancy.</a:t>
-            </a:r>
-          </a:p>
-          <a:p>
-            <a:r>
-              <a:rPr lang="en-US" b="0" i="0" dirty="0"/>
-              <a:t>Different cloud customers access the same resources..</a:t>
-            </a:r>
-          </a:p>
-          <a:p>
-            <a:r>
-              <a:rPr lang="en-US" dirty="0"/>
-              <a:t>So each client operates within its isolated environment, unaware of the existence of other tenants. </a:t>
-            </a:r>
-            <a:endParaRPr lang="en-US" b="0" i="0" dirty="0"/>
-          </a:p>
-          <a:p>
-            <a:endParaRPr lang="en-US" b="0" i="0" dirty="0"/>
-          </a:p>
-          <a:p>
-            <a:r>
-              <a:rPr lang="en-US" b="0" i="0" dirty="0"/>
-              <a:t>Their application data is physically or virtually isolated.</a:t>
-            </a:r>
-          </a:p>
-          <a:p>
-            <a:r>
-              <a:rPr lang="en-US" b="0" i="0" dirty="0"/>
-              <a:t>There are 2 parties in this scenario: Tenants and Host.</a:t>
-            </a:r>
-          </a:p>
-          <a:p>
-            <a:r>
-              <a:rPr lang="en-US" b="0" i="0" dirty="0"/>
-              <a:t>Tenants are our customers and  the host is the owner of the platform </a:t>
-            </a:r>
-            <a:r>
-              <a:rPr lang="en-US" dirty="0"/>
-              <a:t>that develops, maintains, and offers the software to customers.</a:t>
-            </a:r>
-            <a:endParaRPr lang="en-US" b="0" i="0" dirty="0"/>
-          </a:p>
-          <a:p>
-            <a:endParaRPr lang="en-US" b="0" i="0" dirty="0"/>
-          </a:p>
-          <a:p>
-            <a:r>
-              <a:rPr lang="en-US" b="0" i="0" dirty="0"/>
-              <a:t>— </a:t>
-            </a:r>
-          </a:p>
-          <a:p>
-            <a:endParaRPr lang="en-US" b="0" i="0" dirty="0"/>
-          </a:p>
-          <a:p>
-            <a:r>
-              <a:rPr lang="en-US" b="0" i="0" dirty="0"/>
-              <a:t>Ideally, your application code should not be aware of multi-tenancy related code.</a:t>
-            </a:r>
-          </a:p>
-          <a:p>
-            <a:r>
-              <a:rPr lang="en-US" b="0" i="0" dirty="0"/>
-              <a:t>What I mean is, you shouldn’t pass </a:t>
-            </a:r>
-            <a:r>
-              <a:rPr lang="en-US" b="0" i="1" dirty="0"/>
-              <a:t>TenantId</a:t>
-            </a:r>
-            <a:r>
-              <a:rPr lang="en-US" b="0" i="0" dirty="0"/>
-              <a:t> to all your controllers, application services, repositories or domain services…</a:t>
-            </a:r>
-          </a:p>
-          <a:p>
-            <a:r>
-              <a:rPr lang="en-US" b="0" i="0" dirty="0"/>
-              <a:t>Do all tenancy related stuff in a low level layer and keep your business code clean as much as possible.</a:t>
-            </a:r>
-          </a:p>
-          <a:p>
-            <a:endParaRPr lang="en-US" b="0" i="0" dirty="0"/>
-          </a:p>
-          <a:p>
-            <a:r>
-              <a:rPr lang="en-US" b="0" i="0" dirty="0"/>
-              <a:t>And also, when a customer wants to setup your solution to his own servers, you should be doing that without any code changes.</a:t>
+              <a:t> When a customer wants to setup your solution to his own servers, you should be doing that without any code changes.</a:t>
             </a:r>
           </a:p>
         </p:txBody>
@@ -6916,6 +10043,10 @@
               <a:rPr lang="en-US" dirty="0"/>
               <a:t>. </a:t>
             </a:r>
+            <a:br>
+              <a:rPr lang="en-US" dirty="0"/>
+            </a:br>
+            <a:endParaRPr lang="en-US" dirty="0"/>
           </a:p>
           <a:p>
             <a:pPr marL="228600" marR="0" lvl="0" indent="-228600" algn="l" defTabSz="914400" rtl="0" eaLnBrk="1" fontAlgn="auto" latinLnBrk="0" hangingPunct="1">
@@ -6937,53 +10068,47 @@
             </a:pPr>
             <a:r>
               <a:rPr lang="en-US" b="1" u="sng" dirty="0"/>
-              <a:t>Consistent User Experience</a:t>
+              <a:t>Same User Experience</a:t>
             </a:r>
             <a:r>
               <a:rPr lang="en-US" dirty="0"/>
-              <a:t>: A</a:t>
-            </a:r>
-            <a:r>
-              <a:rPr lang="en-US" sz="1200" noProof="0" dirty="0" err="1">
-                <a:latin typeface="Euclid Circular B" panose="020B0504000000000000" pitchFamily="34" charset="0"/>
-                <a:ea typeface="Euclid Circular B" panose="020B0504000000000000" pitchFamily="34" charset="0"/>
-              </a:rPr>
-              <a:t>ll</a:t>
+              <a:t>: All the </a:t>
             </a:r>
             <a:r>
               <a:rPr lang="en-US" sz="1200" noProof="0" dirty="0">
                 <a:latin typeface="Euclid Circular B" panose="020B0504000000000000" pitchFamily="34" charset="0"/>
                 <a:ea typeface="Euclid Circular B" panose="020B0504000000000000" pitchFamily="34" charset="0"/>
               </a:rPr>
-              <a:t> our customers use the </a:t>
+              <a:t>customers use the </a:t>
             </a:r>
             <a:r>
               <a:rPr lang="en-US" b="1" noProof="0" dirty="0"/>
               <a:t>latest version. </a:t>
             </a:r>
             <a:r>
-              <a:rPr lang="en-US" sz="1200" b="0" noProof="0" dirty="0">
-                <a:latin typeface="Euclid Circular B" panose="020B0504000000000000" pitchFamily="34" charset="0"/>
-                <a:ea typeface="Euclid Circular B" panose="020B0504000000000000" pitchFamily="34" charset="0"/>
-              </a:rPr>
-              <a:t> So we as d</a:t>
-            </a:r>
-            <a:r>
-              <a:rPr lang="en-US" dirty="0" err="1"/>
-              <a:t>evelopers</a:t>
-            </a:r>
-            <a:r>
               <a:rPr lang="en-US" dirty="0"/>
-              <a:t> can </a:t>
+              <a:t>Ensuring that all tenants receive updates and improvements at the same time. </a:t>
+            </a:r>
+            <a:r>
+              <a:rPr lang="en-US" b="1" noProof="0" dirty="0"/>
+              <a:t>F</a:t>
+            </a:r>
+            <a:r>
+              <a:rPr lang="en-US" b="1" dirty="0" err="1"/>
+              <a:t>ocus</a:t>
             </a:r>
             <a:r>
               <a:rPr lang="en-US" b="1" dirty="0"/>
-              <a:t>focus on maintaining a single codebase</a:t>
+              <a:t> on maintaining a single codebase</a:t>
             </a:r>
             <a:r>
               <a:rPr lang="en-US" dirty="0"/>
-              <a:t>, ensuring that all tenants receive updates and improvements at the same time. </a:t>
-            </a:r>
+              <a:t>, </a:t>
+            </a:r>
+            <a:br>
+              <a:rPr lang="en-US" dirty="0"/>
+            </a:br>
+            <a:endParaRPr lang="en-US" dirty="0"/>
           </a:p>
           <a:p>
             <a:pPr marL="228600" marR="0" lvl="0" indent="-228600" algn="l" defTabSz="914400" rtl="0" eaLnBrk="1" fontAlgn="auto" latinLnBrk="0" hangingPunct="1">
@@ -7005,7 +10130,7 @@
             </a:pPr>
             <a:r>
               <a:rPr lang="en-US" b="1" u="sng" dirty="0"/>
-              <a:t>Ease of maintenance</a:t>
+              <a:t>Easy Maintenance</a:t>
             </a:r>
             <a:r>
               <a:rPr lang="en-US" b="1" dirty="0"/>
@@ -7031,6 +10156,10 @@
               <a:rPr lang="en-US" dirty="0"/>
               <a:t>. It reduces the complexity of managing multiple instances, making it easier for developers and administrators to maintain the system.</a:t>
             </a:r>
+            <a:br>
+              <a:rPr lang="en-US" dirty="0"/>
+            </a:br>
+            <a:endParaRPr lang="en-US" dirty="0"/>
           </a:p>
           <a:p>
             <a:pPr marL="228600" marR="0" lvl="0" indent="-228600" algn="l" defTabSz="914400" rtl="0" eaLnBrk="1" fontAlgn="auto" latinLnBrk="0" hangingPunct="1">
@@ -7086,6 +10215,10 @@
               <a:rPr lang="en-US" b="1" dirty="0"/>
               <a:t>But if it was an on premise system, then it would hard to increase the resources of each tenant.</a:t>
             </a:r>
+            <a:br>
+              <a:rPr lang="en-US" b="1" dirty="0"/>
+            </a:br>
+            <a:endParaRPr lang="en-US" b="1" dirty="0"/>
           </a:p>
           <a:p>
             <a:pPr marL="228600" marR="0" lvl="0" indent="-228600" algn="l" defTabSz="914400" rtl="0" eaLnBrk="1" fontAlgn="auto" latinLnBrk="0" hangingPunct="1">
@@ -7107,7 +10240,11 @@
             </a:pPr>
             <a:r>
               <a:rPr lang="en-US" b="1" i="0" u="sng" dirty="0"/>
-              <a:t>Ease of Deployment: </a:t>
+              <a:t>Ease of Deployment:</a:t>
+            </a:r>
+            <a:r>
+              <a:rPr lang="en-US" b="1" i="0" u="none" dirty="0"/>
+              <a:t> </a:t>
             </a:r>
             <a:r>
               <a:rPr lang="en-US" b="1" dirty="0"/>
@@ -7115,7 +10252,7 @@
             </a:r>
             <a:r>
               <a:rPr lang="en-US" dirty="0"/>
-              <a:t>quickly within the existing infrastructure, you don’t need to set up a new environment for the new client. When a new tenant comes, you just </a:t>
+              <a:t>quickly within the existing infrastructure; No need to set up a new environment for the new client. When a new tenant comes, you just </a:t>
             </a:r>
             <a:r>
               <a:rPr lang="en-US" b="1" dirty="0"/>
@@ -7234,6 +10371,10 @@
               <a:rPr lang="en-US" b="0" dirty="0"/>
               <a:t>unauthorized access to sensitive information</a:t>
             </a:r>
+            <a:br>
+              <a:rPr lang="en-US" b="0" dirty="0"/>
+            </a:br>
+            <a:endParaRPr lang="en-US" b="0" dirty="0"/>
           </a:p>
           <a:p>
             <a:pPr marL="228600" indent="-228600">
@@ -7256,6 +10397,10 @@
               <a:rPr lang="en-US" dirty="0"/>
               <a:t>configurations and customizations for each tenant without compromising the core architecture can be challenging.</a:t>
             </a:r>
+            <a:br>
+              <a:rPr lang="en-US" dirty="0"/>
+            </a:br>
+            <a:endParaRPr lang="en-US" dirty="0"/>
           </a:p>
           <a:p>
             <a:pPr marL="228600" indent="-228600">
@@ -7268,16 +10413,32 @@
             </a:r>
             <a:r>
               <a:rPr lang="en-US" dirty="0"/>
-              <a:t>: </a:t>
+              <a:t>: S</a:t>
+            </a:r>
+            <a:r>
+              <a:rPr lang="en-US" b="0" dirty="0"/>
+              <a:t>ome customers may </a:t>
             </a:r>
             <a:r>
               <a:rPr lang="en-US" b="1" dirty="0"/>
-              <a:t>some customers may use the system extensively </a:t>
+              <a:t>use the system extensively </a:t>
             </a:r>
             <a:r>
               <a:rPr lang="en-US" dirty="0"/>
-              <a:t>We can call this “Noisy neighbors“. Some tenants can consume too much resources. We should  ensure that the resource usage of one tenant does not negatively impact the performance of other. This should be done by monitoring the system.</a:t>
-            </a:r>
+              <a:t>We call this </a:t>
+            </a:r>
+            <a:r>
+              <a:rPr lang="en-US" b="1" dirty="0"/>
+              <a:t>Noisy neighbors</a:t>
+            </a:r>
+            <a:r>
+              <a:rPr lang="en-US" dirty="0"/>
+              <a:t>. We should  ensure that the resource usage of one tenant does not negatively impact the performance of other. This should be done by monitoring the system.</a:t>
+            </a:r>
+            <a:br>
+              <a:rPr lang="en-US" dirty="0"/>
+            </a:br>
+            <a:endParaRPr lang="en-US" dirty="0"/>
           </a:p>
           <a:p>
             <a:pPr marL="228600" indent="-228600">
@@ -7290,7 +10451,7 @@
             </a:r>
             <a:r>
               <a:rPr lang="en-US" dirty="0"/>
-              <a:t> When a </a:t>
+              <a:t> A security hole in tenant isolation can expose one tenant’s data to another + When a </a:t>
             </a:r>
             <a:r>
               <a:rPr lang="en-US" b="1" dirty="0"/>
@@ -7302,20 +10463,16 @@
             </a:r>
             <a:r>
               <a:rPr lang="en-US" b="1" dirty="0"/>
-              <a:t>steal all your client data</a:t>
+              <a:t>steal all your customers’ data</a:t>
             </a:r>
             <a:r>
               <a:rPr lang="en-US" dirty="0"/>
-              <a:t>. Also if you have a security hole, </a:t>
-            </a:r>
-            <a:r>
-              <a:rPr lang="en-US" b="1" dirty="0"/>
-              <a:t>a tenant can gain access </a:t>
-            </a:r>
-            <a:r>
+              <a:t>. </a:t>
+            </a:r>
+            <a:br>
               <a:rPr lang="en-US" dirty="0"/>
-              <a:t>to other tenant’s data.</a:t>
-            </a:r>
+            </a:br>
+            <a:endParaRPr lang="en-US" dirty="0"/>
           </a:p>
           <a:p>
             <a:pPr marL="228600" marR="0" lvl="0" indent="-228600" algn="l" defTabSz="914400" rtl="0" eaLnBrk="1" fontAlgn="auto" latinLnBrk="0" hangingPunct="1">
@@ -7532,6 +10689,10 @@
               <a:rPr lang="en-US" dirty="0"/>
               <a:t>architecture</a:t>
             </a:r>
+            <a:br>
+              <a:rPr lang="en-US" dirty="0"/>
+            </a:br>
+            <a:endParaRPr lang="en-US" dirty="0"/>
           </a:p>
           <a:p>
             <a:r>
@@ -7542,6 +10703,9 @@
               <a:rPr lang="en-US" b="1" dirty="0"/>
               <a:t>Not good for resource utilization =&gt; Migrating databases at the same time!</a:t>
             </a:r>
+            <a:br>
+              <a:rPr lang="en-US" b="1" dirty="0"/>
+            </a:br>
             <a:endParaRPr lang="en-US" dirty="0"/>
           </a:p>
           <a:p>
@@ -7557,6 +10721,10 @@
               <a:rPr lang="en-US" dirty="0"/>
               <a:t> + Max Utilization + Customers will ask you to separate their DB (banks, government agencies)</a:t>
             </a:r>
+            <a:br>
+              <a:rPr lang="en-US" dirty="0"/>
+            </a:br>
+            <a:endParaRPr lang="en-US" dirty="0"/>
           </a:p>
           <a:p>
             <a:r>
@@ -7572,109 +10740,6 @@
               <a:t> If pays more separate DB. </a:t>
             </a:r>
             <a:endParaRPr lang="en-US" dirty="0"/>
-          </a:p>
-          <a:p>
-            <a:endParaRPr lang="en-US" dirty="0"/>
-          </a:p>
-          <a:p>
-            <a:r>
-              <a:rPr lang="en-US" dirty="0"/>
-              <a:t>---</a:t>
-            </a:r>
-          </a:p>
-          <a:p>
-            <a:endParaRPr lang="en-US" dirty="0"/>
-          </a:p>
-          <a:p>
-            <a:r>
-              <a:rPr lang="en-US" dirty="0"/>
-              <a:t>There are 4 scenarios of the application and DB deployments.</a:t>
-            </a:r>
-          </a:p>
-          <a:p>
-            <a:pPr marL="228600" indent="-228600">
-              <a:buFont typeface="+mj-lt"/>
-              <a:buAutoNum type="arabicPeriod"/>
-            </a:pPr>
-            <a:r>
-              <a:rPr lang="en-US" dirty="0"/>
-              <a:t>This one looks like </a:t>
-            </a:r>
-            <a:r>
-              <a:rPr lang="en-US" b="1" dirty="0"/>
-              <a:t>on-premises</a:t>
-            </a:r>
-            <a:r>
-              <a:rPr lang="en-US" dirty="0"/>
-              <a:t> deployment. Each client has its own web app and database. </a:t>
-            </a:r>
-            <a:r>
-              <a:rPr lang="en-US" b="1" dirty="0"/>
-              <a:t>Not a SaaS friendly </a:t>
-            </a:r>
-            <a:r>
-              <a:rPr lang="en-US" dirty="0"/>
-              <a:t>architecture.</a:t>
-            </a:r>
-          </a:p>
-          <a:p>
-            <a:pPr marL="228600" indent="-228600">
-              <a:buFont typeface="+mj-lt"/>
-              <a:buAutoNum type="arabicPeriod"/>
-            </a:pPr>
-            <a:r>
-              <a:rPr lang="en-US" dirty="0"/>
-              <a:t>This is better than the first one. All the clients shares the same application but uses separate </a:t>
-            </a:r>
-            <a:r>
-              <a:rPr lang="en-US" dirty="0" err="1"/>
-              <a:t>DBs.</a:t>
-            </a:r>
-            <a:r>
-              <a:rPr lang="en-US" dirty="0"/>
-              <a:t> </a:t>
-            </a:r>
-            <a:r>
-              <a:rPr lang="en-US" b="1" dirty="0"/>
-              <a:t>Not good for resource utilization</a:t>
-            </a:r>
-            <a:r>
-              <a:rPr lang="en-US" dirty="0"/>
-              <a:t>. Because you need to maintain / update schemas of the databases.</a:t>
-            </a:r>
-          </a:p>
-          <a:p>
-            <a:pPr marL="228600" indent="-228600">
-              <a:buFont typeface="+mj-lt"/>
-              <a:buAutoNum type="arabicPeriod"/>
-            </a:pPr>
-            <a:r>
-              <a:rPr lang="en-US" dirty="0"/>
-              <a:t>This one is the ideal one. Everyone uses the same app and the same DB. Minimum cost with maximum client coverage. The downside of this approach is; some customers might have excessive data and consume resources much more than others.  Also according to some GDPR rules, some clients may want to locate the DB in their country like banks. Therefore you need to separate those </a:t>
-            </a:r>
-            <a:r>
-              <a:rPr lang="en-US" dirty="0" err="1"/>
-              <a:t>DBs.</a:t>
-            </a:r>
-            <a:endParaRPr lang="en-US" dirty="0"/>
-          </a:p>
-          <a:p>
-            <a:pPr marL="228600" indent="-228600">
-              <a:buFont typeface="+mj-lt"/>
-              <a:buAutoNum type="arabicPeriod"/>
-            </a:pPr>
-            <a:r>
-              <a:rPr lang="en-US" dirty="0"/>
-              <a:t>Last one </a:t>
-            </a:r>
-            <a:r>
-              <a:rPr lang="en-US" b="1" dirty="0"/>
-              <a:t>covers all kinds of challenges</a:t>
-            </a:r>
-            <a:r>
-              <a:rPr lang="en-US" dirty="0"/>
-              <a:t>. You can provide separate DB if a client pays more or locate their data in a different geo-location. On the other hand, small clients can share the same DB.</a:t>
-            </a:r>
           </a:p>
           <a:p>
             <a:endParaRPr lang="en-US" dirty="0"/>
@@ -7995,7 +11060,7 @@
           <a:p>
             <a:fld id="{2A14C9FE-EBC3-45D3-899C-58AAF4F8AF71}" type="datetimeFigureOut">
               <a:rPr lang="en-US" smtClean="0"/>
-              <a:t>6/17/2025</a:t>
+              <a:t>6/30/2025</a:t>
             </a:fld>
             <a:endParaRPr lang="en-US"/>
           </a:p>
@@ -8193,7 +11258,7 @@
           <a:p>
             <a:fld id="{2A14C9FE-EBC3-45D3-899C-58AAF4F8AF71}" type="datetimeFigureOut">
               <a:rPr lang="en-US" smtClean="0"/>
-              <a:t>6/17/2025</a:t>
+              <a:t>6/30/2025</a:t>
             </a:fld>
             <a:endParaRPr lang="en-US"/>
           </a:p>
@@ -8401,7 +11466,7 @@
           <a:p>
             <a:fld id="{2A14C9FE-EBC3-45D3-899C-58AAF4F8AF71}" type="datetimeFigureOut">
               <a:rPr lang="en-US" smtClean="0"/>
-              <a:t>6/17/2025</a:t>
+              <a:t>6/30/2025</a:t>
             </a:fld>
             <a:endParaRPr lang="en-US"/>
           </a:p>
@@ -8599,7 +11664,7 @@
           <a:p>
             <a:fld id="{2A14C9FE-EBC3-45D3-899C-58AAF4F8AF71}" type="datetimeFigureOut">
               <a:rPr lang="en-US" smtClean="0"/>
-              <a:t>6/17/2025</a:t>
+              <a:t>6/30/2025</a:t>
             </a:fld>
             <a:endParaRPr lang="en-US"/>
           </a:p>
@@ -8874,7 +11939,7 @@
           <a:p>
             <a:fld id="{2A14C9FE-EBC3-45D3-899C-58AAF4F8AF71}" type="datetimeFigureOut">
               <a:rPr lang="en-US" smtClean="0"/>
-              <a:t>6/17/2025</a:t>
+              <a:t>6/30/2025</a:t>
             </a:fld>
             <a:endParaRPr lang="en-US"/>
           </a:p>
@@ -9139,7 +12204,7 @@
           <a:p>
             <a:fld id="{2A14C9FE-EBC3-45D3-899C-58AAF4F8AF71}" type="datetimeFigureOut">
               <a:rPr lang="en-US" smtClean="0"/>
-              <a:t>6/17/2025</a:t>
+              <a:t>6/30/2025</a:t>
             </a:fld>
             <a:endParaRPr lang="en-US"/>
           </a:p>
@@ -9551,7 +12616,7 @@
           <a:p>
             <a:fld id="{2A14C9FE-EBC3-45D3-899C-58AAF4F8AF71}" type="datetimeFigureOut">
               <a:rPr lang="en-US" smtClean="0"/>
-              <a:t>6/17/2025</a:t>
+              <a:t>6/30/2025</a:t>
             </a:fld>
             <a:endParaRPr lang="en-US"/>
           </a:p>
@@ -9692,7 +12757,7 @@
           <a:p>
             <a:fld id="{2A14C9FE-EBC3-45D3-899C-58AAF4F8AF71}" type="datetimeFigureOut">
               <a:rPr lang="en-US" smtClean="0"/>
-              <a:t>6/17/2025</a:t>
+              <a:t>6/30/2025</a:t>
             </a:fld>
             <a:endParaRPr lang="en-US"/>
           </a:p>
@@ -9805,7 +12870,7 @@
           <a:p>
             <a:fld id="{2A14C9FE-EBC3-45D3-899C-58AAF4F8AF71}" type="datetimeFigureOut">
               <a:rPr lang="en-US" smtClean="0"/>
-              <a:t>6/17/2025</a:t>
+              <a:t>6/30/2025</a:t>
             </a:fld>
             <a:endParaRPr lang="en-US"/>
           </a:p>
@@ -10116,7 +13181,7 @@
           <a:p>
             <a:fld id="{2A14C9FE-EBC3-45D3-899C-58AAF4F8AF71}" type="datetimeFigureOut">
               <a:rPr lang="en-US" smtClean="0"/>
-              <a:t>6/17/2025</a:t>
+              <a:t>6/30/2025</a:t>
             </a:fld>
             <a:endParaRPr lang="en-US"/>
           </a:p>
@@ -10404,7 +13469,7 @@
           <a:p>
             <a:fld id="{2A14C9FE-EBC3-45D3-899C-58AAF4F8AF71}" type="datetimeFigureOut">
               <a:rPr lang="en-US" smtClean="0"/>
-              <a:t>6/17/2025</a:t>
+              <a:t>6/30/2025</a:t>
             </a:fld>
             <a:endParaRPr lang="en-US"/>
           </a:p>
@@ -10654,7 +13719,7 @@
           <a:p>
             <a:fld id="{2A14C9FE-EBC3-45D3-899C-58AAF4F8AF71}" type="datetimeFigureOut">
               <a:rPr lang="en-US" smtClean="0"/>
-              <a:t>6/17/2025</a:t>
+              <a:t>6/30/2025</a:t>
             </a:fld>
             <a:endParaRPr lang="en-US"/>
           </a:p>
@@ -11186,10 +14251,10 @@
         </p:nvGrpSpPr>
         <p:grpSpPr>
           <a:xfrm>
-            <a:off x="3490236" y="4655048"/>
-            <a:ext cx="5211525" cy="1680063"/>
-            <a:chOff x="1139481" y="5385757"/>
-            <a:chExt cx="4343534" cy="1395449"/>
+            <a:off x="3787663" y="4953223"/>
+            <a:ext cx="4835333" cy="1264565"/>
+            <a:chOff x="1321724" y="5385757"/>
+            <a:chExt cx="4029998" cy="1050339"/>
           </a:xfrm>
         </p:grpSpPr>
         <p:pic>
@@ -11220,8 +14285,8 @@
           </p:blipFill>
           <p:spPr>
             <a:xfrm>
-              <a:off x="1139481" y="5417067"/>
-              <a:ext cx="1215365" cy="1222961"/>
+              <a:off x="1321724" y="5417068"/>
+              <a:ext cx="951919" cy="957868"/>
             </a:xfrm>
             <a:prstGeom prst="rect">
               <a:avLst/>
@@ -11242,8 +14307,8 @@
           </p:nvSpPr>
           <p:spPr>
             <a:xfrm>
-              <a:off x="2413912" y="5385757"/>
-              <a:ext cx="2272032" cy="954107"/>
+              <a:off x="2413911" y="5385757"/>
+              <a:ext cx="2937811" cy="792475"/>
             </a:xfrm>
             <a:prstGeom prst="rect">
               <a:avLst/>
@@ -11251,7 +14316,7 @@
             <a:noFill/>
           </p:spPr>
           <p:txBody>
-            <a:bodyPr wrap="none" rtlCol="0">
+            <a:bodyPr wrap="square" rtlCol="0">
               <a:spAutoFit/>
             </a:bodyPr>
             <a:lstStyle/>
@@ -11293,7 +14358,7 @@
           <p:spPr>
             <a:xfrm>
               <a:off x="2413912" y="5816815"/>
-              <a:ext cx="3069103" cy="964391"/>
+              <a:ext cx="2708379" cy="619281"/>
             </a:xfrm>
             <a:prstGeom prst="rect">
               <a:avLst/>
@@ -11336,40 +14401,13 @@
                 </a:rPr>
                 <a:t>Volosoft</a:t>
               </a:r>
-              <a:endParaRPr lang="en-GB" dirty="0">
+              <a:endParaRPr lang="en-US" dirty="0">
                 <a:solidFill>
                   <a:srgbClr val="5B636F"/>
                 </a:solidFill>
-                <a:latin typeface="Poppins" panose="00000500000000000000" pitchFamily="2" charset="0"/>
-                <a:cs typeface="Poppins" panose="00000500000000000000" pitchFamily="2" charset="0"/>
+                <a:latin typeface="Poppins" panose="00000500000000000000"/>
+                <a:ea typeface="Euclid Circular B Light" panose="020B0304000000000000" pitchFamily="34" charset="0"/>
               </a:endParaRPr>
-            </a:p>
-            <a:p>
-              <a:pPr>
-                <a:lnSpc>
-                  <a:spcPct val="150000"/>
-                </a:lnSpc>
-              </a:pPr>
-              <a:r>
-                <a:rPr lang="en-US" b="1" dirty="0">
-                  <a:solidFill>
-                    <a:srgbClr val="5B636F"/>
-                  </a:solidFill>
-                  <a:latin typeface="Poppins" panose="00000500000000000000"/>
-                  <a:ea typeface="Euclid Circular B Light" panose="020B0304000000000000" pitchFamily="34" charset="0"/>
-                </a:rPr>
-                <a:t>alper.ebicoglu</a:t>
-              </a:r>
-              <a:r>
-                <a:rPr lang="en-US" dirty="0">
-                  <a:solidFill>
-                    <a:srgbClr val="5B636F"/>
-                  </a:solidFill>
-                  <a:latin typeface="Poppins" panose="00000500000000000000"/>
-                  <a:ea typeface="Euclid Circular B Light" panose="020B0304000000000000" pitchFamily="34" charset="0"/>
-                </a:rPr>
-                <a:t>@volosoft.com </a:t>
-              </a:r>
             </a:p>
             <a:p>
               <a:pPr>
@@ -11436,7 +14474,7 @@
         </p:blipFill>
         <p:spPr>
           <a:xfrm>
-            <a:off x="2285467" y="692861"/>
+            <a:off x="2285467" y="561147"/>
             <a:ext cx="7621064" cy="1400370"/>
           </a:xfrm>
           <a:prstGeom prst="round2DiagRect">
@@ -11522,13 +14560,13 @@
         </p:nvSpPr>
         <p:spPr>
           <a:xfrm>
-            <a:off x="838200" y="324756"/>
-            <a:ext cx="10515600" cy="901700"/>
+            <a:off x="838200" y="236895"/>
+            <a:ext cx="10515600" cy="656708"/>
           </a:xfrm>
         </p:spPr>
         <p:txBody>
           <a:bodyPr>
-            <a:normAutofit/>
+            <a:normAutofit fontScale="90000"/>
           </a:bodyPr>
           <a:lstStyle/>
           <a:p>
@@ -11547,10 +14585,88 @@
       </p:sp>
       <p:sp>
         <p:nvSpPr>
-          <p:cNvPr id="6" name="TextBox 5">
+          <p:cNvPr id="3" name="Arrow: Down 2">
             <a:extLst>
               <a:ext uri="{FF2B5EF4-FFF2-40B4-BE49-F238E27FC236}">
-                <a16:creationId xmlns:a16="http://schemas.microsoft.com/office/drawing/2014/main" id="{E45E8B0E-C031-44AC-9506-4099EB6CB0EB}"/>
+                <a16:creationId xmlns:a16="http://schemas.microsoft.com/office/drawing/2014/main" id="{09080F88-D965-494F-77A1-16E1CC6FA3F7}"/>
+              </a:ext>
+            </a:extLst>
+          </p:cNvPr>
+          <p:cNvSpPr/>
+          <p:nvPr/>
+        </p:nvSpPr>
+        <p:spPr>
+          <a:xfrm>
+            <a:off x="9124408" y="1004575"/>
+            <a:ext cx="436716" cy="5418667"/>
+          </a:xfrm>
+          <a:prstGeom prst="downArrow">
+            <a:avLst>
+              <a:gd name="adj1" fmla="val 50000"/>
+              <a:gd name="adj2" fmla="val 177661"/>
+            </a:avLst>
+          </a:prstGeom>
+          <a:gradFill>
+            <a:gsLst>
+              <a:gs pos="0">
+                <a:schemeClr val="accent1">
+                  <a:lumMod val="5000"/>
+                  <a:lumOff val="95000"/>
+                </a:schemeClr>
+              </a:gs>
+              <a:gs pos="49000">
+                <a:schemeClr val="accent1">
+                  <a:lumMod val="45000"/>
+                  <a:lumOff val="55000"/>
+                </a:schemeClr>
+              </a:gs>
+              <a:gs pos="100000">
+                <a:schemeClr val="accent1">
+                  <a:lumMod val="45000"/>
+                  <a:lumOff val="55000"/>
+                </a:schemeClr>
+              </a:gs>
+              <a:gs pos="100000">
+                <a:schemeClr val="accent1">
+                  <a:lumMod val="30000"/>
+                  <a:lumOff val="70000"/>
+                </a:schemeClr>
+              </a:gs>
+            </a:gsLst>
+            <a:lin ang="5400000" scaled="1"/>
+          </a:gradFill>
+        </p:spPr>
+        <p:style>
+          <a:lnRef idx="2">
+            <a:schemeClr val="accent1">
+              <a:shade val="50000"/>
+            </a:schemeClr>
+          </a:lnRef>
+          <a:fillRef idx="1">
+            <a:schemeClr val="accent1"/>
+          </a:fillRef>
+          <a:effectRef idx="0">
+            <a:schemeClr val="accent1"/>
+          </a:effectRef>
+          <a:fontRef idx="minor">
+            <a:schemeClr val="lt1"/>
+          </a:fontRef>
+        </p:style>
+        <p:txBody>
+          <a:bodyPr rtlCol="0" anchor="ctr"/>
+          <a:lstStyle/>
+          <a:p>
+            <a:pPr algn="ctr"/>
+            <a:endParaRPr lang="en-US" dirty="0"/>
+          </a:p>
+        </p:txBody>
+      </p:sp>
+      <p:sp>
+        <p:nvSpPr>
+          <p:cNvPr id="5" name="TextBox 4">
+            <a:extLst>
+              <a:ext uri="{FF2B5EF4-FFF2-40B4-BE49-F238E27FC236}">
+                <a16:creationId xmlns:a16="http://schemas.microsoft.com/office/drawing/2014/main" id="{7745B558-907A-B55D-9D0A-3299917A5D2E}"/>
               </a:ext>
             </a:extLst>
           </p:cNvPr>
@@ -11559,8 +14675,8 @@
         </p:nvSpPr>
         <p:spPr>
           <a:xfrm>
-            <a:off x="838200" y="1907458"/>
-            <a:ext cx="9003632" cy="3785652"/>
+            <a:off x="9561124" y="3154318"/>
+            <a:ext cx="1460893" cy="830997"/>
           </a:xfrm>
           <a:prstGeom prst="rect">
             <a:avLst/>
@@ -11568,192 +14684,57 @@
           <a:noFill/>
         </p:spPr>
         <p:txBody>
-          <a:bodyPr wrap="square">
+          <a:bodyPr vert="horz" wrap="square">
             <a:spAutoFit/>
           </a:bodyPr>
           <a:lstStyle/>
           <a:p>
-            <a:pPr marL="457200" indent="-457200">
-              <a:buFont typeface="+mj-lt"/>
-              <a:buAutoNum type="arabicPeriod"/>
-            </a:pPr>
-            <a:r>
-              <a:rPr lang="en-US" sz="4000" b="1" dirty="0">
-                <a:latin typeface="Euclid Circular B" panose="020B0504000000000000" pitchFamily="34" charset="0"/>
-                <a:ea typeface="Euclid Circular B" panose="020B0504000000000000" pitchFamily="34" charset="0"/>
-              </a:rPr>
-              <a:t> </a:t>
-            </a:r>
-            <a:r>
-              <a:rPr lang="en-US" sz="4000" dirty="0">
+            <a:r>
+              <a:rPr lang="en-US" sz="2400" dirty="0">
                 <a:solidFill>
-                  <a:srgbClr val="7030A0"/>
+                  <a:srgbClr val="4572C3"/>
                 </a:solidFill>
                 <a:latin typeface="Euclid Circular B" panose="020B0504000000000000" pitchFamily="34" charset="0"/>
                 <a:ea typeface="Euclid Circular B" panose="020B0504000000000000" pitchFamily="34" charset="0"/>
               </a:rPr>
-              <a:t>CurrentUser</a:t>
-            </a:r>
-            <a:r>
-              <a:rPr lang="en-US" sz="4000" dirty="0">
-                <a:latin typeface="Euclid Circular B" panose="020B0504000000000000" pitchFamily="34" charset="0"/>
-                <a:ea typeface="Euclid Circular B" panose="020B0504000000000000" pitchFamily="34" charset="0"/>
-              </a:rPr>
-              <a:t>TenantResolveContributor</a:t>
-            </a:r>
-          </a:p>
-          <a:p>
-            <a:pPr marL="457200" indent="-457200">
-              <a:buFont typeface="+mj-lt"/>
-              <a:buAutoNum type="arabicPeriod"/>
-            </a:pPr>
-            <a:r>
-              <a:rPr lang="en-US" sz="4000" b="1" dirty="0">
-                <a:latin typeface="Euclid Circular B" panose="020B0504000000000000" pitchFamily="34" charset="0"/>
-                <a:ea typeface="Euclid Circular B" panose="020B0504000000000000" pitchFamily="34" charset="0"/>
-              </a:rPr>
-              <a:t> </a:t>
-            </a:r>
-            <a:r>
-              <a:rPr lang="en-US" sz="4000" dirty="0">
-                <a:solidFill>
-                  <a:srgbClr val="7030A0"/>
-                </a:solidFill>
-                <a:latin typeface="Euclid Circular B" panose="020B0504000000000000" pitchFamily="34" charset="0"/>
-                <a:ea typeface="Euclid Circular B" panose="020B0504000000000000" pitchFamily="34" charset="0"/>
-              </a:rPr>
-              <a:t>QueryString</a:t>
-            </a:r>
-            <a:r>
-              <a:rPr lang="en-US" sz="4000" dirty="0">
-                <a:latin typeface="Euclid Circular B" panose="020B0504000000000000" pitchFamily="34" charset="0"/>
-                <a:ea typeface="Euclid Circular B" panose="020B0504000000000000" pitchFamily="34" charset="0"/>
-              </a:rPr>
-              <a:t>TenantResolveContributor</a:t>
-            </a:r>
-          </a:p>
-          <a:p>
-            <a:pPr marL="457200" indent="-457200">
-              <a:buFont typeface="+mj-lt"/>
-              <a:buAutoNum type="arabicPeriod"/>
-            </a:pPr>
-            <a:r>
-              <a:rPr lang="en-US" sz="4000" b="1" dirty="0">
-                <a:latin typeface="Euclid Circular B" panose="020B0504000000000000" pitchFamily="34" charset="0"/>
-                <a:ea typeface="Euclid Circular B" panose="020B0504000000000000" pitchFamily="34" charset="0"/>
-              </a:rPr>
-              <a:t> </a:t>
-            </a:r>
-            <a:r>
-              <a:rPr lang="en-US" sz="4000" dirty="0">
-                <a:solidFill>
-                  <a:srgbClr val="7030A0"/>
-                </a:solidFill>
-                <a:latin typeface="Euclid Circular B" panose="020B0504000000000000" pitchFamily="34" charset="0"/>
-                <a:ea typeface="Euclid Circular B" panose="020B0504000000000000" pitchFamily="34" charset="0"/>
-              </a:rPr>
-              <a:t>Route</a:t>
-            </a:r>
-            <a:r>
-              <a:rPr lang="en-US" sz="4000" dirty="0">
-                <a:latin typeface="Euclid Circular B" panose="020B0504000000000000" pitchFamily="34" charset="0"/>
-                <a:ea typeface="Euclid Circular B" panose="020B0504000000000000" pitchFamily="34" charset="0"/>
-              </a:rPr>
-              <a:t>TenantResolveContributor</a:t>
-            </a:r>
-          </a:p>
-          <a:p>
-            <a:pPr marL="457200" indent="-457200">
-              <a:buFont typeface="+mj-lt"/>
-              <a:buAutoNum type="arabicPeriod"/>
-            </a:pPr>
-            <a:r>
-              <a:rPr lang="en-US" sz="4000" b="1" dirty="0">
-                <a:latin typeface="Euclid Circular B" panose="020B0504000000000000" pitchFamily="34" charset="0"/>
-                <a:ea typeface="Euclid Circular B" panose="020B0504000000000000" pitchFamily="34" charset="0"/>
-              </a:rPr>
-              <a:t> </a:t>
-            </a:r>
-            <a:r>
-              <a:rPr lang="en-US" sz="4000" dirty="0">
-                <a:solidFill>
-                  <a:srgbClr val="7030A0"/>
-                </a:solidFill>
-                <a:latin typeface="Euclid Circular B" panose="020B0504000000000000" pitchFamily="34" charset="0"/>
-                <a:ea typeface="Euclid Circular B" panose="020B0504000000000000" pitchFamily="34" charset="0"/>
-              </a:rPr>
-              <a:t>Header</a:t>
-            </a:r>
-            <a:r>
-              <a:rPr lang="en-US" sz="4000" dirty="0">
-                <a:latin typeface="Euclid Circular B" panose="020B0504000000000000" pitchFamily="34" charset="0"/>
-                <a:ea typeface="Euclid Circular B" panose="020B0504000000000000" pitchFamily="34" charset="0"/>
-              </a:rPr>
-              <a:t>TenantResolveContributor</a:t>
-            </a:r>
-          </a:p>
-          <a:p>
-            <a:pPr marL="457200" indent="-457200">
-              <a:buFont typeface="+mj-lt"/>
-              <a:buAutoNum type="arabicPeriod"/>
-            </a:pPr>
-            <a:r>
-              <a:rPr lang="en-US" sz="4000" b="1" dirty="0">
-                <a:latin typeface="Euclid Circular B" panose="020B0504000000000000" pitchFamily="34" charset="0"/>
-                <a:ea typeface="Euclid Circular B" panose="020B0504000000000000" pitchFamily="34" charset="0"/>
-              </a:rPr>
-              <a:t> </a:t>
-            </a:r>
-            <a:r>
-              <a:rPr lang="en-US" sz="4000" dirty="0">
-                <a:solidFill>
-                  <a:srgbClr val="7030A0"/>
-                </a:solidFill>
-                <a:latin typeface="Euclid Circular B" panose="020B0504000000000000" pitchFamily="34" charset="0"/>
-                <a:ea typeface="Euclid Circular B" panose="020B0504000000000000" pitchFamily="34" charset="0"/>
-              </a:rPr>
-              <a:t>Cookie</a:t>
-            </a:r>
-            <a:r>
-              <a:rPr lang="en-US" sz="4000" dirty="0">
-                <a:latin typeface="Euclid Circular B" panose="020B0504000000000000" pitchFamily="34" charset="0"/>
-                <a:ea typeface="Euclid Circular B" panose="020B0504000000000000" pitchFamily="34" charset="0"/>
-              </a:rPr>
-              <a:t>TenantResolveContributor</a:t>
-            </a:r>
-          </a:p>
-          <a:p>
-            <a:pPr marL="457200" indent="-457200">
-              <a:buFont typeface="+mj-lt"/>
-              <a:buAutoNum type="arabicPeriod"/>
-            </a:pPr>
-            <a:r>
-              <a:rPr lang="en-US" sz="4000" b="1" dirty="0">
-                <a:latin typeface="Euclid Circular B" panose="020B0504000000000000" pitchFamily="34" charset="0"/>
-                <a:ea typeface="Euclid Circular B" panose="020B0504000000000000" pitchFamily="34" charset="0"/>
-              </a:rPr>
-              <a:t> </a:t>
-            </a:r>
-            <a:r>
-              <a:rPr lang="en-US" sz="4000" dirty="0">
-                <a:solidFill>
-                  <a:srgbClr val="7030A0"/>
-                </a:solidFill>
-                <a:latin typeface="Euclid Circular B" panose="020B0504000000000000" pitchFamily="34" charset="0"/>
-                <a:ea typeface="Euclid Circular B" panose="020B0504000000000000" pitchFamily="34" charset="0"/>
-              </a:rPr>
-              <a:t>Domain</a:t>
-            </a:r>
-            <a:r>
-              <a:rPr lang="en-US" sz="4000" dirty="0">
-                <a:latin typeface="Euclid Circular B" panose="020B0504000000000000" pitchFamily="34" charset="0"/>
-                <a:ea typeface="Euclid Circular B" panose="020B0504000000000000" pitchFamily="34" charset="0"/>
-              </a:rPr>
-              <a:t>TenantResolver</a:t>
-            </a:r>
+              <a:t>Request pipeline</a:t>
+            </a:r>
+            <a:endParaRPr lang="tr-TR" sz="2400" dirty="0">
+              <a:solidFill>
+                <a:srgbClr val="4572C3"/>
+              </a:solidFill>
+            </a:endParaRPr>
           </a:p>
         </p:txBody>
       </p:sp>
+      <p:graphicFrame>
+        <p:nvGraphicFramePr>
+          <p:cNvPr id="8" name="Diagram 7">
+            <a:extLst>
+              <a:ext uri="{FF2B5EF4-FFF2-40B4-BE49-F238E27FC236}">
+                <a16:creationId xmlns:a16="http://schemas.microsoft.com/office/drawing/2014/main" id="{830CEC36-093F-B71D-9253-77CF04531C42}"/>
+              </a:ext>
+            </a:extLst>
+          </p:cNvPr>
+          <p:cNvGraphicFramePr/>
+          <p:nvPr>
+            <p:extLst>
+              <p:ext uri="{D42A27DB-BD31-4B8C-83A1-F6EECF244321}">
+                <p14:modId xmlns:p14="http://schemas.microsoft.com/office/powerpoint/2010/main" val="3977956497"/>
+              </p:ext>
+            </p:extLst>
+          </p:nvPr>
+        </p:nvGraphicFramePr>
+        <p:xfrm>
+          <a:off x="838200" y="1135068"/>
+          <a:ext cx="8128000" cy="5157683"/>
+        </p:xfrm>
+        <a:graphic>
+          <a:graphicData uri="http://schemas.openxmlformats.org/drawingml/2006/diagram">
+            <dgm:relIds xmlns:dgm="http://schemas.openxmlformats.org/drawingml/2006/diagram" xmlns:r="http://schemas.openxmlformats.org/officeDocument/2006/relationships" r:dm="rId4" r:lo="rId5" r:qs="rId6" r:cs="rId7"/>
+          </a:graphicData>
+        </a:graphic>
+      </p:graphicFrame>
     </p:spTree>
     <p:extLst>
       <p:ext uri="{BB962C8B-B14F-4D97-AF65-F5344CB8AC3E}">
@@ -11827,22 +14808,14 @@
           <a:lstStyle/>
           <a:p>
             <a:r>
-              <a:rPr lang="en-US" noProof="0" dirty="0">
+              <a:rPr lang="en-US" sz="4000" b="1" dirty="0">
                 <a:solidFill>
                   <a:srgbClr val="292D33"/>
                 </a:solidFill>
                 <a:latin typeface="Euclid Circular B" panose="020B0504000000000000" pitchFamily="34" charset="0"/>
-                <a:ea typeface="Euclid Circular B" panose="020B0504000000000000" pitchFamily="34" charset="0"/>
               </a:rPr>
               <a:t>Identifying the Active Tenant</a:t>
             </a:r>
-            <a:endParaRPr lang="en-US" noProof="0" dirty="0">
-              <a:solidFill>
-                <a:srgbClr val="3E9FCB"/>
-              </a:solidFill>
-              <a:latin typeface="Euclid Circular B" panose="020B0504000000000000" pitchFamily="34" charset="0"/>
-              <a:ea typeface="Euclid Circular B" panose="020B0504000000000000" pitchFamily="34" charset="0"/>
-            </a:endParaRPr>
           </a:p>
         </p:txBody>
       </p:sp>
@@ -11875,7 +14848,7 @@
           <a:lstStyle/>
           <a:p>
             <a:r>
-              <a:rPr lang="en-US" sz="4000" b="1" i="0" noProof="0" dirty="0">
+              <a:rPr lang="en-US" sz="4000" i="0" noProof="0" dirty="0">
                 <a:solidFill>
                   <a:srgbClr val="B84297"/>
                 </a:solidFill>
@@ -11883,7 +14856,7 @@
                 <a:latin typeface="Euclid Circular B" panose="020B0504000000000000" pitchFamily="34" charset="0"/>
                 <a:ea typeface="Euclid Circular B" panose="020B0504000000000000" pitchFamily="34" charset="0"/>
               </a:rPr>
-              <a:t>1. Current User (claims)</a:t>
+              <a:t>1. Current User (Claims)</a:t>
             </a:r>
           </a:p>
         </p:txBody>
@@ -12214,68 +15187,10 @@
                 <a:latin typeface="Euclid Circular B" panose="020B0504000000000000" pitchFamily="34" charset="0"/>
                 <a:ea typeface="Euclid Circular B" panose="020B0504000000000000" pitchFamily="34" charset="0"/>
               </a:rPr>
-              <a:t>2. </a:t>
-            </a:r>
-            <a:r>
-              <a:rPr lang="en-US" sz="4000" b="1" dirty="0">
-                <a:solidFill>
-                  <a:srgbClr val="B84297"/>
-                </a:solidFill>
-                <a:latin typeface="Euclid Circular B" panose="020B0504000000000000" pitchFamily="34" charset="0"/>
-                <a:ea typeface="Euclid Circular B" panose="020B0504000000000000" pitchFamily="34" charset="0"/>
-              </a:rPr>
-              <a:t>Query String</a:t>
+              <a:t>2. Query String</a:t>
             </a:r>
             <a:endParaRPr lang="en-US" sz="4000" i="0" noProof="0" dirty="0">
               <a:effectLst/>
-              <a:latin typeface="Euclid Circular B" panose="020B0504000000000000" pitchFamily="34" charset="0"/>
-              <a:ea typeface="Euclid Circular B" panose="020B0504000000000000" pitchFamily="34" charset="0"/>
-            </a:endParaRPr>
-          </a:p>
-        </p:txBody>
-      </p:sp>
-      <p:sp>
-        <p:nvSpPr>
-          <p:cNvPr id="10" name="Title 1">
-            <a:extLst>
-              <a:ext uri="{FF2B5EF4-FFF2-40B4-BE49-F238E27FC236}">
-                <a16:creationId xmlns:a16="http://schemas.microsoft.com/office/drawing/2014/main" id="{97F39C48-93E3-4BFF-8540-CD6CA8E7E84A}"/>
-              </a:ext>
-            </a:extLst>
-          </p:cNvPr>
-          <p:cNvSpPr>
-            <a:spLocks noGrp="1"/>
-          </p:cNvSpPr>
-          <p:nvPr>
-            <p:ph type="title"/>
-          </p:nvPr>
-        </p:nvSpPr>
-        <p:spPr>
-          <a:xfrm>
-            <a:off x="838200" y="266701"/>
-            <a:ext cx="10515600" cy="643166"/>
-          </a:xfrm>
-        </p:spPr>
-        <p:txBody>
-          <a:bodyPr>
-            <a:noAutofit/>
-          </a:bodyPr>
-          <a:lstStyle/>
-          <a:p>
-            <a:r>
-              <a:rPr lang="en-US" noProof="0" dirty="0">
-                <a:solidFill>
-                  <a:srgbClr val="292D33"/>
-                </a:solidFill>
-                <a:latin typeface="Euclid Circular B" panose="020B0504000000000000" pitchFamily="34" charset="0"/>
-                <a:ea typeface="Euclid Circular B" panose="020B0504000000000000" pitchFamily="34" charset="0"/>
-              </a:rPr>
-              <a:t>Identifying the Active Tenant</a:t>
-            </a:r>
-            <a:endParaRPr lang="en-US" noProof="0" dirty="0">
-              <a:solidFill>
-                <a:srgbClr val="3E9FCB"/>
-              </a:solidFill>
               <a:latin typeface="Euclid Circular B" panose="020B0504000000000000" pitchFamily="34" charset="0"/>
               <a:ea typeface="Euclid Circular B" panose="020B0504000000000000" pitchFamily="34" charset="0"/>
             </a:endParaRPr>
@@ -12469,6 +15384,46 @@
           </a:p>
         </p:txBody>
       </p:sp>
+      <p:sp>
+        <p:nvSpPr>
+          <p:cNvPr id="4" name="Title 1">
+            <a:extLst>
+              <a:ext uri="{FF2B5EF4-FFF2-40B4-BE49-F238E27FC236}">
+                <a16:creationId xmlns:a16="http://schemas.microsoft.com/office/drawing/2014/main" id="{1A7EDB86-3CB9-AA93-C8B4-8E5379060AAA}"/>
+              </a:ext>
+            </a:extLst>
+          </p:cNvPr>
+          <p:cNvSpPr>
+            <a:spLocks noGrp="1"/>
+          </p:cNvSpPr>
+          <p:nvPr>
+            <p:ph type="title"/>
+          </p:nvPr>
+        </p:nvSpPr>
+        <p:spPr>
+          <a:xfrm>
+            <a:off x="838200" y="266701"/>
+            <a:ext cx="10515600" cy="643166"/>
+          </a:xfrm>
+        </p:spPr>
+        <p:txBody>
+          <a:bodyPr>
+            <a:noAutofit/>
+          </a:bodyPr>
+          <a:lstStyle/>
+          <a:p>
+            <a:r>
+              <a:rPr lang="en-US" sz="4000" b="1" dirty="0">
+                <a:solidFill>
+                  <a:srgbClr val="292D33"/>
+                </a:solidFill>
+                <a:latin typeface="Euclid Circular B" panose="020B0504000000000000" pitchFamily="34" charset="0"/>
+              </a:rPr>
+              <a:t>Identifying the Active Tenant</a:t>
+            </a:r>
+          </a:p>
+        </p:txBody>
+      </p:sp>
     </p:spTree>
     <p:extLst>
       <p:ext uri="{BB962C8B-B14F-4D97-AF65-F5344CB8AC3E}">
@@ -12678,54 +15633,6 @@
               <a:solidFill>
                 <a:schemeClr val="tx1"/>
               </a:solidFill>
-            </a:endParaRPr>
-          </a:p>
-        </p:txBody>
-      </p:sp>
-      <p:sp>
-        <p:nvSpPr>
-          <p:cNvPr id="11" name="Title 1">
-            <a:extLst>
-              <a:ext uri="{FF2B5EF4-FFF2-40B4-BE49-F238E27FC236}">
-                <a16:creationId xmlns:a16="http://schemas.microsoft.com/office/drawing/2014/main" id="{6A062E27-CF33-455D-9953-AF34971D77C7}"/>
-              </a:ext>
-            </a:extLst>
-          </p:cNvPr>
-          <p:cNvSpPr>
-            <a:spLocks noGrp="1"/>
-          </p:cNvSpPr>
-          <p:nvPr>
-            <p:ph type="title"/>
-          </p:nvPr>
-        </p:nvSpPr>
-        <p:spPr>
-          <a:xfrm>
-            <a:off x="838200" y="266701"/>
-            <a:ext cx="10515600" cy="643166"/>
-          </a:xfrm>
-        </p:spPr>
-        <p:txBody>
-          <a:bodyPr>
-            <a:noAutofit/>
-          </a:bodyPr>
-          <a:lstStyle/>
-          <a:p>
-            <a:r>
-              <a:rPr lang="en-US" noProof="0" dirty="0">
-                <a:solidFill>
-                  <a:srgbClr val="292D33"/>
-                </a:solidFill>
-                <a:latin typeface="Euclid Circular B" panose="020B0504000000000000" pitchFamily="34" charset="0"/>
-                <a:ea typeface="Euclid Circular B" panose="020B0504000000000000" pitchFamily="34" charset="0"/>
-              </a:rPr>
-              <a:t>Identifying the Active Tenant</a:t>
-            </a:r>
-            <a:endParaRPr lang="en-US" noProof="0" dirty="0">
-              <a:solidFill>
-                <a:srgbClr val="3E9FCB"/>
-              </a:solidFill>
-              <a:latin typeface="Euclid Circular B" panose="020B0504000000000000" pitchFamily="34" charset="0"/>
-              <a:ea typeface="Euclid Circular B" panose="020B0504000000000000" pitchFamily="34" charset="0"/>
             </a:endParaRPr>
           </a:p>
         </p:txBody>
@@ -12817,6 +15724,46 @@
           </a:fontRef>
         </p:style>
       </p:cxnSp>
+      <p:sp>
+        <p:nvSpPr>
+          <p:cNvPr id="4" name="Title 1">
+            <a:extLst>
+              <a:ext uri="{FF2B5EF4-FFF2-40B4-BE49-F238E27FC236}">
+                <a16:creationId xmlns:a16="http://schemas.microsoft.com/office/drawing/2014/main" id="{67A06863-E7C5-FBDD-198F-D5CBF28EC733}"/>
+              </a:ext>
+            </a:extLst>
+          </p:cNvPr>
+          <p:cNvSpPr>
+            <a:spLocks noGrp="1"/>
+          </p:cNvSpPr>
+          <p:nvPr>
+            <p:ph type="title"/>
+          </p:nvPr>
+        </p:nvSpPr>
+        <p:spPr>
+          <a:xfrm>
+            <a:off x="838200" y="266701"/>
+            <a:ext cx="10515600" cy="643166"/>
+          </a:xfrm>
+        </p:spPr>
+        <p:txBody>
+          <a:bodyPr>
+            <a:noAutofit/>
+          </a:bodyPr>
+          <a:lstStyle/>
+          <a:p>
+            <a:r>
+              <a:rPr lang="en-US" sz="4000" b="1" dirty="0">
+                <a:solidFill>
+                  <a:srgbClr val="292D33"/>
+                </a:solidFill>
+                <a:latin typeface="Euclid Circular B" panose="020B0504000000000000" pitchFamily="34" charset="0"/>
+              </a:rPr>
+              <a:t>Identifying the Active Tenant</a:t>
+            </a:r>
+          </a:p>
+        </p:txBody>
+      </p:sp>
     </p:spTree>
     <p:extLst>
       <p:ext uri="{BB962C8B-B14F-4D97-AF65-F5344CB8AC3E}">
@@ -12900,7 +15847,7 @@
               <a:t>4. </a:t>
             </a:r>
             <a:r>
-              <a:rPr lang="en-US" sz="4000" b="1" i="0" noProof="0" dirty="0">
+              <a:rPr lang="en-US" sz="4000" i="0" noProof="0" dirty="0">
                 <a:solidFill>
                   <a:srgbClr val="B84297"/>
                 </a:solidFill>
@@ -12913,54 +15860,6 @@
             <a:endParaRPr lang="en-US" sz="4000" noProof="0" dirty="0">
               <a:solidFill>
                 <a:srgbClr val="B84297"/>
-              </a:solidFill>
-              <a:latin typeface="Euclid Circular B" panose="020B0504000000000000" pitchFamily="34" charset="0"/>
-              <a:ea typeface="Euclid Circular B" panose="020B0504000000000000" pitchFamily="34" charset="0"/>
-            </a:endParaRPr>
-          </a:p>
-        </p:txBody>
-      </p:sp>
-      <p:sp>
-        <p:nvSpPr>
-          <p:cNvPr id="23" name="Title 1">
-            <a:extLst>
-              <a:ext uri="{FF2B5EF4-FFF2-40B4-BE49-F238E27FC236}">
-                <a16:creationId xmlns:a16="http://schemas.microsoft.com/office/drawing/2014/main" id="{5E098C4E-3265-443B-B168-55C2999D0903}"/>
-              </a:ext>
-            </a:extLst>
-          </p:cNvPr>
-          <p:cNvSpPr>
-            <a:spLocks noGrp="1"/>
-          </p:cNvSpPr>
-          <p:nvPr>
-            <p:ph type="title"/>
-          </p:nvPr>
-        </p:nvSpPr>
-        <p:spPr>
-          <a:xfrm>
-            <a:off x="838200" y="266701"/>
-            <a:ext cx="10515600" cy="643166"/>
-          </a:xfrm>
-        </p:spPr>
-        <p:txBody>
-          <a:bodyPr>
-            <a:noAutofit/>
-          </a:bodyPr>
-          <a:lstStyle/>
-          <a:p>
-            <a:r>
-              <a:rPr lang="en-US" noProof="0" dirty="0">
-                <a:solidFill>
-                  <a:srgbClr val="292D33"/>
-                </a:solidFill>
-                <a:latin typeface="Euclid Circular B" panose="020B0504000000000000" pitchFamily="34" charset="0"/>
-                <a:ea typeface="Euclid Circular B" panose="020B0504000000000000" pitchFamily="34" charset="0"/>
-              </a:rPr>
-              <a:t>Identifying the Active Tenant</a:t>
-            </a:r>
-            <a:endParaRPr lang="en-US" noProof="0" dirty="0">
-              <a:solidFill>
-                <a:srgbClr val="3E9FCB"/>
               </a:solidFill>
               <a:latin typeface="Euclid Circular B" panose="020B0504000000000000" pitchFamily="34" charset="0"/>
               <a:ea typeface="Euclid Circular B" panose="020B0504000000000000" pitchFamily="34" charset="0"/>
@@ -13118,6 +16017,46 @@
           </a:fontRef>
         </p:style>
       </p:cxnSp>
+      <p:sp>
+        <p:nvSpPr>
+          <p:cNvPr id="4" name="Title 1">
+            <a:extLst>
+              <a:ext uri="{FF2B5EF4-FFF2-40B4-BE49-F238E27FC236}">
+                <a16:creationId xmlns:a16="http://schemas.microsoft.com/office/drawing/2014/main" id="{CF896C4C-7140-AB2A-E304-7CEEA6D644FD}"/>
+              </a:ext>
+            </a:extLst>
+          </p:cNvPr>
+          <p:cNvSpPr>
+            <a:spLocks noGrp="1"/>
+          </p:cNvSpPr>
+          <p:nvPr>
+            <p:ph type="title"/>
+          </p:nvPr>
+        </p:nvSpPr>
+        <p:spPr>
+          <a:xfrm>
+            <a:off x="838200" y="266701"/>
+            <a:ext cx="10515600" cy="643166"/>
+          </a:xfrm>
+        </p:spPr>
+        <p:txBody>
+          <a:bodyPr>
+            <a:noAutofit/>
+          </a:bodyPr>
+          <a:lstStyle/>
+          <a:p>
+            <a:r>
+              <a:rPr lang="en-US" sz="4000" b="1" dirty="0">
+                <a:solidFill>
+                  <a:srgbClr val="292D33"/>
+                </a:solidFill>
+                <a:latin typeface="Euclid Circular B" panose="020B0504000000000000" pitchFamily="34" charset="0"/>
+              </a:rPr>
+              <a:t>Identifying the Active Tenant</a:t>
+            </a:r>
+          </a:p>
+        </p:txBody>
+      </p:sp>
     </p:spTree>
     <p:extLst>
       <p:ext uri="{BB962C8B-B14F-4D97-AF65-F5344CB8AC3E}">
@@ -13221,7 +16160,7 @@
           <a:lstStyle/>
           <a:p>
             <a:r>
-              <a:rPr lang="en-US" sz="4000" b="1" dirty="0">
+              <a:rPr lang="en-US" sz="4000" dirty="0">
                 <a:solidFill>
                   <a:srgbClr val="B84297"/>
                 </a:solidFill>
@@ -13231,7 +16170,7 @@
               <a:t>5. </a:t>
             </a:r>
             <a:r>
-              <a:rPr lang="en-US" sz="4000" b="1" i="0" noProof="0" dirty="0">
+              <a:rPr lang="en-US" sz="4000" i="0" noProof="0" dirty="0">
                 <a:solidFill>
                   <a:srgbClr val="B84297"/>
                 </a:solidFill>
@@ -13241,14 +16180,6 @@
               </a:rPr>
               <a:t>Cookie</a:t>
             </a:r>
-            <a:endParaRPr lang="en-US" sz="4000" i="0" noProof="0" dirty="0">
-              <a:solidFill>
-                <a:srgbClr val="B84297"/>
-              </a:solidFill>
-              <a:effectLst/>
-              <a:latin typeface="Euclid Circular B" panose="020B0504000000000000" pitchFamily="34" charset="0"/>
-              <a:ea typeface="Euclid Circular B" panose="020B0504000000000000" pitchFamily="34" charset="0"/>
-            </a:endParaRPr>
           </a:p>
         </p:txBody>
       </p:sp>
@@ -13285,54 +16216,6 @@
           <a:effectLst/>
         </p:spPr>
       </p:pic>
-      <p:sp>
-        <p:nvSpPr>
-          <p:cNvPr id="10" name="Title 1">
-            <a:extLst>
-              <a:ext uri="{FF2B5EF4-FFF2-40B4-BE49-F238E27FC236}">
-                <a16:creationId xmlns:a16="http://schemas.microsoft.com/office/drawing/2014/main" id="{D8F17CBC-E410-4161-B571-09C2851A3DCB}"/>
-              </a:ext>
-            </a:extLst>
-          </p:cNvPr>
-          <p:cNvSpPr>
-            <a:spLocks noGrp="1"/>
-          </p:cNvSpPr>
-          <p:nvPr>
-            <p:ph type="title"/>
-          </p:nvPr>
-        </p:nvSpPr>
-        <p:spPr>
-          <a:xfrm>
-            <a:off x="838200" y="266701"/>
-            <a:ext cx="10515600" cy="643166"/>
-          </a:xfrm>
-        </p:spPr>
-        <p:txBody>
-          <a:bodyPr>
-            <a:noAutofit/>
-          </a:bodyPr>
-          <a:lstStyle/>
-          <a:p>
-            <a:r>
-              <a:rPr lang="en-US" noProof="0" dirty="0">
-                <a:solidFill>
-                  <a:srgbClr val="292D33"/>
-                </a:solidFill>
-                <a:latin typeface="Euclid Circular B" panose="020B0504000000000000" pitchFamily="34" charset="0"/>
-                <a:ea typeface="Euclid Circular B" panose="020B0504000000000000" pitchFamily="34" charset="0"/>
-              </a:rPr>
-              <a:t>Identifying the Active Tenant</a:t>
-            </a:r>
-            <a:endParaRPr lang="en-US" noProof="0" dirty="0">
-              <a:solidFill>
-                <a:srgbClr val="3E9FCB"/>
-              </a:solidFill>
-              <a:latin typeface="Euclid Circular B" panose="020B0504000000000000" pitchFamily="34" charset="0"/>
-              <a:ea typeface="Euclid Circular B" panose="020B0504000000000000" pitchFamily="34" charset="0"/>
-            </a:endParaRPr>
-          </a:p>
-        </p:txBody>
-      </p:sp>
       <p:cxnSp>
         <p:nvCxnSpPr>
           <p:cNvPr id="13" name="Straight Connector 12">
@@ -13420,6 +16303,46 @@
           </a:fontRef>
         </p:style>
       </p:cxnSp>
+      <p:sp>
+        <p:nvSpPr>
+          <p:cNvPr id="4" name="Title 1">
+            <a:extLst>
+              <a:ext uri="{FF2B5EF4-FFF2-40B4-BE49-F238E27FC236}">
+                <a16:creationId xmlns:a16="http://schemas.microsoft.com/office/drawing/2014/main" id="{4E5FA34B-8F21-A65D-1892-413AABFCBBE2}"/>
+              </a:ext>
+            </a:extLst>
+          </p:cNvPr>
+          <p:cNvSpPr>
+            <a:spLocks noGrp="1"/>
+          </p:cNvSpPr>
+          <p:nvPr>
+            <p:ph type="title"/>
+          </p:nvPr>
+        </p:nvSpPr>
+        <p:spPr>
+          <a:xfrm>
+            <a:off x="838200" y="266701"/>
+            <a:ext cx="10515600" cy="643166"/>
+          </a:xfrm>
+        </p:spPr>
+        <p:txBody>
+          <a:bodyPr>
+            <a:noAutofit/>
+          </a:bodyPr>
+          <a:lstStyle/>
+          <a:p>
+            <a:r>
+              <a:rPr lang="en-US" sz="4000" b="1" dirty="0">
+                <a:solidFill>
+                  <a:srgbClr val="292D33"/>
+                </a:solidFill>
+                <a:latin typeface="Euclid Circular B" panose="020B0504000000000000" pitchFamily="34" charset="0"/>
+              </a:rPr>
+              <a:t>Identifying the Active Tenant</a:t>
+            </a:r>
+          </a:p>
+        </p:txBody>
+      </p:sp>
     </p:spTree>
     <p:extLst>
       <p:ext uri="{BB962C8B-B14F-4D97-AF65-F5344CB8AC3E}">
@@ -13523,7 +16446,7 @@
           <a:lstStyle/>
           <a:p>
             <a:r>
-              <a:rPr lang="en-US" sz="4000" b="1" dirty="0">
+              <a:rPr lang="en-US" sz="4000" dirty="0">
                 <a:solidFill>
                   <a:srgbClr val="B84297"/>
                 </a:solidFill>
@@ -13533,7 +16456,7 @@
               <a:t>6. </a:t>
             </a:r>
             <a:r>
-              <a:rPr lang="en-US" sz="4000" b="1" i="0" noProof="0" dirty="0">
+              <a:rPr lang="en-US" sz="4000" i="0" noProof="0" dirty="0">
                 <a:solidFill>
                   <a:srgbClr val="B84297"/>
                 </a:solidFill>
@@ -13543,14 +16466,6 @@
               </a:rPr>
               <a:t>Domain</a:t>
             </a:r>
-            <a:endParaRPr lang="en-US" sz="4000" i="0" noProof="0" dirty="0">
-              <a:solidFill>
-                <a:srgbClr val="B84297"/>
-              </a:solidFill>
-              <a:effectLst/>
-              <a:latin typeface="Euclid Circular B" panose="020B0504000000000000" pitchFamily="34" charset="0"/>
-              <a:ea typeface="Euclid Circular B" panose="020B0504000000000000" pitchFamily="34" charset="0"/>
-            </a:endParaRPr>
           </a:p>
         </p:txBody>
       </p:sp>
@@ -13629,54 +16544,6 @@
               <a:solidFill>
                 <a:schemeClr val="tx1"/>
               </a:solidFill>
-            </a:endParaRPr>
-          </a:p>
-        </p:txBody>
-      </p:sp>
-      <p:sp>
-        <p:nvSpPr>
-          <p:cNvPr id="12" name="Title 1">
-            <a:extLst>
-              <a:ext uri="{FF2B5EF4-FFF2-40B4-BE49-F238E27FC236}">
-                <a16:creationId xmlns:a16="http://schemas.microsoft.com/office/drawing/2014/main" id="{A75DE088-97E3-4733-A7E7-C90E255AE393}"/>
-              </a:ext>
-            </a:extLst>
-          </p:cNvPr>
-          <p:cNvSpPr>
-            <a:spLocks noGrp="1"/>
-          </p:cNvSpPr>
-          <p:nvPr>
-            <p:ph type="title"/>
-          </p:nvPr>
-        </p:nvSpPr>
-        <p:spPr>
-          <a:xfrm>
-            <a:off x="838200" y="266701"/>
-            <a:ext cx="10515600" cy="643166"/>
-          </a:xfrm>
-        </p:spPr>
-        <p:txBody>
-          <a:bodyPr>
-            <a:noAutofit/>
-          </a:bodyPr>
-          <a:lstStyle/>
-          <a:p>
-            <a:r>
-              <a:rPr lang="en-US" noProof="0" dirty="0">
-                <a:solidFill>
-                  <a:srgbClr val="292D33"/>
-                </a:solidFill>
-                <a:latin typeface="Euclid Circular B" panose="020B0504000000000000" pitchFamily="34" charset="0"/>
-                <a:ea typeface="Euclid Circular B" panose="020B0504000000000000" pitchFamily="34" charset="0"/>
-              </a:rPr>
-              <a:t>Identifying the Active Tenant</a:t>
-            </a:r>
-            <a:endParaRPr lang="en-US" noProof="0" dirty="0">
-              <a:solidFill>
-                <a:srgbClr val="3E9FCB"/>
-              </a:solidFill>
-              <a:latin typeface="Euclid Circular B" panose="020B0504000000000000" pitchFamily="34" charset="0"/>
-              <a:ea typeface="Euclid Circular B" panose="020B0504000000000000" pitchFamily="34" charset="0"/>
             </a:endParaRPr>
           </a:p>
         </p:txBody>
@@ -13768,6 +16635,46 @@
           </a:fontRef>
         </p:style>
       </p:cxnSp>
+      <p:sp>
+        <p:nvSpPr>
+          <p:cNvPr id="4" name="Title 1">
+            <a:extLst>
+              <a:ext uri="{FF2B5EF4-FFF2-40B4-BE49-F238E27FC236}">
+                <a16:creationId xmlns:a16="http://schemas.microsoft.com/office/drawing/2014/main" id="{EDBF5981-A493-F705-F6C4-9FED2CBBAD33}"/>
+              </a:ext>
+            </a:extLst>
+          </p:cNvPr>
+          <p:cNvSpPr>
+            <a:spLocks noGrp="1"/>
+          </p:cNvSpPr>
+          <p:nvPr>
+            <p:ph type="title"/>
+          </p:nvPr>
+        </p:nvSpPr>
+        <p:spPr>
+          <a:xfrm>
+            <a:off x="838200" y="266701"/>
+            <a:ext cx="10515600" cy="643166"/>
+          </a:xfrm>
+        </p:spPr>
+        <p:txBody>
+          <a:bodyPr>
+            <a:noAutofit/>
+          </a:bodyPr>
+          <a:lstStyle/>
+          <a:p>
+            <a:r>
+              <a:rPr lang="en-US" sz="4000" b="1" dirty="0">
+                <a:solidFill>
+                  <a:srgbClr val="292D33"/>
+                </a:solidFill>
+                <a:latin typeface="Euclid Circular B" panose="020B0504000000000000" pitchFamily="34" charset="0"/>
+              </a:rPr>
+              <a:t>Identifying the Active Tenant</a:t>
+            </a:r>
+          </a:p>
+        </p:txBody>
+      </p:sp>
     </p:spTree>
     <p:extLst>
       <p:ext uri="{BB962C8B-B14F-4D97-AF65-F5344CB8AC3E}">
@@ -14041,8 +16948,8 @@
         </p:blipFill>
         <p:spPr>
           <a:xfrm>
-            <a:off x="238668" y="1425452"/>
-            <a:ext cx="11700000" cy="2898361"/>
+            <a:off x="189782" y="1401418"/>
+            <a:ext cx="11826627" cy="2929729"/>
           </a:xfrm>
           <a:prstGeom prst="rect">
             <a:avLst/>
@@ -14268,7 +17175,7 @@
                 <a:latin typeface="Euclid Circular B" panose="020B0504000000000000" pitchFamily="34" charset="0"/>
                 <a:ea typeface="Euclid Circular B" panose="020B0504000000000000" pitchFamily="34" charset="0"/>
               </a:rPr>
-              <a:t>Data Isolation</a:t>
+              <a:t>Data Isolation — Standardization</a:t>
             </a:r>
             <a:endParaRPr lang="en-US" noProof="0" dirty="0">
               <a:solidFill>
@@ -16908,22 +19815,25 @@
           </a:lstStyle>
           <a:p>
             <a:r>
-              <a:rPr lang="en-US" sz="4000" b="1" dirty="0">
+              <a:rPr lang="en-US" sz="4000" b="1" i="1" dirty="0">
                 <a:solidFill>
                   <a:srgbClr val="292D33"/>
                 </a:solidFill>
                 <a:latin typeface="Euclid Circular B" panose="020B0504000000000000" pitchFamily="34" charset="0"/>
                 <a:ea typeface="Euclid Circular B" panose="020B0504000000000000" pitchFamily="34" charset="0"/>
               </a:rPr>
-              <a:t>HasQueryFilter() for global filtering</a:t>
-            </a:r>
-            <a:endParaRPr lang="en-US" sz="4000" dirty="0">
-              <a:solidFill>
-                <a:srgbClr val="292D33"/>
-              </a:solidFill>
-              <a:latin typeface="Euclid Circular B" panose="020B0504000000000000" pitchFamily="34" charset="0"/>
-              <a:ea typeface="Euclid Circular B" panose="020B0504000000000000" pitchFamily="34" charset="0"/>
-            </a:endParaRPr>
+              <a:t>HasQueryFilter() </a:t>
+            </a:r>
+            <a:r>
+              <a:rPr lang="en-US" sz="4000" dirty="0">
+                <a:solidFill>
+                  <a:srgbClr val="292D33"/>
+                </a:solidFill>
+                <a:latin typeface="Euclid Circular B" panose="020B0504000000000000" pitchFamily="34" charset="0"/>
+                <a:ea typeface="Euclid Circular B" panose="020B0504000000000000" pitchFamily="34" charset="0"/>
+              </a:rPr>
+              <a:t>for global filtering</a:t>
+            </a:r>
           </a:p>
         </p:txBody>
       </p:sp>
@@ -17195,7 +20105,7 @@
         <p:spPr>
           <a:xfrm>
             <a:off x="8388145" y="190973"/>
-            <a:ext cx="3803855" cy="2709626"/>
+            <a:ext cx="3618325" cy="2709626"/>
           </a:xfrm>
           <a:prstGeom prst="rect">
             <a:avLst/>
@@ -17723,8 +20633,8 @@
         </p:nvSpPr>
         <p:spPr>
           <a:xfrm>
-            <a:off x="397783" y="2383403"/>
-            <a:ext cx="11354245" cy="2291964"/>
+            <a:off x="397783" y="2553362"/>
+            <a:ext cx="11354245" cy="1751275"/>
           </a:xfrm>
         </p:spPr>
         <p:txBody>
@@ -17792,67 +20702,6 @@
               </a:rPr>
               <a:t> Supports navigation properties</a:t>
             </a:r>
-          </a:p>
-          <a:p>
-            <a:pPr marL="0" indent="0">
-              <a:buNone/>
-            </a:pPr>
-            <a:r>
-              <a:rPr lang="en-US" sz="4800" dirty="0">
-                <a:solidFill>
-                  <a:srgbClr val="00B050"/>
-                </a:solidFill>
-                <a:latin typeface="Euclid Circular B" panose="020B0504000000000000" pitchFamily="34" charset="0"/>
-                <a:ea typeface="Euclid Circular B" panose="020B0504000000000000" pitchFamily="34" charset="0"/>
-              </a:rPr>
-              <a:t>😕</a:t>
-            </a:r>
-            <a:r>
-              <a:rPr lang="en-US" sz="4800" noProof="0" dirty="0">
-                <a:solidFill>
-                  <a:schemeClr val="accent6">
-                    <a:lumMod val="75000"/>
-                  </a:schemeClr>
-                </a:solidFill>
-                <a:latin typeface="Euclid Circular B" panose="020B0504000000000000" pitchFamily="34" charset="0"/>
-                <a:ea typeface="Euclid Circular B" panose="020B0504000000000000" pitchFamily="34" charset="0"/>
-              </a:rPr>
-              <a:t> </a:t>
-            </a:r>
-            <a:r>
-              <a:rPr lang="en-US" sz="4800" dirty="0">
-                <a:solidFill>
-                  <a:srgbClr val="FE9D00"/>
-                </a:solidFill>
-                <a:latin typeface="Euclid Circular B" panose="020B0504000000000000" pitchFamily="34" charset="0"/>
-                <a:ea typeface="Euclid Circular B" panose="020B0504000000000000" pitchFamily="34" charset="0"/>
-              </a:rPr>
-              <a:t>W</a:t>
-            </a:r>
-            <a:r>
-              <a:rPr lang="en-US" sz="4800" noProof="0" dirty="0" err="1">
-                <a:solidFill>
-                  <a:srgbClr val="FE9D00"/>
-                </a:solidFill>
-                <a:latin typeface="Euclid Circular B" panose="020B0504000000000000" pitchFamily="34" charset="0"/>
-                <a:ea typeface="Euclid Circular B" panose="020B0504000000000000" pitchFamily="34" charset="0"/>
-              </a:rPr>
-              <a:t>orks</a:t>
-            </a:r>
-            <a:r>
-              <a:rPr lang="en-US" sz="4800" noProof="0" dirty="0">
-                <a:solidFill>
-                  <a:srgbClr val="FE9D00"/>
-                </a:solidFill>
-                <a:latin typeface="Euclid Circular B" panose="020B0504000000000000" pitchFamily="34" charset="0"/>
-                <a:ea typeface="Euclid Circular B" panose="020B0504000000000000" pitchFamily="34" charset="0"/>
-              </a:rPr>
-              <a:t> only with EF Core</a:t>
-            </a:r>
-            <a:endParaRPr lang="en-US" sz="4800" noProof="0" dirty="0">
-              <a:latin typeface="Euclid Circular B" panose="020B0504000000000000" pitchFamily="34" charset="0"/>
-              <a:ea typeface="Euclid Circular B" panose="020B0504000000000000" pitchFamily="34" charset="0"/>
-            </a:endParaRPr>
           </a:p>
         </p:txBody>
       </p:sp>
@@ -19642,7 +22491,7 @@
                 <a:latin typeface="Euclid Circular B" panose="020B0504000000000000" pitchFamily="34" charset="0"/>
                 <a:ea typeface="Euclid Circular B" panose="020B0504000000000000" pitchFamily="34" charset="0"/>
               </a:rPr>
-              <a:t>Set TenantId for New Entities</a:t>
+              <a:t>Set TenantId for New Entities in the Base Class</a:t>
             </a:r>
             <a:endParaRPr lang="en-US" noProof="0" dirty="0">
               <a:solidFill>
@@ -20208,6 +23057,156 @@
           </a:effectLst>
         </p:spPr>
       </p:pic>
+      <p:sp>
+        <p:nvSpPr>
+          <p:cNvPr id="2" name="Rectangle 1">
+            <a:extLst>
+              <a:ext uri="{FF2B5EF4-FFF2-40B4-BE49-F238E27FC236}">
+                <a16:creationId xmlns:a16="http://schemas.microsoft.com/office/drawing/2014/main" id="{C0842610-EAAD-2CDD-92AA-ECB6FBA15B6B}"/>
+              </a:ext>
+            </a:extLst>
+          </p:cNvPr>
+          <p:cNvSpPr/>
+          <p:nvPr/>
+        </p:nvSpPr>
+        <p:spPr>
+          <a:xfrm>
+            <a:off x="377492" y="5585791"/>
+            <a:ext cx="576665" cy="327988"/>
+          </a:xfrm>
+          <a:prstGeom prst="rect">
+            <a:avLst/>
+          </a:prstGeom>
+          <a:noFill/>
+          <a:ln w="28575">
+            <a:solidFill>
+              <a:srgbClr val="FF0000"/>
+            </a:solidFill>
+          </a:ln>
+        </p:spPr>
+        <p:style>
+          <a:lnRef idx="2">
+            <a:schemeClr val="accent2"/>
+          </a:lnRef>
+          <a:fillRef idx="1">
+            <a:schemeClr val="lt1"/>
+          </a:fillRef>
+          <a:effectRef idx="0">
+            <a:schemeClr val="accent2"/>
+          </a:effectRef>
+          <a:fontRef idx="minor">
+            <a:schemeClr val="dk1"/>
+          </a:fontRef>
+        </p:style>
+        <p:txBody>
+          <a:bodyPr rtlCol="0" anchor="ctr"/>
+          <a:lstStyle/>
+          <a:p>
+            <a:pPr algn="ctr"/>
+            <a:endParaRPr lang="tr-TR"/>
+          </a:p>
+        </p:txBody>
+      </p:sp>
+      <p:sp>
+        <p:nvSpPr>
+          <p:cNvPr id="3" name="Rectangle 2">
+            <a:extLst>
+              <a:ext uri="{FF2B5EF4-FFF2-40B4-BE49-F238E27FC236}">
+                <a16:creationId xmlns:a16="http://schemas.microsoft.com/office/drawing/2014/main" id="{9367AA09-22FF-1326-218A-07BE0771CB72}"/>
+              </a:ext>
+            </a:extLst>
+          </p:cNvPr>
+          <p:cNvSpPr/>
+          <p:nvPr/>
+        </p:nvSpPr>
+        <p:spPr>
+          <a:xfrm>
+            <a:off x="9683831" y="2677213"/>
+            <a:ext cx="2044343" cy="447030"/>
+          </a:xfrm>
+          <a:prstGeom prst="rect">
+            <a:avLst/>
+          </a:prstGeom>
+          <a:noFill/>
+          <a:ln w="28575">
+            <a:solidFill>
+              <a:srgbClr val="FF0000"/>
+            </a:solidFill>
+          </a:ln>
+        </p:spPr>
+        <p:style>
+          <a:lnRef idx="2">
+            <a:schemeClr val="accent2"/>
+          </a:lnRef>
+          <a:fillRef idx="1">
+            <a:schemeClr val="lt1"/>
+          </a:fillRef>
+          <a:effectRef idx="0">
+            <a:schemeClr val="accent2"/>
+          </a:effectRef>
+          <a:fontRef idx="minor">
+            <a:schemeClr val="dk1"/>
+          </a:fontRef>
+        </p:style>
+        <p:txBody>
+          <a:bodyPr rtlCol="0" anchor="ctr"/>
+          <a:lstStyle/>
+          <a:p>
+            <a:pPr algn="ctr"/>
+            <a:endParaRPr lang="tr-TR"/>
+          </a:p>
+        </p:txBody>
+      </p:sp>
+      <p:sp>
+        <p:nvSpPr>
+          <p:cNvPr id="4" name="Rectangle 3">
+            <a:extLst>
+              <a:ext uri="{FF2B5EF4-FFF2-40B4-BE49-F238E27FC236}">
+                <a16:creationId xmlns:a16="http://schemas.microsoft.com/office/drawing/2014/main" id="{3AC97A3F-A562-E0D0-37EB-E14B5902808B}"/>
+              </a:ext>
+            </a:extLst>
+          </p:cNvPr>
+          <p:cNvSpPr/>
+          <p:nvPr/>
+        </p:nvSpPr>
+        <p:spPr>
+          <a:xfrm>
+            <a:off x="8991405" y="5302755"/>
+            <a:ext cx="1315474" cy="447030"/>
+          </a:xfrm>
+          <a:prstGeom prst="rect">
+            <a:avLst/>
+          </a:prstGeom>
+          <a:noFill/>
+          <a:ln w="28575">
+            <a:solidFill>
+              <a:srgbClr val="FF0000"/>
+            </a:solidFill>
+          </a:ln>
+        </p:spPr>
+        <p:style>
+          <a:lnRef idx="2">
+            <a:schemeClr val="accent2"/>
+          </a:lnRef>
+          <a:fillRef idx="1">
+            <a:schemeClr val="lt1"/>
+          </a:fillRef>
+          <a:effectRef idx="0">
+            <a:schemeClr val="accent2"/>
+          </a:effectRef>
+          <a:fontRef idx="minor">
+            <a:schemeClr val="dk1"/>
+          </a:fontRef>
+        </p:style>
+        <p:txBody>
+          <a:bodyPr rtlCol="0" anchor="ctr"/>
+          <a:lstStyle/>
+          <a:p>
+            <a:pPr algn="ctr"/>
+            <a:endParaRPr lang="tr-TR"/>
+          </a:p>
+        </p:txBody>
+      </p:sp>
     </p:spTree>
     <p:extLst>
       <p:ext uri="{BB962C8B-B14F-4D97-AF65-F5344CB8AC3E}">
@@ -20597,7 +23596,7 @@
                 <a:latin typeface="Euclid Circular B" panose="020B0504000000000000" pitchFamily="34" charset="0"/>
                 <a:ea typeface="Euclid Circular B" panose="020B0504000000000000" pitchFamily="34" charset="0"/>
               </a:rPr>
-              <a:t>Connection String Selection — DB</a:t>
+              <a:t>DB Connection String Selection</a:t>
             </a:r>
           </a:p>
         </p:txBody>
@@ -20954,12 +23953,14 @@
         </p:nvSpPr>
         <p:spPr>
           <a:xfrm>
-            <a:off x="838200" y="228600"/>
-            <a:ext cx="10515600" cy="800100"/>
+            <a:off x="245999" y="228600"/>
+            <a:ext cx="11699999" cy="800100"/>
           </a:xfrm>
         </p:spPr>
         <p:txBody>
-          <a:bodyPr/>
+          <a:bodyPr>
+            <a:normAutofit fontScale="90000"/>
+          </a:bodyPr>
           <a:lstStyle/>
           <a:p>
             <a:r>
@@ -20970,7 +23971,7 @@
                 <a:latin typeface="Euclid Circular B" panose="020B0504000000000000" pitchFamily="34" charset="0"/>
                 <a:ea typeface="Euclid Circular B" panose="020B0504000000000000" pitchFamily="34" charset="0"/>
               </a:rPr>
-              <a:t>Connection String Selection — Code</a:t>
+              <a:t>DB Connection String Selection — Implementation</a:t>
             </a:r>
           </a:p>
         </p:txBody>
@@ -25261,7 +28262,7 @@
         </p:nvSpPr>
         <p:spPr>
           <a:xfrm>
-            <a:off x="838200" y="266700"/>
+            <a:off x="513307" y="247551"/>
             <a:ext cx="10515600" cy="698500"/>
           </a:xfrm>
         </p:spPr>
@@ -25279,7 +28280,7 @@
                 <a:latin typeface="Euclid Circular B" panose="020B0504000000000000" pitchFamily="34" charset="0"/>
                 <a:ea typeface="Euclid Circular B" panose="020B0504000000000000" pitchFamily="34" charset="0"/>
               </a:rPr>
-              <a:t>Database Migration </a:t>
+              <a:t>Database Migration Strategies </a:t>
             </a:r>
           </a:p>
         </p:txBody>
@@ -25298,8 +28299,8 @@
         </p:nvSpPr>
         <p:spPr>
           <a:xfrm>
-            <a:off x="838200" y="1243786"/>
-            <a:ext cx="10409903" cy="2185214"/>
+            <a:off x="513307" y="1120676"/>
+            <a:ext cx="9077954" cy="2308324"/>
           </a:xfrm>
           <a:prstGeom prst="rect">
             <a:avLst/>
@@ -25313,31 +28314,54 @@
           <a:lstStyle/>
           <a:p>
             <a:r>
-              <a:rPr lang="en-US" sz="3200" b="1" dirty="0">
+              <a:rPr lang="en-US" sz="2400" b="1" dirty="0">
                 <a:solidFill>
-                  <a:srgbClr val="292D33"/>
+                  <a:schemeClr val="tx1">
+                    <a:lumMod val="50000"/>
+                    <a:lumOff val="50000"/>
+                  </a:schemeClr>
                 </a:solidFill>
                 <a:latin typeface="Euclid Circular B" panose="020B0504000000000000" pitchFamily="34" charset="0"/>
                 <a:ea typeface="Euclid Circular B" panose="020B0504000000000000" pitchFamily="34" charset="0"/>
               </a:rPr>
-              <a:t>Approach-1: </a:t>
-            </a:r>
-            <a:r>
-              <a:rPr lang="en-US" sz="3200" b="1" dirty="0">
+              <a:t>#1: Custom DB Migration Tool</a:t>
+            </a:r>
+            <a:br>
+              <a:rPr lang="en-US" sz="2400" b="1" dirty="0">
                 <a:latin typeface="Euclid Circular B" panose="020B0504000000000000" pitchFamily="34" charset="0"/>
                 <a:ea typeface="Euclid Circular B" panose="020B0504000000000000" pitchFamily="34" charset="0"/>
               </a:rPr>
-              <a:t>Make DB migration with a custom tool</a:t>
-            </a:r>
-          </a:p>
-          <a:p>
-            <a:pPr>
-              <a:lnSpc>
-                <a:spcPct val="150000"/>
-              </a:lnSpc>
-            </a:pPr>
-            <a:r>
-              <a:rPr lang="en-US" sz="2800" dirty="0">
+            </a:br>
+            <a:endParaRPr lang="en-US" sz="2400" b="1" dirty="0">
+              <a:latin typeface="Euclid Circular B" panose="020B0504000000000000" pitchFamily="34" charset="0"/>
+              <a:ea typeface="Euclid Circular B" panose="020B0504000000000000" pitchFamily="34" charset="0"/>
+            </a:endParaRPr>
+          </a:p>
+          <a:p>
+            <a:r>
+              <a:rPr lang="en-US" sz="2000" dirty="0">
+                <a:solidFill>
+                  <a:srgbClr val="00B050"/>
+                </a:solidFill>
+                <a:latin typeface="Euclid Circular B" panose="020B0504000000000000" pitchFamily="34" charset="0"/>
+                <a:ea typeface="Euclid Circular B" panose="020B0504000000000000" pitchFamily="34" charset="0"/>
+              </a:rPr>
+              <a:t>😊 </a:t>
+            </a:r>
+            <a:r>
+              <a:rPr lang="en-US" sz="2400" dirty="0">
+                <a:solidFill>
+                  <a:srgbClr val="00B050"/>
+                </a:solidFill>
+                <a:latin typeface="Euclid Circular B" panose="020B0504000000000000" pitchFamily="34" charset="0"/>
+                <a:ea typeface="Euclid Circular B" panose="020B0504000000000000" pitchFamily="34" charset="0"/>
+              </a:rPr>
+              <a:t>Simple implementation</a:t>
+            </a:r>
+          </a:p>
+          <a:p>
+            <a:r>
+              <a:rPr lang="en-US" sz="2000" dirty="0">
                 <a:solidFill>
                   <a:srgbClr val="00B050"/>
                 </a:solidFill>
@@ -25347,48 +28371,58 @@
               <a:t>😊</a:t>
             </a:r>
             <a:r>
-              <a:rPr lang="en-US" sz="3200" dirty="0">
+              <a:rPr lang="en-US" sz="2400" dirty="0">
                 <a:solidFill>
                   <a:srgbClr val="00B050"/>
                 </a:solidFill>
                 <a:latin typeface="Euclid Circular B" panose="020B0504000000000000" pitchFamily="34" charset="0"/>
                 <a:ea typeface="Euclid Circular B" panose="020B0504000000000000" pitchFamily="34" charset="0"/>
               </a:rPr>
-              <a:t> </a:t>
-            </a:r>
-            <a:r>
-              <a:rPr lang="en-US" sz="2800" dirty="0">
-                <a:solidFill>
-                  <a:srgbClr val="00B050"/>
-                </a:solidFill>
-                <a:latin typeface="Euclid Circular B" panose="020B0504000000000000" pitchFamily="34" charset="0"/>
-                <a:ea typeface="Euclid Circular B" panose="020B0504000000000000" pitchFamily="34" charset="0"/>
-              </a:rPr>
-              <a:t>Easy to implement. All tenants are in the same version</a:t>
-            </a:r>
-          </a:p>
-          <a:p>
-            <a:r>
-              <a:rPr lang="en-US" sz="2800" dirty="0">
+              <a:t> All tenants are simultaneously being upgraded to the same version</a:t>
+            </a:r>
+          </a:p>
+          <a:p>
+            <a:r>
+              <a:rPr lang="en-US" sz="2000" dirty="0">
                 <a:solidFill>
                   <a:srgbClr val="FF0000"/>
                 </a:solidFill>
                 <a:latin typeface="Euclid Circular B" panose="020B0504000000000000" pitchFamily="34" charset="0"/>
                 <a:ea typeface="Euclid Circular B" panose="020B0504000000000000" pitchFamily="34" charset="0"/>
               </a:rPr>
-              <a:t>😡 May get too long time for big number of tenants and data.</a:t>
-            </a:r>
-          </a:p>
-          <a:p>
-            <a:r>
-              <a:rPr lang="en-US" sz="2800" dirty="0">
+              <a:t>😡</a:t>
+            </a:r>
+            <a:r>
+              <a:rPr lang="en-US" sz="2400" dirty="0">
                 <a:solidFill>
                   <a:srgbClr val="FF0000"/>
                 </a:solidFill>
                 <a:latin typeface="Euclid Circular B" panose="020B0504000000000000" pitchFamily="34" charset="0"/>
                 <a:ea typeface="Euclid Circular B" panose="020B0504000000000000" pitchFamily="34" charset="0"/>
               </a:rPr>
-              <a:t>😡 All tenants wait for all upgrade progress</a:t>
+              <a:t> Can take a long time when there are many tenants / large datasets</a:t>
+            </a:r>
+          </a:p>
+          <a:p>
+            <a:r>
+              <a:rPr lang="en-US" sz="2000" dirty="0">
+                <a:solidFill>
+                  <a:srgbClr val="FF0000"/>
+                </a:solidFill>
+                <a:latin typeface="Euclid Circular B" panose="020B0504000000000000" pitchFamily="34" charset="0"/>
+                <a:ea typeface="Euclid Circular B" panose="020B0504000000000000" pitchFamily="34" charset="0"/>
+              </a:rPr>
+              <a:t>😡 </a:t>
+            </a:r>
+            <a:r>
+              <a:rPr lang="en-US" sz="2400" dirty="0">
+                <a:solidFill>
+                  <a:srgbClr val="FF0000"/>
+                </a:solidFill>
+                <a:latin typeface="Euclid Circular B" panose="020B0504000000000000" pitchFamily="34" charset="0"/>
+                <a:ea typeface="Euclid Circular B" panose="020B0504000000000000" pitchFamily="34" charset="0"/>
+              </a:rPr>
+              <a:t>All tenants are blocked until the entire upgrade is completed</a:t>
             </a:r>
           </a:p>
         </p:txBody>
@@ -25407,8 +28441,8 @@
         </p:nvSpPr>
         <p:spPr>
           <a:xfrm>
-            <a:off x="838200" y="4144381"/>
-            <a:ext cx="10704871" cy="2031325"/>
+            <a:off x="513307" y="4204951"/>
+            <a:ext cx="10704871" cy="1938992"/>
           </a:xfrm>
           <a:prstGeom prst="rect">
             <a:avLst/>
@@ -25422,62 +28456,93 @@
           <a:lstStyle/>
           <a:p>
             <a:r>
-              <a:rPr lang="en-US" sz="2800" b="1" dirty="0">
+              <a:rPr lang="en-US" sz="2400" b="1" dirty="0">
                 <a:solidFill>
-                  <a:srgbClr val="292D33"/>
+                  <a:schemeClr val="tx1">
+                    <a:lumMod val="50000"/>
+                    <a:lumOff val="50000"/>
+                  </a:schemeClr>
                 </a:solidFill>
                 <a:latin typeface="Euclid Circular B" panose="020B0504000000000000" pitchFamily="34" charset="0"/>
                 <a:ea typeface="Euclid Circular B" panose="020B0504000000000000" pitchFamily="34" charset="0"/>
               </a:rPr>
-              <a:t>Approach-2: </a:t>
-            </a:r>
-            <a:r>
-              <a:rPr lang="en-US" sz="2800" b="1" dirty="0">
+              <a:t>#2: Run migration on first DB access</a:t>
+            </a:r>
+            <a:br>
+              <a:rPr lang="en-US" sz="2400" b="1" dirty="0">
                 <a:latin typeface="Euclid Circular B" panose="020B0504000000000000" pitchFamily="34" charset="0"/>
                 <a:ea typeface="Euclid Circular B" panose="020B0504000000000000" pitchFamily="34" charset="0"/>
               </a:rPr>
-              <a:t>Run migration on first DB access</a:t>
-            </a:r>
-          </a:p>
-          <a:p>
-            <a:pPr>
-              <a:lnSpc>
-                <a:spcPct val="150000"/>
-              </a:lnSpc>
-            </a:pPr>
-            <a:r>
-              <a:rPr lang="en-US" sz="2800" dirty="0">
+            </a:br>
+            <a:endParaRPr lang="en-US" sz="2400" b="1" dirty="0">
+              <a:latin typeface="Euclid Circular B" panose="020B0504000000000000" pitchFamily="34" charset="0"/>
+              <a:ea typeface="Euclid Circular B" panose="020B0504000000000000" pitchFamily="34" charset="0"/>
+            </a:endParaRPr>
+          </a:p>
+          <a:p>
+            <a:r>
+              <a:rPr lang="en-US" sz="2000" dirty="0">
                 <a:solidFill>
                   <a:srgbClr val="00B050"/>
                 </a:solidFill>
                 <a:latin typeface="Euclid Circular B" panose="020B0504000000000000" pitchFamily="34" charset="0"/>
                 <a:ea typeface="Euclid Circular B" panose="020B0504000000000000" pitchFamily="34" charset="0"/>
               </a:rPr>
-              <a:t>😊 Upgrading is distributed to time. A tenant doesn’t wait for another</a:t>
-            </a:r>
-          </a:p>
-          <a:p>
-            <a:r>
-              <a:rPr lang="en-US" sz="2800" dirty="0">
+              <a:t>😊</a:t>
+            </a:r>
+            <a:r>
+              <a:rPr lang="en-US" sz="2400" dirty="0">
+                <a:solidFill>
+                  <a:srgbClr val="00B050"/>
+                </a:solidFill>
+                <a:latin typeface="Euclid Circular B" panose="020B0504000000000000" pitchFamily="34" charset="0"/>
+                <a:ea typeface="Euclid Circular B" panose="020B0504000000000000" pitchFamily="34" charset="0"/>
+              </a:rPr>
+              <a:t> Upgrading is distributed to time. A tenant doesn’t wait for another</a:t>
+            </a:r>
+          </a:p>
+          <a:p>
+            <a:r>
+              <a:rPr lang="en-US" sz="2000" dirty="0">
                 <a:solidFill>
                   <a:srgbClr val="FF0000"/>
                 </a:solidFill>
                 <a:latin typeface="Euclid Circular B" panose="020B0504000000000000" pitchFamily="34" charset="0"/>
                 <a:ea typeface="Euclid Circular B" panose="020B0504000000000000" pitchFamily="34" charset="0"/>
               </a:rPr>
-              <a:t>😡 First user may wait too much and see timeout exception. </a:t>
-            </a:r>
-          </a:p>
-          <a:p>
-            <a:r>
-              <a:rPr lang="en-US" sz="2800" dirty="0">
+              <a:t>😡</a:t>
+            </a:r>
+            <a:r>
+              <a:rPr lang="en-US" sz="2400" dirty="0">
                 <a:solidFill>
                   <a:srgbClr val="FF0000"/>
                 </a:solidFill>
                 <a:latin typeface="Euclid Circular B" panose="020B0504000000000000" pitchFamily="34" charset="0"/>
                 <a:ea typeface="Euclid Circular B" panose="020B0504000000000000" pitchFamily="34" charset="0"/>
               </a:rPr>
-              <a:t>😡 Hard to implement - concurrency problems!</a:t>
+              <a:t> The first user may wait too much and see timeout exception</a:t>
+            </a:r>
+          </a:p>
+          <a:p>
+            <a:r>
+              <a:rPr lang="en-US" sz="2000" dirty="0">
+                <a:solidFill>
+                  <a:srgbClr val="FF0000"/>
+                </a:solidFill>
+                <a:latin typeface="Euclid Circular B" panose="020B0504000000000000" pitchFamily="34" charset="0"/>
+                <a:ea typeface="Euclid Circular B" panose="020B0504000000000000" pitchFamily="34" charset="0"/>
+              </a:rPr>
+              <a:t>😡</a:t>
+            </a:r>
+            <a:r>
+              <a:rPr lang="en-US" sz="2400" dirty="0">
+                <a:solidFill>
+                  <a:srgbClr val="FF0000"/>
+                </a:solidFill>
+                <a:latin typeface="Euclid Circular B" panose="020B0504000000000000" pitchFamily="34" charset="0"/>
+                <a:ea typeface="Euclid Circular B" panose="020B0504000000000000" pitchFamily="34" charset="0"/>
+              </a:rPr>
+              <a:t> More complex implementation (concurrency/race condition issues)</a:t>
             </a:r>
           </a:p>
         </p:txBody>
@@ -25534,6 +28599,66 @@
           </a:fontRef>
         </p:style>
       </p:cxnSp>
+      <p:pic>
+        <p:nvPicPr>
+          <p:cNvPr id="11" name="Picture 10">
+            <a:extLst>
+              <a:ext uri="{FF2B5EF4-FFF2-40B4-BE49-F238E27FC236}">
+                <a16:creationId xmlns:a16="http://schemas.microsoft.com/office/drawing/2014/main" id="{728555F2-F513-DA8A-0597-5407607C441B}"/>
+              </a:ext>
+            </a:extLst>
+          </p:cNvPr>
+          <p:cNvPicPr>
+            <a:picLocks noChangeAspect="1"/>
+          </p:cNvPicPr>
+          <p:nvPr/>
+        </p:nvPicPr>
+        <p:blipFill>
+          <a:blip r:embed="rId4"/>
+          <a:stretch>
+            <a:fillRect/>
+          </a:stretch>
+        </p:blipFill>
+        <p:spPr>
+          <a:xfrm>
+            <a:off x="9498538" y="4232335"/>
+            <a:ext cx="2467319" cy="1943371"/>
+          </a:xfrm>
+          <a:prstGeom prst="rect">
+            <a:avLst/>
+          </a:prstGeom>
+        </p:spPr>
+      </p:pic>
+      <p:pic>
+        <p:nvPicPr>
+          <p:cNvPr id="15" name="Picture 14">
+            <a:extLst>
+              <a:ext uri="{FF2B5EF4-FFF2-40B4-BE49-F238E27FC236}">
+                <a16:creationId xmlns:a16="http://schemas.microsoft.com/office/drawing/2014/main" id="{F414523B-5372-D3ED-6C31-74694482617E}"/>
+              </a:ext>
+            </a:extLst>
+          </p:cNvPr>
+          <p:cNvPicPr>
+            <a:picLocks noChangeAspect="1"/>
+          </p:cNvPicPr>
+          <p:nvPr/>
+        </p:nvPicPr>
+        <p:blipFill>
+          <a:blip r:embed="rId5"/>
+          <a:stretch>
+            <a:fillRect/>
+          </a:stretch>
+        </p:blipFill>
+        <p:spPr>
+          <a:xfrm>
+            <a:off x="9498539" y="1242201"/>
+            <a:ext cx="2467319" cy="2120455"/>
+          </a:xfrm>
+          <a:prstGeom prst="rect">
+            <a:avLst/>
+          </a:prstGeom>
+        </p:spPr>
+      </p:pic>
     </p:spTree>
     <p:extLst>
       <p:ext uri="{BB962C8B-B14F-4D97-AF65-F5344CB8AC3E}">
@@ -25578,35 +28703,6 @@
           <a:chExt cx="0" cy="0"/>
         </a:xfrm>
       </p:grpSpPr>
-      <p:pic>
-        <p:nvPicPr>
-          <p:cNvPr id="7" name="Picture 6">
-            <a:extLst>
-              <a:ext uri="{FF2B5EF4-FFF2-40B4-BE49-F238E27FC236}">
-                <a16:creationId xmlns:a16="http://schemas.microsoft.com/office/drawing/2014/main" id="{3AB81F12-5830-4DCB-9B9E-C4B41541091D}"/>
-              </a:ext>
-            </a:extLst>
-          </p:cNvPr>
-          <p:cNvPicPr>
-            <a:picLocks noChangeAspect="1"/>
-          </p:cNvPicPr>
-          <p:nvPr/>
-        </p:nvPicPr>
-        <p:blipFill rotWithShape="1">
-          <a:blip r:embed="rId4"/>
-          <a:srcRect l="839" r="1225"/>
-          <a:stretch/>
-        </p:blipFill>
-        <p:spPr>
-          <a:xfrm>
-            <a:off x="7531920" y="3012592"/>
-            <a:ext cx="4098131" cy="3317639"/>
-          </a:xfrm>
-          <a:prstGeom prst="rect">
-            <a:avLst/>
-          </a:prstGeom>
-        </p:spPr>
-      </p:pic>
       <p:sp>
         <p:nvSpPr>
           <p:cNvPr id="2" name="Title 1">
@@ -25625,7 +28721,7 @@
         </p:nvSpPr>
         <p:spPr>
           <a:xfrm>
-            <a:off x="838200" y="266700"/>
+            <a:off x="561949" y="266700"/>
             <a:ext cx="10515600" cy="698500"/>
           </a:xfrm>
         </p:spPr>
@@ -25662,8 +28758,8 @@
         </p:nvSpPr>
         <p:spPr>
           <a:xfrm>
-            <a:off x="640000" y="1496915"/>
-            <a:ext cx="10641227" cy="1815882"/>
+            <a:off x="561949" y="1367706"/>
+            <a:ext cx="10641227" cy="1384995"/>
           </a:xfrm>
           <a:prstGeom prst="rect">
             <a:avLst/>
@@ -25679,43 +28775,26 @@
             <a:r>
               <a:rPr lang="en-US" sz="2800" b="1" dirty="0">
                 <a:solidFill>
-                  <a:srgbClr val="292D33"/>
+                  <a:schemeClr val="tx1">
+                    <a:lumMod val="50000"/>
+                    <a:lumOff val="50000"/>
+                  </a:schemeClr>
                 </a:solidFill>
                 <a:latin typeface="Euclid Circular B" panose="020B0504000000000000" pitchFamily="34" charset="0"/>
-                <a:ea typeface="Euclid Circular B" panose="020B0504000000000000" pitchFamily="34" charset="0"/>
               </a:rPr>
-              <a:t>Approach-3: </a:t>
-            </a:r>
-            <a:r>
-              <a:rPr lang="en-US" sz="2800" dirty="0">
-                <a:latin typeface="Euclid Circular B" panose="020B0504000000000000" pitchFamily="34" charset="0"/>
-                <a:ea typeface="Euclid Circular B" panose="020B0504000000000000" pitchFamily="34" charset="0"/>
-              </a:rPr>
-              <a:t>Make two types application servers. </a:t>
-            </a:r>
-          </a:p>
-          <a:p>
-            <a:endParaRPr lang="en-US" sz="2800" dirty="0">
-              <a:latin typeface="Euclid Circular B" panose="020B0504000000000000" pitchFamily="34" charset="0"/>
-              <a:ea typeface="Euclid Circular B" panose="020B0504000000000000" pitchFamily="34" charset="0"/>
-            </a:endParaRPr>
-          </a:p>
-          <a:p>
-            <a:r>
-              <a:rPr lang="en-US" sz="2800" dirty="0">
-                <a:latin typeface="Euclid Circular B" panose="020B0504000000000000" pitchFamily="34" charset="0"/>
-                <a:ea typeface="Euclid Circular B" panose="020B0504000000000000" pitchFamily="34" charset="0"/>
-              </a:rPr>
-              <a:t>Upgraded tenants use the new application, </a:t>
-            </a:r>
-          </a:p>
-          <a:p>
-            <a:r>
-              <a:rPr lang="en-US" sz="2800" dirty="0">
-                <a:latin typeface="Euclid Circular B" panose="020B0504000000000000" pitchFamily="34" charset="0"/>
-                <a:ea typeface="Euclid Circular B" panose="020B0504000000000000" pitchFamily="34" charset="0"/>
-              </a:rPr>
-              <a:t>other tenants use the old application</a:t>
+              <a:t>#3: Two types application servers. </a:t>
+            </a:r>
+          </a:p>
+          <a:p>
+            <a:r>
+              <a:rPr lang="en-US" sz="2800" dirty="0"/>
+              <a:t>Upgraded tenants are routed to the new version, </a:t>
+            </a:r>
+          </a:p>
+          <a:p>
+            <a:r>
+              <a:rPr lang="en-US" sz="2800" dirty="0"/>
+              <a:t>while others continue using the old version.</a:t>
             </a:r>
             <a:endParaRPr lang="en-US" sz="2400" dirty="0">
               <a:solidFill>
@@ -25741,8 +28820,8 @@
         </p:nvSpPr>
         <p:spPr>
           <a:xfrm>
-            <a:off x="561949" y="3844512"/>
-            <a:ext cx="6881070" cy="2554545"/>
+            <a:off x="1003857" y="3448878"/>
+            <a:ext cx="6604164" cy="2554545"/>
           </a:xfrm>
           <a:prstGeom prst="rect">
             <a:avLst/>
@@ -25763,7 +28842,7 @@
                 <a:latin typeface="Euclid Circular B" panose="020B0504000000000000" pitchFamily="34" charset="0"/>
                 <a:ea typeface="Euclid Circular B" panose="020B0504000000000000" pitchFamily="34" charset="0"/>
               </a:rPr>
-              <a:t>😊 Minimum wait time for a tenant</a:t>
+              <a:t>Min downtime/wait time per tenant</a:t>
             </a:r>
           </a:p>
           <a:p>
@@ -25775,7 +28854,7 @@
                 <a:latin typeface="Euclid Circular B" panose="020B0504000000000000" pitchFamily="34" charset="0"/>
                 <a:ea typeface="Euclid Circular B" panose="020B0504000000000000" pitchFamily="34" charset="0"/>
               </a:rPr>
-              <a:t>😊 Schedule upgrading for tenants</a:t>
+              <a:t>Scheduled upgrades &amp; staged rollouts </a:t>
             </a:r>
           </a:p>
           <a:p>
@@ -25787,7 +28866,7 @@
                 <a:latin typeface="Euclid Circular B" panose="020B0504000000000000" pitchFamily="34" charset="0"/>
                 <a:ea typeface="Euclid Circular B" panose="020B0504000000000000" pitchFamily="34" charset="0"/>
               </a:rPr>
-              <a:t>😊 Run </a:t>
+              <a:t>Run </a:t>
             </a:r>
             <a:r>
               <a:rPr lang="en-US" sz="2800" dirty="0">
@@ -25807,8 +28886,51 @@
                 <a:latin typeface="Euclid Circular B" panose="020B0504000000000000" pitchFamily="34" charset="0"/>
                 <a:ea typeface="Euclid Circular B" panose="020B0504000000000000" pitchFamily="34" charset="0"/>
               </a:rPr>
-              <a:t> tests</a:t>
-            </a:r>
+              <a:t> tests &amp; see bugs beforehand</a:t>
+            </a:r>
+          </a:p>
+          <a:p>
+            <a:r>
+              <a:rPr lang="en-US" sz="3200" dirty="0">
+                <a:solidFill>
+                  <a:srgbClr val="FF0000"/>
+                </a:solidFill>
+                <a:latin typeface="Euclid Circular B" panose="020B0504000000000000" pitchFamily="34" charset="0"/>
+                <a:ea typeface="Euclid Circular B" panose="020B0504000000000000" pitchFamily="34" charset="0"/>
+              </a:rPr>
+              <a:t>Complexity in deployment, monitoring and maintenance multiple servers</a:t>
+            </a:r>
+          </a:p>
+        </p:txBody>
+      </p:sp>
+      <p:sp>
+        <p:nvSpPr>
+          <p:cNvPr id="8" name="TextBox 7">
+            <a:extLst>
+              <a:ext uri="{FF2B5EF4-FFF2-40B4-BE49-F238E27FC236}">
+                <a16:creationId xmlns:a16="http://schemas.microsoft.com/office/drawing/2014/main" id="{6E31FA28-6600-3C96-F942-4BFC49870964}"/>
+              </a:ext>
+            </a:extLst>
+          </p:cNvPr>
+          <p:cNvSpPr txBox="1"/>
+          <p:nvPr/>
+        </p:nvSpPr>
+        <p:spPr>
+          <a:xfrm>
+            <a:off x="487017" y="3488634"/>
+            <a:ext cx="576470" cy="523220"/>
+          </a:xfrm>
+          <a:prstGeom prst="rect">
+            <a:avLst/>
+          </a:prstGeom>
+          <a:noFill/>
+        </p:spPr>
+        <p:txBody>
+          <a:bodyPr wrap="square">
+            <a:spAutoFit/>
+          </a:bodyPr>
+          <a:lstStyle/>
+          <a:p>
             <a:r>
               <a:rPr lang="en-US" sz="2800" dirty="0">
                 <a:solidFill>
@@ -25817,52 +28939,164 @@
                 <a:latin typeface="Euclid Circular B" panose="020B0504000000000000" pitchFamily="34" charset="0"/>
                 <a:ea typeface="Euclid Circular B" panose="020B0504000000000000" pitchFamily="34" charset="0"/>
               </a:rPr>
-              <a:t>;</a:t>
-            </a:r>
-            <a:r>
-              <a:rPr lang="en-US" sz="3200" dirty="0">
+              <a:t>😊</a:t>
+            </a:r>
+          </a:p>
+        </p:txBody>
+      </p:sp>
+      <p:sp>
+        <p:nvSpPr>
+          <p:cNvPr id="9" name="TextBox 8">
+            <a:extLst>
+              <a:ext uri="{FF2B5EF4-FFF2-40B4-BE49-F238E27FC236}">
+                <a16:creationId xmlns:a16="http://schemas.microsoft.com/office/drawing/2014/main" id="{4BD112BE-7822-D7EF-6D29-2D511C132C3C}"/>
+              </a:ext>
+            </a:extLst>
+          </p:cNvPr>
+          <p:cNvSpPr txBox="1"/>
+          <p:nvPr/>
+        </p:nvSpPr>
+        <p:spPr>
+          <a:xfrm>
+            <a:off x="487017" y="3975656"/>
+            <a:ext cx="576470" cy="523220"/>
+          </a:xfrm>
+          <a:prstGeom prst="rect">
+            <a:avLst/>
+          </a:prstGeom>
+          <a:noFill/>
+        </p:spPr>
+        <p:txBody>
+          <a:bodyPr wrap="square">
+            <a:spAutoFit/>
+          </a:bodyPr>
+          <a:lstStyle/>
+          <a:p>
+            <a:r>
+              <a:rPr lang="en-US" sz="2800" dirty="0">
                 <a:solidFill>
                   <a:srgbClr val="00B050"/>
                 </a:solidFill>
                 <a:latin typeface="Euclid Circular B" panose="020B0504000000000000" pitchFamily="34" charset="0"/>
                 <a:ea typeface="Euclid Circular B" panose="020B0504000000000000" pitchFamily="34" charset="0"/>
               </a:rPr>
-              <a:t> see bugs beforehand</a:t>
-            </a:r>
-          </a:p>
-          <a:p>
-            <a:r>
-              <a:rPr lang="en-US" sz="3200" dirty="0">
+              <a:t>😊</a:t>
+            </a:r>
+          </a:p>
+        </p:txBody>
+      </p:sp>
+      <p:sp>
+        <p:nvSpPr>
+          <p:cNvPr id="10" name="TextBox 9">
+            <a:extLst>
+              <a:ext uri="{FF2B5EF4-FFF2-40B4-BE49-F238E27FC236}">
+                <a16:creationId xmlns:a16="http://schemas.microsoft.com/office/drawing/2014/main" id="{98B59D20-125B-EEEF-796C-9D1D98A1EE15}"/>
+              </a:ext>
+            </a:extLst>
+          </p:cNvPr>
+          <p:cNvSpPr txBox="1"/>
+          <p:nvPr/>
+        </p:nvSpPr>
+        <p:spPr>
+          <a:xfrm>
+            <a:off x="487017" y="4498876"/>
+            <a:ext cx="576470" cy="523220"/>
+          </a:xfrm>
+          <a:prstGeom prst="rect">
+            <a:avLst/>
+          </a:prstGeom>
+          <a:noFill/>
+        </p:spPr>
+        <p:txBody>
+          <a:bodyPr wrap="square">
+            <a:spAutoFit/>
+          </a:bodyPr>
+          <a:lstStyle/>
+          <a:p>
+            <a:r>
+              <a:rPr lang="en-US" sz="2800" dirty="0">
+                <a:solidFill>
+                  <a:srgbClr val="00B050"/>
+                </a:solidFill>
+                <a:latin typeface="Euclid Circular B" panose="020B0504000000000000" pitchFamily="34" charset="0"/>
+                <a:ea typeface="Euclid Circular B" panose="020B0504000000000000" pitchFamily="34" charset="0"/>
+              </a:rPr>
+              <a:t>😊</a:t>
+            </a:r>
+          </a:p>
+        </p:txBody>
+      </p:sp>
+      <p:sp>
+        <p:nvSpPr>
+          <p:cNvPr id="12" name="TextBox 11">
+            <a:extLst>
+              <a:ext uri="{FF2B5EF4-FFF2-40B4-BE49-F238E27FC236}">
+                <a16:creationId xmlns:a16="http://schemas.microsoft.com/office/drawing/2014/main" id="{24141A3C-4FAB-C4B7-5583-B3761743033D}"/>
+              </a:ext>
+            </a:extLst>
+          </p:cNvPr>
+          <p:cNvSpPr txBox="1"/>
+          <p:nvPr/>
+        </p:nvSpPr>
+        <p:spPr>
+          <a:xfrm>
+            <a:off x="487017" y="4985898"/>
+            <a:ext cx="628649" cy="523220"/>
+          </a:xfrm>
+          <a:prstGeom prst="rect">
+            <a:avLst/>
+          </a:prstGeom>
+          <a:noFill/>
+        </p:spPr>
+        <p:txBody>
+          <a:bodyPr wrap="square">
+            <a:spAutoFit/>
+          </a:bodyPr>
+          <a:lstStyle/>
+          <a:p>
+            <a:r>
+              <a:rPr lang="en-US" sz="2800" dirty="0">
                 <a:solidFill>
                   <a:srgbClr val="FF0000"/>
                 </a:solidFill>
                 <a:latin typeface="Euclid Circular B" panose="020B0504000000000000" pitchFamily="34" charset="0"/>
                 <a:ea typeface="Euclid Circular B" panose="020B0504000000000000" pitchFamily="34" charset="0"/>
               </a:rPr>
-              <a:t>😡 Requires multiple app servers</a:t>
-            </a:r>
-          </a:p>
-          <a:p>
-            <a:r>
-              <a:rPr lang="en-US" sz="3200" dirty="0">
-                <a:solidFill>
-                  <a:srgbClr val="FF0000"/>
-                </a:solidFill>
-                <a:latin typeface="Euclid Circular B" panose="020B0504000000000000" pitchFamily="34" charset="0"/>
-                <a:ea typeface="Euclid Circular B" panose="020B0504000000000000" pitchFamily="34" charset="0"/>
-              </a:rPr>
-              <a:t>😡 Hard to maintain and monitor</a:t>
-            </a:r>
-            <a:endParaRPr lang="en-US" sz="2800" dirty="0">
-              <a:solidFill>
-                <a:srgbClr val="FF0000"/>
-              </a:solidFill>
-              <a:latin typeface="Euclid Circular B" panose="020B0504000000000000" pitchFamily="34" charset="0"/>
-              <a:ea typeface="Euclid Circular B" panose="020B0504000000000000" pitchFamily="34" charset="0"/>
-            </a:endParaRPr>
+              <a:t>😡</a:t>
+            </a:r>
           </a:p>
         </p:txBody>
       </p:sp>
+      <p:pic>
+        <p:nvPicPr>
+          <p:cNvPr id="14" name="Picture 13">
+            <a:extLst>
+              <a:ext uri="{FF2B5EF4-FFF2-40B4-BE49-F238E27FC236}">
+                <a16:creationId xmlns:a16="http://schemas.microsoft.com/office/drawing/2014/main" id="{1D3D6E03-0C84-3D35-2D23-3237D45359FE}"/>
+              </a:ext>
+            </a:extLst>
+          </p:cNvPr>
+          <p:cNvPicPr>
+            <a:picLocks noChangeAspect="1"/>
+          </p:cNvPicPr>
+          <p:nvPr/>
+        </p:nvPicPr>
+        <p:blipFill>
+          <a:blip r:embed="rId4"/>
+          <a:stretch>
+            <a:fillRect/>
+          </a:stretch>
+        </p:blipFill>
+        <p:spPr>
+          <a:xfrm>
+            <a:off x="7534497" y="2207417"/>
+            <a:ext cx="4438205" cy="3765750"/>
+          </a:xfrm>
+          <a:prstGeom prst="rect">
+            <a:avLst/>
+          </a:prstGeom>
+        </p:spPr>
+      </p:pic>
     </p:spTree>
     <p:extLst>
       <p:ext uri="{BB962C8B-B14F-4D97-AF65-F5344CB8AC3E}">
@@ -28391,7 +31625,7 @@
                   <a:latin typeface="Euclid Circular B" panose="020B0504000000000000" pitchFamily="34" charset="0"/>
                   <a:ea typeface="Euclid Circular B" panose="020B0504000000000000" pitchFamily="34" charset="0"/>
                 </a:rPr>
-                <a:t>https://twitter.com/</a:t>
+                <a:t>https://x.com/</a:t>
               </a:r>
               <a:r>
                 <a:rPr lang="en-US" b="1" dirty="0">
@@ -28861,57 +32095,6 @@
       </p:grpSp>
       <p:sp>
         <p:nvSpPr>
-          <p:cNvPr id="38" name="Rectangle 37">
-            <a:extLst>
-              <a:ext uri="{FF2B5EF4-FFF2-40B4-BE49-F238E27FC236}">
-                <a16:creationId xmlns:a16="http://schemas.microsoft.com/office/drawing/2014/main" id="{FA863A98-44FA-FCC4-547B-F225F018DEAE}"/>
-              </a:ext>
-            </a:extLst>
-          </p:cNvPr>
-          <p:cNvSpPr/>
-          <p:nvPr/>
-        </p:nvSpPr>
-        <p:spPr>
-          <a:xfrm>
-            <a:off x="602677" y="691603"/>
-            <a:ext cx="4890646" cy="1053921"/>
-          </a:xfrm>
-          <a:prstGeom prst="rect">
-            <a:avLst/>
-          </a:prstGeom>
-        </p:spPr>
-        <p:style>
-          <a:lnRef idx="2">
-            <a:schemeClr val="dk1">
-              <a:shade val="50000"/>
-            </a:schemeClr>
-          </a:lnRef>
-          <a:fillRef idx="1">
-            <a:schemeClr val="dk1"/>
-          </a:fillRef>
-          <a:effectRef idx="0">
-            <a:schemeClr val="dk1"/>
-          </a:effectRef>
-          <a:fontRef idx="minor">
-            <a:schemeClr val="lt1"/>
-          </a:fontRef>
-        </p:style>
-        <p:txBody>
-          <a:bodyPr rtlCol="0" anchor="ctr"/>
-          <a:lstStyle/>
-          <a:p>
-            <a:pPr algn="ctr"/>
-            <a:r>
-              <a:rPr lang="en-US" sz="4400" dirty="0">
-                <a:latin typeface="Raleway Medium" pitchFamily="2" charset="0"/>
-              </a:rPr>
-              <a:t>ALPER EBİÇOĞLU</a:t>
-            </a:r>
-          </a:p>
-        </p:txBody>
-      </p:sp>
-      <p:sp>
-        <p:nvSpPr>
           <p:cNvPr id="39" name="TextBox 38">
             <a:extLst>
               <a:ext uri="{FF2B5EF4-FFF2-40B4-BE49-F238E27FC236}">
@@ -28924,7 +32107,7 @@
         </p:nvSpPr>
         <p:spPr>
           <a:xfrm>
-            <a:off x="602677" y="5770407"/>
+            <a:off x="493345" y="5767432"/>
             <a:ext cx="10986646" cy="769441"/>
           </a:xfrm>
           <a:prstGeom prst="rect">
@@ -28939,14 +32122,14 @@
           <a:lstStyle/>
           <a:p>
             <a:r>
-              <a:rPr lang="tr-TR" sz="4400" b="1" dirty="0"/>
+              <a:rPr lang="tr-TR" sz="4400" dirty="0"/>
               <a:t>github.com/ebicoglu/</a:t>
             </a:r>
             <a:r>
-              <a:rPr lang="en-US" sz="4400" b="1" dirty="0"/>
+              <a:rPr lang="en-US" sz="4400" dirty="0"/>
               <a:t>presentations</a:t>
             </a:r>
-            <a:endParaRPr lang="tr-TR" sz="4400" b="1" dirty="0"/>
+            <a:endParaRPr lang="tr-TR" sz="4400" dirty="0"/>
           </a:p>
         </p:txBody>
       </p:sp>
@@ -28972,7 +32155,7 @@
         </p:blipFill>
         <p:spPr>
           <a:xfrm>
-            <a:off x="7839385" y="596198"/>
+            <a:off x="7730053" y="1594791"/>
             <a:ext cx="3749938" cy="3668418"/>
           </a:xfrm>
           <a:prstGeom prst="rect">
@@ -28980,6 +32163,117 @@
           </a:prstGeom>
         </p:spPr>
       </p:pic>
+      <p:sp>
+        <p:nvSpPr>
+          <p:cNvPr id="3" name="Rectangle: Rounded Corners 2">
+            <a:extLst>
+              <a:ext uri="{FF2B5EF4-FFF2-40B4-BE49-F238E27FC236}">
+                <a16:creationId xmlns:a16="http://schemas.microsoft.com/office/drawing/2014/main" id="{3BCA648D-7742-9424-6067-B359236C6F6F}"/>
+              </a:ext>
+            </a:extLst>
+          </p:cNvPr>
+          <p:cNvSpPr/>
+          <p:nvPr/>
+        </p:nvSpPr>
+        <p:spPr>
+          <a:xfrm>
+            <a:off x="590583" y="784823"/>
+            <a:ext cx="5147910" cy="1066622"/>
+          </a:xfrm>
+          <a:prstGeom prst="roundRect">
+            <a:avLst/>
+          </a:prstGeom>
+          <a:gradFill flip="none" rotWithShape="1">
+            <a:gsLst>
+              <a:gs pos="0">
+                <a:srgbClr val="512BD4"/>
+              </a:gs>
+              <a:gs pos="0">
+                <a:srgbClr val="5D00FB"/>
+              </a:gs>
+              <a:gs pos="100000">
+                <a:srgbClr val="B84297"/>
+              </a:gs>
+            </a:gsLst>
+            <a:path path="circle">
+              <a:fillToRect l="100000" t="100000"/>
+            </a:path>
+            <a:tileRect r="-100000" b="-100000"/>
+          </a:gradFill>
+        </p:spPr>
+        <p:style>
+          <a:lnRef idx="2">
+            <a:schemeClr val="accent1">
+              <a:shade val="15000"/>
+            </a:schemeClr>
+          </a:lnRef>
+          <a:fillRef idx="1">
+            <a:schemeClr val="accent1"/>
+          </a:fillRef>
+          <a:effectRef idx="0">
+            <a:schemeClr val="accent1"/>
+          </a:effectRef>
+          <a:fontRef idx="minor">
+            <a:schemeClr val="lt1"/>
+          </a:fontRef>
+        </p:style>
+        <p:txBody>
+          <a:bodyPr rtlCol="0" anchor="ctr"/>
+          <a:lstStyle/>
+          <a:p>
+            <a:pPr algn="ctr"/>
+            <a:r>
+              <a:rPr lang="en-US" sz="4400" dirty="0">
+                <a:latin typeface="Raleway Medium" pitchFamily="2" charset="0"/>
+              </a:rPr>
+              <a:t>ALPER EBICOGLU</a:t>
+            </a:r>
+            <a:endParaRPr lang="tr-TR" sz="4400" dirty="0">
+              <a:latin typeface="Raleway Medium" pitchFamily="2" charset="0"/>
+            </a:endParaRPr>
+          </a:p>
+        </p:txBody>
+      </p:sp>
+      <p:sp>
+        <p:nvSpPr>
+          <p:cNvPr id="5" name="TextBox 4">
+            <a:extLst>
+              <a:ext uri="{FF2B5EF4-FFF2-40B4-BE49-F238E27FC236}">
+                <a16:creationId xmlns:a16="http://schemas.microsoft.com/office/drawing/2014/main" id="{1C7507E1-F68A-A7A1-1A9B-1108739C7712}"/>
+              </a:ext>
+            </a:extLst>
+          </p:cNvPr>
+          <p:cNvSpPr txBox="1"/>
+          <p:nvPr/>
+        </p:nvSpPr>
+        <p:spPr>
+          <a:xfrm>
+            <a:off x="7730053" y="1156526"/>
+            <a:ext cx="3660190" cy="461665"/>
+          </a:xfrm>
+          <a:prstGeom prst="rect">
+            <a:avLst/>
+          </a:prstGeom>
+          <a:noFill/>
+        </p:spPr>
+        <p:txBody>
+          <a:bodyPr wrap="square">
+            <a:spAutoFit/>
+          </a:bodyPr>
+          <a:lstStyle/>
+          <a:p>
+            <a:pPr algn="ctr"/>
+            <a:r>
+              <a:rPr lang="en-US" sz="2400" dirty="0">
+                <a:latin typeface="Euclid Circular B" panose="020B0504000000000000" pitchFamily="34" charset="0"/>
+                <a:ea typeface="Euclid Circular B" panose="020B0504000000000000" pitchFamily="34" charset="0"/>
+              </a:rPr>
+              <a:t>Download Presentation</a:t>
+            </a:r>
+            <a:endParaRPr lang="tr-TR" sz="2400" dirty="0"/>
+          </a:p>
+        </p:txBody>
+      </p:sp>
     </p:spTree>
     <p:extLst>
       <p:ext uri="{BB962C8B-B14F-4D97-AF65-F5344CB8AC3E}">

--- a/multi-tenancy-wearedevelopers-2025_30mins.pptx
+++ b/multi-tenancy-wearedevelopers-2025_30mins.pptx
@@ -1459,12 +1459,12 @@
         </a:fontRef>
       </dsp:style>
       <dsp:txBody>
-        <a:bodyPr spcFirstLastPara="0" vert="horz" wrap="square" lIns="149352" tIns="149352" rIns="149352" bIns="149352" numCol="1" spcCol="1270" anchor="ctr" anchorCtr="0">
+        <a:bodyPr spcFirstLastPara="0" vert="horz" wrap="square" lIns="142240" tIns="142240" rIns="142240" bIns="142240" numCol="1" spcCol="1270" anchor="ctr" anchorCtr="0">
           <a:noAutofit/>
         </a:bodyPr>
         <a:lstStyle/>
         <a:p>
-          <a:pPr marL="0" lvl="0" indent="0" algn="ctr" defTabSz="933450">
+          <a:pPr marL="0" lvl="0" indent="0" algn="ctr" defTabSz="889000">
             <a:lnSpc>
               <a:spcPct val="90000"/>
             </a:lnSpc>
@@ -1477,20 +1477,20 @@
             <a:buNone/>
           </a:pPr>
           <a:r>
-            <a:rPr lang="en-US" sz="2100" b="1" u="sng" kern="1200" dirty="0" err="1">
+            <a:rPr lang="en-US" sz="2000" b="1" u="sng" kern="1200" dirty="0" err="1">
               <a:latin typeface="Euclid Circular B" panose="020B0504000000000000" pitchFamily="34" charset="0"/>
               <a:ea typeface="Euclid Circular B" panose="020B0504000000000000" pitchFamily="34" charset="0"/>
             </a:rPr>
             <a:t>Domain</a:t>
           </a:r>
           <a:r>
-            <a:rPr lang="en-US" sz="2100" kern="1200" dirty="0" err="1">
+            <a:rPr lang="en-US" sz="2000" kern="1200" dirty="0" err="1">
               <a:latin typeface="Euclid Circular B" panose="020B0504000000000000" pitchFamily="34" charset="0"/>
               <a:ea typeface="Euclid Circular B" panose="020B0504000000000000" pitchFamily="34" charset="0"/>
             </a:rPr>
             <a:t>TenantResolver</a:t>
           </a:r>
-          <a:endParaRPr lang="en-US" sz="2100" kern="1200" dirty="0">
+          <a:endParaRPr lang="en-US" sz="2000" kern="1200" dirty="0">
             <a:latin typeface="Euclid Circular B" panose="020B0504000000000000" pitchFamily="34" charset="0"/>
             <a:ea typeface="Euclid Circular B" panose="020B0504000000000000" pitchFamily="34" charset="0"/>
           </a:endParaRPr>
@@ -1551,12 +1551,12 @@
         </a:fontRef>
       </dsp:style>
       <dsp:txBody>
-        <a:bodyPr spcFirstLastPara="0" vert="horz" wrap="square" lIns="149352" tIns="149352" rIns="149352" bIns="149352" numCol="1" spcCol="1270" anchor="ctr" anchorCtr="0">
+        <a:bodyPr spcFirstLastPara="0" vert="horz" wrap="square" lIns="142240" tIns="142240" rIns="142240" bIns="142240" numCol="1" spcCol="1270" anchor="ctr" anchorCtr="0">
           <a:noAutofit/>
         </a:bodyPr>
         <a:lstStyle/>
         <a:p>
-          <a:pPr marL="0" lvl="0" indent="0" algn="ctr" defTabSz="933450">
+          <a:pPr marL="0" lvl="0" indent="0" algn="ctr" defTabSz="889000">
             <a:lnSpc>
               <a:spcPct val="90000"/>
             </a:lnSpc>
@@ -1569,27 +1569,27 @@
             <a:buNone/>
           </a:pPr>
           <a:r>
-            <a:rPr lang="en-US" sz="2100" b="1" u="sng" kern="1200" dirty="0" err="1">
+            <a:rPr lang="en-US" sz="2000" b="1" u="sng" kern="1200" dirty="0" err="1">
               <a:latin typeface="Euclid Circular B" panose="020B0504000000000000" pitchFamily="34" charset="0"/>
               <a:ea typeface="Euclid Circular B" panose="020B0504000000000000" pitchFamily="34" charset="0"/>
             </a:rPr>
             <a:t>Cookie</a:t>
           </a:r>
           <a:r>
-            <a:rPr lang="en-US" sz="2100" b="0" kern="1200" dirty="0" err="1">
+            <a:rPr lang="en-US" sz="2000" b="0" kern="1200" dirty="0" err="1">
               <a:latin typeface="Euclid Circular B" panose="020B0504000000000000" pitchFamily="34" charset="0"/>
               <a:ea typeface="Euclid Circular B" panose="020B0504000000000000" pitchFamily="34" charset="0"/>
             </a:rPr>
             <a:t>Tenant</a:t>
           </a:r>
           <a:r>
-            <a:rPr lang="en-US" sz="2100" kern="1200" dirty="0" err="1">
+            <a:rPr lang="en-US" sz="2000" kern="1200" dirty="0" err="1">
               <a:latin typeface="Euclid Circular B" panose="020B0504000000000000" pitchFamily="34" charset="0"/>
               <a:ea typeface="Euclid Circular B" panose="020B0504000000000000" pitchFamily="34" charset="0"/>
             </a:rPr>
             <a:t>ResolveContributor</a:t>
           </a:r>
-          <a:endParaRPr lang="en-US" sz="2100" kern="1200" dirty="0">
+          <a:endParaRPr lang="en-US" sz="2000" kern="1200" dirty="0">
             <a:latin typeface="Euclid Circular B" panose="020B0504000000000000" pitchFamily="34" charset="0"/>
             <a:ea typeface="Euclid Circular B" panose="020B0504000000000000" pitchFamily="34" charset="0"/>
           </a:endParaRPr>
@@ -1650,12 +1650,12 @@
         </a:fontRef>
       </dsp:style>
       <dsp:txBody>
-        <a:bodyPr spcFirstLastPara="0" vert="horz" wrap="square" lIns="149352" tIns="149352" rIns="149352" bIns="149352" numCol="1" spcCol="1270" anchor="ctr" anchorCtr="0">
+        <a:bodyPr spcFirstLastPara="0" vert="horz" wrap="square" lIns="142240" tIns="142240" rIns="142240" bIns="142240" numCol="1" spcCol="1270" anchor="ctr" anchorCtr="0">
           <a:noAutofit/>
         </a:bodyPr>
         <a:lstStyle/>
         <a:p>
-          <a:pPr marL="0" lvl="0" indent="0" algn="ctr" defTabSz="933450">
+          <a:pPr marL="0" lvl="0" indent="0" algn="ctr" defTabSz="889000">
             <a:lnSpc>
               <a:spcPct val="90000"/>
             </a:lnSpc>
@@ -1668,27 +1668,27 @@
             <a:buNone/>
           </a:pPr>
           <a:r>
-            <a:rPr lang="en-US" sz="2100" b="1" u="sng" kern="1200" dirty="0" err="1">
+            <a:rPr lang="en-US" sz="2000" b="1" u="sng" kern="1200" dirty="0" err="1">
               <a:latin typeface="Euclid Circular B" panose="020B0504000000000000" pitchFamily="34" charset="0"/>
               <a:ea typeface="Euclid Circular B" panose="020B0504000000000000" pitchFamily="34" charset="0"/>
             </a:rPr>
             <a:t>Header</a:t>
           </a:r>
           <a:r>
-            <a:rPr lang="en-US" sz="2100" b="0" kern="1200" dirty="0" err="1">
+            <a:rPr lang="en-US" sz="2000" b="0" kern="1200" dirty="0" err="1">
               <a:latin typeface="Euclid Circular B" panose="020B0504000000000000" pitchFamily="34" charset="0"/>
               <a:ea typeface="Euclid Circular B" panose="020B0504000000000000" pitchFamily="34" charset="0"/>
             </a:rPr>
             <a:t>Tenant</a:t>
           </a:r>
           <a:r>
-            <a:rPr lang="en-US" sz="2100" kern="1200" dirty="0" err="1">
+            <a:rPr lang="en-US" sz="2000" kern="1200" dirty="0" err="1">
               <a:latin typeface="Euclid Circular B" panose="020B0504000000000000" pitchFamily="34" charset="0"/>
               <a:ea typeface="Euclid Circular B" panose="020B0504000000000000" pitchFamily="34" charset="0"/>
             </a:rPr>
             <a:t>ResolveContributor</a:t>
           </a:r>
-          <a:endParaRPr lang="en-US" sz="2100" kern="1200" dirty="0">
+          <a:endParaRPr lang="en-US" sz="2000" kern="1200" dirty="0">
             <a:latin typeface="Euclid Circular B" panose="020B0504000000000000" pitchFamily="34" charset="0"/>
             <a:ea typeface="Euclid Circular B" panose="020B0504000000000000" pitchFamily="34" charset="0"/>
           </a:endParaRPr>
@@ -1749,12 +1749,12 @@
         </a:fontRef>
       </dsp:style>
       <dsp:txBody>
-        <a:bodyPr spcFirstLastPara="0" vert="horz" wrap="square" lIns="149352" tIns="149352" rIns="149352" bIns="149352" numCol="1" spcCol="1270" anchor="ctr" anchorCtr="0">
+        <a:bodyPr spcFirstLastPara="0" vert="horz" wrap="square" lIns="142240" tIns="142240" rIns="142240" bIns="142240" numCol="1" spcCol="1270" anchor="ctr" anchorCtr="0">
           <a:noAutofit/>
         </a:bodyPr>
         <a:lstStyle/>
         <a:p>
-          <a:pPr marL="0" lvl="0" indent="0" algn="ctr" defTabSz="933450">
+          <a:pPr marL="0" lvl="0" indent="0" algn="ctr" defTabSz="889000">
             <a:lnSpc>
               <a:spcPct val="90000"/>
             </a:lnSpc>
@@ -1767,27 +1767,27 @@
             <a:buNone/>
           </a:pPr>
           <a:r>
-            <a:rPr lang="en-US" sz="2100" b="1" u="sng" kern="1200" dirty="0" err="1">
+            <a:rPr lang="en-US" sz="2000" b="1" u="sng" kern="1200" dirty="0" err="1">
               <a:latin typeface="Euclid Circular B" panose="020B0504000000000000" pitchFamily="34" charset="0"/>
               <a:ea typeface="Euclid Circular B" panose="020B0504000000000000" pitchFamily="34" charset="0"/>
             </a:rPr>
             <a:t>Route</a:t>
           </a:r>
           <a:r>
-            <a:rPr lang="en-US" sz="2100" b="0" kern="1200" dirty="0" err="1">
+            <a:rPr lang="en-US" sz="2000" b="0" kern="1200" dirty="0" err="1">
               <a:latin typeface="Euclid Circular B" panose="020B0504000000000000" pitchFamily="34" charset="0"/>
               <a:ea typeface="Euclid Circular B" panose="020B0504000000000000" pitchFamily="34" charset="0"/>
             </a:rPr>
             <a:t>Tenant</a:t>
           </a:r>
           <a:r>
-            <a:rPr lang="en-US" sz="2100" kern="1200" dirty="0" err="1">
+            <a:rPr lang="en-US" sz="2000" kern="1200" dirty="0" err="1">
               <a:latin typeface="Euclid Circular B" panose="020B0504000000000000" pitchFamily="34" charset="0"/>
               <a:ea typeface="Euclid Circular B" panose="020B0504000000000000" pitchFamily="34" charset="0"/>
             </a:rPr>
             <a:t>ResolveContributor</a:t>
           </a:r>
-          <a:endParaRPr lang="en-US" sz="2100" kern="1200" dirty="0">
+          <a:endParaRPr lang="en-US" sz="2000" kern="1200" dirty="0">
             <a:latin typeface="Euclid Circular B" panose="020B0504000000000000" pitchFamily="34" charset="0"/>
             <a:ea typeface="Euclid Circular B" panose="020B0504000000000000" pitchFamily="34" charset="0"/>
           </a:endParaRPr>
@@ -1848,12 +1848,12 @@
         </a:fontRef>
       </dsp:style>
       <dsp:txBody>
-        <a:bodyPr spcFirstLastPara="0" vert="horz" wrap="square" lIns="149352" tIns="149352" rIns="149352" bIns="149352" numCol="1" spcCol="1270" anchor="ctr" anchorCtr="0">
+        <a:bodyPr spcFirstLastPara="0" vert="horz" wrap="square" lIns="142240" tIns="142240" rIns="142240" bIns="142240" numCol="1" spcCol="1270" anchor="ctr" anchorCtr="0">
           <a:noAutofit/>
         </a:bodyPr>
         <a:lstStyle/>
         <a:p>
-          <a:pPr marL="0" lvl="0" indent="0" algn="ctr" defTabSz="933450">
+          <a:pPr marL="0" lvl="0" indent="0" algn="ctr" defTabSz="889000">
             <a:lnSpc>
               <a:spcPct val="90000"/>
             </a:lnSpc>
@@ -1866,20 +1866,20 @@
             <a:buNone/>
           </a:pPr>
           <a:r>
-            <a:rPr lang="en-US" sz="2100" b="1" u="sng" kern="1200" dirty="0" err="1">
+            <a:rPr lang="en-US" sz="2000" b="1" u="sng" kern="1200" dirty="0" err="1">
               <a:latin typeface="Euclid Circular B" panose="020B0504000000000000" pitchFamily="34" charset="0"/>
               <a:ea typeface="Euclid Circular B" panose="020B0504000000000000" pitchFamily="34" charset="0"/>
             </a:rPr>
             <a:t>QueryString</a:t>
           </a:r>
           <a:r>
-            <a:rPr lang="en-US" sz="2100" kern="1200" dirty="0" err="1">
+            <a:rPr lang="en-US" sz="2000" kern="1200" dirty="0" err="1">
               <a:latin typeface="Euclid Circular B" panose="020B0504000000000000" pitchFamily="34" charset="0"/>
               <a:ea typeface="Euclid Circular B" panose="020B0504000000000000" pitchFamily="34" charset="0"/>
             </a:rPr>
             <a:t>TenantResolveContributor</a:t>
           </a:r>
-          <a:endParaRPr lang="en-US" sz="2100" kern="1200" dirty="0">
+          <a:endParaRPr lang="en-US" sz="2000" kern="1200" dirty="0">
             <a:latin typeface="Euclid Circular B" panose="020B0504000000000000" pitchFamily="34" charset="0"/>
             <a:ea typeface="Euclid Circular B" panose="020B0504000000000000" pitchFamily="34" charset="0"/>
           </a:endParaRPr>
@@ -1940,12 +1940,12 @@
         </a:fontRef>
       </dsp:style>
       <dsp:txBody>
-        <a:bodyPr spcFirstLastPara="0" vert="horz" wrap="square" lIns="149352" tIns="149352" rIns="149352" bIns="149352" numCol="1" spcCol="1270" anchor="ctr" anchorCtr="0">
+        <a:bodyPr spcFirstLastPara="0" vert="horz" wrap="square" lIns="142240" tIns="142240" rIns="142240" bIns="142240" numCol="1" spcCol="1270" anchor="ctr" anchorCtr="0">
           <a:noAutofit/>
         </a:bodyPr>
         <a:lstStyle/>
         <a:p>
-          <a:pPr marL="0" lvl="0" indent="0" algn="ctr" defTabSz="933450">
+          <a:pPr marL="0" lvl="0" indent="0" algn="ctr" defTabSz="889000">
             <a:lnSpc>
               <a:spcPct val="90000"/>
             </a:lnSpc>
@@ -1959,20 +1959,20 @@
             <a:buNone/>
           </a:pPr>
           <a:r>
-            <a:rPr lang="en-US" sz="2100" b="1" u="sng" kern="1200" dirty="0" err="1">
+            <a:rPr lang="en-US" sz="2000" b="1" u="sng" kern="1200" dirty="0" err="1">
               <a:latin typeface="Euclid Circular B" panose="020B0504000000000000" pitchFamily="34" charset="0"/>
               <a:ea typeface="Euclid Circular B" panose="020B0504000000000000" pitchFamily="34" charset="0"/>
             </a:rPr>
             <a:t>CurrentUser</a:t>
           </a:r>
           <a:r>
-            <a:rPr lang="en-US" sz="2100" kern="1200" dirty="0" err="1">
+            <a:rPr lang="en-US" sz="2000" kern="1200" dirty="0" err="1">
               <a:latin typeface="Euclid Circular B" panose="020B0504000000000000" pitchFamily="34" charset="0"/>
               <a:ea typeface="Euclid Circular B" panose="020B0504000000000000" pitchFamily="34" charset="0"/>
             </a:rPr>
             <a:t>TenantResolveContributor</a:t>
           </a:r>
-          <a:endParaRPr lang="tr-TR" sz="2100" kern="1200" dirty="0"/>
+          <a:endParaRPr lang="tr-TR" sz="2000" kern="1200" dirty="0"/>
         </a:p>
       </dsp:txBody>
       <dsp:txXfrm rot="10800000">
@@ -3453,7 +3453,7 @@
           <a:p>
             <a:fld id="{0243448F-3A69-4D00-BEC4-199950B08586}" type="datetimeFigureOut">
               <a:rPr lang="en-US" smtClean="0"/>
-              <a:t>6/30/2025</a:t>
+              <a:t>7/5/2025</a:t>
             </a:fld>
             <a:endParaRPr lang="en-US"/>
           </a:p>
@@ -4742,7 +4742,33 @@
               <a:tabLst/>
               <a:defRPr/>
             </a:pPr>
-            <a:endParaRPr lang="en-US" dirty="0"/>
+            <a:r>
+              <a:rPr lang="en-US" dirty="0"/>
+              <a:t>When the tenant’s don’t use shared DB no problem.</a:t>
+            </a:r>
+          </a:p>
+          <a:p>
+            <a:pPr marL="0" marR="0" lvl="0" indent="0" algn="l" defTabSz="914400" rtl="0" eaLnBrk="1" fontAlgn="auto" latinLnBrk="0" hangingPunct="1">
+              <a:lnSpc>
+                <a:spcPct val="100000"/>
+              </a:lnSpc>
+              <a:spcBef>
+                <a:spcPts val="0"/>
+              </a:spcBef>
+              <a:spcAft>
+                <a:spcPts val="0"/>
+              </a:spcAft>
+              <a:buClrTx/>
+              <a:buSzTx/>
+              <a:buFontTx/>
+              <a:buNone/>
+              <a:tabLst/>
+              <a:defRPr/>
+            </a:pPr>
+            <a:r>
+              <a:rPr lang="en-US" dirty="0"/>
+              <a:t>But when shared DB…</a:t>
+            </a:r>
           </a:p>
         </p:txBody>
       </p:sp>
@@ -7000,12 +7026,149 @@
               </a:spcAft>
               <a:buClrTx/>
               <a:buSzTx/>
-              <a:buFontTx/>
+              <a:buFont typeface="Arial" panose="020B0604020202020204" pitchFamily="34" charset="0"/>
               <a:buNone/>
               <a:tabLst/>
               <a:defRPr/>
             </a:pPr>
             <a:endParaRPr lang="en-US" dirty="0"/>
+          </a:p>
+          <a:p>
+            <a:pPr marL="171450" marR="0" lvl="0" indent="-171450" algn="l" defTabSz="914400" rtl="0" eaLnBrk="1" fontAlgn="auto" latinLnBrk="0" hangingPunct="1">
+              <a:lnSpc>
+                <a:spcPct val="100000"/>
+              </a:lnSpc>
+              <a:spcBef>
+                <a:spcPts val="0"/>
+              </a:spcBef>
+              <a:spcAft>
+                <a:spcPts val="0"/>
+              </a:spcAft>
+              <a:buClrTx/>
+              <a:buSzTx/>
+              <a:buFontTx/>
+              <a:buChar char="-"/>
+              <a:tabLst/>
+              <a:defRPr/>
+            </a:pPr>
+            <a:r>
+              <a:rPr lang="en-US" dirty="0"/>
+              <a:t>Reduce repetitive work</a:t>
+            </a:r>
+          </a:p>
+          <a:p>
+            <a:pPr marL="171450" marR="0" lvl="0" indent="-171450" algn="l" defTabSz="914400" rtl="0" eaLnBrk="1" fontAlgn="auto" latinLnBrk="0" hangingPunct="1">
+              <a:lnSpc>
+                <a:spcPct val="100000"/>
+              </a:lnSpc>
+              <a:spcBef>
+                <a:spcPts val="0"/>
+              </a:spcBef>
+              <a:spcAft>
+                <a:spcPts val="0"/>
+              </a:spcAft>
+              <a:buClrTx/>
+              <a:buSzTx/>
+              <a:buFontTx/>
+              <a:buChar char="-"/>
+              <a:tabLst/>
+              <a:defRPr/>
+            </a:pPr>
+            <a:r>
+              <a:rPr lang="en-US" b="1" dirty="0"/>
+              <a:t>Multi-tenancy, Microservice, Modularity , Authentication &amp; </a:t>
+            </a:r>
+            <a:r>
+              <a:rPr lang="en-US" b="1" dirty="0" err="1"/>
+              <a:t>AuthorizationUI</a:t>
+            </a:r>
+            <a:r>
+              <a:rPr lang="en-US" b="1" dirty="0"/>
+              <a:t> Options</a:t>
+            </a:r>
+            <a:r>
+              <a:rPr lang="en-US" dirty="0"/>
+              <a:t>: </a:t>
+            </a:r>
+          </a:p>
+          <a:p>
+            <a:pPr marL="171450" marR="0" lvl="0" indent="-171450" algn="l" defTabSz="914400" rtl="0" eaLnBrk="1" fontAlgn="auto" latinLnBrk="0" hangingPunct="1">
+              <a:lnSpc>
+                <a:spcPct val="100000"/>
+              </a:lnSpc>
+              <a:spcBef>
+                <a:spcPts val="0"/>
+              </a:spcBef>
+              <a:spcAft>
+                <a:spcPts val="0"/>
+              </a:spcAft>
+              <a:buClrTx/>
+              <a:buSzTx/>
+              <a:buFontTx/>
+              <a:buChar char="-"/>
+              <a:tabLst/>
+              <a:defRPr/>
+            </a:pPr>
+            <a:r>
+              <a:rPr lang="en-US" dirty="0"/>
+              <a:t>Blazor, MVC/Razor Pages, Angular (with pre-built UIs).</a:t>
+            </a:r>
+          </a:p>
+          <a:p>
+            <a:pPr marL="171450" marR="0" lvl="0" indent="-171450" algn="l" defTabSz="914400" rtl="0" eaLnBrk="1" fontAlgn="auto" latinLnBrk="0" hangingPunct="1">
+              <a:lnSpc>
+                <a:spcPct val="100000"/>
+              </a:lnSpc>
+              <a:spcBef>
+                <a:spcPts val="0"/>
+              </a:spcBef>
+              <a:spcAft>
+                <a:spcPts val="0"/>
+              </a:spcAft>
+              <a:buClrTx/>
+              <a:buSzTx/>
+              <a:buFontTx/>
+              <a:buChar char="-"/>
+              <a:tabLst/>
+              <a:defRPr/>
+            </a:pPr>
+            <a:endParaRPr lang="en-US" dirty="0"/>
+          </a:p>
+          <a:p>
+            <a:r>
+              <a:rPr lang="en-US" b="1" dirty="0"/>
+              <a:t>Ideal For:</a:t>
+            </a:r>
+          </a:p>
+          <a:p>
+            <a:pPr>
+              <a:buFont typeface="Arial" panose="020B0604020202020204" pitchFamily="34" charset="0"/>
+              <a:buChar char="•"/>
+            </a:pPr>
+            <a:r>
+              <a:rPr lang="en-US" dirty="0"/>
+              <a:t>B2B SaaS platforms</a:t>
+            </a:r>
+          </a:p>
+          <a:p>
+            <a:pPr>
+              <a:buFont typeface="Arial" panose="020B0604020202020204" pitchFamily="34" charset="0"/>
+              <a:buChar char="•"/>
+            </a:pPr>
+            <a:r>
+              <a:rPr lang="en-US" dirty="0"/>
+              <a:t>Enterprise web apps</a:t>
+            </a:r>
+          </a:p>
+          <a:p>
+            <a:pPr>
+              <a:buFont typeface="Arial" panose="020B0604020202020204" pitchFamily="34" charset="0"/>
+              <a:buChar char="•"/>
+            </a:pPr>
+            <a:r>
+              <a:rPr lang="en-US" dirty="0"/>
+              <a:t>Admin panels &amp; internal tools</a:t>
+            </a:r>
           </a:p>
           <a:p>
             <a:pPr marL="0" marR="0" lvl="0" indent="0" algn="l" defTabSz="914400" rtl="0" eaLnBrk="1" fontAlgn="auto" latinLnBrk="0" hangingPunct="1">
@@ -7025,9 +7188,33 @@
               <a:tabLst/>
               <a:defRPr/>
             </a:pPr>
+            <a:endParaRPr lang="en-US" dirty="0"/>
+          </a:p>
+          <a:p>
+            <a:pPr marL="0" marR="0" lvl="0" indent="0" algn="l" defTabSz="914400" rtl="0" eaLnBrk="1" fontAlgn="auto" latinLnBrk="0" hangingPunct="1">
+              <a:lnSpc>
+                <a:spcPct val="100000"/>
+              </a:lnSpc>
+              <a:spcBef>
+                <a:spcPts val="0"/>
+              </a:spcBef>
+              <a:spcAft>
+                <a:spcPts val="0"/>
+              </a:spcAft>
+              <a:buClrTx/>
+              <a:buSzTx/>
+              <a:buFontTx/>
+              <a:buNone/>
+              <a:tabLst/>
+              <a:defRPr/>
+            </a:pPr>
+            <a:r>
+              <a:rPr lang="en-US" b="1" dirty="0"/>
+              <a:t>Why I’m showing this to </a:t>
+            </a:r>
             <a:r>
               <a:rPr lang="en-US" dirty="0"/>
-              <a:t>Why I’m showing this to you, because we have a good experience of modular application development, microservice architecture, DDD and multi-tenancy.</a:t>
+              <a:t>you, because we have a good experience of modular application development, microservice architecture, DDD and multi-tenancy.</a:t>
             </a:r>
           </a:p>
           <a:p>
@@ -7629,7 +7816,7 @@
           <a:p>
             <a:r>
               <a:rPr lang="en-US" dirty="0"/>
-              <a:t>It may be necessary to change the active tenant When you have </a:t>
+              <a:t>It may be necessary to change the active tenant when you have </a:t>
             </a:r>
             <a:r>
               <a:rPr lang="en-US" b="1" dirty="0"/>
@@ -7779,11 +7966,15 @@
           <a:lstStyle/>
           <a:p>
             <a:r>
+              <a:rPr lang="en-US" dirty="0" err="1"/>
+              <a:t>Rgister</a:t>
+            </a:r>
+            <a:r>
               <a:rPr lang="en-US" dirty="0"/>
-              <a:t>We register a custom </a:t>
-            </a:r>
-            <a:r>
-              <a:rPr lang="en-US" dirty="0" err="1"/>
+              <a:t> a custom </a:t>
+            </a:r>
+            <a:r>
+              <a:rPr lang="en-US" b="1" dirty="0" err="1"/>
               <a:t>MultiTenancyMiddleware</a:t>
             </a:r>
             <a:r>
@@ -7794,7 +7985,15 @@
           <a:p>
             <a:r>
               <a:rPr lang="en-US" dirty="0"/>
-              <a:t>This middleware resolves the tenant early in the pipeline and sets the current tenant using _</a:t>
+              <a:t>This middleware </a:t>
+            </a:r>
+            <a:r>
+              <a:rPr lang="en-US" b="1" dirty="0"/>
+              <a:t>resolves the tenant early in the pipeline and sets the current </a:t>
+            </a:r>
+            <a:r>
+              <a:rPr lang="en-US" dirty="0"/>
+              <a:t>tenant using _</a:t>
             </a:r>
             <a:r>
               <a:rPr lang="en-US" dirty="0" err="1"/>
@@ -7988,54 +8187,56 @@
           <a:bodyPr/>
           <a:lstStyle/>
           <a:p>
-            <a:pPr marL="0" marR="0" lvl="0" indent="0" algn="l" defTabSz="914400" rtl="0" eaLnBrk="1" fontAlgn="auto" latinLnBrk="0" hangingPunct="1">
-              <a:lnSpc>
-                <a:spcPct val="100000"/>
-              </a:lnSpc>
-              <a:spcBef>
-                <a:spcPts val="0"/>
-              </a:spcBef>
-              <a:spcAft>
-                <a:spcPts val="0"/>
-              </a:spcAft>
-              <a:buClrTx/>
-              <a:buSzTx/>
-              <a:buFontTx/>
-              <a:buNone/>
-              <a:tabLst/>
-              <a:defRPr/>
-            </a:pPr>
             <a:r>
               <a:rPr lang="en-US" dirty="0"/>
-              <a:t>Sometimes, you may need to query on all tenants especially when your tenants share the same database.</a:t>
-            </a:r>
-          </a:p>
-          <a:p>
+              <a:t>Sometimes, you may need to </a:t>
+            </a:r>
+            <a:r>
+              <a:rPr lang="en-US" b="1" dirty="0"/>
+              <a:t>query data across all tenants</a:t>
+            </a:r>
             <a:r>
               <a:rPr lang="en-US" dirty="0"/>
-              <a:t>Getting report among your tenants.</a:t>
-            </a:r>
-          </a:p>
-          <a:p>
+              <a:t>, especially when they share the same database—for example, to </a:t>
+            </a:r>
+            <a:r>
+              <a:rPr lang="en-US" b="1" dirty="0"/>
+              <a:t>generate a report that includes all tenants</a:t>
+            </a:r>
             <a:r>
               <a:rPr lang="en-US" dirty="0"/>
-              <a:t>In this example we get all book count without tenant filter.</a:t>
-            </a:r>
-          </a:p>
-          <a:p>
-            <a:r>
+              <a:t>.</a:t>
+            </a:r>
+            <a:br>
               <a:rPr lang="en-US" dirty="0"/>
-              <a:t>After the “Using” code block finishes, TenantId will be restored and multi-tenancy filtering will run again.</a:t>
-            </a:r>
-          </a:p>
-          <a:p>
-            <a:endParaRPr lang="en-US" dirty="0"/>
-          </a:p>
-          <a:p>
-            <a:endParaRPr lang="en-US" dirty="0"/>
-          </a:p>
-          <a:p>
-            <a:endParaRPr lang="en-US" dirty="0"/>
+            </a:br>
+            <a:r>
+              <a:rPr lang="en-US" dirty="0"/>
+              <a:t>In the following example, we retrieve the total book count </a:t>
+            </a:r>
+            <a:r>
+              <a:rPr lang="en-US" b="1" dirty="0"/>
+              <a:t>without applying the tenant filter</a:t>
+            </a:r>
+            <a:r>
+              <a:rPr lang="en-US" dirty="0"/>
+              <a:t>.</a:t>
+            </a:r>
+            <a:br>
+              <a:rPr lang="en-US" dirty="0"/>
+            </a:br>
+            <a:r>
+              <a:rPr lang="en-US" dirty="0"/>
+              <a:t>Once the Using code block completes, the </a:t>
+            </a:r>
+            <a:r>
+              <a:rPr lang="en-US" dirty="0" err="1"/>
+              <a:t>TenantId</a:t>
+            </a:r>
+            <a:r>
+              <a:rPr lang="en-US" dirty="0"/>
+              <a:t> is automatically restored, and multi-tenancy filtering resumes as normal.</a:t>
+            </a:r>
           </a:p>
           <a:p>
             <a:endParaRPr lang="en-US" dirty="0"/>
@@ -10692,9 +10893,6 @@
             <a:br>
               <a:rPr lang="en-US" dirty="0"/>
             </a:br>
-            <a:endParaRPr lang="en-US" dirty="0"/>
-          </a:p>
-          <a:p>
             <a:r>
               <a:rPr lang="en-US" dirty="0"/>
               <a:t>2-) </a:t>
@@ -10706,9 +10904,6 @@
             <a:br>
               <a:rPr lang="en-US" b="1" dirty="0"/>
             </a:br>
-            <a:endParaRPr lang="en-US" dirty="0"/>
-          </a:p>
-          <a:p>
             <a:r>
               <a:rPr lang="en-US" dirty="0"/>
               <a:t>3-) </a:t>
@@ -10724,9 +10919,6 @@
             <a:br>
               <a:rPr lang="en-US" dirty="0"/>
             </a:br>
-            <a:endParaRPr lang="en-US" dirty="0"/>
-          </a:p>
-          <a:p>
             <a:r>
               <a:rPr lang="en-US" dirty="0"/>
               <a:t>4-) </a:t>
@@ -11060,7 +11252,7 @@
           <a:p>
             <a:fld id="{2A14C9FE-EBC3-45D3-899C-58AAF4F8AF71}" type="datetimeFigureOut">
               <a:rPr lang="en-US" smtClean="0"/>
-              <a:t>6/30/2025</a:t>
+              <a:t>7/5/2025</a:t>
             </a:fld>
             <a:endParaRPr lang="en-US"/>
           </a:p>
@@ -11258,7 +11450,7 @@
           <a:p>
             <a:fld id="{2A14C9FE-EBC3-45D3-899C-58AAF4F8AF71}" type="datetimeFigureOut">
               <a:rPr lang="en-US" smtClean="0"/>
-              <a:t>6/30/2025</a:t>
+              <a:t>7/5/2025</a:t>
             </a:fld>
             <a:endParaRPr lang="en-US"/>
           </a:p>
@@ -11466,7 +11658,7 @@
           <a:p>
             <a:fld id="{2A14C9FE-EBC3-45D3-899C-58AAF4F8AF71}" type="datetimeFigureOut">
               <a:rPr lang="en-US" smtClean="0"/>
-              <a:t>6/30/2025</a:t>
+              <a:t>7/5/2025</a:t>
             </a:fld>
             <a:endParaRPr lang="en-US"/>
           </a:p>
@@ -11664,7 +11856,7 @@
           <a:p>
             <a:fld id="{2A14C9FE-EBC3-45D3-899C-58AAF4F8AF71}" type="datetimeFigureOut">
               <a:rPr lang="en-US" smtClean="0"/>
-              <a:t>6/30/2025</a:t>
+              <a:t>7/5/2025</a:t>
             </a:fld>
             <a:endParaRPr lang="en-US"/>
           </a:p>
@@ -11939,7 +12131,7 @@
           <a:p>
             <a:fld id="{2A14C9FE-EBC3-45D3-899C-58AAF4F8AF71}" type="datetimeFigureOut">
               <a:rPr lang="en-US" smtClean="0"/>
-              <a:t>6/30/2025</a:t>
+              <a:t>7/5/2025</a:t>
             </a:fld>
             <a:endParaRPr lang="en-US"/>
           </a:p>
@@ -12204,7 +12396,7 @@
           <a:p>
             <a:fld id="{2A14C9FE-EBC3-45D3-899C-58AAF4F8AF71}" type="datetimeFigureOut">
               <a:rPr lang="en-US" smtClean="0"/>
-              <a:t>6/30/2025</a:t>
+              <a:t>7/5/2025</a:t>
             </a:fld>
             <a:endParaRPr lang="en-US"/>
           </a:p>
@@ -12616,7 +12808,7 @@
           <a:p>
             <a:fld id="{2A14C9FE-EBC3-45D3-899C-58AAF4F8AF71}" type="datetimeFigureOut">
               <a:rPr lang="en-US" smtClean="0"/>
-              <a:t>6/30/2025</a:t>
+              <a:t>7/5/2025</a:t>
             </a:fld>
             <a:endParaRPr lang="en-US"/>
           </a:p>
@@ -12757,7 +12949,7 @@
           <a:p>
             <a:fld id="{2A14C9FE-EBC3-45D3-899C-58AAF4F8AF71}" type="datetimeFigureOut">
               <a:rPr lang="en-US" smtClean="0"/>
-              <a:t>6/30/2025</a:t>
+              <a:t>7/5/2025</a:t>
             </a:fld>
             <a:endParaRPr lang="en-US"/>
           </a:p>
@@ -12870,7 +13062,7 @@
           <a:p>
             <a:fld id="{2A14C9FE-EBC3-45D3-899C-58AAF4F8AF71}" type="datetimeFigureOut">
               <a:rPr lang="en-US" smtClean="0"/>
-              <a:t>6/30/2025</a:t>
+              <a:t>7/5/2025</a:t>
             </a:fld>
             <a:endParaRPr lang="en-US"/>
           </a:p>
@@ -13181,7 +13373,7 @@
           <a:p>
             <a:fld id="{2A14C9FE-EBC3-45D3-899C-58AAF4F8AF71}" type="datetimeFigureOut">
               <a:rPr lang="en-US" smtClean="0"/>
-              <a:t>6/30/2025</a:t>
+              <a:t>7/5/2025</a:t>
             </a:fld>
             <a:endParaRPr lang="en-US"/>
           </a:p>
@@ -13469,7 +13661,7 @@
           <a:p>
             <a:fld id="{2A14C9FE-EBC3-45D3-899C-58AAF4F8AF71}" type="datetimeFigureOut">
               <a:rPr lang="en-US" smtClean="0"/>
-              <a:t>6/30/2025</a:t>
+              <a:t>7/5/2025</a:t>
             </a:fld>
             <a:endParaRPr lang="en-US"/>
           </a:p>
@@ -13719,7 +13911,7 @@
           <a:p>
             <a:fld id="{2A14C9FE-EBC3-45D3-899C-58AAF4F8AF71}" type="datetimeFigureOut">
               <a:rPr lang="en-US" smtClean="0"/>
-              <a:t>6/30/2025</a:t>
+              <a:t>7/5/2025</a:t>
             </a:fld>
             <a:endParaRPr lang="en-US"/>
           </a:p>
@@ -17164,7 +17356,9 @@
           </a:xfrm>
         </p:spPr>
         <p:txBody>
-          <a:bodyPr/>
+          <a:bodyPr>
+            <a:normAutofit fontScale="90000"/>
+          </a:bodyPr>
           <a:lstStyle/>
           <a:p>
             <a:r>
@@ -17175,7 +17369,7 @@
                 <a:latin typeface="Euclid Circular B" panose="020B0504000000000000" pitchFamily="34" charset="0"/>
                 <a:ea typeface="Euclid Circular B" panose="020B0504000000000000" pitchFamily="34" charset="0"/>
               </a:rPr>
-              <a:t>Data Isolation — Standardization</a:t>
+              <a:t>Data Isolation — How to make it standard?</a:t>
             </a:r>
             <a:endParaRPr lang="en-US" noProof="0" dirty="0">
               <a:solidFill>
@@ -18236,12 +18430,248 @@
           </p:sp>
         </p:grpSp>
       </p:grpSp>
+      <p:pic>
+        <p:nvPicPr>
+          <p:cNvPr id="87" name="Picture 86">
+            <a:extLst>
+              <a:ext uri="{FF2B5EF4-FFF2-40B4-BE49-F238E27FC236}">
+                <a16:creationId xmlns:a16="http://schemas.microsoft.com/office/drawing/2014/main" id="{6715C012-D662-884F-0E0C-257B605D8173}"/>
+              </a:ext>
+            </a:extLst>
+          </p:cNvPr>
+          <p:cNvPicPr>
+            <a:picLocks noChangeAspect="1"/>
+          </p:cNvPicPr>
+          <p:nvPr/>
+        </p:nvPicPr>
+        <p:blipFill>
+          <a:blip r:embed="rId4"/>
+          <a:stretch>
+            <a:fillRect/>
+          </a:stretch>
+        </p:blipFill>
+        <p:spPr>
+          <a:xfrm>
+            <a:off x="5910238" y="5625373"/>
+            <a:ext cx="5855046" cy="976659"/>
+          </a:xfrm>
+          <a:prstGeom prst="rect">
+            <a:avLst/>
+          </a:prstGeom>
+        </p:spPr>
+      </p:pic>
+      <p:pic>
+        <p:nvPicPr>
+          <p:cNvPr id="88" name="Picture 87">
+            <a:extLst>
+              <a:ext uri="{FF2B5EF4-FFF2-40B4-BE49-F238E27FC236}">
+                <a16:creationId xmlns:a16="http://schemas.microsoft.com/office/drawing/2014/main" id="{EBB1A505-F19C-9FEB-08C1-B3DA4AB3D58E}"/>
+              </a:ext>
+            </a:extLst>
+          </p:cNvPr>
+          <p:cNvPicPr>
+            <a:picLocks noChangeAspect="1"/>
+          </p:cNvPicPr>
+          <p:nvPr/>
+        </p:nvPicPr>
+        <p:blipFill>
+          <a:blip r:embed="rId5"/>
+          <a:stretch>
+            <a:fillRect/>
+          </a:stretch>
+        </p:blipFill>
+        <p:spPr>
+          <a:xfrm>
+            <a:off x="5841779" y="4151415"/>
+            <a:ext cx="5919934" cy="1051724"/>
+          </a:xfrm>
+          <a:prstGeom prst="rect">
+            <a:avLst/>
+          </a:prstGeom>
+        </p:spPr>
+      </p:pic>
+      <p:pic>
+        <p:nvPicPr>
+          <p:cNvPr id="89" name="Picture 88">
+            <a:extLst>
+              <a:ext uri="{FF2B5EF4-FFF2-40B4-BE49-F238E27FC236}">
+                <a16:creationId xmlns:a16="http://schemas.microsoft.com/office/drawing/2014/main" id="{B8FFB66B-B4EC-70ED-E647-2D61546340C4}"/>
+              </a:ext>
+            </a:extLst>
+          </p:cNvPr>
+          <p:cNvPicPr>
+            <a:picLocks noChangeAspect="1"/>
+          </p:cNvPicPr>
+          <p:nvPr/>
+        </p:nvPicPr>
+        <p:blipFill>
+          <a:blip r:embed="rId6"/>
+          <a:srcRect b="5116"/>
+          <a:stretch>
+            <a:fillRect/>
+          </a:stretch>
+        </p:blipFill>
+        <p:spPr>
+          <a:xfrm>
+            <a:off x="5838205" y="3414855"/>
+            <a:ext cx="5927082" cy="950804"/>
+          </a:xfrm>
+          <a:prstGeom prst="rect">
+            <a:avLst/>
+          </a:prstGeom>
+        </p:spPr>
+      </p:pic>
+      <p:pic>
+        <p:nvPicPr>
+          <p:cNvPr id="90" name="Picture 89">
+            <a:extLst>
+              <a:ext uri="{FF2B5EF4-FFF2-40B4-BE49-F238E27FC236}">
+                <a16:creationId xmlns:a16="http://schemas.microsoft.com/office/drawing/2014/main" id="{32139785-265B-078F-BBBC-ECBB7D73E4AC}"/>
+              </a:ext>
+            </a:extLst>
+          </p:cNvPr>
+          <p:cNvPicPr>
+            <a:picLocks noChangeAspect="1"/>
+          </p:cNvPicPr>
+          <p:nvPr/>
+        </p:nvPicPr>
+        <p:blipFill rotWithShape="1">
+          <a:blip r:embed="rId7"/>
+          <a:srcRect r="2089"/>
+          <a:stretch/>
+        </p:blipFill>
+        <p:spPr>
+          <a:xfrm>
+            <a:off x="5834137" y="2609869"/>
+            <a:ext cx="5855046" cy="976659"/>
+          </a:xfrm>
+          <a:prstGeom prst="rect">
+            <a:avLst/>
+          </a:prstGeom>
+        </p:spPr>
+      </p:pic>
+      <p:pic>
+        <p:nvPicPr>
+          <p:cNvPr id="91" name="Picture 90">
+            <a:extLst>
+              <a:ext uri="{FF2B5EF4-FFF2-40B4-BE49-F238E27FC236}">
+                <a16:creationId xmlns:a16="http://schemas.microsoft.com/office/drawing/2014/main" id="{E5E257A8-FEFB-5085-3EFE-18D0BAEF924C}"/>
+              </a:ext>
+            </a:extLst>
+          </p:cNvPr>
+          <p:cNvPicPr>
+            <a:picLocks noChangeAspect="1"/>
+          </p:cNvPicPr>
+          <p:nvPr/>
+        </p:nvPicPr>
+        <p:blipFill rotWithShape="1">
+          <a:blip r:embed="rId8"/>
+          <a:srcRect r="2011"/>
+          <a:stretch/>
+        </p:blipFill>
+        <p:spPr>
+          <a:xfrm>
+            <a:off x="5867243" y="1869634"/>
+            <a:ext cx="5855046" cy="976659"/>
+          </a:xfrm>
+          <a:prstGeom prst="rect">
+            <a:avLst/>
+          </a:prstGeom>
+        </p:spPr>
+      </p:pic>
+      <p:pic>
+        <p:nvPicPr>
+          <p:cNvPr id="92" name="Picture 91">
+            <a:extLst>
+              <a:ext uri="{FF2B5EF4-FFF2-40B4-BE49-F238E27FC236}">
+                <a16:creationId xmlns:a16="http://schemas.microsoft.com/office/drawing/2014/main" id="{C1EB6D04-4470-90A6-C2CE-2B469FD2739B}"/>
+              </a:ext>
+            </a:extLst>
+          </p:cNvPr>
+          <p:cNvPicPr>
+            <a:picLocks noChangeAspect="1"/>
+          </p:cNvPicPr>
+          <p:nvPr/>
+        </p:nvPicPr>
+        <p:blipFill rotWithShape="1">
+          <a:blip r:embed="rId9"/>
+          <a:srcRect t="19278" r="2156"/>
+          <a:stretch/>
+        </p:blipFill>
+        <p:spPr>
+          <a:xfrm>
+            <a:off x="5867593" y="1259691"/>
+            <a:ext cx="5754590" cy="788385"/>
+          </a:xfrm>
+          <a:prstGeom prst="rect">
+            <a:avLst/>
+          </a:prstGeom>
+        </p:spPr>
+      </p:pic>
+      <p:pic>
+        <p:nvPicPr>
+          <p:cNvPr id="93" name="Picture 92">
+            <a:extLst>
+              <a:ext uri="{FF2B5EF4-FFF2-40B4-BE49-F238E27FC236}">
+                <a16:creationId xmlns:a16="http://schemas.microsoft.com/office/drawing/2014/main" id="{83359FAF-2A16-E205-A650-212F79493F9F}"/>
+              </a:ext>
+            </a:extLst>
+          </p:cNvPr>
+          <p:cNvPicPr>
+            <a:picLocks noChangeAspect="1"/>
+          </p:cNvPicPr>
+          <p:nvPr/>
+        </p:nvPicPr>
+        <p:blipFill rotWithShape="1">
+          <a:blip r:embed="rId10"/>
+          <a:srcRect b="20499"/>
+          <a:stretch/>
+        </p:blipFill>
+        <p:spPr>
+          <a:xfrm>
+            <a:off x="5933829" y="275631"/>
+            <a:ext cx="5855046" cy="978972"/>
+          </a:xfrm>
+          <a:prstGeom prst="rect">
+            <a:avLst/>
+          </a:prstGeom>
+        </p:spPr>
+      </p:pic>
+      <p:pic>
+        <p:nvPicPr>
+          <p:cNvPr id="95" name="Picture 94">
+            <a:extLst>
+              <a:ext uri="{FF2B5EF4-FFF2-40B4-BE49-F238E27FC236}">
+                <a16:creationId xmlns:a16="http://schemas.microsoft.com/office/drawing/2014/main" id="{E43ADB0F-11E9-C98C-D252-96BEC5343925}"/>
+              </a:ext>
+            </a:extLst>
+          </p:cNvPr>
+          <p:cNvPicPr>
+            <a:picLocks noChangeAspect="1"/>
+          </p:cNvPicPr>
+          <p:nvPr/>
+        </p:nvPicPr>
+        <p:blipFill rotWithShape="1">
+          <a:blip r:embed="rId11"/>
+          <a:srcRect t="20399"/>
+          <a:stretch/>
+        </p:blipFill>
+        <p:spPr>
+          <a:xfrm>
+            <a:off x="5943853" y="5154514"/>
+            <a:ext cx="5748486" cy="777430"/>
+          </a:xfrm>
+          <a:prstGeom prst="rect">
+            <a:avLst/>
+          </a:prstGeom>
+        </p:spPr>
+      </p:pic>
       <p:grpSp>
         <p:nvGrpSpPr>
-          <p:cNvPr id="112" name="Group 111">
+          <p:cNvPr id="5" name="Group 4">
             <a:extLst>
               <a:ext uri="{FF2B5EF4-FFF2-40B4-BE49-F238E27FC236}">
-                <a16:creationId xmlns:a16="http://schemas.microsoft.com/office/drawing/2014/main" id="{8441EE99-4F3A-2009-7488-946F51AE4175}"/>
+                <a16:creationId xmlns:a16="http://schemas.microsoft.com/office/drawing/2014/main" id="{2889F90D-CA77-4118-A7C4-514F5855E5D3}"/>
               </a:ext>
             </a:extLst>
           </p:cNvPr>
@@ -18250,18 +18680,112 @@
         </p:nvGrpSpPr>
         <p:grpSpPr>
           <a:xfrm>
-            <a:off x="5834137" y="275631"/>
-            <a:ext cx="5954738" cy="6326401"/>
-            <a:chOff x="5667394" y="202722"/>
-            <a:chExt cx="6145827" cy="6529415"/>
+            <a:off x="8110739" y="503751"/>
+            <a:ext cx="1649348" cy="584775"/>
+            <a:chOff x="8091488" y="553535"/>
+            <a:chExt cx="1649348" cy="584775"/>
           </a:xfrm>
         </p:grpSpPr>
+        <p:sp>
+          <p:nvSpPr>
+            <p:cNvPr id="96" name="Rectangle: Rounded Corners 95">
+              <a:extLst>
+                <a:ext uri="{FF2B5EF4-FFF2-40B4-BE49-F238E27FC236}">
+                  <a16:creationId xmlns:a16="http://schemas.microsoft.com/office/drawing/2014/main" id="{A3CBEC0F-66D5-B98B-4124-EC6AC31B8127}"/>
+                </a:ext>
+              </a:extLst>
+            </p:cNvPr>
+            <p:cNvSpPr/>
+            <p:nvPr/>
+          </p:nvSpPr>
+          <p:spPr>
+            <a:xfrm>
+              <a:off x="8091488" y="602268"/>
+              <a:ext cx="1641746" cy="536042"/>
+            </a:xfrm>
+            <a:prstGeom prst="roundRect">
+              <a:avLst/>
+            </a:prstGeom>
+            <a:solidFill>
+              <a:schemeClr val="accent6">
+                <a:alpha val="50000"/>
+              </a:schemeClr>
+            </a:solidFill>
+            <a:ln>
+              <a:noFill/>
+            </a:ln>
+          </p:spPr>
+          <p:style>
+            <a:lnRef idx="0">
+              <a:scrgbClr r="0" g="0" b="0"/>
+            </a:lnRef>
+            <a:fillRef idx="0">
+              <a:scrgbClr r="0" g="0" b="0"/>
+            </a:fillRef>
+            <a:effectRef idx="0">
+              <a:scrgbClr r="0" g="0" b="0"/>
+            </a:effectRef>
+            <a:fontRef idx="minor">
+              <a:schemeClr val="lt1"/>
+            </a:fontRef>
+          </p:style>
+          <p:txBody>
+            <a:bodyPr rtlCol="0" anchor="ctr"/>
+            <a:lstStyle/>
+            <a:p>
+              <a:pPr algn="ctr"/>
+              <a:endParaRPr lang="en-US"/>
+            </a:p>
+          </p:txBody>
+        </p:sp>
+        <p:sp>
+          <p:nvSpPr>
+            <p:cNvPr id="104" name="TextBox 103">
+              <a:extLst>
+                <a:ext uri="{FF2B5EF4-FFF2-40B4-BE49-F238E27FC236}">
+                  <a16:creationId xmlns:a16="http://schemas.microsoft.com/office/drawing/2014/main" id="{1672FA22-6EC7-8AE1-2E52-8FC8AF39A9EA}"/>
+                </a:ext>
+              </a:extLst>
+            </p:cNvPr>
+            <p:cNvSpPr txBox="1"/>
+            <p:nvPr/>
+          </p:nvSpPr>
+          <p:spPr>
+            <a:xfrm>
+              <a:off x="8481042" y="553535"/>
+              <a:ext cx="1259794" cy="584775"/>
+            </a:xfrm>
+            <a:prstGeom prst="rect">
+              <a:avLst/>
+            </a:prstGeom>
+            <a:noFill/>
+          </p:spPr>
+          <p:txBody>
+            <a:bodyPr wrap="square">
+              <a:spAutoFit/>
+            </a:bodyPr>
+            <a:lstStyle/>
+            <a:p>
+              <a:pPr algn="ctr"/>
+              <a:r>
+                <a:rPr lang="en-US" sz="3200" b="1" dirty="0">
+                  <a:latin typeface="Raleway" pitchFamily="2" charset="0"/>
+                  <a:ea typeface="Euclid Circular B" panose="020B0504000000000000" pitchFamily="34" charset="0"/>
+                </a:rPr>
+                <a:t>2025</a:t>
+              </a:r>
+              <a:endParaRPr lang="en-US" sz="2800" dirty="0">
+                <a:latin typeface="Raleway" pitchFamily="2" charset="0"/>
+              </a:endParaRPr>
+            </a:p>
+          </p:txBody>
+        </p:sp>
         <p:pic>
           <p:nvPicPr>
-            <p:cNvPr id="87" name="Picture 86">
+            <p:cNvPr id="3" name="Picture 2">
               <a:extLst>
                 <a:ext uri="{FF2B5EF4-FFF2-40B4-BE49-F238E27FC236}">
-                  <a16:creationId xmlns:a16="http://schemas.microsoft.com/office/drawing/2014/main" id="{6715C012-D662-884F-0E0C-257B605D8173}"/>
+                  <a16:creationId xmlns:a16="http://schemas.microsoft.com/office/drawing/2014/main" id="{FF3825EF-625A-4934-92AA-02AA3C16BE44}"/>
                 </a:ext>
               </a:extLst>
             </p:cNvPr>
@@ -18271,27 +18795,148 @@
             <p:nvPr/>
           </p:nvPicPr>
           <p:blipFill>
-            <a:blip r:embed="rId4"/>
+            <a:blip r:embed="rId12">
+              <a:extLst>
+                <a:ext uri="{28A0092B-C50C-407E-A947-70E740481C1C}">
+                  <a14:useLocalDpi xmlns:a14="http://schemas.microsoft.com/office/drawing/2010/main" val="0"/>
+                </a:ext>
+              </a:extLst>
+            </a:blip>
             <a:stretch>
               <a:fillRect/>
             </a:stretch>
           </p:blipFill>
           <p:spPr>
             <a:xfrm>
-              <a:off x="5745937" y="5724137"/>
-              <a:ext cx="6042936" cy="1008000"/>
+              <a:off x="8125243" y="656956"/>
+              <a:ext cx="450187" cy="450187"/>
             </a:xfrm>
             <a:prstGeom prst="rect">
               <a:avLst/>
             </a:prstGeom>
           </p:spPr>
         </p:pic>
+      </p:grpSp>
+      <p:grpSp>
+        <p:nvGrpSpPr>
+          <p:cNvPr id="62" name="Group 61">
+            <a:extLst>
+              <a:ext uri="{FF2B5EF4-FFF2-40B4-BE49-F238E27FC236}">
+                <a16:creationId xmlns:a16="http://schemas.microsoft.com/office/drawing/2014/main" id="{AC49CB59-D3AD-48B4-B2B7-FAA1E9BE437E}"/>
+              </a:ext>
+            </a:extLst>
+          </p:cNvPr>
+          <p:cNvGrpSpPr/>
+          <p:nvPr/>
+        </p:nvGrpSpPr>
+        <p:grpSpPr>
+          <a:xfrm>
+            <a:off x="8110739" y="1309291"/>
+            <a:ext cx="1649348" cy="584775"/>
+            <a:chOff x="8091488" y="553535"/>
+            <a:chExt cx="1649348" cy="584775"/>
+          </a:xfrm>
+        </p:grpSpPr>
+        <p:sp>
+          <p:nvSpPr>
+            <p:cNvPr id="63" name="Rectangle: Rounded Corners 62">
+              <a:extLst>
+                <a:ext uri="{FF2B5EF4-FFF2-40B4-BE49-F238E27FC236}">
+                  <a16:creationId xmlns:a16="http://schemas.microsoft.com/office/drawing/2014/main" id="{F17B7044-11AB-4B6F-909F-5FD6624CA583}"/>
+                </a:ext>
+              </a:extLst>
+            </p:cNvPr>
+            <p:cNvSpPr/>
+            <p:nvPr/>
+          </p:nvSpPr>
+          <p:spPr>
+            <a:xfrm>
+              <a:off x="8091488" y="602268"/>
+              <a:ext cx="1641746" cy="536042"/>
+            </a:xfrm>
+            <a:prstGeom prst="roundRect">
+              <a:avLst/>
+            </a:prstGeom>
+            <a:solidFill>
+              <a:schemeClr val="accent6">
+                <a:alpha val="50000"/>
+              </a:schemeClr>
+            </a:solidFill>
+            <a:ln>
+              <a:noFill/>
+            </a:ln>
+          </p:spPr>
+          <p:style>
+            <a:lnRef idx="0">
+              <a:scrgbClr r="0" g="0" b="0"/>
+            </a:lnRef>
+            <a:fillRef idx="0">
+              <a:scrgbClr r="0" g="0" b="0"/>
+            </a:fillRef>
+            <a:effectRef idx="0">
+              <a:scrgbClr r="0" g="0" b="0"/>
+            </a:effectRef>
+            <a:fontRef idx="minor">
+              <a:schemeClr val="lt1"/>
+            </a:fontRef>
+          </p:style>
+          <p:txBody>
+            <a:bodyPr rtlCol="0" anchor="ctr"/>
+            <a:lstStyle/>
+            <a:p>
+              <a:pPr algn="ctr"/>
+              <a:endParaRPr lang="en-US"/>
+            </a:p>
+          </p:txBody>
+        </p:sp>
+        <p:sp>
+          <p:nvSpPr>
+            <p:cNvPr id="64" name="TextBox 63">
+              <a:extLst>
+                <a:ext uri="{FF2B5EF4-FFF2-40B4-BE49-F238E27FC236}">
+                  <a16:creationId xmlns:a16="http://schemas.microsoft.com/office/drawing/2014/main" id="{C0DABBE3-27FD-4EF0-AE63-3FA9E5BFEEC1}"/>
+                </a:ext>
+              </a:extLst>
+            </p:cNvPr>
+            <p:cNvSpPr txBox="1"/>
+            <p:nvPr/>
+          </p:nvSpPr>
+          <p:spPr>
+            <a:xfrm>
+              <a:off x="8481042" y="553535"/>
+              <a:ext cx="1259794" cy="584775"/>
+            </a:xfrm>
+            <a:prstGeom prst="rect">
+              <a:avLst/>
+            </a:prstGeom>
+            <a:noFill/>
+          </p:spPr>
+          <p:txBody>
+            <a:bodyPr wrap="square">
+              <a:spAutoFit/>
+            </a:bodyPr>
+            <a:lstStyle/>
+            <a:p>
+              <a:pPr algn="ctr"/>
+              <a:r>
+                <a:rPr lang="en-US" sz="3200" b="1" dirty="0">
+                  <a:latin typeface="Raleway" pitchFamily="2" charset="0"/>
+                  <a:ea typeface="Euclid Circular B" panose="020B0504000000000000" pitchFamily="34" charset="0"/>
+                </a:rPr>
+                <a:t>2024</a:t>
+              </a:r>
+              <a:endParaRPr lang="en-US" sz="2800" dirty="0">
+                <a:latin typeface="Raleway" pitchFamily="2" charset="0"/>
+              </a:endParaRPr>
+            </a:p>
+          </p:txBody>
+        </p:sp>
         <p:pic>
           <p:nvPicPr>
-            <p:cNvPr id="88" name="Picture 87">
+            <p:cNvPr id="65" name="Picture 64">
               <a:extLst>
                 <a:ext uri="{FF2B5EF4-FFF2-40B4-BE49-F238E27FC236}">
-                  <a16:creationId xmlns:a16="http://schemas.microsoft.com/office/drawing/2014/main" id="{EBB1A505-F19C-9FEB-08C1-B3DA4AB3D58E}"/>
+                  <a16:creationId xmlns:a16="http://schemas.microsoft.com/office/drawing/2014/main" id="{FA3E12DA-D505-4300-8930-4B5D18E70177}"/>
                 </a:ext>
               </a:extLst>
             </p:cNvPr>
@@ -18301,27 +18946,148 @@
             <p:nvPr/>
           </p:nvPicPr>
           <p:blipFill>
-            <a:blip r:embed="rId5"/>
+            <a:blip r:embed="rId12">
+              <a:extLst>
+                <a:ext uri="{28A0092B-C50C-407E-A947-70E740481C1C}">
+                  <a14:useLocalDpi xmlns:a14="http://schemas.microsoft.com/office/drawing/2010/main" val="0"/>
+                </a:ext>
+              </a:extLst>
+            </a:blip>
             <a:stretch>
               <a:fillRect/>
             </a:stretch>
           </p:blipFill>
           <p:spPr>
             <a:xfrm>
-              <a:off x="5699899" y="4125484"/>
-              <a:ext cx="6109906" cy="1085474"/>
+              <a:off x="8125243" y="656956"/>
+              <a:ext cx="450187" cy="450187"/>
             </a:xfrm>
             <a:prstGeom prst="rect">
               <a:avLst/>
             </a:prstGeom>
           </p:spPr>
         </p:pic>
+      </p:grpSp>
+      <p:grpSp>
+        <p:nvGrpSpPr>
+          <p:cNvPr id="66" name="Group 65">
+            <a:extLst>
+              <a:ext uri="{FF2B5EF4-FFF2-40B4-BE49-F238E27FC236}">
+                <a16:creationId xmlns:a16="http://schemas.microsoft.com/office/drawing/2014/main" id="{41759D1D-18B2-4D40-A27C-13B720AA45C2}"/>
+              </a:ext>
+            </a:extLst>
+          </p:cNvPr>
+          <p:cNvGrpSpPr/>
+          <p:nvPr/>
+        </p:nvGrpSpPr>
+        <p:grpSpPr>
+          <a:xfrm>
+            <a:off x="8110739" y="2119032"/>
+            <a:ext cx="1649348" cy="584775"/>
+            <a:chOff x="8091488" y="553535"/>
+            <a:chExt cx="1649348" cy="584775"/>
+          </a:xfrm>
+        </p:grpSpPr>
+        <p:sp>
+          <p:nvSpPr>
+            <p:cNvPr id="67" name="Rectangle: Rounded Corners 66">
+              <a:extLst>
+                <a:ext uri="{FF2B5EF4-FFF2-40B4-BE49-F238E27FC236}">
+                  <a16:creationId xmlns:a16="http://schemas.microsoft.com/office/drawing/2014/main" id="{C61BC5FE-1A74-410F-B561-674F8FB1547C}"/>
+                </a:ext>
+              </a:extLst>
+            </p:cNvPr>
+            <p:cNvSpPr/>
+            <p:nvPr/>
+          </p:nvSpPr>
+          <p:spPr>
+            <a:xfrm>
+              <a:off x="8091488" y="602268"/>
+              <a:ext cx="1641746" cy="536042"/>
+            </a:xfrm>
+            <a:prstGeom prst="roundRect">
+              <a:avLst/>
+            </a:prstGeom>
+            <a:solidFill>
+              <a:schemeClr val="accent6">
+                <a:alpha val="50000"/>
+              </a:schemeClr>
+            </a:solidFill>
+            <a:ln>
+              <a:noFill/>
+            </a:ln>
+          </p:spPr>
+          <p:style>
+            <a:lnRef idx="0">
+              <a:scrgbClr r="0" g="0" b="0"/>
+            </a:lnRef>
+            <a:fillRef idx="0">
+              <a:scrgbClr r="0" g="0" b="0"/>
+            </a:fillRef>
+            <a:effectRef idx="0">
+              <a:scrgbClr r="0" g="0" b="0"/>
+            </a:effectRef>
+            <a:fontRef idx="minor">
+              <a:schemeClr val="lt1"/>
+            </a:fontRef>
+          </p:style>
+          <p:txBody>
+            <a:bodyPr rtlCol="0" anchor="ctr"/>
+            <a:lstStyle/>
+            <a:p>
+              <a:pPr algn="ctr"/>
+              <a:endParaRPr lang="en-US"/>
+            </a:p>
+          </p:txBody>
+        </p:sp>
+        <p:sp>
+          <p:nvSpPr>
+            <p:cNvPr id="68" name="TextBox 67">
+              <a:extLst>
+                <a:ext uri="{FF2B5EF4-FFF2-40B4-BE49-F238E27FC236}">
+                  <a16:creationId xmlns:a16="http://schemas.microsoft.com/office/drawing/2014/main" id="{95BCAC43-4ED4-4BAD-AF9F-9CD6F426F151}"/>
+                </a:ext>
+              </a:extLst>
+            </p:cNvPr>
+            <p:cNvSpPr txBox="1"/>
+            <p:nvPr/>
+          </p:nvSpPr>
+          <p:spPr>
+            <a:xfrm>
+              <a:off x="8481042" y="553535"/>
+              <a:ext cx="1259794" cy="584775"/>
+            </a:xfrm>
+            <a:prstGeom prst="rect">
+              <a:avLst/>
+            </a:prstGeom>
+            <a:noFill/>
+          </p:spPr>
+          <p:txBody>
+            <a:bodyPr wrap="square">
+              <a:spAutoFit/>
+            </a:bodyPr>
+            <a:lstStyle/>
+            <a:p>
+              <a:pPr algn="ctr"/>
+              <a:r>
+                <a:rPr lang="en-US" sz="3200" b="1" dirty="0">
+                  <a:latin typeface="Raleway" pitchFamily="2" charset="0"/>
+                  <a:ea typeface="Euclid Circular B" panose="020B0504000000000000" pitchFamily="34" charset="0"/>
+                </a:rPr>
+                <a:t>2023</a:t>
+              </a:r>
+              <a:endParaRPr lang="en-US" sz="2800" dirty="0">
+                <a:latin typeface="Raleway" pitchFamily="2" charset="0"/>
+              </a:endParaRPr>
+            </a:p>
+          </p:txBody>
+        </p:sp>
         <p:pic>
           <p:nvPicPr>
-            <p:cNvPr id="89" name="Picture 88">
+            <p:cNvPr id="69" name="Picture 68">
               <a:extLst>
                 <a:ext uri="{FF2B5EF4-FFF2-40B4-BE49-F238E27FC236}">
-                  <a16:creationId xmlns:a16="http://schemas.microsoft.com/office/drawing/2014/main" id="{B8FFB66B-B4EC-70ED-E647-2D61546340C4}"/>
+                  <a16:creationId xmlns:a16="http://schemas.microsoft.com/office/drawing/2014/main" id="{8D6F0AB6-5262-4760-A43F-D158533431DF}"/>
                 </a:ext>
               </a:extLst>
             </p:cNvPr>
@@ -18331,28 +19097,148 @@
             <p:nvPr/>
           </p:nvPicPr>
           <p:blipFill>
-            <a:blip r:embed="rId6"/>
-            <a:srcRect b="5116"/>
+            <a:blip r:embed="rId12">
+              <a:extLst>
+                <a:ext uri="{28A0092B-C50C-407E-A947-70E740481C1C}">
+                  <a14:useLocalDpi xmlns:a14="http://schemas.microsoft.com/office/drawing/2010/main" val="0"/>
+                </a:ext>
+              </a:extLst>
+            </a:blip>
             <a:stretch>
               <a:fillRect/>
             </a:stretch>
           </p:blipFill>
           <p:spPr>
             <a:xfrm>
-              <a:off x="5671593" y="3442684"/>
-              <a:ext cx="6117284" cy="981315"/>
+              <a:off x="8125243" y="656956"/>
+              <a:ext cx="450187" cy="450187"/>
             </a:xfrm>
             <a:prstGeom prst="rect">
               <a:avLst/>
             </a:prstGeom>
           </p:spPr>
         </p:pic>
+      </p:grpSp>
+      <p:grpSp>
+        <p:nvGrpSpPr>
+          <p:cNvPr id="70" name="Group 69">
+            <a:extLst>
+              <a:ext uri="{FF2B5EF4-FFF2-40B4-BE49-F238E27FC236}">
+                <a16:creationId xmlns:a16="http://schemas.microsoft.com/office/drawing/2014/main" id="{46E3915B-F18C-4285-9F21-D3A7FF2A5828}"/>
+              </a:ext>
+            </a:extLst>
+          </p:cNvPr>
+          <p:cNvGrpSpPr/>
+          <p:nvPr/>
+        </p:nvGrpSpPr>
+        <p:grpSpPr>
+          <a:xfrm>
+            <a:off x="8110739" y="2876549"/>
+            <a:ext cx="1649348" cy="584775"/>
+            <a:chOff x="8091488" y="553535"/>
+            <a:chExt cx="1649348" cy="584775"/>
+          </a:xfrm>
+        </p:grpSpPr>
+        <p:sp>
+          <p:nvSpPr>
+            <p:cNvPr id="71" name="Rectangle: Rounded Corners 70">
+              <a:extLst>
+                <a:ext uri="{FF2B5EF4-FFF2-40B4-BE49-F238E27FC236}">
+                  <a16:creationId xmlns:a16="http://schemas.microsoft.com/office/drawing/2014/main" id="{48BDE1AB-1262-4089-BB21-841485A1D479}"/>
+                </a:ext>
+              </a:extLst>
+            </p:cNvPr>
+            <p:cNvSpPr/>
+            <p:nvPr/>
+          </p:nvSpPr>
+          <p:spPr>
+            <a:xfrm>
+              <a:off x="8091488" y="602268"/>
+              <a:ext cx="1641746" cy="536042"/>
+            </a:xfrm>
+            <a:prstGeom prst="roundRect">
+              <a:avLst/>
+            </a:prstGeom>
+            <a:solidFill>
+              <a:schemeClr val="accent6">
+                <a:alpha val="50000"/>
+              </a:schemeClr>
+            </a:solidFill>
+            <a:ln>
+              <a:noFill/>
+            </a:ln>
+          </p:spPr>
+          <p:style>
+            <a:lnRef idx="0">
+              <a:scrgbClr r="0" g="0" b="0"/>
+            </a:lnRef>
+            <a:fillRef idx="0">
+              <a:scrgbClr r="0" g="0" b="0"/>
+            </a:fillRef>
+            <a:effectRef idx="0">
+              <a:scrgbClr r="0" g="0" b="0"/>
+            </a:effectRef>
+            <a:fontRef idx="minor">
+              <a:schemeClr val="lt1"/>
+            </a:fontRef>
+          </p:style>
+          <p:txBody>
+            <a:bodyPr rtlCol="0" anchor="ctr"/>
+            <a:lstStyle/>
+            <a:p>
+              <a:pPr algn="ctr"/>
+              <a:endParaRPr lang="en-US"/>
+            </a:p>
+          </p:txBody>
+        </p:sp>
+        <p:sp>
+          <p:nvSpPr>
+            <p:cNvPr id="72" name="TextBox 71">
+              <a:extLst>
+                <a:ext uri="{FF2B5EF4-FFF2-40B4-BE49-F238E27FC236}">
+                  <a16:creationId xmlns:a16="http://schemas.microsoft.com/office/drawing/2014/main" id="{E6F52CF5-C3B6-4E0D-90DA-6A0A40A82A1F}"/>
+                </a:ext>
+              </a:extLst>
+            </p:cNvPr>
+            <p:cNvSpPr txBox="1"/>
+            <p:nvPr/>
+          </p:nvSpPr>
+          <p:spPr>
+            <a:xfrm>
+              <a:off x="8481042" y="553535"/>
+              <a:ext cx="1259794" cy="584775"/>
+            </a:xfrm>
+            <a:prstGeom prst="rect">
+              <a:avLst/>
+            </a:prstGeom>
+            <a:noFill/>
+          </p:spPr>
+          <p:txBody>
+            <a:bodyPr wrap="square">
+              <a:spAutoFit/>
+            </a:bodyPr>
+            <a:lstStyle/>
+            <a:p>
+              <a:pPr algn="ctr"/>
+              <a:r>
+                <a:rPr lang="en-US" sz="3200" b="1" dirty="0">
+                  <a:latin typeface="Raleway" pitchFamily="2" charset="0"/>
+                  <a:ea typeface="Euclid Circular B" panose="020B0504000000000000" pitchFamily="34" charset="0"/>
+                </a:rPr>
+                <a:t>2022</a:t>
+              </a:r>
+              <a:endParaRPr lang="en-US" sz="2800" dirty="0">
+                <a:latin typeface="Raleway" pitchFamily="2" charset="0"/>
+              </a:endParaRPr>
+            </a:p>
+          </p:txBody>
+        </p:sp>
         <p:pic>
           <p:nvPicPr>
-            <p:cNvPr id="90" name="Picture 89">
+            <p:cNvPr id="73" name="Picture 72">
               <a:extLst>
                 <a:ext uri="{FF2B5EF4-FFF2-40B4-BE49-F238E27FC236}">
-                  <a16:creationId xmlns:a16="http://schemas.microsoft.com/office/drawing/2014/main" id="{32139785-265B-078F-BBBC-ECBB7D73E4AC}"/>
+                  <a16:creationId xmlns:a16="http://schemas.microsoft.com/office/drawing/2014/main" id="{F0C0E960-9464-4E2A-B1FE-2CC56E2ACFF3}"/>
                 </a:ext>
               </a:extLst>
             </p:cNvPr>
@@ -18361,27 +19247,149 @@
             </p:cNvPicPr>
             <p:nvPr/>
           </p:nvPicPr>
-          <p:blipFill rotWithShape="1">
-            <a:blip r:embed="rId7"/>
-            <a:srcRect r="2089"/>
-            <a:stretch/>
+          <p:blipFill>
+            <a:blip r:embed="rId12">
+              <a:extLst>
+                <a:ext uri="{28A0092B-C50C-407E-A947-70E740481C1C}">
+                  <a14:useLocalDpi xmlns:a14="http://schemas.microsoft.com/office/drawing/2010/main" val="0"/>
+                </a:ext>
+              </a:extLst>
+            </a:blip>
+            <a:stretch>
+              <a:fillRect/>
+            </a:stretch>
           </p:blipFill>
           <p:spPr>
             <a:xfrm>
-              <a:off x="5667394" y="2611866"/>
-              <a:ext cx="6042936" cy="1008000"/>
+              <a:off x="8125243" y="656956"/>
+              <a:ext cx="450187" cy="450187"/>
             </a:xfrm>
             <a:prstGeom prst="rect">
               <a:avLst/>
             </a:prstGeom>
           </p:spPr>
         </p:pic>
+      </p:grpSp>
+      <p:grpSp>
+        <p:nvGrpSpPr>
+          <p:cNvPr id="74" name="Group 73">
+            <a:extLst>
+              <a:ext uri="{FF2B5EF4-FFF2-40B4-BE49-F238E27FC236}">
+                <a16:creationId xmlns:a16="http://schemas.microsoft.com/office/drawing/2014/main" id="{5CF4F40B-432B-47EA-8F9A-B8F48E79F087}"/>
+              </a:ext>
+            </a:extLst>
+          </p:cNvPr>
+          <p:cNvGrpSpPr/>
+          <p:nvPr/>
+        </p:nvGrpSpPr>
+        <p:grpSpPr>
+          <a:xfrm>
+            <a:off x="8110739" y="3648295"/>
+            <a:ext cx="1649348" cy="584775"/>
+            <a:chOff x="8091488" y="553535"/>
+            <a:chExt cx="1649348" cy="584775"/>
+          </a:xfrm>
+        </p:grpSpPr>
+        <p:sp>
+          <p:nvSpPr>
+            <p:cNvPr id="75" name="Rectangle: Rounded Corners 74">
+              <a:extLst>
+                <a:ext uri="{FF2B5EF4-FFF2-40B4-BE49-F238E27FC236}">
+                  <a16:creationId xmlns:a16="http://schemas.microsoft.com/office/drawing/2014/main" id="{FACFCC82-F888-4925-9631-66525A3A57DE}"/>
+                </a:ext>
+              </a:extLst>
+            </p:cNvPr>
+            <p:cNvSpPr/>
+            <p:nvPr/>
+          </p:nvSpPr>
+          <p:spPr>
+            <a:xfrm>
+              <a:off x="8091488" y="602268"/>
+              <a:ext cx="1641746" cy="536042"/>
+            </a:xfrm>
+            <a:prstGeom prst="roundRect">
+              <a:avLst/>
+            </a:prstGeom>
+            <a:solidFill>
+              <a:schemeClr val="accent6">
+                <a:alpha val="50000"/>
+              </a:schemeClr>
+            </a:solidFill>
+            <a:ln>
+              <a:noFill/>
+            </a:ln>
+          </p:spPr>
+          <p:style>
+            <a:lnRef idx="0">
+              <a:scrgbClr r="0" g="0" b="0"/>
+            </a:lnRef>
+            <a:fillRef idx="0">
+              <a:scrgbClr r="0" g="0" b="0"/>
+            </a:fillRef>
+            <a:effectRef idx="0">
+              <a:scrgbClr r="0" g="0" b="0"/>
+            </a:effectRef>
+            <a:fontRef idx="minor">
+              <a:schemeClr val="lt1"/>
+            </a:fontRef>
+          </p:style>
+          <p:txBody>
+            <a:bodyPr rtlCol="0" anchor="ctr"/>
+            <a:lstStyle/>
+            <a:p>
+              <a:pPr algn="ctr"/>
+              <a:endParaRPr lang="en-US"/>
+            </a:p>
+          </p:txBody>
+        </p:sp>
+        <p:sp>
+          <p:nvSpPr>
+            <p:cNvPr id="76" name="TextBox 75">
+              <a:extLst>
+                <a:ext uri="{FF2B5EF4-FFF2-40B4-BE49-F238E27FC236}">
+                  <a16:creationId xmlns:a16="http://schemas.microsoft.com/office/drawing/2014/main" id="{3E20AE83-87F1-4EC8-91AA-9FA7024CDC54}"/>
+                </a:ext>
+              </a:extLst>
+            </p:cNvPr>
+            <p:cNvSpPr txBox="1"/>
+            <p:nvPr/>
+          </p:nvSpPr>
+          <p:spPr>
+            <a:xfrm>
+              <a:off x="8481042" y="553535"/>
+              <a:ext cx="1259794" cy="584775"/>
+            </a:xfrm>
+            <a:prstGeom prst="rect">
+              <a:avLst/>
+            </a:prstGeom>
+            <a:noFill/>
+          </p:spPr>
+          <p:txBody>
+            <a:bodyPr wrap="square">
+              <a:spAutoFit/>
+            </a:bodyPr>
+            <a:lstStyle/>
+            <a:p>
+              <a:pPr algn="ctr"/>
+              <a:r>
+                <a:rPr lang="en-US" sz="3200" b="1" dirty="0">
+                  <a:latin typeface="Raleway" pitchFamily="2" charset="0"/>
+                  <a:ea typeface="Euclid Circular B" panose="020B0504000000000000" pitchFamily="34" charset="0"/>
+                </a:rPr>
+                <a:t>2021</a:t>
+              </a:r>
+              <a:endParaRPr lang="en-US" sz="2800" dirty="0">
+                <a:latin typeface="Raleway" pitchFamily="2" charset="0"/>
+              </a:endParaRPr>
+            </a:p>
+          </p:txBody>
+        </p:sp>
         <p:pic>
           <p:nvPicPr>
-            <p:cNvPr id="91" name="Picture 90">
+            <p:cNvPr id="77" name="Picture 76">
               <a:extLst>
                 <a:ext uri="{FF2B5EF4-FFF2-40B4-BE49-F238E27FC236}">
-                  <a16:creationId xmlns:a16="http://schemas.microsoft.com/office/drawing/2014/main" id="{E5E257A8-FEFB-5085-3EFE-18D0BAEF924C}"/>
+                  <a16:creationId xmlns:a16="http://schemas.microsoft.com/office/drawing/2014/main" id="{31F65BCA-4BCD-4ED1-9146-24C20AE2D3C4}"/>
                 </a:ext>
               </a:extLst>
             </p:cNvPr>
@@ -18390,27 +19398,149 @@
             </p:cNvPicPr>
             <p:nvPr/>
           </p:nvPicPr>
-          <p:blipFill rotWithShape="1">
-            <a:blip r:embed="rId8"/>
-            <a:srcRect r="2011"/>
-            <a:stretch/>
+          <p:blipFill>
+            <a:blip r:embed="rId12">
+              <a:extLst>
+                <a:ext uri="{28A0092B-C50C-407E-A947-70E740481C1C}">
+                  <a14:useLocalDpi xmlns:a14="http://schemas.microsoft.com/office/drawing/2010/main" val="0"/>
+                </a:ext>
+              </a:extLst>
+            </a:blip>
+            <a:stretch>
+              <a:fillRect/>
+            </a:stretch>
           </p:blipFill>
           <p:spPr>
             <a:xfrm>
-              <a:off x="5701562" y="1847877"/>
-              <a:ext cx="6042936" cy="1008000"/>
+              <a:off x="8125243" y="656956"/>
+              <a:ext cx="450187" cy="450187"/>
             </a:xfrm>
             <a:prstGeom prst="rect">
               <a:avLst/>
             </a:prstGeom>
           </p:spPr>
         </p:pic>
+      </p:grpSp>
+      <p:grpSp>
+        <p:nvGrpSpPr>
+          <p:cNvPr id="78" name="Group 77">
+            <a:extLst>
+              <a:ext uri="{FF2B5EF4-FFF2-40B4-BE49-F238E27FC236}">
+                <a16:creationId xmlns:a16="http://schemas.microsoft.com/office/drawing/2014/main" id="{420CCD8C-D9D5-4131-BFE8-1776D363E041}"/>
+              </a:ext>
+            </a:extLst>
+          </p:cNvPr>
+          <p:cNvGrpSpPr/>
+          <p:nvPr/>
+        </p:nvGrpSpPr>
+        <p:grpSpPr>
+          <a:xfrm>
+            <a:off x="8110739" y="4396335"/>
+            <a:ext cx="1649348" cy="584775"/>
+            <a:chOff x="8091488" y="553535"/>
+            <a:chExt cx="1649348" cy="584775"/>
+          </a:xfrm>
+        </p:grpSpPr>
+        <p:sp>
+          <p:nvSpPr>
+            <p:cNvPr id="79" name="Rectangle: Rounded Corners 78">
+              <a:extLst>
+                <a:ext uri="{FF2B5EF4-FFF2-40B4-BE49-F238E27FC236}">
+                  <a16:creationId xmlns:a16="http://schemas.microsoft.com/office/drawing/2014/main" id="{271D3AB4-DB14-4A39-AE4A-73EEEBA4C9AB}"/>
+                </a:ext>
+              </a:extLst>
+            </p:cNvPr>
+            <p:cNvSpPr/>
+            <p:nvPr/>
+          </p:nvSpPr>
+          <p:spPr>
+            <a:xfrm>
+              <a:off x="8091488" y="602268"/>
+              <a:ext cx="1641746" cy="536042"/>
+            </a:xfrm>
+            <a:prstGeom prst="roundRect">
+              <a:avLst/>
+            </a:prstGeom>
+            <a:solidFill>
+              <a:schemeClr val="accent6">
+                <a:alpha val="50000"/>
+              </a:schemeClr>
+            </a:solidFill>
+            <a:ln>
+              <a:noFill/>
+            </a:ln>
+          </p:spPr>
+          <p:style>
+            <a:lnRef idx="0">
+              <a:scrgbClr r="0" g="0" b="0"/>
+            </a:lnRef>
+            <a:fillRef idx="0">
+              <a:scrgbClr r="0" g="0" b="0"/>
+            </a:fillRef>
+            <a:effectRef idx="0">
+              <a:scrgbClr r="0" g="0" b="0"/>
+            </a:effectRef>
+            <a:fontRef idx="minor">
+              <a:schemeClr val="lt1"/>
+            </a:fontRef>
+          </p:style>
+          <p:txBody>
+            <a:bodyPr rtlCol="0" anchor="ctr"/>
+            <a:lstStyle/>
+            <a:p>
+              <a:pPr algn="ctr"/>
+              <a:endParaRPr lang="en-US"/>
+            </a:p>
+          </p:txBody>
+        </p:sp>
+        <p:sp>
+          <p:nvSpPr>
+            <p:cNvPr id="80" name="TextBox 79">
+              <a:extLst>
+                <a:ext uri="{FF2B5EF4-FFF2-40B4-BE49-F238E27FC236}">
+                  <a16:creationId xmlns:a16="http://schemas.microsoft.com/office/drawing/2014/main" id="{0C5BCEB1-CBA8-49D1-A231-6733DA9F3328}"/>
+                </a:ext>
+              </a:extLst>
+            </p:cNvPr>
+            <p:cNvSpPr txBox="1"/>
+            <p:nvPr/>
+          </p:nvSpPr>
+          <p:spPr>
+            <a:xfrm>
+              <a:off x="8481042" y="553535"/>
+              <a:ext cx="1259794" cy="584775"/>
+            </a:xfrm>
+            <a:prstGeom prst="rect">
+              <a:avLst/>
+            </a:prstGeom>
+            <a:noFill/>
+          </p:spPr>
+          <p:txBody>
+            <a:bodyPr wrap="square">
+              <a:spAutoFit/>
+            </a:bodyPr>
+            <a:lstStyle/>
+            <a:p>
+              <a:pPr algn="ctr"/>
+              <a:r>
+                <a:rPr lang="en-US" sz="3200" b="1" dirty="0">
+                  <a:latin typeface="Raleway" pitchFamily="2" charset="0"/>
+                  <a:ea typeface="Euclid Circular B" panose="020B0504000000000000" pitchFamily="34" charset="0"/>
+                </a:rPr>
+                <a:t>2020</a:t>
+              </a:r>
+              <a:endParaRPr lang="en-US" sz="2800" dirty="0">
+                <a:latin typeface="Raleway" pitchFamily="2" charset="0"/>
+              </a:endParaRPr>
+            </a:p>
+          </p:txBody>
+        </p:sp>
         <p:pic>
           <p:nvPicPr>
-            <p:cNvPr id="92" name="Picture 91">
+            <p:cNvPr id="81" name="Picture 80">
               <a:extLst>
                 <a:ext uri="{FF2B5EF4-FFF2-40B4-BE49-F238E27FC236}">
-                  <a16:creationId xmlns:a16="http://schemas.microsoft.com/office/drawing/2014/main" id="{C1EB6D04-4470-90A6-C2CE-2B469FD2739B}"/>
+                  <a16:creationId xmlns:a16="http://schemas.microsoft.com/office/drawing/2014/main" id="{7DEF61EF-665C-406D-A17D-A119CBCD41EC}"/>
                 </a:ext>
               </a:extLst>
             </p:cNvPr>
@@ -18419,27 +19549,149 @@
             </p:cNvPicPr>
             <p:nvPr/>
           </p:nvPicPr>
-          <p:blipFill rotWithShape="1">
-            <a:blip r:embed="rId9"/>
-            <a:srcRect t="19278" r="2156"/>
-            <a:stretch/>
+          <p:blipFill>
+            <a:blip r:embed="rId12">
+              <a:extLst>
+                <a:ext uri="{28A0092B-C50C-407E-A947-70E740481C1C}">
+                  <a14:useLocalDpi xmlns:a14="http://schemas.microsoft.com/office/drawing/2010/main" val="0"/>
+                </a:ext>
+              </a:extLst>
+            </a:blip>
+            <a:stretch>
+              <a:fillRect/>
+            </a:stretch>
           </p:blipFill>
           <p:spPr>
             <a:xfrm>
-              <a:off x="5701924" y="1218360"/>
-              <a:ext cx="5939256" cy="813684"/>
+              <a:off x="8125243" y="656956"/>
+              <a:ext cx="450187" cy="450187"/>
             </a:xfrm>
             <a:prstGeom prst="rect">
               <a:avLst/>
             </a:prstGeom>
           </p:spPr>
         </p:pic>
+      </p:grpSp>
+      <p:grpSp>
+        <p:nvGrpSpPr>
+          <p:cNvPr id="113" name="Group 112">
+            <a:extLst>
+              <a:ext uri="{FF2B5EF4-FFF2-40B4-BE49-F238E27FC236}">
+                <a16:creationId xmlns:a16="http://schemas.microsoft.com/office/drawing/2014/main" id="{74D395E5-78B0-4FED-9A72-BE29344E40B7}"/>
+              </a:ext>
+            </a:extLst>
+          </p:cNvPr>
+          <p:cNvGrpSpPr/>
+          <p:nvPr/>
+        </p:nvGrpSpPr>
+        <p:grpSpPr>
+          <a:xfrm>
+            <a:off x="8110739" y="5209388"/>
+            <a:ext cx="1649348" cy="584775"/>
+            <a:chOff x="8091488" y="553535"/>
+            <a:chExt cx="1649348" cy="584775"/>
+          </a:xfrm>
+        </p:grpSpPr>
+        <p:sp>
+          <p:nvSpPr>
+            <p:cNvPr id="114" name="Rectangle: Rounded Corners 113">
+              <a:extLst>
+                <a:ext uri="{FF2B5EF4-FFF2-40B4-BE49-F238E27FC236}">
+                  <a16:creationId xmlns:a16="http://schemas.microsoft.com/office/drawing/2014/main" id="{D9A43418-8934-4392-91E0-9431B2CC7D0F}"/>
+                </a:ext>
+              </a:extLst>
+            </p:cNvPr>
+            <p:cNvSpPr/>
+            <p:nvPr/>
+          </p:nvSpPr>
+          <p:spPr>
+            <a:xfrm>
+              <a:off x="8091488" y="602268"/>
+              <a:ext cx="1641746" cy="536042"/>
+            </a:xfrm>
+            <a:prstGeom prst="roundRect">
+              <a:avLst/>
+            </a:prstGeom>
+            <a:solidFill>
+              <a:schemeClr val="accent6">
+                <a:alpha val="50000"/>
+              </a:schemeClr>
+            </a:solidFill>
+            <a:ln>
+              <a:noFill/>
+            </a:ln>
+          </p:spPr>
+          <p:style>
+            <a:lnRef idx="0">
+              <a:scrgbClr r="0" g="0" b="0"/>
+            </a:lnRef>
+            <a:fillRef idx="0">
+              <a:scrgbClr r="0" g="0" b="0"/>
+            </a:fillRef>
+            <a:effectRef idx="0">
+              <a:scrgbClr r="0" g="0" b="0"/>
+            </a:effectRef>
+            <a:fontRef idx="minor">
+              <a:schemeClr val="lt1"/>
+            </a:fontRef>
+          </p:style>
+          <p:txBody>
+            <a:bodyPr rtlCol="0" anchor="ctr"/>
+            <a:lstStyle/>
+            <a:p>
+              <a:pPr algn="ctr"/>
+              <a:endParaRPr lang="en-US"/>
+            </a:p>
+          </p:txBody>
+        </p:sp>
+        <p:sp>
+          <p:nvSpPr>
+            <p:cNvPr id="115" name="TextBox 114">
+              <a:extLst>
+                <a:ext uri="{FF2B5EF4-FFF2-40B4-BE49-F238E27FC236}">
+                  <a16:creationId xmlns:a16="http://schemas.microsoft.com/office/drawing/2014/main" id="{B80C556F-489B-46EB-A21C-A0A564040DCE}"/>
+                </a:ext>
+              </a:extLst>
+            </p:cNvPr>
+            <p:cNvSpPr txBox="1"/>
+            <p:nvPr/>
+          </p:nvSpPr>
+          <p:spPr>
+            <a:xfrm>
+              <a:off x="8481042" y="553535"/>
+              <a:ext cx="1259794" cy="584775"/>
+            </a:xfrm>
+            <a:prstGeom prst="rect">
+              <a:avLst/>
+            </a:prstGeom>
+            <a:noFill/>
+          </p:spPr>
+          <p:txBody>
+            <a:bodyPr wrap="square">
+              <a:spAutoFit/>
+            </a:bodyPr>
+            <a:lstStyle/>
+            <a:p>
+              <a:pPr algn="ctr"/>
+              <a:r>
+                <a:rPr lang="en-US" sz="3200" b="1" dirty="0">
+                  <a:latin typeface="Raleway" pitchFamily="2" charset="0"/>
+                  <a:ea typeface="Euclid Circular B" panose="020B0504000000000000" pitchFamily="34" charset="0"/>
+                </a:rPr>
+                <a:t>2019</a:t>
+              </a:r>
+              <a:endParaRPr lang="en-US" sz="2800" dirty="0">
+                <a:latin typeface="Raleway" pitchFamily="2" charset="0"/>
+              </a:endParaRPr>
+            </a:p>
+          </p:txBody>
+        </p:sp>
         <p:pic>
           <p:nvPicPr>
-            <p:cNvPr id="93" name="Picture 92">
+            <p:cNvPr id="116" name="Picture 115">
               <a:extLst>
                 <a:ext uri="{FF2B5EF4-FFF2-40B4-BE49-F238E27FC236}">
-                  <a16:creationId xmlns:a16="http://schemas.microsoft.com/office/drawing/2014/main" id="{83359FAF-2A16-E205-A650-212F79493F9F}"/>
+                  <a16:creationId xmlns:a16="http://schemas.microsoft.com/office/drawing/2014/main" id="{7930064B-0D63-4AAE-83E1-A1E1990B11AA}"/>
                 </a:ext>
               </a:extLst>
             </p:cNvPr>
@@ -18448,824 +19700,179 @@
             </p:cNvPicPr>
             <p:nvPr/>
           </p:nvPicPr>
-          <p:blipFill rotWithShape="1">
-            <a:blip r:embed="rId10"/>
-            <a:srcRect b="20499"/>
-            <a:stretch/>
+          <p:blipFill>
+            <a:blip r:embed="rId12">
+              <a:extLst>
+                <a:ext uri="{28A0092B-C50C-407E-A947-70E740481C1C}">
+                  <a14:useLocalDpi xmlns:a14="http://schemas.microsoft.com/office/drawing/2010/main" val="0"/>
+                </a:ext>
+              </a:extLst>
+            </a:blip>
+            <a:stretch>
+              <a:fillRect/>
+            </a:stretch>
           </p:blipFill>
           <p:spPr>
             <a:xfrm>
-              <a:off x="5770285" y="202722"/>
-              <a:ext cx="6042936" cy="1010387"/>
+              <a:off x="8125243" y="656956"/>
+              <a:ext cx="450187" cy="450187"/>
             </a:xfrm>
             <a:prstGeom prst="rect">
               <a:avLst/>
             </a:prstGeom>
           </p:spPr>
         </p:pic>
-        <p:grpSp>
-          <p:nvGrpSpPr>
-            <p:cNvPr id="94" name="Group 93">
+      </p:grpSp>
+      <p:grpSp>
+        <p:nvGrpSpPr>
+          <p:cNvPr id="117" name="Group 116">
+            <a:extLst>
+              <a:ext uri="{FF2B5EF4-FFF2-40B4-BE49-F238E27FC236}">
+                <a16:creationId xmlns:a16="http://schemas.microsoft.com/office/drawing/2014/main" id="{78F89CD5-B613-4171-9A7E-E1A020C777E2}"/>
+              </a:ext>
+            </a:extLst>
+          </p:cNvPr>
+          <p:cNvGrpSpPr/>
+          <p:nvPr/>
+        </p:nvGrpSpPr>
+        <p:grpSpPr>
+          <a:xfrm>
+            <a:off x="8110739" y="5921423"/>
+            <a:ext cx="1649348" cy="584775"/>
+            <a:chOff x="8091488" y="553535"/>
+            <a:chExt cx="1649348" cy="584775"/>
+          </a:xfrm>
+        </p:grpSpPr>
+        <p:sp>
+          <p:nvSpPr>
+            <p:cNvPr id="118" name="Rectangle: Rounded Corners 117">
               <a:extLst>
                 <a:ext uri="{FF2B5EF4-FFF2-40B4-BE49-F238E27FC236}">
-                  <a16:creationId xmlns:a16="http://schemas.microsoft.com/office/drawing/2014/main" id="{110C9E93-76FE-2938-10A7-CC152C8B203E}"/>
+                  <a16:creationId xmlns:a16="http://schemas.microsoft.com/office/drawing/2014/main" id="{1DFAE98A-F963-4982-B484-8F9ADE43B054}"/>
                 </a:ext>
               </a:extLst>
             </p:cNvPr>
-            <p:cNvGrpSpPr/>
+            <p:cNvSpPr/>
             <p:nvPr/>
-          </p:nvGrpSpPr>
-          <p:grpSpPr>
+          </p:nvSpPr>
+          <p:spPr>
             <a:xfrm>
-              <a:off x="5780631" y="407222"/>
-              <a:ext cx="6032590" cy="6220783"/>
-              <a:chOff x="6216847" y="392962"/>
-              <a:chExt cx="6032590" cy="6220783"/>
+              <a:off x="8091488" y="602268"/>
+              <a:ext cx="1641746" cy="536042"/>
             </a:xfrm>
-          </p:grpSpPr>
-          <p:pic>
-            <p:nvPicPr>
-              <p:cNvPr id="95" name="Picture 94">
-                <a:extLst>
-                  <a:ext uri="{FF2B5EF4-FFF2-40B4-BE49-F238E27FC236}">
-                    <a16:creationId xmlns:a16="http://schemas.microsoft.com/office/drawing/2014/main" id="{E43ADB0F-11E9-C98C-D252-96BEC5343925}"/>
-                  </a:ext>
-                </a:extLst>
-              </p:cNvPr>
-              <p:cNvPicPr>
-                <a:picLocks noChangeAspect="1"/>
-              </p:cNvPicPr>
-              <p:nvPr/>
-            </p:nvPicPr>
-            <p:blipFill>
-              <a:blip r:embed="rId11"/>
-              <a:stretch>
-                <a:fillRect/>
-              </a:stretch>
-            </p:blipFill>
-            <p:spPr>
-              <a:xfrm>
-                <a:off x="6216847" y="5018286"/>
-                <a:ext cx="5932957" cy="1008000"/>
-              </a:xfrm>
-              <a:prstGeom prst="rect">
-                <a:avLst/>
-              </a:prstGeom>
-            </p:spPr>
-          </p:pic>
-          <p:sp>
-            <p:nvSpPr>
-              <p:cNvPr id="96" name="Rectangle: Rounded Corners 95">
-                <a:extLst>
-                  <a:ext uri="{FF2B5EF4-FFF2-40B4-BE49-F238E27FC236}">
-                    <a16:creationId xmlns:a16="http://schemas.microsoft.com/office/drawing/2014/main" id="{A3CBEC0F-66D5-B98B-4124-EC6AC31B8127}"/>
-                  </a:ext>
-                </a:extLst>
-              </p:cNvPr>
-              <p:cNvSpPr/>
-              <p:nvPr/>
-            </p:nvSpPr>
-            <p:spPr>
-              <a:xfrm>
-                <a:off x="8663332" y="447296"/>
-                <a:ext cx="1450427" cy="553244"/>
-              </a:xfrm>
-              <a:prstGeom prst="roundRect">
-                <a:avLst/>
-              </a:prstGeom>
-              <a:solidFill>
-                <a:schemeClr val="accent6">
-                  <a:alpha val="50000"/>
-                </a:schemeClr>
-              </a:solidFill>
-              <a:ln>
-                <a:noFill/>
-              </a:ln>
-            </p:spPr>
-            <p:style>
-              <a:lnRef idx="0">
-                <a:scrgbClr r="0" g="0" b="0"/>
-              </a:lnRef>
-              <a:fillRef idx="0">
-                <a:scrgbClr r="0" g="0" b="0"/>
-              </a:fillRef>
-              <a:effectRef idx="0">
-                <a:scrgbClr r="0" g="0" b="0"/>
-              </a:effectRef>
-              <a:fontRef idx="minor">
-                <a:schemeClr val="lt1"/>
-              </a:fontRef>
-            </p:style>
-            <p:txBody>
-              <a:bodyPr rtlCol="0" anchor="ctr"/>
-              <a:lstStyle/>
-              <a:p>
-                <a:pPr algn="ctr"/>
-                <a:endParaRPr lang="en-US"/>
-              </a:p>
-            </p:txBody>
-          </p:sp>
-          <p:sp>
-            <p:nvSpPr>
-              <p:cNvPr id="97" name="Rectangle: Rounded Corners 96">
-                <a:extLst>
-                  <a:ext uri="{FF2B5EF4-FFF2-40B4-BE49-F238E27FC236}">
-                    <a16:creationId xmlns:a16="http://schemas.microsoft.com/office/drawing/2014/main" id="{9FF0B72E-FCA9-1421-0E5E-618A6C6F177A}"/>
-                  </a:ext>
-                </a:extLst>
-              </p:cNvPr>
-              <p:cNvSpPr/>
-              <p:nvPr/>
-            </p:nvSpPr>
-            <p:spPr>
-              <a:xfrm>
-                <a:off x="8647350" y="1280278"/>
-                <a:ext cx="1450427" cy="553244"/>
-              </a:xfrm>
-              <a:prstGeom prst="roundRect">
-                <a:avLst/>
-              </a:prstGeom>
-              <a:solidFill>
-                <a:schemeClr val="accent6">
-                  <a:alpha val="50000"/>
-                </a:schemeClr>
-              </a:solidFill>
-              <a:ln>
-                <a:noFill/>
-              </a:ln>
-            </p:spPr>
-            <p:style>
-              <a:lnRef idx="0">
-                <a:scrgbClr r="0" g="0" b="0"/>
-              </a:lnRef>
-              <a:fillRef idx="0">
-                <a:scrgbClr r="0" g="0" b="0"/>
-              </a:fillRef>
-              <a:effectRef idx="0">
-                <a:scrgbClr r="0" g="0" b="0"/>
-              </a:effectRef>
-              <a:fontRef idx="minor">
-                <a:schemeClr val="lt1"/>
-              </a:fontRef>
-            </p:style>
-            <p:txBody>
-              <a:bodyPr rtlCol="0" anchor="ctr"/>
-              <a:lstStyle/>
-              <a:p>
-                <a:pPr algn="ctr"/>
-                <a:endParaRPr lang="en-US"/>
-              </a:p>
-            </p:txBody>
-          </p:sp>
-          <p:sp>
-            <p:nvSpPr>
-              <p:cNvPr id="98" name="Rectangle: Rounded Corners 97">
-                <a:extLst>
-                  <a:ext uri="{FF2B5EF4-FFF2-40B4-BE49-F238E27FC236}">
-                    <a16:creationId xmlns:a16="http://schemas.microsoft.com/office/drawing/2014/main" id="{92A0E8FE-F722-8FEB-098F-191148974C61}"/>
-                  </a:ext>
-                </a:extLst>
-              </p:cNvPr>
-              <p:cNvSpPr/>
-              <p:nvPr/>
-            </p:nvSpPr>
-            <p:spPr>
-              <a:xfrm>
-                <a:off x="8647350" y="2131896"/>
-                <a:ext cx="1450427" cy="553244"/>
-              </a:xfrm>
-              <a:prstGeom prst="roundRect">
-                <a:avLst/>
-              </a:prstGeom>
-              <a:solidFill>
-                <a:schemeClr val="accent6">
-                  <a:alpha val="50000"/>
-                </a:schemeClr>
-              </a:solidFill>
-              <a:ln>
-                <a:noFill/>
-              </a:ln>
-            </p:spPr>
-            <p:style>
-              <a:lnRef idx="0">
-                <a:scrgbClr r="0" g="0" b="0"/>
-              </a:lnRef>
-              <a:fillRef idx="0">
-                <a:scrgbClr r="0" g="0" b="0"/>
-              </a:fillRef>
-              <a:effectRef idx="0">
-                <a:scrgbClr r="0" g="0" b="0"/>
-              </a:effectRef>
-              <a:fontRef idx="minor">
-                <a:schemeClr val="lt1"/>
-              </a:fontRef>
-            </p:style>
-            <p:txBody>
-              <a:bodyPr rtlCol="0" anchor="ctr"/>
-              <a:lstStyle/>
-              <a:p>
-                <a:pPr algn="ctr"/>
-                <a:endParaRPr lang="en-US"/>
-              </a:p>
-            </p:txBody>
-          </p:sp>
-          <p:sp>
-            <p:nvSpPr>
-              <p:cNvPr id="99" name="Rectangle: Rounded Corners 98">
-                <a:extLst>
-                  <a:ext uri="{FF2B5EF4-FFF2-40B4-BE49-F238E27FC236}">
-                    <a16:creationId xmlns:a16="http://schemas.microsoft.com/office/drawing/2014/main" id="{663BE300-7698-5484-3293-3586A83E1925}"/>
-                  </a:ext>
-                </a:extLst>
-              </p:cNvPr>
-              <p:cNvSpPr/>
-              <p:nvPr/>
-            </p:nvSpPr>
-            <p:spPr>
-              <a:xfrm>
-                <a:off x="8647350" y="2917984"/>
-                <a:ext cx="1450427" cy="553244"/>
-              </a:xfrm>
-              <a:prstGeom prst="roundRect">
-                <a:avLst/>
-              </a:prstGeom>
-              <a:solidFill>
-                <a:schemeClr val="accent6">
-                  <a:alpha val="50000"/>
-                </a:schemeClr>
-              </a:solidFill>
-              <a:ln>
-                <a:noFill/>
-              </a:ln>
-            </p:spPr>
-            <p:style>
-              <a:lnRef idx="0">
-                <a:scrgbClr r="0" g="0" b="0"/>
-              </a:lnRef>
-              <a:fillRef idx="0">
-                <a:scrgbClr r="0" g="0" b="0"/>
-              </a:fillRef>
-              <a:effectRef idx="0">
-                <a:scrgbClr r="0" g="0" b="0"/>
-              </a:effectRef>
-              <a:fontRef idx="minor">
-                <a:schemeClr val="lt1"/>
-              </a:fontRef>
-            </p:style>
-            <p:txBody>
-              <a:bodyPr rtlCol="0" anchor="ctr"/>
-              <a:lstStyle/>
-              <a:p>
-                <a:pPr algn="ctr"/>
-                <a:endParaRPr lang="en-US"/>
-              </a:p>
-            </p:txBody>
-          </p:sp>
-          <p:sp>
-            <p:nvSpPr>
-              <p:cNvPr id="100" name="Rectangle: Rounded Corners 99">
-                <a:extLst>
-                  <a:ext uri="{FF2B5EF4-FFF2-40B4-BE49-F238E27FC236}">
-                    <a16:creationId xmlns:a16="http://schemas.microsoft.com/office/drawing/2014/main" id="{BD910CBF-7474-D593-B40F-7F903CD2323C}"/>
-                  </a:ext>
-                </a:extLst>
-              </p:cNvPr>
-              <p:cNvSpPr/>
-              <p:nvPr/>
-            </p:nvSpPr>
-            <p:spPr>
-              <a:xfrm>
-                <a:off x="8647349" y="3668089"/>
-                <a:ext cx="1450427" cy="553244"/>
-              </a:xfrm>
-              <a:prstGeom prst="roundRect">
-                <a:avLst/>
-              </a:prstGeom>
-              <a:solidFill>
-                <a:schemeClr val="accent6">
-                  <a:alpha val="50000"/>
-                </a:schemeClr>
-              </a:solidFill>
-              <a:ln>
-                <a:noFill/>
-              </a:ln>
-            </p:spPr>
-            <p:style>
-              <a:lnRef idx="0">
-                <a:scrgbClr r="0" g="0" b="0"/>
-              </a:lnRef>
-              <a:fillRef idx="0">
-                <a:scrgbClr r="0" g="0" b="0"/>
-              </a:fillRef>
-              <a:effectRef idx="0">
-                <a:scrgbClr r="0" g="0" b="0"/>
-              </a:effectRef>
-              <a:fontRef idx="minor">
-                <a:schemeClr val="lt1"/>
-              </a:fontRef>
-            </p:style>
-            <p:txBody>
-              <a:bodyPr rtlCol="0" anchor="ctr"/>
-              <a:lstStyle/>
-              <a:p>
-                <a:pPr algn="ctr"/>
-                <a:endParaRPr lang="en-US"/>
-              </a:p>
-            </p:txBody>
-          </p:sp>
-          <p:sp>
-            <p:nvSpPr>
-              <p:cNvPr id="101" name="Rectangle: Rounded Corners 100">
-                <a:extLst>
-                  <a:ext uri="{FF2B5EF4-FFF2-40B4-BE49-F238E27FC236}">
-                    <a16:creationId xmlns:a16="http://schemas.microsoft.com/office/drawing/2014/main" id="{E077AB8E-97CD-5CD8-B9E0-068DC9B9DA76}"/>
-                  </a:ext>
-                </a:extLst>
-              </p:cNvPr>
-              <p:cNvSpPr/>
-              <p:nvPr/>
-            </p:nvSpPr>
-            <p:spPr>
-              <a:xfrm>
-                <a:off x="8647349" y="4482645"/>
-                <a:ext cx="1450427" cy="553244"/>
-              </a:xfrm>
-              <a:prstGeom prst="roundRect">
-                <a:avLst/>
-              </a:prstGeom>
-              <a:solidFill>
-                <a:schemeClr val="accent6">
-                  <a:alpha val="50000"/>
-                </a:schemeClr>
-              </a:solidFill>
-              <a:ln>
-                <a:noFill/>
-              </a:ln>
-            </p:spPr>
-            <p:style>
-              <a:lnRef idx="0">
-                <a:scrgbClr r="0" g="0" b="0"/>
-              </a:lnRef>
-              <a:fillRef idx="0">
-                <a:scrgbClr r="0" g="0" b="0"/>
-              </a:fillRef>
-              <a:effectRef idx="0">
-                <a:scrgbClr r="0" g="0" b="0"/>
-              </a:effectRef>
-              <a:fontRef idx="minor">
-                <a:schemeClr val="lt1"/>
-              </a:fontRef>
-            </p:style>
-            <p:txBody>
-              <a:bodyPr rtlCol="0" anchor="ctr"/>
-              <a:lstStyle/>
-              <a:p>
-                <a:pPr algn="ctr"/>
-                <a:endParaRPr lang="en-US"/>
-              </a:p>
-            </p:txBody>
-          </p:sp>
-          <p:sp>
-            <p:nvSpPr>
-              <p:cNvPr id="102" name="Rectangle: Rounded Corners 101">
-                <a:extLst>
-                  <a:ext uri="{FF2B5EF4-FFF2-40B4-BE49-F238E27FC236}">
-                    <a16:creationId xmlns:a16="http://schemas.microsoft.com/office/drawing/2014/main" id="{0D2607F9-8592-602E-DA11-802E9E5B87A3}"/>
-                  </a:ext>
-                </a:extLst>
-              </p:cNvPr>
-              <p:cNvSpPr/>
-              <p:nvPr/>
-            </p:nvSpPr>
-            <p:spPr>
-              <a:xfrm>
-                <a:off x="8647348" y="5339922"/>
-                <a:ext cx="1450427" cy="553244"/>
-              </a:xfrm>
-              <a:prstGeom prst="roundRect">
-                <a:avLst/>
-              </a:prstGeom>
-              <a:solidFill>
-                <a:schemeClr val="accent6">
-                  <a:alpha val="50000"/>
-                </a:schemeClr>
-              </a:solidFill>
-              <a:ln>
-                <a:noFill/>
-              </a:ln>
-            </p:spPr>
-            <p:style>
-              <a:lnRef idx="0">
-                <a:scrgbClr r="0" g="0" b="0"/>
-              </a:lnRef>
-              <a:fillRef idx="0">
-                <a:scrgbClr r="0" g="0" b="0"/>
-              </a:fillRef>
-              <a:effectRef idx="0">
-                <a:scrgbClr r="0" g="0" b="0"/>
-              </a:effectRef>
-              <a:fontRef idx="minor">
-                <a:schemeClr val="lt1"/>
-              </a:fontRef>
-            </p:style>
-            <p:txBody>
-              <a:bodyPr rtlCol="0" anchor="ctr"/>
-              <a:lstStyle/>
-              <a:p>
-                <a:pPr algn="ctr"/>
-                <a:endParaRPr lang="en-US"/>
-              </a:p>
-            </p:txBody>
-          </p:sp>
-          <p:sp>
-            <p:nvSpPr>
-              <p:cNvPr id="103" name="Rectangle: Rounded Corners 102">
-                <a:extLst>
-                  <a:ext uri="{FF2B5EF4-FFF2-40B4-BE49-F238E27FC236}">
-                    <a16:creationId xmlns:a16="http://schemas.microsoft.com/office/drawing/2014/main" id="{250DB44A-E163-853D-BB44-5ACAE863478A}"/>
-                  </a:ext>
-                </a:extLst>
-              </p:cNvPr>
-              <p:cNvSpPr/>
-              <p:nvPr/>
-            </p:nvSpPr>
-            <p:spPr>
-              <a:xfrm>
-                <a:off x="8647348" y="6040082"/>
-                <a:ext cx="1450427" cy="553244"/>
-              </a:xfrm>
-              <a:prstGeom prst="roundRect">
-                <a:avLst/>
-              </a:prstGeom>
-              <a:solidFill>
-                <a:schemeClr val="accent6">
-                  <a:alpha val="50000"/>
-                </a:schemeClr>
-              </a:solidFill>
-              <a:ln>
-                <a:noFill/>
-              </a:ln>
-            </p:spPr>
-            <p:style>
-              <a:lnRef idx="0">
-                <a:scrgbClr r="0" g="0" b="0"/>
-              </a:lnRef>
-              <a:fillRef idx="0">
-                <a:scrgbClr r="0" g="0" b="0"/>
-              </a:fillRef>
-              <a:effectRef idx="0">
-                <a:scrgbClr r="0" g="0" b="0"/>
-              </a:effectRef>
-              <a:fontRef idx="minor">
-                <a:schemeClr val="lt1"/>
-              </a:fontRef>
-            </p:style>
-            <p:txBody>
-              <a:bodyPr rtlCol="0" anchor="ctr"/>
-              <a:lstStyle/>
-              <a:p>
-                <a:pPr algn="ctr"/>
-                <a:endParaRPr lang="en-US"/>
-              </a:p>
-            </p:txBody>
-          </p:sp>
-          <p:sp>
-            <p:nvSpPr>
-              <p:cNvPr id="104" name="TextBox 103">
-                <a:extLst>
-                  <a:ext uri="{FF2B5EF4-FFF2-40B4-BE49-F238E27FC236}">
-                    <a16:creationId xmlns:a16="http://schemas.microsoft.com/office/drawing/2014/main" id="{1672FA22-6EC7-8AE1-2E52-8FC8AF39A9EA}"/>
-                  </a:ext>
-                </a:extLst>
-              </p:cNvPr>
-              <p:cNvSpPr txBox="1"/>
-              <p:nvPr/>
-            </p:nvSpPr>
-            <p:spPr>
-              <a:xfrm>
-                <a:off x="6533171" y="392962"/>
-                <a:ext cx="5675606" cy="584775"/>
-              </a:xfrm>
-              <a:prstGeom prst="rect">
-                <a:avLst/>
-              </a:prstGeom>
+            <a:prstGeom prst="roundRect">
+              <a:avLst/>
+            </a:prstGeom>
+            <a:solidFill>
+              <a:schemeClr val="accent6">
+                <a:alpha val="50000"/>
+              </a:schemeClr>
+            </a:solidFill>
+            <a:ln>
               <a:noFill/>
-            </p:spPr>
-            <p:txBody>
-              <a:bodyPr wrap="square">
-                <a:spAutoFit/>
-              </a:bodyPr>
-              <a:lstStyle/>
-              <a:p>
-                <a:pPr algn="ctr"/>
-                <a:r>
-                  <a:rPr lang="en-US" sz="3200" b="1" dirty="0">
-                    <a:latin typeface="Raleway" pitchFamily="2" charset="0"/>
-                    <a:ea typeface="Euclid Circular B" panose="020B0504000000000000" pitchFamily="34" charset="0"/>
-                  </a:rPr>
-                  <a:t>2025</a:t>
-                </a:r>
-                <a:endParaRPr lang="en-US" sz="2800" dirty="0">
+            </a:ln>
+          </p:spPr>
+          <p:style>
+            <a:lnRef idx="0">
+              <a:scrgbClr r="0" g="0" b="0"/>
+            </a:lnRef>
+            <a:fillRef idx="0">
+              <a:scrgbClr r="0" g="0" b="0"/>
+            </a:fillRef>
+            <a:effectRef idx="0">
+              <a:scrgbClr r="0" g="0" b="0"/>
+            </a:effectRef>
+            <a:fontRef idx="minor">
+              <a:schemeClr val="lt1"/>
+            </a:fontRef>
+          </p:style>
+          <p:txBody>
+            <a:bodyPr rtlCol="0" anchor="ctr"/>
+            <a:lstStyle/>
+            <a:p>
+              <a:pPr algn="ctr"/>
+              <a:endParaRPr lang="en-US"/>
+            </a:p>
+          </p:txBody>
+        </p:sp>
+        <p:sp>
+          <p:nvSpPr>
+            <p:cNvPr id="119" name="TextBox 118">
+              <a:extLst>
+                <a:ext uri="{FF2B5EF4-FFF2-40B4-BE49-F238E27FC236}">
+                  <a16:creationId xmlns:a16="http://schemas.microsoft.com/office/drawing/2014/main" id="{661A3A66-ED7B-4903-AEA7-75AB0DA6DA2C}"/>
+                </a:ext>
+              </a:extLst>
+            </p:cNvPr>
+            <p:cNvSpPr txBox="1"/>
+            <p:nvPr/>
+          </p:nvSpPr>
+          <p:spPr>
+            <a:xfrm>
+              <a:off x="8481042" y="553535"/>
+              <a:ext cx="1259794" cy="584775"/>
+            </a:xfrm>
+            <a:prstGeom prst="rect">
+              <a:avLst/>
+            </a:prstGeom>
+            <a:noFill/>
+          </p:spPr>
+          <p:txBody>
+            <a:bodyPr wrap="square">
+              <a:spAutoFit/>
+            </a:bodyPr>
+            <a:lstStyle/>
+            <a:p>
+              <a:pPr algn="ctr"/>
+              <a:r>
+                <a:rPr lang="en-US" sz="3200" b="1" dirty="0">
                   <a:latin typeface="Raleway" pitchFamily="2" charset="0"/>
-                </a:endParaRPr>
-              </a:p>
-            </p:txBody>
-          </p:sp>
-          <p:sp>
-            <p:nvSpPr>
-              <p:cNvPr id="105" name="TextBox 104">
-                <a:extLst>
-                  <a:ext uri="{FF2B5EF4-FFF2-40B4-BE49-F238E27FC236}">
-                    <a16:creationId xmlns:a16="http://schemas.microsoft.com/office/drawing/2014/main" id="{18CDA413-F797-1E63-07F9-80DEDF8D9E89}"/>
-                  </a:ext>
-                </a:extLst>
-              </p:cNvPr>
-              <p:cNvSpPr txBox="1"/>
-              <p:nvPr/>
-            </p:nvSpPr>
-            <p:spPr>
-              <a:xfrm>
-                <a:off x="6604562" y="1218016"/>
-                <a:ext cx="5596110" cy="584775"/>
-              </a:xfrm>
-              <a:prstGeom prst="rect">
-                <a:avLst/>
-              </a:prstGeom>
-              <a:noFill/>
-            </p:spPr>
-            <p:txBody>
-              <a:bodyPr wrap="square">
-                <a:spAutoFit/>
-              </a:bodyPr>
-              <a:lstStyle/>
-              <a:p>
-                <a:pPr algn="ctr"/>
-                <a:r>
-                  <a:rPr lang="en-US" sz="3200" b="1" dirty="0">
-                    <a:latin typeface="Raleway" pitchFamily="2" charset="0"/>
-                    <a:ea typeface="Euclid Circular B" panose="020B0504000000000000" pitchFamily="34" charset="0"/>
-                  </a:rPr>
-                  <a:t>2024</a:t>
-                </a:r>
-                <a:endParaRPr lang="en-US" sz="2800" dirty="0">
-                  <a:latin typeface="Raleway" pitchFamily="2" charset="0"/>
-                </a:endParaRPr>
-              </a:p>
-            </p:txBody>
-          </p:sp>
-          <p:sp>
-            <p:nvSpPr>
-              <p:cNvPr id="106" name="TextBox 105">
-                <a:extLst>
-                  <a:ext uri="{FF2B5EF4-FFF2-40B4-BE49-F238E27FC236}">
-                    <a16:creationId xmlns:a16="http://schemas.microsoft.com/office/drawing/2014/main" id="{E5631F9B-3783-4F82-AFEF-B5437CA1C657}"/>
-                  </a:ext>
-                </a:extLst>
-              </p:cNvPr>
-              <p:cNvSpPr txBox="1"/>
-              <p:nvPr/>
-            </p:nvSpPr>
-            <p:spPr>
-              <a:xfrm>
-                <a:off x="6615118" y="2081176"/>
-                <a:ext cx="5619534" cy="584775"/>
-              </a:xfrm>
-              <a:prstGeom prst="rect">
-                <a:avLst/>
-              </a:prstGeom>
-              <a:noFill/>
-            </p:spPr>
-            <p:txBody>
-              <a:bodyPr wrap="square">
-                <a:spAutoFit/>
-              </a:bodyPr>
-              <a:lstStyle/>
-              <a:p>
-                <a:pPr algn="ctr"/>
-                <a:r>
-                  <a:rPr lang="en-US" sz="3200" b="1" dirty="0">
-                    <a:latin typeface="Raleway" pitchFamily="2" charset="0"/>
-                    <a:ea typeface="Euclid Circular B" panose="020B0504000000000000" pitchFamily="34" charset="0"/>
-                  </a:rPr>
-                  <a:t>2023</a:t>
-                </a:r>
-                <a:endParaRPr lang="en-US" sz="3200" dirty="0">
-                  <a:latin typeface="Raleway" pitchFamily="2" charset="0"/>
-                </a:endParaRPr>
-              </a:p>
-            </p:txBody>
-          </p:sp>
-          <p:sp>
-            <p:nvSpPr>
-              <p:cNvPr id="107" name="TextBox 106">
-                <a:extLst>
-                  <a:ext uri="{FF2B5EF4-FFF2-40B4-BE49-F238E27FC236}">
-                    <a16:creationId xmlns:a16="http://schemas.microsoft.com/office/drawing/2014/main" id="{5B90E877-B0F1-E54D-D034-9B48EC666843}"/>
-                  </a:ext>
-                </a:extLst>
-              </p:cNvPr>
-              <p:cNvSpPr txBox="1"/>
-              <p:nvPr/>
-            </p:nvSpPr>
-            <p:spPr>
-              <a:xfrm>
-                <a:off x="6576634" y="2870669"/>
-                <a:ext cx="5595070" cy="584775"/>
-              </a:xfrm>
-              <a:prstGeom prst="rect">
-                <a:avLst/>
-              </a:prstGeom>
-              <a:noFill/>
-            </p:spPr>
-            <p:txBody>
-              <a:bodyPr wrap="square">
-                <a:spAutoFit/>
-              </a:bodyPr>
-              <a:lstStyle/>
-              <a:p>
-                <a:pPr algn="ctr"/>
-                <a:r>
-                  <a:rPr lang="en-US" sz="3200" b="1" dirty="0">
-                    <a:latin typeface="Raleway" pitchFamily="2" charset="0"/>
-                    <a:ea typeface="Euclid Circular B" panose="020B0504000000000000" pitchFamily="34" charset="0"/>
-                  </a:rPr>
-                  <a:t>2022</a:t>
-                </a:r>
-                <a:endParaRPr lang="en-US" sz="3200" dirty="0">
-                  <a:latin typeface="Raleway" pitchFamily="2" charset="0"/>
-                </a:endParaRPr>
-              </a:p>
-            </p:txBody>
-          </p:sp>
-          <p:sp>
-            <p:nvSpPr>
-              <p:cNvPr id="108" name="TextBox 107">
-                <a:extLst>
-                  <a:ext uri="{FF2B5EF4-FFF2-40B4-BE49-F238E27FC236}">
-                    <a16:creationId xmlns:a16="http://schemas.microsoft.com/office/drawing/2014/main" id="{DC99BA56-9C03-E9AE-6015-C3D0509A1E5D}"/>
-                  </a:ext>
-                </a:extLst>
-              </p:cNvPr>
-              <p:cNvSpPr txBox="1"/>
-              <p:nvPr/>
-            </p:nvSpPr>
-            <p:spPr>
-              <a:xfrm>
-                <a:off x="6438477" y="3667536"/>
-                <a:ext cx="5810960" cy="599992"/>
-              </a:xfrm>
-              <a:prstGeom prst="rect">
-                <a:avLst/>
-              </a:prstGeom>
-              <a:noFill/>
-            </p:spPr>
-            <p:txBody>
-              <a:bodyPr wrap="square">
-                <a:spAutoFit/>
-              </a:bodyPr>
-              <a:lstStyle/>
-              <a:p>
-                <a:pPr algn="ctr"/>
-                <a:r>
-                  <a:rPr lang="en-US" sz="3200" b="1" dirty="0">
-                    <a:latin typeface="Raleway" pitchFamily="2" charset="0"/>
-                    <a:ea typeface="Euclid Circular B" panose="020B0504000000000000" pitchFamily="34" charset="0"/>
-                  </a:rPr>
-                  <a:t>2021</a:t>
-                </a:r>
-                <a:endParaRPr lang="en-US" sz="3200" dirty="0">
-                  <a:latin typeface="Raleway" pitchFamily="2" charset="0"/>
-                </a:endParaRPr>
-              </a:p>
-            </p:txBody>
-          </p:sp>
-          <p:sp>
-            <p:nvSpPr>
-              <p:cNvPr id="109" name="TextBox 108">
-                <a:extLst>
-                  <a:ext uri="{FF2B5EF4-FFF2-40B4-BE49-F238E27FC236}">
-                    <a16:creationId xmlns:a16="http://schemas.microsoft.com/office/drawing/2014/main" id="{F81F80D4-BD99-62ED-ADE3-D07F809E6A15}"/>
-                  </a:ext>
-                </a:extLst>
-              </p:cNvPr>
-              <p:cNvSpPr txBox="1"/>
-              <p:nvPr/>
-            </p:nvSpPr>
-            <p:spPr>
-              <a:xfrm>
-                <a:off x="6505108" y="4426761"/>
-                <a:ext cx="5732929" cy="584775"/>
-              </a:xfrm>
-              <a:prstGeom prst="rect">
-                <a:avLst/>
-              </a:prstGeom>
-              <a:noFill/>
-            </p:spPr>
-            <p:txBody>
-              <a:bodyPr wrap="square">
-                <a:spAutoFit/>
-              </a:bodyPr>
-              <a:lstStyle/>
-              <a:p>
-                <a:pPr algn="ctr"/>
-                <a:r>
-                  <a:rPr lang="en-US" sz="3200" b="1" dirty="0">
-                    <a:latin typeface="Raleway" pitchFamily="2" charset="0"/>
-                    <a:ea typeface="Euclid Circular B" panose="020B0504000000000000" pitchFamily="34" charset="0"/>
-                  </a:rPr>
-                  <a:t>2020</a:t>
-                </a:r>
-                <a:endParaRPr lang="en-US" sz="3200" dirty="0">
-                  <a:latin typeface="Raleway" pitchFamily="2" charset="0"/>
-                </a:endParaRPr>
-              </a:p>
-            </p:txBody>
-          </p:sp>
-          <p:sp>
-            <p:nvSpPr>
-              <p:cNvPr id="110" name="TextBox 109">
-                <a:extLst>
-                  <a:ext uri="{FF2B5EF4-FFF2-40B4-BE49-F238E27FC236}">
-                    <a16:creationId xmlns:a16="http://schemas.microsoft.com/office/drawing/2014/main" id="{11224DFA-D8A4-674A-3C08-2D68732B39C5}"/>
-                  </a:ext>
-                </a:extLst>
-              </p:cNvPr>
-              <p:cNvSpPr txBox="1"/>
-              <p:nvPr/>
-            </p:nvSpPr>
-            <p:spPr>
-              <a:xfrm>
-                <a:off x="6505108" y="5261273"/>
-                <a:ext cx="5731733" cy="584775"/>
-              </a:xfrm>
-              <a:prstGeom prst="rect">
-                <a:avLst/>
-              </a:prstGeom>
-              <a:noFill/>
-            </p:spPr>
-            <p:txBody>
-              <a:bodyPr wrap="square">
-                <a:spAutoFit/>
-              </a:bodyPr>
-              <a:lstStyle/>
-              <a:p>
-                <a:pPr algn="ctr"/>
-                <a:r>
-                  <a:rPr lang="en-US" sz="3200" b="1" dirty="0">
-                    <a:latin typeface="Raleway" pitchFamily="2" charset="0"/>
-                    <a:ea typeface="Euclid Circular B" panose="020B0504000000000000" pitchFamily="34" charset="0"/>
-                  </a:rPr>
-                  <a:t>2019</a:t>
-                </a:r>
-                <a:endParaRPr lang="en-US" sz="2800" dirty="0">
-                  <a:latin typeface="Raleway" pitchFamily="2" charset="0"/>
-                </a:endParaRPr>
-              </a:p>
-            </p:txBody>
-          </p:sp>
-          <p:sp>
-            <p:nvSpPr>
-              <p:cNvPr id="111" name="TextBox 110">
-                <a:extLst>
-                  <a:ext uri="{FF2B5EF4-FFF2-40B4-BE49-F238E27FC236}">
-                    <a16:creationId xmlns:a16="http://schemas.microsoft.com/office/drawing/2014/main" id="{7D35B0E4-BB1C-6D9D-1C0F-6E646EB64E5D}"/>
-                  </a:ext>
-                </a:extLst>
-              </p:cNvPr>
-              <p:cNvSpPr txBox="1"/>
-              <p:nvPr/>
-            </p:nvSpPr>
-            <p:spPr>
-              <a:xfrm>
-                <a:off x="6518353" y="6016287"/>
-                <a:ext cx="5705242" cy="597458"/>
-              </a:xfrm>
-              <a:prstGeom prst="rect">
-                <a:avLst/>
-              </a:prstGeom>
-              <a:noFill/>
-            </p:spPr>
-            <p:txBody>
-              <a:bodyPr wrap="square">
-                <a:spAutoFit/>
-              </a:bodyPr>
-              <a:lstStyle/>
-              <a:p>
-                <a:pPr algn="ctr"/>
-                <a:r>
-                  <a:rPr lang="en-US" sz="3200" b="1" dirty="0">
-                    <a:latin typeface="Raleway" pitchFamily="2" charset="0"/>
-                    <a:ea typeface="Euclid Circular B" panose="020B0504000000000000" pitchFamily="34" charset="0"/>
-                  </a:rPr>
-                  <a:t>2018</a:t>
-                </a:r>
-                <a:endParaRPr lang="en-US" sz="2800" dirty="0">
-                  <a:latin typeface="Raleway" pitchFamily="2" charset="0"/>
-                </a:endParaRPr>
-              </a:p>
-            </p:txBody>
-          </p:sp>
-        </p:grpSp>
+                  <a:ea typeface="Euclid Circular B" panose="020B0504000000000000" pitchFamily="34" charset="0"/>
+                </a:rPr>
+                <a:t>2018</a:t>
+              </a:r>
+              <a:endParaRPr lang="en-US" sz="2800" dirty="0">
+                <a:latin typeface="Raleway" pitchFamily="2" charset="0"/>
+              </a:endParaRPr>
+            </a:p>
+          </p:txBody>
+        </p:sp>
+        <p:pic>
+          <p:nvPicPr>
+            <p:cNvPr id="120" name="Picture 119">
+              <a:extLst>
+                <a:ext uri="{FF2B5EF4-FFF2-40B4-BE49-F238E27FC236}">
+                  <a16:creationId xmlns:a16="http://schemas.microsoft.com/office/drawing/2014/main" id="{2E5D3DCE-D3F2-4162-B749-51B62FDC8C2D}"/>
+                </a:ext>
+              </a:extLst>
+            </p:cNvPr>
+            <p:cNvPicPr>
+              <a:picLocks noChangeAspect="1"/>
+            </p:cNvPicPr>
+            <p:nvPr/>
+          </p:nvPicPr>
+          <p:blipFill>
+            <a:blip r:embed="rId12">
+              <a:extLst>
+                <a:ext uri="{28A0092B-C50C-407E-A947-70E740481C1C}">
+                  <a14:useLocalDpi xmlns:a14="http://schemas.microsoft.com/office/drawing/2010/main" val="0"/>
+                </a:ext>
+              </a:extLst>
+            </a:blip>
+            <a:stretch>
+              <a:fillRect/>
+            </a:stretch>
+          </p:blipFill>
+          <p:spPr>
+            <a:xfrm>
+              <a:off x="8125243" y="656956"/>
+              <a:ext cx="450187" cy="450187"/>
+            </a:xfrm>
+            <a:prstGeom prst="rect">
+              <a:avLst/>
+            </a:prstGeom>
+          </p:spPr>
+        </p:pic>
       </p:grpSp>
     </p:spTree>
     <p:extLst>
@@ -20975,7 +21582,7 @@
     <p:bg>
       <p:bgPr>
         <a:blipFill dpi="0" rotWithShape="1">
-          <a:blip r:embed="rId3">
+          <a:blip r:embed="rId4">
             <a:lum/>
           </a:blip>
           <a:srcRect/>
@@ -21144,12 +21751,12 @@
           <a:graphicData uri="http://schemas.openxmlformats.org/presentationml/2006/ole">
             <mc:AlternateContent xmlns:mc="http://schemas.openxmlformats.org/markup-compatibility/2006">
               <mc:Choice xmlns:v="urn:schemas-microsoft-com:vml" Requires="v">
-                <p:oleObj name="Bitmap Image" r:id="rId4" imgW="6610320" imgH="1574640" progId="Paint.Picture">
+                <p:oleObj spid="_x0000_s1036" name="Bitmap Image" r:id="rId5" imgW="6610320" imgH="1574640" progId="Paint.Picture">
                   <p:embed/>
                 </p:oleObj>
               </mc:Choice>
               <mc:Fallback>
-                <p:oleObj name="Bitmap Image" r:id="rId4" imgW="6610320" imgH="1574640" progId="Paint.Picture">
+                <p:oleObj name="Bitmap Image" r:id="rId5" imgW="6610320" imgH="1574640" progId="Paint.Picture">
                   <p:embed/>
                   <p:pic>
                     <p:nvPicPr>
@@ -21158,7 +21765,7 @@
                       <p:nvPr/>
                     </p:nvPicPr>
                     <p:blipFill>
-                      <a:blip r:embed="rId5"/>
+                      <a:blip r:embed="rId6"/>
                       <a:stretch>
                         <a:fillRect/>
                       </a:stretch>
@@ -21422,7 +22029,7 @@
         </p:spPr>
         <p:txBody>
           <a:bodyPr>
-            <a:normAutofit/>
+            <a:normAutofit fontScale="92500"/>
           </a:bodyPr>
           <a:lstStyle/>
           <a:p>
@@ -22038,6 +22645,16 @@
           <a:prstGeom prst="rect">
             <a:avLst/>
           </a:prstGeom>
+          <a:ln>
+            <a:noFill/>
+          </a:ln>
+          <a:effectLst>
+            <a:outerShdw blurRad="292100" dist="139700" dir="2700000" algn="tl" rotWithShape="0">
+              <a:srgbClr val="333333">
+                <a:alpha val="65000"/>
+              </a:srgbClr>
+            </a:outerShdw>
+          </a:effectLst>
         </p:spPr>
       </p:pic>
       <p:sp>
@@ -22474,12 +23091,12 @@
         <p:spPr>
           <a:xfrm>
             <a:off x="397783" y="266701"/>
-            <a:ext cx="10956017" cy="838200"/>
+            <a:ext cx="11548217" cy="838200"/>
           </a:xfrm>
         </p:spPr>
         <p:txBody>
           <a:bodyPr>
-            <a:normAutofit/>
+            <a:normAutofit fontScale="90000"/>
           </a:bodyPr>
           <a:lstStyle/>
           <a:p>
@@ -22525,8 +23142,8 @@
         </p:blipFill>
         <p:spPr>
           <a:xfrm>
-            <a:off x="246000" y="1175175"/>
-            <a:ext cx="11700000" cy="4507649"/>
+            <a:off x="195198" y="1104900"/>
+            <a:ext cx="11808000" cy="4549258"/>
           </a:xfrm>
           <a:prstGeom prst="rect">
             <a:avLst/>
@@ -22635,8 +23252,8 @@
         </p:nvSpPr>
         <p:spPr>
           <a:xfrm>
-            <a:off x="2427373" y="5823235"/>
-            <a:ext cx="6225016" cy="703853"/>
+            <a:off x="2339677" y="5636980"/>
+            <a:ext cx="7072227" cy="977188"/>
           </a:xfrm>
           <a:prstGeom prst="rect">
             <a:avLst/>
@@ -22717,9 +23334,9 @@
           <p:nvPr/>
         </p:nvCxnSpPr>
         <p:spPr>
-          <a:xfrm>
-            <a:off x="5875791" y="5299645"/>
-            <a:ext cx="0" cy="694755"/>
+          <a:xfrm flipH="1">
+            <a:off x="5875790" y="5299645"/>
+            <a:ext cx="1" cy="516955"/>
           </a:xfrm>
           <a:prstGeom prst="straightConnector1">
             <a:avLst/>
@@ -24996,7 +25613,7 @@
         </p:style>
         <p:txBody>
           <a:bodyPr vert="horz" lIns="91440" tIns="45720" rIns="91440" bIns="45720" rtlCol="0" anchor="ctr">
-            <a:normAutofit/>
+            <a:normAutofit fontScale="92500"/>
           </a:bodyPr>
           <a:lstStyle>
             <a:lvl1pPr algn="l" defTabSz="914400" rtl="0" eaLnBrk="1" latinLnBrk="0" hangingPunct="1">
@@ -25123,7 +25740,7 @@
         </p:style>
         <p:txBody>
           <a:bodyPr vert="horz" lIns="91440" tIns="45720" rIns="91440" bIns="45720" rtlCol="0" anchor="ctr">
-            <a:normAutofit fontScale="92500" lnSpcReduction="20000"/>
+            <a:normAutofit fontScale="92500" lnSpcReduction="10000"/>
           </a:bodyPr>
           <a:lstStyle>
             <a:lvl1pPr algn="l" defTabSz="914400" rtl="0" eaLnBrk="1" latinLnBrk="0" hangingPunct="1">
@@ -25336,7 +25953,7 @@
         </p:style>
         <p:txBody>
           <a:bodyPr vert="horz" lIns="91440" tIns="45720" rIns="91440" bIns="45720" rtlCol="0" anchor="ctr">
-            <a:normAutofit/>
+            <a:normAutofit fontScale="85000" lnSpcReduction="10000"/>
           </a:bodyPr>
           <a:lstStyle>
             <a:lvl1pPr algn="l" defTabSz="914400" rtl="0" eaLnBrk="1" latinLnBrk="0" hangingPunct="1">
@@ -26443,7 +27060,7 @@
         </p:style>
         <p:txBody>
           <a:bodyPr vert="horz" lIns="91440" tIns="45720" rIns="91440" bIns="45720" rtlCol="0" anchor="ctr">
-            <a:normAutofit/>
+            <a:normAutofit fontScale="92500"/>
           </a:bodyPr>
           <a:lstStyle>
             <a:lvl1pPr algn="l" defTabSz="914400" rtl="0" eaLnBrk="1" latinLnBrk="0" hangingPunct="1">
@@ -26705,13 +27322,13 @@
         </p:nvSpPr>
         <p:spPr>
           <a:xfrm>
-            <a:off x="512197" y="165040"/>
-            <a:ext cx="9324975" cy="944880"/>
+            <a:off x="256098" y="98234"/>
+            <a:ext cx="11679803" cy="944880"/>
           </a:xfrm>
         </p:spPr>
         <p:txBody>
           <a:bodyPr>
-            <a:normAutofit/>
+            <a:normAutofit fontScale="90000"/>
           </a:bodyPr>
           <a:lstStyle/>
           <a:p>
@@ -26723,7 +27340,7 @@
                 <a:latin typeface="Euclid Circular B" panose="020B0504000000000000" pitchFamily="34" charset="0"/>
                 <a:ea typeface="Euclid Circular B" panose="020B0504000000000000" pitchFamily="34" charset="0"/>
               </a:rPr>
-              <a:t>Disabling Multi-Tenancy Filter</a:t>
+              <a:t>Disabling Multi-Tenancy Filter - Implementation</a:t>
             </a:r>
           </a:p>
         </p:txBody>
@@ -26742,8 +27359,8 @@
         </p:nvGrpSpPr>
         <p:grpSpPr>
           <a:xfrm>
-            <a:off x="512197" y="979673"/>
-            <a:ext cx="10103457" cy="5633774"/>
+            <a:off x="461397" y="928873"/>
+            <a:ext cx="10155803" cy="5675128"/>
             <a:chOff x="960972" y="1002246"/>
             <a:chExt cx="10023257" cy="5589054"/>
           </a:xfrm>
@@ -26914,89 +27531,6 @@
           </a:fontRef>
         </p:style>
       </p:cxnSp>
-      <p:sp>
-        <p:nvSpPr>
-          <p:cNvPr id="7" name="Title 1">
-            <a:extLst>
-              <a:ext uri="{FF2B5EF4-FFF2-40B4-BE49-F238E27FC236}">
-                <a16:creationId xmlns:a16="http://schemas.microsoft.com/office/drawing/2014/main" id="{E138DEA6-3820-4E15-86E0-369A31C3D54B}"/>
-              </a:ext>
-            </a:extLst>
-          </p:cNvPr>
-          <p:cNvSpPr txBox="1">
-            <a:spLocks/>
-          </p:cNvSpPr>
-          <p:nvPr/>
-        </p:nvSpPr>
-        <p:spPr>
-          <a:xfrm>
-            <a:off x="8891606" y="556202"/>
-            <a:ext cx="3059204" cy="464604"/>
-          </a:xfrm>
-          <a:prstGeom prst="rect">
-            <a:avLst/>
-          </a:prstGeom>
-        </p:spPr>
-        <p:style>
-          <a:lnRef idx="2">
-            <a:schemeClr val="accent4">
-              <a:shade val="50000"/>
-            </a:schemeClr>
-          </a:lnRef>
-          <a:fillRef idx="1">
-            <a:schemeClr val="accent4"/>
-          </a:fillRef>
-          <a:effectRef idx="0">
-            <a:schemeClr val="accent4"/>
-          </a:effectRef>
-          <a:fontRef idx="minor">
-            <a:schemeClr val="lt1"/>
-          </a:fontRef>
-        </p:style>
-        <p:txBody>
-          <a:bodyPr vert="horz" lIns="91440" tIns="45720" rIns="91440" bIns="45720" rtlCol="0" anchor="ctr">
-            <a:normAutofit fontScale="92500" lnSpcReduction="20000"/>
-          </a:bodyPr>
-          <a:lstStyle>
-            <a:lvl1pPr algn="l" defTabSz="914400" rtl="0" eaLnBrk="1" latinLnBrk="0" hangingPunct="1">
-              <a:lnSpc>
-                <a:spcPct val="90000"/>
-              </a:lnSpc>
-              <a:spcBef>
-                <a:spcPct val="0"/>
-              </a:spcBef>
-              <a:buNone/>
-              <a:defRPr sz="4400" kern="1200">
-                <a:solidFill>
-                  <a:schemeClr val="tx1"/>
-                </a:solidFill>
-                <a:latin typeface="+mj-lt"/>
-                <a:ea typeface="+mj-ea"/>
-                <a:cs typeface="+mj-cs"/>
-              </a:defRPr>
-            </a:lvl1pPr>
-          </a:lstStyle>
-          <a:p>
-            <a:r>
-              <a:rPr lang="en-US" sz="3200" dirty="0">
-                <a:solidFill>
-                  <a:srgbClr val="292D33"/>
-                </a:solidFill>
-                <a:latin typeface="Euclid Circular B" panose="020B0504000000000000" pitchFamily="34" charset="0"/>
-                <a:ea typeface="Euclid Circular B" panose="020B0504000000000000" pitchFamily="34" charset="0"/>
-              </a:rPr>
-              <a:t>Implementation</a:t>
-            </a:r>
-            <a:endParaRPr lang="en-US" sz="2400" dirty="0">
-              <a:solidFill>
-                <a:srgbClr val="292D33"/>
-              </a:solidFill>
-              <a:latin typeface="Euclid Circular B" panose="020B0504000000000000" pitchFamily="34" charset="0"/>
-              <a:ea typeface="Euclid Circular B" panose="020B0504000000000000" pitchFamily="34" charset="0"/>
-            </a:endParaRPr>
-          </a:p>
-        </p:txBody>
-      </p:sp>
     </p:spTree>
     <p:extLst>
       <p:ext uri="{BB962C8B-B14F-4D97-AF65-F5344CB8AC3E}">
@@ -27059,13 +27593,13 @@
         </p:nvSpPr>
         <p:spPr>
           <a:xfrm>
-            <a:off x="512197" y="125283"/>
-            <a:ext cx="9324975" cy="944880"/>
+            <a:off x="241710" y="248264"/>
+            <a:ext cx="11698600" cy="944880"/>
           </a:xfrm>
         </p:spPr>
         <p:txBody>
           <a:bodyPr>
-            <a:normAutofit/>
+            <a:normAutofit fontScale="90000"/>
           </a:bodyPr>
           <a:lstStyle/>
           <a:p>
@@ -27077,91 +27611,8 @@
                 <a:latin typeface="Euclid Circular B" panose="020B0504000000000000" pitchFamily="34" charset="0"/>
                 <a:ea typeface="Euclid Circular B" panose="020B0504000000000000" pitchFamily="34" charset="0"/>
               </a:rPr>
-              <a:t>Disabling Multi-Tenancy Filter</a:t>
-            </a:r>
-          </a:p>
-        </p:txBody>
-      </p:sp>
-      <p:sp>
-        <p:nvSpPr>
-          <p:cNvPr id="7" name="Title 1">
-            <a:extLst>
-              <a:ext uri="{FF2B5EF4-FFF2-40B4-BE49-F238E27FC236}">
-                <a16:creationId xmlns:a16="http://schemas.microsoft.com/office/drawing/2014/main" id="{E138DEA6-3820-4E15-86E0-369A31C3D54B}"/>
-              </a:ext>
-            </a:extLst>
-          </p:cNvPr>
-          <p:cNvSpPr txBox="1">
-            <a:spLocks/>
-          </p:cNvSpPr>
-          <p:nvPr/>
-        </p:nvSpPr>
-        <p:spPr>
-          <a:xfrm>
-            <a:off x="8882286" y="1011077"/>
-            <a:ext cx="3059204" cy="464604"/>
-          </a:xfrm>
-          <a:prstGeom prst="rect">
-            <a:avLst/>
-          </a:prstGeom>
-        </p:spPr>
-        <p:style>
-          <a:lnRef idx="2">
-            <a:schemeClr val="accent4">
-              <a:shade val="50000"/>
-            </a:schemeClr>
-          </a:lnRef>
-          <a:fillRef idx="1">
-            <a:schemeClr val="accent4"/>
-          </a:fillRef>
-          <a:effectRef idx="0">
-            <a:schemeClr val="accent4"/>
-          </a:effectRef>
-          <a:fontRef idx="minor">
-            <a:schemeClr val="lt1"/>
-          </a:fontRef>
-        </p:style>
-        <p:txBody>
-          <a:bodyPr vert="horz" lIns="91440" tIns="45720" rIns="91440" bIns="45720" rtlCol="0" anchor="ctr">
-            <a:normAutofit fontScale="92500" lnSpcReduction="20000"/>
-          </a:bodyPr>
-          <a:lstStyle>
-            <a:lvl1pPr algn="l" defTabSz="914400" rtl="0" eaLnBrk="1" latinLnBrk="0" hangingPunct="1">
-              <a:lnSpc>
-                <a:spcPct val="90000"/>
-              </a:lnSpc>
-              <a:spcBef>
-                <a:spcPct val="0"/>
-              </a:spcBef>
-              <a:buNone/>
-              <a:defRPr sz="4400" kern="1200">
-                <a:solidFill>
-                  <a:schemeClr val="tx1"/>
-                </a:solidFill>
-                <a:latin typeface="+mj-lt"/>
-                <a:ea typeface="+mj-ea"/>
-                <a:cs typeface="+mj-cs"/>
-              </a:defRPr>
-            </a:lvl1pPr>
-          </a:lstStyle>
-          <a:p>
-            <a:r>
-              <a:rPr lang="en-US" sz="3200" dirty="0">
-                <a:solidFill>
-                  <a:srgbClr val="292D33"/>
-                </a:solidFill>
-                <a:latin typeface="Euclid Circular B" panose="020B0504000000000000" pitchFamily="34" charset="0"/>
-                <a:ea typeface="Euclid Circular B" panose="020B0504000000000000" pitchFamily="34" charset="0"/>
-              </a:rPr>
-              <a:t>Implementation</a:t>
-            </a:r>
-            <a:endParaRPr lang="en-US" sz="2400" dirty="0">
-              <a:solidFill>
-                <a:srgbClr val="292D33"/>
-              </a:solidFill>
-              <a:latin typeface="Euclid Circular B" panose="020B0504000000000000" pitchFamily="34" charset="0"/>
-              <a:ea typeface="Euclid Circular B" panose="020B0504000000000000" pitchFamily="34" charset="0"/>
-            </a:endParaRPr>
+              <a:t>Disabling Multi-Tenancy Filter - Implementation</a:t>
+            </a:r>
           </a:p>
         </p:txBody>
       </p:sp>
@@ -27179,10 +27630,10 @@
         </p:nvGrpSpPr>
         <p:grpSpPr>
           <a:xfrm>
-            <a:off x="250510" y="1475681"/>
-            <a:ext cx="11698600" cy="4781996"/>
+            <a:off x="187010" y="1310581"/>
+            <a:ext cx="11826000" cy="4834073"/>
             <a:chOff x="250510" y="1475681"/>
-            <a:chExt cx="11698600" cy="4781996"/>
+            <a:chExt cx="11826000" cy="4834073"/>
           </a:xfrm>
         </p:grpSpPr>
         <p:pic>
@@ -27208,7 +27659,7 @@
           <p:spPr>
             <a:xfrm>
               <a:off x="250510" y="1475681"/>
-              <a:ext cx="11698600" cy="4781996"/>
+              <a:ext cx="11826000" cy="4834073"/>
             </a:xfrm>
             <a:prstGeom prst="rect">
               <a:avLst/>
@@ -27529,7 +27980,7 @@
                 <a:latin typeface="Euclid Circular B" panose="020B0504000000000000" pitchFamily="34" charset="0"/>
                 <a:ea typeface="Euclid Circular B" panose="020B0504000000000000" pitchFamily="34" charset="0"/>
               </a:rPr>
-              <a:t> to SaaS &amp; Multi-Tenancy</a:t>
+              <a:t> to Multi-Tenancy</a:t>
             </a:r>
           </a:p>
           <a:p>
@@ -28246,6 +28697,68 @@
       </p:grpSpPr>
       <p:sp>
         <p:nvSpPr>
+          <p:cNvPr id="9" name="Rectangle: Rounded Corners 8">
+            <a:extLst>
+              <a:ext uri="{FF2B5EF4-FFF2-40B4-BE49-F238E27FC236}">
+                <a16:creationId xmlns:a16="http://schemas.microsoft.com/office/drawing/2014/main" id="{85B4C663-2B0E-4779-A501-4BB3FC9C7ABA}"/>
+              </a:ext>
+            </a:extLst>
+          </p:cNvPr>
+          <p:cNvSpPr/>
+          <p:nvPr/>
+        </p:nvSpPr>
+        <p:spPr>
+          <a:xfrm>
+            <a:off x="285275" y="879665"/>
+            <a:ext cx="11643050" cy="2775618"/>
+          </a:xfrm>
+          <a:prstGeom prst="roundRect">
+            <a:avLst/>
+          </a:prstGeom>
+          <a:noFill/>
+          <a:ln w="38100" cap="flat" cmpd="sng" algn="ctr">
+            <a:solidFill>
+              <a:schemeClr val="bg1">
+                <a:lumMod val="65000"/>
+              </a:schemeClr>
+            </a:solidFill>
+            <a:prstDash val="sysDash"/>
+            <a:round/>
+            <a:headEnd type="none" w="med" len="med"/>
+            <a:tailEnd type="none" w="med" len="med"/>
+          </a:ln>
+        </p:spPr>
+        <p:style>
+          <a:lnRef idx="0">
+            <a:scrgbClr r="0" g="0" b="0"/>
+          </a:lnRef>
+          <a:fillRef idx="0">
+            <a:scrgbClr r="0" g="0" b="0"/>
+          </a:fillRef>
+          <a:effectRef idx="0">
+            <a:scrgbClr r="0" g="0" b="0"/>
+          </a:effectRef>
+          <a:fontRef idx="minor">
+            <a:schemeClr val="dk1"/>
+          </a:fontRef>
+        </p:style>
+        <p:txBody>
+          <a:bodyPr rtlCol="0" anchor="ctr"/>
+          <a:lstStyle/>
+          <a:p>
+            <a:pPr algn="ctr"/>
+            <a:endParaRPr lang="en-US" dirty="0">
+              <a:solidFill>
+                <a:schemeClr val="bg1">
+                  <a:lumMod val="65000"/>
+                </a:schemeClr>
+              </a:solidFill>
+            </a:endParaRPr>
+          </a:p>
+        </p:txBody>
+      </p:sp>
+      <p:sp>
+        <p:nvSpPr>
           <p:cNvPr id="2" name="Title 1">
             <a:extLst>
               <a:ext uri="{FF2B5EF4-FFF2-40B4-BE49-F238E27FC236}">
@@ -28262,7 +28775,7 @@
         </p:nvSpPr>
         <p:spPr>
           <a:xfrm>
-            <a:off x="513307" y="247551"/>
+            <a:off x="381468" y="168465"/>
             <a:ext cx="10515600" cy="698500"/>
           </a:xfrm>
         </p:spPr>
@@ -28273,7 +28786,7 @@
           <a:lstStyle/>
           <a:p>
             <a:r>
-              <a:rPr lang="en-US" b="1" noProof="0" dirty="0">
+              <a:rPr lang="en-US" sz="4000" b="1" noProof="0" dirty="0">
                 <a:solidFill>
                   <a:srgbClr val="292D33"/>
                 </a:solidFill>
@@ -28282,6 +28795,167 @@
               </a:rPr>
               <a:t>Database Migration Strategies </a:t>
             </a:r>
+          </a:p>
+        </p:txBody>
+      </p:sp>
+      <p:pic>
+        <p:nvPicPr>
+          <p:cNvPr id="11" name="Picture 10">
+            <a:extLst>
+              <a:ext uri="{FF2B5EF4-FFF2-40B4-BE49-F238E27FC236}">
+                <a16:creationId xmlns:a16="http://schemas.microsoft.com/office/drawing/2014/main" id="{728555F2-F513-DA8A-0597-5407607C441B}"/>
+              </a:ext>
+            </a:extLst>
+          </p:cNvPr>
+          <p:cNvPicPr>
+            <a:picLocks noChangeAspect="1"/>
+          </p:cNvPicPr>
+          <p:nvPr/>
+        </p:nvPicPr>
+        <p:blipFill rotWithShape="1">
+          <a:blip r:embed="rId4"/>
+          <a:srcRect l="3865" t="-93" r="1940" b="2436"/>
+          <a:stretch/>
+        </p:blipFill>
+        <p:spPr>
+          <a:xfrm>
+            <a:off x="9494192" y="4026609"/>
+            <a:ext cx="2324101" cy="1897856"/>
+          </a:xfrm>
+          <a:prstGeom prst="rect">
+            <a:avLst/>
+          </a:prstGeom>
+        </p:spPr>
+      </p:pic>
+      <p:pic>
+        <p:nvPicPr>
+          <p:cNvPr id="4" name="Picture 3">
+            <a:extLst>
+              <a:ext uri="{FF2B5EF4-FFF2-40B4-BE49-F238E27FC236}">
+                <a16:creationId xmlns:a16="http://schemas.microsoft.com/office/drawing/2014/main" id="{ABADF10F-C01E-4A61-832B-E82AA77D442A}"/>
+              </a:ext>
+            </a:extLst>
+          </p:cNvPr>
+          <p:cNvPicPr>
+            <a:picLocks noChangeAspect="1"/>
+          </p:cNvPicPr>
+          <p:nvPr/>
+        </p:nvPicPr>
+        <p:blipFill>
+          <a:blip r:embed="rId5"/>
+          <a:stretch>
+            <a:fillRect/>
+          </a:stretch>
+        </p:blipFill>
+        <p:spPr>
+          <a:xfrm>
+            <a:off x="9469734" y="1109357"/>
+            <a:ext cx="2324100" cy="1971675"/>
+          </a:xfrm>
+          <a:prstGeom prst="rect">
+            <a:avLst/>
+          </a:prstGeom>
+        </p:spPr>
+      </p:pic>
+      <p:sp>
+        <p:nvSpPr>
+          <p:cNvPr id="10" name="TextBox 9">
+            <a:extLst>
+              <a:ext uri="{FF2B5EF4-FFF2-40B4-BE49-F238E27FC236}">
+                <a16:creationId xmlns:a16="http://schemas.microsoft.com/office/drawing/2014/main" id="{1352C61B-D4E5-4F17-93F0-941DFA869ABE}"/>
+              </a:ext>
+            </a:extLst>
+          </p:cNvPr>
+          <p:cNvSpPr txBox="1"/>
+          <p:nvPr/>
+        </p:nvSpPr>
+        <p:spPr>
+          <a:xfrm>
+            <a:off x="619745" y="3865445"/>
+            <a:ext cx="6593855" cy="461665"/>
+          </a:xfrm>
+          <a:prstGeom prst="rect">
+            <a:avLst/>
+          </a:prstGeom>
+          <a:noFill/>
+        </p:spPr>
+        <p:txBody>
+          <a:bodyPr wrap="square">
+            <a:spAutoFit/>
+          </a:bodyPr>
+          <a:lstStyle/>
+          <a:p>
+            <a:r>
+              <a:rPr lang="en-US" sz="2400" b="1" dirty="0">
+                <a:solidFill>
+                  <a:schemeClr val="tx1">
+                    <a:lumMod val="50000"/>
+                    <a:lumOff val="50000"/>
+                  </a:schemeClr>
+                </a:solidFill>
+                <a:latin typeface="Euclid Circular B" panose="020B0504000000000000" pitchFamily="34" charset="0"/>
+                <a:ea typeface="Euclid Circular B" panose="020B0504000000000000" pitchFamily="34" charset="0"/>
+              </a:rPr>
+              <a:t>#2: Run DB Migration On First DB Access</a:t>
+            </a:r>
+            <a:endParaRPr lang="en-US" sz="2400" dirty="0">
+              <a:solidFill>
+                <a:srgbClr val="FF0000"/>
+              </a:solidFill>
+              <a:latin typeface="Euclid Circular B" panose="020B0504000000000000" pitchFamily="34" charset="0"/>
+              <a:ea typeface="Euclid Circular B" panose="020B0504000000000000" pitchFamily="34" charset="0"/>
+            </a:endParaRPr>
+          </a:p>
+        </p:txBody>
+      </p:sp>
+      <p:sp>
+        <p:nvSpPr>
+          <p:cNvPr id="12" name="TextBox 11">
+            <a:extLst>
+              <a:ext uri="{FF2B5EF4-FFF2-40B4-BE49-F238E27FC236}">
+                <a16:creationId xmlns:a16="http://schemas.microsoft.com/office/drawing/2014/main" id="{CACD3558-3247-4C33-B831-00027322A70E}"/>
+              </a:ext>
+            </a:extLst>
+          </p:cNvPr>
+          <p:cNvSpPr txBox="1"/>
+          <p:nvPr/>
+        </p:nvSpPr>
+        <p:spPr>
+          <a:xfrm>
+            <a:off x="513306" y="930165"/>
+            <a:ext cx="6700293" cy="461665"/>
+          </a:xfrm>
+          <a:prstGeom prst="rect">
+            <a:avLst/>
+          </a:prstGeom>
+          <a:noFill/>
+        </p:spPr>
+        <p:txBody>
+          <a:bodyPr wrap="square">
+            <a:spAutoFit/>
+          </a:bodyPr>
+          <a:lstStyle/>
+          <a:p>
+            <a:r>
+              <a:rPr lang="en-US" sz="2400" b="1" dirty="0">
+                <a:solidFill>
+                  <a:schemeClr val="tx1">
+                    <a:lumMod val="50000"/>
+                    <a:lumOff val="50000"/>
+                  </a:schemeClr>
+                </a:solidFill>
+                <a:latin typeface="Euclid Circular B" panose="020B0504000000000000" pitchFamily="34" charset="0"/>
+                <a:ea typeface="Euclid Circular B" panose="020B0504000000000000" pitchFamily="34" charset="0"/>
+              </a:rPr>
+              <a:t>#1: Custom DB Migration Tool</a:t>
+            </a:r>
+            <a:endParaRPr lang="en-US" sz="2000" dirty="0">
+              <a:solidFill>
+                <a:srgbClr val="FF0000"/>
+              </a:solidFill>
+              <a:latin typeface="Euclid Circular B" panose="020B0504000000000000" pitchFamily="34" charset="0"/>
+              <a:ea typeface="Euclid Circular B" panose="020B0504000000000000" pitchFamily="34" charset="0"/>
+            </a:endParaRPr>
           </a:p>
         </p:txBody>
       </p:sp>
@@ -28299,8 +28973,8 @@
         </p:nvSpPr>
         <p:spPr>
           <a:xfrm>
-            <a:off x="513307" y="1120676"/>
-            <a:ext cx="9077954" cy="2308324"/>
+            <a:off x="381468" y="1409659"/>
+            <a:ext cx="9875294" cy="2092881"/>
           </a:xfrm>
           <a:prstGeom prst="rect">
             <a:avLst/>
@@ -28314,116 +28988,113 @@
           <a:lstStyle/>
           <a:p>
             <a:r>
-              <a:rPr lang="en-US" sz="2400" b="1" dirty="0">
-                <a:solidFill>
-                  <a:schemeClr val="tx1">
-                    <a:lumMod val="50000"/>
-                    <a:lumOff val="50000"/>
-                  </a:schemeClr>
-                </a:solidFill>
-                <a:latin typeface="Euclid Circular B" panose="020B0504000000000000" pitchFamily="34" charset="0"/>
-                <a:ea typeface="Euclid Circular B" panose="020B0504000000000000" pitchFamily="34" charset="0"/>
-              </a:rPr>
-              <a:t>#1: Custom DB Migration Tool</a:t>
-            </a:r>
-            <a:br>
-              <a:rPr lang="en-US" sz="2400" b="1" dirty="0">
-                <a:latin typeface="Euclid Circular B" panose="020B0504000000000000" pitchFamily="34" charset="0"/>
-                <a:ea typeface="Euclid Circular B" panose="020B0504000000000000" pitchFamily="34" charset="0"/>
-              </a:rPr>
-            </a:br>
-            <a:endParaRPr lang="en-US" sz="2400" b="1" dirty="0">
-              <a:latin typeface="Euclid Circular B" panose="020B0504000000000000" pitchFamily="34" charset="0"/>
-              <a:ea typeface="Euclid Circular B" panose="020B0504000000000000" pitchFamily="34" charset="0"/>
-            </a:endParaRPr>
-          </a:p>
-          <a:p>
-            <a:r>
-              <a:rPr lang="en-US" sz="2000" dirty="0">
+              <a:rPr lang="en-US" sz="2600" dirty="0">
                 <a:solidFill>
                   <a:srgbClr val="00B050"/>
                 </a:solidFill>
                 <a:latin typeface="Euclid Circular B" panose="020B0504000000000000" pitchFamily="34" charset="0"/>
                 <a:ea typeface="Euclid Circular B" panose="020B0504000000000000" pitchFamily="34" charset="0"/>
               </a:rPr>
-              <a:t>😊 </a:t>
-            </a:r>
-            <a:r>
-              <a:rPr lang="en-US" sz="2400" dirty="0">
+              <a:t>😊 Simple implementation</a:t>
+            </a:r>
+          </a:p>
+          <a:p>
+            <a:r>
+              <a:rPr lang="en-US" sz="2600" dirty="0">
                 <a:solidFill>
                   <a:srgbClr val="00B050"/>
                 </a:solidFill>
                 <a:latin typeface="Euclid Circular B" panose="020B0504000000000000" pitchFamily="34" charset="0"/>
                 <a:ea typeface="Euclid Circular B" panose="020B0504000000000000" pitchFamily="34" charset="0"/>
               </a:rPr>
-              <a:t>Simple implementation</a:t>
-            </a:r>
-          </a:p>
-          <a:p>
-            <a:r>
-              <a:rPr lang="en-US" sz="2000" dirty="0">
-                <a:solidFill>
-                  <a:srgbClr val="00B050"/>
-                </a:solidFill>
-                <a:latin typeface="Euclid Circular B" panose="020B0504000000000000" pitchFamily="34" charset="0"/>
-                <a:ea typeface="Euclid Circular B" panose="020B0504000000000000" pitchFamily="34" charset="0"/>
-              </a:rPr>
-              <a:t>😊</a:t>
-            </a:r>
-            <a:r>
-              <a:rPr lang="en-US" sz="2400" dirty="0">
-                <a:solidFill>
-                  <a:srgbClr val="00B050"/>
-                </a:solidFill>
-                <a:latin typeface="Euclid Circular B" panose="020B0504000000000000" pitchFamily="34" charset="0"/>
-                <a:ea typeface="Euclid Circular B" panose="020B0504000000000000" pitchFamily="34" charset="0"/>
-              </a:rPr>
-              <a:t> All tenants are simultaneously being upgraded to the same version</a:t>
-            </a:r>
-          </a:p>
-          <a:p>
-            <a:r>
-              <a:rPr lang="en-US" sz="2000" dirty="0">
+              <a:t>😊 All tenants are upgraded to the same version at once</a:t>
+            </a:r>
+          </a:p>
+          <a:p>
+            <a:r>
+              <a:rPr lang="en-US" sz="2600" dirty="0">
                 <a:solidFill>
                   <a:srgbClr val="FF0000"/>
                 </a:solidFill>
                 <a:latin typeface="Euclid Circular B" panose="020B0504000000000000" pitchFamily="34" charset="0"/>
                 <a:ea typeface="Euclid Circular B" panose="020B0504000000000000" pitchFamily="34" charset="0"/>
               </a:rPr>
-              <a:t>😡</a:t>
-            </a:r>
-            <a:r>
-              <a:rPr lang="en-US" sz="2400" dirty="0">
+              <a:t>😡 Can be slow with many tenants or large datasets</a:t>
+            </a:r>
+          </a:p>
+          <a:p>
+            <a:r>
+              <a:rPr lang="en-US" sz="2600" dirty="0">
                 <a:solidFill>
                   <a:srgbClr val="FF0000"/>
                 </a:solidFill>
                 <a:latin typeface="Euclid Circular B" panose="020B0504000000000000" pitchFamily="34" charset="0"/>
                 <a:ea typeface="Euclid Circular B" panose="020B0504000000000000" pitchFamily="34" charset="0"/>
               </a:rPr>
-              <a:t> Can take a long time when there are many tenants / large datasets</a:t>
-            </a:r>
-          </a:p>
-          <a:p>
-            <a:r>
-              <a:rPr lang="en-US" sz="2000" dirty="0">
-                <a:solidFill>
-                  <a:srgbClr val="FF0000"/>
-                </a:solidFill>
-                <a:latin typeface="Euclid Circular B" panose="020B0504000000000000" pitchFamily="34" charset="0"/>
-                <a:ea typeface="Euclid Circular B" panose="020B0504000000000000" pitchFamily="34" charset="0"/>
-              </a:rPr>
-              <a:t>😡 </a:t>
-            </a:r>
-            <a:r>
-              <a:rPr lang="en-US" sz="2400" dirty="0">
-                <a:solidFill>
-                  <a:srgbClr val="FF0000"/>
-                </a:solidFill>
-                <a:latin typeface="Euclid Circular B" panose="020B0504000000000000" pitchFamily="34" charset="0"/>
-                <a:ea typeface="Euclid Circular B" panose="020B0504000000000000" pitchFamily="34" charset="0"/>
-              </a:rPr>
-              <a:t>All tenants are blocked until the entire upgrade is completed</a:t>
-            </a:r>
+              <a:t>😡 All tenants are blocked until the entire upgrade is completed</a:t>
+            </a:r>
+          </a:p>
+        </p:txBody>
+      </p:sp>
+      <p:sp>
+        <p:nvSpPr>
+          <p:cNvPr id="14" name="Rectangle: Rounded Corners 13">
+            <a:extLst>
+              <a:ext uri="{FF2B5EF4-FFF2-40B4-BE49-F238E27FC236}">
+                <a16:creationId xmlns:a16="http://schemas.microsoft.com/office/drawing/2014/main" id="{CCE6AEF7-F250-4281-975E-640ABA5468CF}"/>
+              </a:ext>
+            </a:extLst>
+          </p:cNvPr>
+          <p:cNvSpPr/>
+          <p:nvPr/>
+        </p:nvSpPr>
+        <p:spPr>
+          <a:xfrm>
+            <a:off x="285275" y="3750367"/>
+            <a:ext cx="11604950" cy="2844337"/>
+          </a:xfrm>
+          <a:prstGeom prst="roundRect">
+            <a:avLst/>
+          </a:prstGeom>
+          <a:noFill/>
+          <a:ln w="38100" cap="flat" cmpd="sng" algn="ctr">
+            <a:solidFill>
+              <a:schemeClr val="bg1">
+                <a:lumMod val="65000"/>
+              </a:schemeClr>
+            </a:solidFill>
+            <a:prstDash val="sysDash"/>
+            <a:round/>
+            <a:headEnd type="none" w="med" len="med"/>
+            <a:tailEnd type="none" w="med" len="med"/>
+          </a:ln>
+        </p:spPr>
+        <p:style>
+          <a:lnRef idx="0">
+            <a:scrgbClr r="0" g="0" b="0"/>
+          </a:lnRef>
+          <a:fillRef idx="0">
+            <a:scrgbClr r="0" g="0" b="0"/>
+          </a:fillRef>
+          <a:effectRef idx="0">
+            <a:scrgbClr r="0" g="0" b="0"/>
+          </a:effectRef>
+          <a:fontRef idx="minor">
+            <a:schemeClr val="dk1"/>
+          </a:fontRef>
+        </p:style>
+        <p:txBody>
+          <a:bodyPr rtlCol="0" anchor="ctr"/>
+          <a:lstStyle/>
+          <a:p>
+            <a:pPr algn="ctr"/>
+            <a:endParaRPr lang="en-US" dirty="0">
+              <a:solidFill>
+                <a:schemeClr val="bg1">
+                  <a:lumMod val="65000"/>
+                </a:schemeClr>
+              </a:solidFill>
+            </a:endParaRPr>
           </a:p>
         </p:txBody>
       </p:sp>
@@ -28441,8 +29112,8 @@
         </p:nvSpPr>
         <p:spPr>
           <a:xfrm>
-            <a:off x="513307" y="4204951"/>
-            <a:ext cx="10704871" cy="1938992"/>
+            <a:off x="360906" y="4349082"/>
+            <a:ext cx="10536162" cy="2092881"/>
           </a:xfrm>
           <a:prstGeom prst="rect">
             <a:avLst/>
@@ -28453,212 +29124,69 @@
           <a:bodyPr wrap="square">
             <a:spAutoFit/>
           </a:bodyPr>
-          <a:lstStyle/>
-          <a:p>
-            <a:r>
-              <a:rPr lang="en-US" sz="2400" b="1" dirty="0">
-                <a:solidFill>
-                  <a:schemeClr val="tx1">
-                    <a:lumMod val="50000"/>
-                    <a:lumOff val="50000"/>
-                  </a:schemeClr>
-                </a:solidFill>
-                <a:latin typeface="Euclid Circular B" panose="020B0504000000000000" pitchFamily="34" charset="0"/>
-                <a:ea typeface="Euclid Circular B" panose="020B0504000000000000" pitchFamily="34" charset="0"/>
-              </a:rPr>
-              <a:t>#2: Run migration on first DB access</a:t>
-            </a:r>
-            <a:br>
-              <a:rPr lang="en-US" sz="2400" b="1" dirty="0">
-                <a:latin typeface="Euclid Circular B" panose="020B0504000000000000" pitchFamily="34" charset="0"/>
-                <a:ea typeface="Euclid Circular B" panose="020B0504000000000000" pitchFamily="34" charset="0"/>
-              </a:rPr>
-            </a:br>
-            <a:endParaRPr lang="en-US" sz="2400" b="1" dirty="0">
-              <a:latin typeface="Euclid Circular B" panose="020B0504000000000000" pitchFamily="34" charset="0"/>
-              <a:ea typeface="Euclid Circular B" panose="020B0504000000000000" pitchFamily="34" charset="0"/>
-            </a:endParaRPr>
-          </a:p>
-          <a:p>
-            <a:r>
-              <a:rPr lang="en-US" sz="2000" dirty="0">
+          <a:lstStyle>
+            <a:defPPr>
+              <a:defRPr lang="en-US"/>
+            </a:defPPr>
+            <a:lvl1pPr>
+              <a:defRPr sz="2400">
                 <a:solidFill>
                   <a:srgbClr val="00B050"/>
                 </a:solidFill>
                 <a:latin typeface="Euclid Circular B" panose="020B0504000000000000" pitchFamily="34" charset="0"/>
                 <a:ea typeface="Euclid Circular B" panose="020B0504000000000000" pitchFamily="34" charset="0"/>
-              </a:rPr>
-              <a:t>😊</a:t>
-            </a:r>
-            <a:r>
-              <a:rPr lang="en-US" sz="2400" dirty="0">
-                <a:solidFill>
-                  <a:srgbClr val="00B050"/>
-                </a:solidFill>
-                <a:latin typeface="Euclid Circular B" panose="020B0504000000000000" pitchFamily="34" charset="0"/>
-                <a:ea typeface="Euclid Circular B" panose="020B0504000000000000" pitchFamily="34" charset="0"/>
-              </a:rPr>
-              <a:t> Upgrading is distributed to time. A tenant doesn’t wait for another</a:t>
-            </a:r>
-          </a:p>
-          <a:p>
-            <a:r>
-              <a:rPr lang="en-US" sz="2000" dirty="0">
+              </a:defRPr>
+            </a:lvl1pPr>
+          </a:lstStyle>
+          <a:p>
+            <a:r>
+              <a:rPr lang="en-US" sz="2600" dirty="0"/>
+              <a:t>😊 Upgrading is distributed to time. </a:t>
+            </a:r>
+            <a:br>
+              <a:rPr lang="en-US" sz="2600" dirty="0"/>
+            </a:br>
+            <a:r>
+              <a:rPr lang="en-US" sz="2600" dirty="0"/>
+              <a:t>       A tenant doesn’t wait for another</a:t>
+            </a:r>
+          </a:p>
+          <a:p>
+            <a:r>
+              <a:rPr lang="en-US" sz="2600" dirty="0"/>
+              <a:t>😡 </a:t>
+            </a:r>
+            <a:r>
+              <a:rPr lang="en-US" sz="2600" dirty="0">
                 <a:solidFill>
                   <a:srgbClr val="FF0000"/>
                 </a:solidFill>
-                <a:latin typeface="Euclid Circular B" panose="020B0504000000000000" pitchFamily="34" charset="0"/>
-                <a:ea typeface="Euclid Circular B" panose="020B0504000000000000" pitchFamily="34" charset="0"/>
               </a:rPr>
-              <a:t>😡</a:t>
-            </a:r>
-            <a:r>
-              <a:rPr lang="en-US" sz="2400" dirty="0">
+              <a:t>The first user may wait too much, </a:t>
+            </a:r>
+          </a:p>
+          <a:p>
+            <a:r>
+              <a:rPr lang="en-US" sz="2600" dirty="0">
                 <a:solidFill>
                   <a:srgbClr val="FF0000"/>
                 </a:solidFill>
-                <a:latin typeface="Euclid Circular B" panose="020B0504000000000000" pitchFamily="34" charset="0"/>
-                <a:ea typeface="Euclid Circular B" panose="020B0504000000000000" pitchFamily="34" charset="0"/>
               </a:rPr>
-              <a:t> The first user may wait too much and see timeout exception</a:t>
-            </a:r>
-          </a:p>
-          <a:p>
-            <a:r>
-              <a:rPr lang="en-US" sz="2000" dirty="0">
+              <a:t>       Expect timeout exceptions</a:t>
+            </a:r>
+          </a:p>
+          <a:p>
+            <a:r>
+              <a:rPr lang="en-US" sz="2600" dirty="0">
                 <a:solidFill>
                   <a:srgbClr val="FF0000"/>
                 </a:solidFill>
-                <a:latin typeface="Euclid Circular B" panose="020B0504000000000000" pitchFamily="34" charset="0"/>
-                <a:ea typeface="Euclid Circular B" panose="020B0504000000000000" pitchFamily="34" charset="0"/>
               </a:rPr>
-              <a:t>😡</a:t>
-            </a:r>
-            <a:r>
-              <a:rPr lang="en-US" sz="2400" dirty="0">
-                <a:solidFill>
-                  <a:srgbClr val="FF0000"/>
-                </a:solidFill>
-                <a:latin typeface="Euclid Circular B" panose="020B0504000000000000" pitchFamily="34" charset="0"/>
-                <a:ea typeface="Euclid Circular B" panose="020B0504000000000000" pitchFamily="34" charset="0"/>
-              </a:rPr>
-              <a:t> More complex implementation (concurrency/race condition issues)</a:t>
+              <a:t>😡 Complex implementation (concurrency/race condition issues)</a:t>
             </a:r>
           </a:p>
         </p:txBody>
       </p:sp>
-      <p:cxnSp>
-        <p:nvCxnSpPr>
-          <p:cNvPr id="8" name="Straight Connector 7">
-            <a:extLst>
-              <a:ext uri="{FF2B5EF4-FFF2-40B4-BE49-F238E27FC236}">
-                <a16:creationId xmlns:a16="http://schemas.microsoft.com/office/drawing/2014/main" id="{92DCAFA9-6B86-4379-97CF-A3EC309EB7A3}"/>
-              </a:ext>
-            </a:extLst>
-          </p:cNvPr>
-          <p:cNvCxnSpPr>
-            <a:cxnSpLocks/>
-          </p:cNvCxnSpPr>
-          <p:nvPr/>
-        </p:nvCxnSpPr>
-        <p:spPr>
-          <a:xfrm>
-            <a:off x="250407" y="3711906"/>
-            <a:ext cx="11715451" cy="0"/>
-          </a:xfrm>
-          <a:prstGeom prst="line">
-            <a:avLst/>
-          </a:prstGeom>
-          <a:ln w="57150">
-            <a:solidFill>
-              <a:schemeClr val="bg1">
-                <a:lumMod val="95000"/>
-              </a:schemeClr>
-            </a:solidFill>
-          </a:ln>
-          <a:effectLst>
-            <a:outerShdw blurRad="50800" dist="50800" dir="5400000" algn="ctr" rotWithShape="0">
-              <a:schemeClr val="bg1">
-                <a:lumMod val="85000"/>
-              </a:schemeClr>
-            </a:outerShdw>
-          </a:effectLst>
-        </p:spPr>
-        <p:style>
-          <a:lnRef idx="1">
-            <a:schemeClr val="accent1"/>
-          </a:lnRef>
-          <a:fillRef idx="0">
-            <a:schemeClr val="accent1"/>
-          </a:fillRef>
-          <a:effectRef idx="0">
-            <a:schemeClr val="accent1"/>
-          </a:effectRef>
-          <a:fontRef idx="minor">
-            <a:schemeClr val="tx1"/>
-          </a:fontRef>
-        </p:style>
-      </p:cxnSp>
-      <p:pic>
-        <p:nvPicPr>
-          <p:cNvPr id="11" name="Picture 10">
-            <a:extLst>
-              <a:ext uri="{FF2B5EF4-FFF2-40B4-BE49-F238E27FC236}">
-                <a16:creationId xmlns:a16="http://schemas.microsoft.com/office/drawing/2014/main" id="{728555F2-F513-DA8A-0597-5407607C441B}"/>
-              </a:ext>
-            </a:extLst>
-          </p:cNvPr>
-          <p:cNvPicPr>
-            <a:picLocks noChangeAspect="1"/>
-          </p:cNvPicPr>
-          <p:nvPr/>
-        </p:nvPicPr>
-        <p:blipFill>
-          <a:blip r:embed="rId4"/>
-          <a:stretch>
-            <a:fillRect/>
-          </a:stretch>
-        </p:blipFill>
-        <p:spPr>
-          <a:xfrm>
-            <a:off x="9498538" y="4232335"/>
-            <a:ext cx="2467319" cy="1943371"/>
-          </a:xfrm>
-          <a:prstGeom prst="rect">
-            <a:avLst/>
-          </a:prstGeom>
-        </p:spPr>
-      </p:pic>
-      <p:pic>
-        <p:nvPicPr>
-          <p:cNvPr id="15" name="Picture 14">
-            <a:extLst>
-              <a:ext uri="{FF2B5EF4-FFF2-40B4-BE49-F238E27FC236}">
-                <a16:creationId xmlns:a16="http://schemas.microsoft.com/office/drawing/2014/main" id="{F414523B-5372-D3ED-6C31-74694482617E}"/>
-              </a:ext>
-            </a:extLst>
-          </p:cNvPr>
-          <p:cNvPicPr>
-            <a:picLocks noChangeAspect="1"/>
-          </p:cNvPicPr>
-          <p:nvPr/>
-        </p:nvPicPr>
-        <p:blipFill>
-          <a:blip r:embed="rId5"/>
-          <a:stretch>
-            <a:fillRect/>
-          </a:stretch>
-        </p:blipFill>
-        <p:spPr>
-          <a:xfrm>
-            <a:off x="9498539" y="1242201"/>
-            <a:ext cx="2467319" cy="2120455"/>
-          </a:xfrm>
-          <a:prstGeom prst="rect">
-            <a:avLst/>
-          </a:prstGeom>
-        </p:spPr>
-      </p:pic>
     </p:spTree>
     <p:extLst>
       <p:ext uri="{BB962C8B-B14F-4D97-AF65-F5344CB8AC3E}">
@@ -28739,8 +29267,25 @@
                 <a:latin typeface="Euclid Circular B" panose="020B0504000000000000" pitchFamily="34" charset="0"/>
                 <a:ea typeface="Euclid Circular B" panose="020B0504000000000000" pitchFamily="34" charset="0"/>
               </a:rPr>
-              <a:t>Database Migration — Ideal Way</a:t>
-            </a:r>
+              <a:t>Database Migration </a:t>
+            </a:r>
+            <a:r>
+              <a:rPr lang="en-US" sz="4400" b="1" noProof="0" dirty="0">
+                <a:solidFill>
+                  <a:srgbClr val="292D33"/>
+                </a:solidFill>
+                <a:latin typeface="Euclid Circular B" panose="020B0504000000000000" pitchFamily="34" charset="0"/>
+                <a:ea typeface="Euclid Circular B" panose="020B0504000000000000" pitchFamily="34" charset="0"/>
+              </a:rPr>
+              <a:t>Strategies</a:t>
+            </a:r>
+            <a:endParaRPr lang="en-US" b="1" noProof="0" dirty="0">
+              <a:solidFill>
+                <a:srgbClr val="292D33"/>
+              </a:solidFill>
+              <a:latin typeface="Euclid Circular B" panose="020B0504000000000000" pitchFamily="34" charset="0"/>
+              <a:ea typeface="Euclid Circular B" panose="020B0504000000000000" pitchFamily="34" charset="0"/>
+            </a:endParaRPr>
           </a:p>
         </p:txBody>
       </p:sp>
@@ -28758,8 +29303,8 @@
         </p:nvSpPr>
         <p:spPr>
           <a:xfrm>
-            <a:off x="561949" y="1367706"/>
-            <a:ext cx="10641227" cy="1384995"/>
+            <a:off x="498152" y="1420047"/>
+            <a:ext cx="7327411" cy="523220"/>
           </a:xfrm>
           <a:prstGeom prst="rect">
             <a:avLst/>
@@ -28782,26 +29327,98 @@
                 </a:solidFill>
                 <a:latin typeface="Euclid Circular B" panose="020B0504000000000000" pitchFamily="34" charset="0"/>
               </a:rPr>
-              <a:t>#3: Two types application servers. </a:t>
-            </a:r>
-          </a:p>
-          <a:p>
-            <a:r>
-              <a:rPr lang="en-US" sz="2800" dirty="0"/>
-              <a:t>Upgraded tenants are routed to the new version, </a:t>
-            </a:r>
-          </a:p>
-          <a:p>
-            <a:r>
-              <a:rPr lang="en-US" sz="2800" dirty="0"/>
-              <a:t>while others continue using the old version.</a:t>
-            </a:r>
-            <a:endParaRPr lang="en-US" sz="2400" dirty="0">
+              <a:t>#3: Two Types of Application Servers</a:t>
+            </a:r>
+          </a:p>
+        </p:txBody>
+      </p:sp>
+      <p:pic>
+        <p:nvPicPr>
+          <p:cNvPr id="14" name="Picture 13">
+            <a:extLst>
+              <a:ext uri="{FF2B5EF4-FFF2-40B4-BE49-F238E27FC236}">
+                <a16:creationId xmlns:a16="http://schemas.microsoft.com/office/drawing/2014/main" id="{1D3D6E03-0C84-3D35-2D23-3237D45359FE}"/>
+              </a:ext>
+            </a:extLst>
+          </p:cNvPr>
+          <p:cNvPicPr>
+            <a:picLocks noChangeAspect="1"/>
+          </p:cNvPicPr>
+          <p:nvPr/>
+        </p:nvPicPr>
+        <p:blipFill rotWithShape="1">
+          <a:blip r:embed="rId4"/>
+          <a:srcRect l="4389" r="3603"/>
+          <a:stretch/>
+        </p:blipFill>
+        <p:spPr>
+          <a:xfrm>
+            <a:off x="7679246" y="2112544"/>
+            <a:ext cx="4083485" cy="3765750"/>
+          </a:xfrm>
+          <a:prstGeom prst="rect">
+            <a:avLst/>
+          </a:prstGeom>
+        </p:spPr>
+      </p:pic>
+      <p:sp>
+        <p:nvSpPr>
+          <p:cNvPr id="11" name="Rectangle: Rounded Corners 10">
+            <a:extLst>
+              <a:ext uri="{FF2B5EF4-FFF2-40B4-BE49-F238E27FC236}">
+                <a16:creationId xmlns:a16="http://schemas.microsoft.com/office/drawing/2014/main" id="{E4DBB673-E7E4-4CEF-845A-820E132857FA}"/>
+              </a:ext>
+            </a:extLst>
+          </p:cNvPr>
+          <p:cNvSpPr/>
+          <p:nvPr/>
+        </p:nvSpPr>
+        <p:spPr>
+          <a:xfrm>
+            <a:off x="285275" y="1079028"/>
+            <a:ext cx="11643050" cy="5305235"/>
+          </a:xfrm>
+          <a:prstGeom prst="roundRect">
+            <a:avLst/>
+          </a:prstGeom>
+          <a:noFill/>
+          <a:ln w="38100" cap="flat" cmpd="sng" algn="ctr">
+            <a:solidFill>
+              <a:schemeClr val="bg1">
+                <a:lumMod val="65000"/>
+              </a:schemeClr>
+            </a:solidFill>
+            <a:prstDash val="sysDash"/>
+            <a:round/>
+            <a:headEnd type="none" w="med" len="med"/>
+            <a:tailEnd type="none" w="med" len="med"/>
+          </a:ln>
+        </p:spPr>
+        <p:style>
+          <a:lnRef idx="0">
+            <a:scrgbClr r="0" g="0" b="0"/>
+          </a:lnRef>
+          <a:fillRef idx="0">
+            <a:scrgbClr r="0" g="0" b="0"/>
+          </a:fillRef>
+          <a:effectRef idx="0">
+            <a:scrgbClr r="0" g="0" b="0"/>
+          </a:effectRef>
+          <a:fontRef idx="minor">
+            <a:schemeClr val="dk1"/>
+          </a:fontRef>
+        </p:style>
+        <p:txBody>
+          <a:bodyPr rtlCol="0" anchor="ctr"/>
+          <a:lstStyle/>
+          <a:p>
+            <a:pPr algn="ctr"/>
+            <a:endParaRPr lang="en-US" dirty="0">
               <a:solidFill>
-                <a:srgbClr val="FF0000"/>
+                <a:schemeClr val="bg1">
+                  <a:lumMod val="65000"/>
+                </a:schemeClr>
               </a:solidFill>
-              <a:latin typeface="Euclid Circular B" panose="020B0504000000000000" pitchFamily="34" charset="0"/>
-              <a:ea typeface="Euclid Circular B" panose="020B0504000000000000" pitchFamily="34" charset="0"/>
             </a:endParaRPr>
           </a:p>
         </p:txBody>
@@ -28820,8 +29437,8 @@
         </p:nvSpPr>
         <p:spPr>
           <a:xfrm>
-            <a:off x="1003857" y="3448878"/>
-            <a:ext cx="6604164" cy="2554545"/>
+            <a:off x="498151" y="3409589"/>
+            <a:ext cx="7181095" cy="2246769"/>
           </a:xfrm>
           <a:prstGeom prst="rect">
             <a:avLst/>
@@ -28835,19 +29452,19 @@
           <a:lstStyle/>
           <a:p>
             <a:r>
-              <a:rPr lang="en-US" sz="3200" dirty="0">
+              <a:rPr lang="en-US" sz="2800" dirty="0">
                 <a:solidFill>
                   <a:srgbClr val="00B050"/>
                 </a:solidFill>
                 <a:latin typeface="Euclid Circular B" panose="020B0504000000000000" pitchFamily="34" charset="0"/>
                 <a:ea typeface="Euclid Circular B" panose="020B0504000000000000" pitchFamily="34" charset="0"/>
               </a:rPr>
-              <a:t>Min downtime/wait time per tenant</a:t>
-            </a:r>
-          </a:p>
-          <a:p>
-            <a:r>
-              <a:rPr lang="en-US" sz="3200" dirty="0">
+              <a:t>😊Min downtime/wait time per tenant</a:t>
+            </a:r>
+          </a:p>
+          <a:p>
+            <a:r>
+              <a:rPr lang="en-US" sz="2800" dirty="0">
                 <a:solidFill>
                   <a:srgbClr val="00B050"/>
                 </a:solidFill>
@@ -28859,16 +29476,6 @@
           </a:p>
           <a:p>
             <a:r>
-              <a:rPr lang="en-US" sz="3200" dirty="0">
-                <a:solidFill>
-                  <a:srgbClr val="00B050"/>
-                </a:solidFill>
-                <a:latin typeface="Euclid Circular B" panose="020B0504000000000000" pitchFamily="34" charset="0"/>
-                <a:ea typeface="Euclid Circular B" panose="020B0504000000000000" pitchFamily="34" charset="0"/>
-              </a:rPr>
-              <a:t>Run </a:t>
-            </a:r>
-            <a:r>
               <a:rPr lang="en-US" sz="2800" dirty="0">
                 <a:solidFill>
                   <a:srgbClr val="00B050"/>
@@ -28876,10 +29483,20 @@
                 <a:latin typeface="Euclid Circular B" panose="020B0504000000000000" pitchFamily="34" charset="0"/>
                 <a:ea typeface="Euclid Circular B" panose="020B0504000000000000" pitchFamily="34" charset="0"/>
               </a:rPr>
+              <a:t>😊Run </a:t>
+            </a:r>
+            <a:r>
+              <a:rPr lang="en-US" sz="2400" dirty="0">
+                <a:solidFill>
+                  <a:srgbClr val="00B050"/>
+                </a:solidFill>
+                <a:latin typeface="Euclid Circular B" panose="020B0504000000000000" pitchFamily="34" charset="0"/>
+                <a:ea typeface="Euclid Circular B" panose="020B0504000000000000" pitchFamily="34" charset="0"/>
+              </a:rPr>
               <a:t>A/B</a:t>
             </a:r>
             <a:r>
-              <a:rPr lang="en-US" sz="3200" dirty="0">
+              <a:rPr lang="en-US" sz="2800" dirty="0">
                 <a:solidFill>
                   <a:srgbClr val="00B050"/>
                 </a:solidFill>
@@ -28891,24 +29508,60 @@
           </a:p>
           <a:p>
             <a:r>
-              <a:rPr lang="en-US" sz="3200" dirty="0">
+              <a:rPr lang="en-US" sz="2800" dirty="0">
                 <a:solidFill>
                   <a:srgbClr val="FF0000"/>
                 </a:solidFill>
                 <a:latin typeface="Euclid Circular B" panose="020B0504000000000000" pitchFamily="34" charset="0"/>
                 <a:ea typeface="Euclid Circular B" panose="020B0504000000000000" pitchFamily="34" charset="0"/>
               </a:rPr>
-              <a:t>Complexity in deployment, monitoring and maintenance multiple servers</a:t>
+              <a:t>😡Complexity in deployment, monitoring and maintenance multiple servers</a:t>
             </a:r>
           </a:p>
         </p:txBody>
       </p:sp>
+      <p:pic>
+        <p:nvPicPr>
+          <p:cNvPr id="7" name="Picture 6">
+            <a:extLst>
+              <a:ext uri="{FF2B5EF4-FFF2-40B4-BE49-F238E27FC236}">
+                <a16:creationId xmlns:a16="http://schemas.microsoft.com/office/drawing/2014/main" id="{1A245612-647A-43CD-A1B3-8D523D338B6C}"/>
+              </a:ext>
+            </a:extLst>
+          </p:cNvPr>
+          <p:cNvPicPr>
+            <a:picLocks noChangeAspect="1"/>
+          </p:cNvPicPr>
+          <p:nvPr/>
+        </p:nvPicPr>
+        <p:blipFill>
+          <a:blip r:embed="rId5">
+            <a:extLst>
+              <a:ext uri="{28A0092B-C50C-407E-A947-70E740481C1C}">
+                <a14:useLocalDpi xmlns:a14="http://schemas.microsoft.com/office/drawing/2010/main" val="0"/>
+              </a:ext>
+            </a:extLst>
+          </a:blip>
+          <a:stretch>
+            <a:fillRect/>
+          </a:stretch>
+        </p:blipFill>
+        <p:spPr>
+          <a:xfrm>
+            <a:off x="8977618" y="266700"/>
+            <a:ext cx="565939" cy="565939"/>
+          </a:xfrm>
+          <a:prstGeom prst="rect">
+            <a:avLst/>
+          </a:prstGeom>
+        </p:spPr>
+      </p:pic>
       <p:sp>
         <p:nvSpPr>
-          <p:cNvPr id="8" name="TextBox 7">
+          <p:cNvPr id="15" name="TextBox 14">
             <a:extLst>
               <a:ext uri="{FF2B5EF4-FFF2-40B4-BE49-F238E27FC236}">
-                <a16:creationId xmlns:a16="http://schemas.microsoft.com/office/drawing/2014/main" id="{6E31FA28-6600-3C96-F942-4BFC49870964}"/>
+                <a16:creationId xmlns:a16="http://schemas.microsoft.com/office/drawing/2014/main" id="{C04A1CC6-3823-494A-8F9F-566637F124C4}"/>
               </a:ext>
             </a:extLst>
           </p:cNvPr>
@@ -28917,8 +29570,8 @@
         </p:nvSpPr>
         <p:spPr>
           <a:xfrm>
-            <a:off x="487017" y="3488634"/>
-            <a:ext cx="576470" cy="523220"/>
+            <a:off x="551316" y="1954468"/>
+            <a:ext cx="7327411" cy="954107"/>
           </a:xfrm>
           <a:prstGeom prst="rect">
             <a:avLst/>
@@ -28932,171 +29585,25 @@
           <a:lstStyle/>
           <a:p>
             <a:r>
-              <a:rPr lang="en-US" sz="2800" dirty="0">
-                <a:solidFill>
-                  <a:srgbClr val="00B050"/>
-                </a:solidFill>
-                <a:latin typeface="Euclid Circular B" panose="020B0504000000000000" pitchFamily="34" charset="0"/>
-                <a:ea typeface="Euclid Circular B" panose="020B0504000000000000" pitchFamily="34" charset="0"/>
-              </a:rPr>
-              <a:t>😊</a:t>
-            </a:r>
+              <a:rPr lang="en-US" sz="2800" dirty="0"/>
+              <a:t>Upgraded tenants are routed to the new version, </a:t>
+            </a:r>
+          </a:p>
+          <a:p>
+            <a:r>
+              <a:rPr lang="en-US" sz="2800" dirty="0"/>
+              <a:t>while others continue using the old version.</a:t>
+            </a:r>
+            <a:endParaRPr lang="en-US" sz="2400" dirty="0">
+              <a:solidFill>
+                <a:srgbClr val="FF0000"/>
+              </a:solidFill>
+              <a:latin typeface="Euclid Circular B" panose="020B0504000000000000" pitchFamily="34" charset="0"/>
+              <a:ea typeface="Euclid Circular B" panose="020B0504000000000000" pitchFamily="34" charset="0"/>
+            </a:endParaRPr>
           </a:p>
         </p:txBody>
       </p:sp>
-      <p:sp>
-        <p:nvSpPr>
-          <p:cNvPr id="9" name="TextBox 8">
-            <a:extLst>
-              <a:ext uri="{FF2B5EF4-FFF2-40B4-BE49-F238E27FC236}">
-                <a16:creationId xmlns:a16="http://schemas.microsoft.com/office/drawing/2014/main" id="{4BD112BE-7822-D7EF-6D29-2D511C132C3C}"/>
-              </a:ext>
-            </a:extLst>
-          </p:cNvPr>
-          <p:cNvSpPr txBox="1"/>
-          <p:nvPr/>
-        </p:nvSpPr>
-        <p:spPr>
-          <a:xfrm>
-            <a:off x="487017" y="3975656"/>
-            <a:ext cx="576470" cy="523220"/>
-          </a:xfrm>
-          <a:prstGeom prst="rect">
-            <a:avLst/>
-          </a:prstGeom>
-          <a:noFill/>
-        </p:spPr>
-        <p:txBody>
-          <a:bodyPr wrap="square">
-            <a:spAutoFit/>
-          </a:bodyPr>
-          <a:lstStyle/>
-          <a:p>
-            <a:r>
-              <a:rPr lang="en-US" sz="2800" dirty="0">
-                <a:solidFill>
-                  <a:srgbClr val="00B050"/>
-                </a:solidFill>
-                <a:latin typeface="Euclid Circular B" panose="020B0504000000000000" pitchFamily="34" charset="0"/>
-                <a:ea typeface="Euclid Circular B" panose="020B0504000000000000" pitchFamily="34" charset="0"/>
-              </a:rPr>
-              <a:t>😊</a:t>
-            </a:r>
-          </a:p>
-        </p:txBody>
-      </p:sp>
-      <p:sp>
-        <p:nvSpPr>
-          <p:cNvPr id="10" name="TextBox 9">
-            <a:extLst>
-              <a:ext uri="{FF2B5EF4-FFF2-40B4-BE49-F238E27FC236}">
-                <a16:creationId xmlns:a16="http://schemas.microsoft.com/office/drawing/2014/main" id="{98B59D20-125B-EEEF-796C-9D1D98A1EE15}"/>
-              </a:ext>
-            </a:extLst>
-          </p:cNvPr>
-          <p:cNvSpPr txBox="1"/>
-          <p:nvPr/>
-        </p:nvSpPr>
-        <p:spPr>
-          <a:xfrm>
-            <a:off x="487017" y="4498876"/>
-            <a:ext cx="576470" cy="523220"/>
-          </a:xfrm>
-          <a:prstGeom prst="rect">
-            <a:avLst/>
-          </a:prstGeom>
-          <a:noFill/>
-        </p:spPr>
-        <p:txBody>
-          <a:bodyPr wrap="square">
-            <a:spAutoFit/>
-          </a:bodyPr>
-          <a:lstStyle/>
-          <a:p>
-            <a:r>
-              <a:rPr lang="en-US" sz="2800" dirty="0">
-                <a:solidFill>
-                  <a:srgbClr val="00B050"/>
-                </a:solidFill>
-                <a:latin typeface="Euclid Circular B" panose="020B0504000000000000" pitchFamily="34" charset="0"/>
-                <a:ea typeface="Euclid Circular B" panose="020B0504000000000000" pitchFamily="34" charset="0"/>
-              </a:rPr>
-              <a:t>😊</a:t>
-            </a:r>
-          </a:p>
-        </p:txBody>
-      </p:sp>
-      <p:sp>
-        <p:nvSpPr>
-          <p:cNvPr id="12" name="TextBox 11">
-            <a:extLst>
-              <a:ext uri="{FF2B5EF4-FFF2-40B4-BE49-F238E27FC236}">
-                <a16:creationId xmlns:a16="http://schemas.microsoft.com/office/drawing/2014/main" id="{24141A3C-4FAB-C4B7-5583-B3761743033D}"/>
-              </a:ext>
-            </a:extLst>
-          </p:cNvPr>
-          <p:cNvSpPr txBox="1"/>
-          <p:nvPr/>
-        </p:nvSpPr>
-        <p:spPr>
-          <a:xfrm>
-            <a:off x="487017" y="4985898"/>
-            <a:ext cx="628649" cy="523220"/>
-          </a:xfrm>
-          <a:prstGeom prst="rect">
-            <a:avLst/>
-          </a:prstGeom>
-          <a:noFill/>
-        </p:spPr>
-        <p:txBody>
-          <a:bodyPr wrap="square">
-            <a:spAutoFit/>
-          </a:bodyPr>
-          <a:lstStyle/>
-          <a:p>
-            <a:r>
-              <a:rPr lang="en-US" sz="2800" dirty="0">
-                <a:solidFill>
-                  <a:srgbClr val="FF0000"/>
-                </a:solidFill>
-                <a:latin typeface="Euclid Circular B" panose="020B0504000000000000" pitchFamily="34" charset="0"/>
-                <a:ea typeface="Euclid Circular B" panose="020B0504000000000000" pitchFamily="34" charset="0"/>
-              </a:rPr>
-              <a:t>😡</a:t>
-            </a:r>
-          </a:p>
-        </p:txBody>
-      </p:sp>
-      <p:pic>
-        <p:nvPicPr>
-          <p:cNvPr id="14" name="Picture 13">
-            <a:extLst>
-              <a:ext uri="{FF2B5EF4-FFF2-40B4-BE49-F238E27FC236}">
-                <a16:creationId xmlns:a16="http://schemas.microsoft.com/office/drawing/2014/main" id="{1D3D6E03-0C84-3D35-2D23-3237D45359FE}"/>
-              </a:ext>
-            </a:extLst>
-          </p:cNvPr>
-          <p:cNvPicPr>
-            <a:picLocks noChangeAspect="1"/>
-          </p:cNvPicPr>
-          <p:nvPr/>
-        </p:nvPicPr>
-        <p:blipFill>
-          <a:blip r:embed="rId4"/>
-          <a:stretch>
-            <a:fillRect/>
-          </a:stretch>
-        </p:blipFill>
-        <p:spPr>
-          <a:xfrm>
-            <a:off x="7534497" y="2207417"/>
-            <a:ext cx="4438205" cy="3765750"/>
-          </a:xfrm>
-          <a:prstGeom prst="rect">
-            <a:avLst/>
-          </a:prstGeom>
-        </p:spPr>
-      </p:pic>
     </p:spTree>
     <p:extLst>
       <p:ext uri="{BB962C8B-B14F-4D97-AF65-F5344CB8AC3E}">
@@ -30505,7 +31012,7 @@
         </p:style>
         <p:txBody>
           <a:bodyPr vert="horz" lIns="91440" tIns="45720" rIns="91440" bIns="45720" rtlCol="0" anchor="ctr">
-            <a:normAutofit lnSpcReduction="10000"/>
+            <a:normAutofit fontScale="85000" lnSpcReduction="10000"/>
           </a:bodyPr>
           <a:lstStyle>
             <a:lvl1pPr algn="l" defTabSz="914400" rtl="0" eaLnBrk="1" latinLnBrk="0" hangingPunct="1">
@@ -31680,7 +32187,7 @@
           </p:spPr>
           <p:txBody>
             <a:bodyPr vert="horz" lIns="91440" tIns="45720" rIns="91440" bIns="45720" rtlCol="0" anchor="ctr">
-              <a:normAutofit/>
+              <a:normAutofit fontScale="85000" lnSpcReduction="10000"/>
             </a:bodyPr>
             <a:lstStyle>
               <a:lvl1pPr marL="228600" indent="-228600" algn="l" defTabSz="914400" rtl="0" eaLnBrk="1" latinLnBrk="0" hangingPunct="1">
@@ -32404,6 +32911,9 @@
           </a:bodyPr>
           <a:lstStyle/>
           <a:p>
+            <a:pPr marL="0" indent="0">
+              <a:buNone/>
+            </a:pPr>
             <a:r>
               <a:rPr lang="en-US" noProof="0" dirty="0">
                 <a:latin typeface="Euclid Circular B" panose="020B0504000000000000" pitchFamily="34" charset="0"/>
@@ -32427,6 +32937,9 @@
             </a:r>
           </a:p>
           <a:p>
+            <a:pPr marL="0" indent="0">
+              <a:buNone/>
+            </a:pPr>
             <a:r>
               <a:rPr lang="en-US" u="sng" noProof="0" dirty="0">
                 <a:latin typeface="Euclid Circular B" panose="020B0504000000000000" pitchFamily="34" charset="0"/>
@@ -32443,6 +32956,9 @@
             </a:r>
           </a:p>
           <a:p>
+            <a:pPr marL="0" indent="0">
+              <a:buNone/>
+            </a:pPr>
             <a:r>
               <a:rPr lang="en-US" noProof="0" dirty="0">
                 <a:latin typeface="Euclid Circular B" panose="020B0504000000000000" pitchFamily="34" charset="0"/>
@@ -32743,7 +33259,7 @@
         </p:nvSpPr>
         <p:spPr>
           <a:xfrm>
-            <a:off x="913800" y="4765570"/>
+            <a:off x="838200" y="4765570"/>
             <a:ext cx="10440000" cy="1428321"/>
           </a:xfrm>
           <a:prstGeom prst="rect">
@@ -33989,10 +34505,10 @@
       </p:pic>
       <p:pic>
         <p:nvPicPr>
-          <p:cNvPr id="14" name="Picture 13">
+          <p:cNvPr id="5" name="Picture 4">
             <a:extLst>
               <a:ext uri="{FF2B5EF4-FFF2-40B4-BE49-F238E27FC236}">
-                <a16:creationId xmlns:a16="http://schemas.microsoft.com/office/drawing/2014/main" id="{5E03AAC0-50A5-905F-ACED-F584861300B0}"/>
+                <a16:creationId xmlns:a16="http://schemas.microsoft.com/office/drawing/2014/main" id="{656FC40B-497E-4B7F-BE58-AB4D97E2197B}"/>
               </a:ext>
             </a:extLst>
           </p:cNvPr>
@@ -34015,8 +34531,8 @@
         </p:blipFill>
         <p:spPr>
           <a:xfrm>
-            <a:off x="11002603" y="5061922"/>
-            <a:ext cx="963256" cy="963256"/>
+            <a:off x="10083404" y="5543550"/>
+            <a:ext cx="565939" cy="565939"/>
           </a:xfrm>
           <a:prstGeom prst="rect">
             <a:avLst/>

--- a/multi-tenancy-wearedevelopers-2025_30mins.pptx
+++ b/multi-tenancy-wearedevelopers-2025_30mins.pptx
@@ -21751,7 +21751,7 @@
           <a:graphicData uri="http://schemas.openxmlformats.org/presentationml/2006/ole">
             <mc:AlternateContent xmlns:mc="http://schemas.openxmlformats.org/markup-compatibility/2006">
               <mc:Choice xmlns:v="urn:schemas-microsoft-com:vml" Requires="v">
-                <p:oleObj spid="_x0000_s1036" name="Bitmap Image" r:id="rId5" imgW="6610320" imgH="1574640" progId="Paint.Picture">
+                <p:oleObj spid="_x0000_s1040" name="Bitmap Image" r:id="rId5" imgW="6610320" imgH="1574640" progId="Paint.Picture">
                   <p:embed/>
                 </p:oleObj>
               </mc:Choice>
@@ -32614,7 +32614,7 @@
         </p:nvSpPr>
         <p:spPr>
           <a:xfrm>
-            <a:off x="493345" y="5767432"/>
+            <a:off x="590583" y="5602511"/>
             <a:ext cx="10986646" cy="769441"/>
           </a:xfrm>
           <a:prstGeom prst="rect">
@@ -32640,36 +32640,6 @@
           </a:p>
         </p:txBody>
       </p:sp>
-      <p:pic>
-        <p:nvPicPr>
-          <p:cNvPr id="40" name="Picture 39">
-            <a:extLst>
-              <a:ext uri="{FF2B5EF4-FFF2-40B4-BE49-F238E27FC236}">
-                <a16:creationId xmlns:a16="http://schemas.microsoft.com/office/drawing/2014/main" id="{EC58CA4B-267C-6A9A-85C2-A453C5E58F54}"/>
-              </a:ext>
-            </a:extLst>
-          </p:cNvPr>
-          <p:cNvPicPr>
-            <a:picLocks noChangeAspect="1"/>
-          </p:cNvPicPr>
-          <p:nvPr/>
-        </p:nvPicPr>
-        <p:blipFill>
-          <a:blip r:embed="rId9"/>
-          <a:stretch>
-            <a:fillRect/>
-          </a:stretch>
-        </p:blipFill>
-        <p:spPr>
-          <a:xfrm>
-            <a:off x="7730053" y="1594791"/>
-            <a:ext cx="3749938" cy="3668418"/>
-          </a:xfrm>
-          <a:prstGeom prst="rect">
-            <a:avLst/>
-          </a:prstGeom>
-        </p:spPr>
-      </p:pic>
       <p:sp>
         <p:nvSpPr>
           <p:cNvPr id="3" name="Rectangle: Rounded Corners 2">
@@ -32755,8 +32725,8 @@
         </p:nvSpPr>
         <p:spPr>
           <a:xfrm>
-            <a:off x="7730053" y="1156526"/>
-            <a:ext cx="3660190" cy="461665"/>
+            <a:off x="8115919" y="1195405"/>
+            <a:ext cx="3364071" cy="430887"/>
           </a:xfrm>
           <a:prstGeom prst="rect">
             <a:avLst/>
@@ -32771,16 +32741,82 @@
           <a:p>
             <a:pPr algn="ctr"/>
             <a:r>
-              <a:rPr lang="en-US" sz="2400" dirty="0">
+              <a:rPr lang="en-US" sz="2200" dirty="0">
                 <a:latin typeface="Euclid Circular B" panose="020B0504000000000000" pitchFamily="34" charset="0"/>
                 <a:ea typeface="Euclid Circular B" panose="020B0504000000000000" pitchFamily="34" charset="0"/>
               </a:rPr>
               <a:t>Download Presentation</a:t>
             </a:r>
-            <a:endParaRPr lang="tr-TR" sz="2400" dirty="0"/>
+            <a:endParaRPr lang="tr-TR" sz="2200" dirty="0"/>
           </a:p>
         </p:txBody>
       </p:sp>
+      <p:pic>
+        <p:nvPicPr>
+          <p:cNvPr id="4" name="Picture 3">
+            <a:extLst>
+              <a:ext uri="{FF2B5EF4-FFF2-40B4-BE49-F238E27FC236}">
+                <a16:creationId xmlns:a16="http://schemas.microsoft.com/office/drawing/2014/main" id="{9DC5D1B6-0066-4DD5-9C71-EE73AE1BBAB1}"/>
+              </a:ext>
+            </a:extLst>
+          </p:cNvPr>
+          <p:cNvPicPr>
+            <a:picLocks noChangeAspect="1"/>
+          </p:cNvPicPr>
+          <p:nvPr/>
+        </p:nvPicPr>
+        <p:blipFill>
+          <a:blip r:embed="rId9"/>
+          <a:stretch>
+            <a:fillRect/>
+          </a:stretch>
+        </p:blipFill>
+        <p:spPr>
+          <a:xfrm>
+            <a:off x="7728790" y="1657070"/>
+            <a:ext cx="3751200" cy="3819404"/>
+          </a:xfrm>
+          <a:prstGeom prst="rect">
+            <a:avLst/>
+          </a:prstGeom>
+        </p:spPr>
+      </p:pic>
+      <p:pic>
+        <p:nvPicPr>
+          <p:cNvPr id="7" name="Picture 6">
+            <a:extLst>
+              <a:ext uri="{FF2B5EF4-FFF2-40B4-BE49-F238E27FC236}">
+                <a16:creationId xmlns:a16="http://schemas.microsoft.com/office/drawing/2014/main" id="{F4CC457E-2A87-4910-BC6D-C81CD2B5DBE5}"/>
+              </a:ext>
+            </a:extLst>
+          </p:cNvPr>
+          <p:cNvPicPr>
+            <a:picLocks noChangeAspect="1"/>
+          </p:cNvPicPr>
+          <p:nvPr/>
+        </p:nvPicPr>
+        <p:blipFill>
+          <a:blip r:embed="rId10">
+            <a:extLst>
+              <a:ext uri="{28A0092B-C50C-407E-A947-70E740481C1C}">
+                <a14:useLocalDpi xmlns:a14="http://schemas.microsoft.com/office/drawing/2010/main" val="0"/>
+              </a:ext>
+            </a:extLst>
+          </a:blip>
+          <a:stretch>
+            <a:fillRect/>
+          </a:stretch>
+        </p:blipFill>
+        <p:spPr>
+          <a:xfrm>
+            <a:off x="7790382" y="1241868"/>
+            <a:ext cx="325537" cy="325537"/>
+          </a:xfrm>
+          <a:prstGeom prst="rect">
+            <a:avLst/>
+          </a:prstGeom>
+        </p:spPr>
+      </p:pic>
     </p:spTree>
     <p:extLst>
       <p:ext uri="{BB962C8B-B14F-4D97-AF65-F5344CB8AC3E}">

--- a/multi-tenancy-wearedevelopers-2025_30mins.pptx
+++ b/multi-tenancy-wearedevelopers-2025_30mins.pptx
@@ -3453,7 +3453,7 @@
           <a:p>
             <a:fld id="{0243448F-3A69-4D00-BEC4-199950B08586}" type="datetimeFigureOut">
               <a:rPr lang="en-US" smtClean="0"/>
-              <a:t>7/5/2025</a:t>
+              <a:t>7/10/2025</a:t>
             </a:fld>
             <a:endParaRPr lang="en-US"/>
           </a:p>
@@ -11252,7 +11252,7 @@
           <a:p>
             <a:fld id="{2A14C9FE-EBC3-45D3-899C-58AAF4F8AF71}" type="datetimeFigureOut">
               <a:rPr lang="en-US" smtClean="0"/>
-              <a:t>7/5/2025</a:t>
+              <a:t>7/10/2025</a:t>
             </a:fld>
             <a:endParaRPr lang="en-US"/>
           </a:p>
@@ -11450,7 +11450,7 @@
           <a:p>
             <a:fld id="{2A14C9FE-EBC3-45D3-899C-58AAF4F8AF71}" type="datetimeFigureOut">
               <a:rPr lang="en-US" smtClean="0"/>
-              <a:t>7/5/2025</a:t>
+              <a:t>7/10/2025</a:t>
             </a:fld>
             <a:endParaRPr lang="en-US"/>
           </a:p>
@@ -11658,7 +11658,7 @@
           <a:p>
             <a:fld id="{2A14C9FE-EBC3-45D3-899C-58AAF4F8AF71}" type="datetimeFigureOut">
               <a:rPr lang="en-US" smtClean="0"/>
-              <a:t>7/5/2025</a:t>
+              <a:t>7/10/2025</a:t>
             </a:fld>
             <a:endParaRPr lang="en-US"/>
           </a:p>
@@ -11856,7 +11856,7 @@
           <a:p>
             <a:fld id="{2A14C9FE-EBC3-45D3-899C-58AAF4F8AF71}" type="datetimeFigureOut">
               <a:rPr lang="en-US" smtClean="0"/>
-              <a:t>7/5/2025</a:t>
+              <a:t>7/10/2025</a:t>
             </a:fld>
             <a:endParaRPr lang="en-US"/>
           </a:p>
@@ -12131,7 +12131,7 @@
           <a:p>
             <a:fld id="{2A14C9FE-EBC3-45D3-899C-58AAF4F8AF71}" type="datetimeFigureOut">
               <a:rPr lang="en-US" smtClean="0"/>
-              <a:t>7/5/2025</a:t>
+              <a:t>7/10/2025</a:t>
             </a:fld>
             <a:endParaRPr lang="en-US"/>
           </a:p>
@@ -12396,7 +12396,7 @@
           <a:p>
             <a:fld id="{2A14C9FE-EBC3-45D3-899C-58AAF4F8AF71}" type="datetimeFigureOut">
               <a:rPr lang="en-US" smtClean="0"/>
-              <a:t>7/5/2025</a:t>
+              <a:t>7/10/2025</a:t>
             </a:fld>
             <a:endParaRPr lang="en-US"/>
           </a:p>
@@ -12808,7 +12808,7 @@
           <a:p>
             <a:fld id="{2A14C9FE-EBC3-45D3-899C-58AAF4F8AF71}" type="datetimeFigureOut">
               <a:rPr lang="en-US" smtClean="0"/>
-              <a:t>7/5/2025</a:t>
+              <a:t>7/10/2025</a:t>
             </a:fld>
             <a:endParaRPr lang="en-US"/>
           </a:p>
@@ -12949,7 +12949,7 @@
           <a:p>
             <a:fld id="{2A14C9FE-EBC3-45D3-899C-58AAF4F8AF71}" type="datetimeFigureOut">
               <a:rPr lang="en-US" smtClean="0"/>
-              <a:t>7/5/2025</a:t>
+              <a:t>7/10/2025</a:t>
             </a:fld>
             <a:endParaRPr lang="en-US"/>
           </a:p>
@@ -13062,7 +13062,7 @@
           <a:p>
             <a:fld id="{2A14C9FE-EBC3-45D3-899C-58AAF4F8AF71}" type="datetimeFigureOut">
               <a:rPr lang="en-US" smtClean="0"/>
-              <a:t>7/5/2025</a:t>
+              <a:t>7/10/2025</a:t>
             </a:fld>
             <a:endParaRPr lang="en-US"/>
           </a:p>
@@ -13373,7 +13373,7 @@
           <a:p>
             <a:fld id="{2A14C9FE-EBC3-45D3-899C-58AAF4F8AF71}" type="datetimeFigureOut">
               <a:rPr lang="en-US" smtClean="0"/>
-              <a:t>7/5/2025</a:t>
+              <a:t>7/10/2025</a:t>
             </a:fld>
             <a:endParaRPr lang="en-US"/>
           </a:p>
@@ -13661,7 +13661,7 @@
           <a:p>
             <a:fld id="{2A14C9FE-EBC3-45D3-899C-58AAF4F8AF71}" type="datetimeFigureOut">
               <a:rPr lang="en-US" smtClean="0"/>
-              <a:t>7/5/2025</a:t>
+              <a:t>7/10/2025</a:t>
             </a:fld>
             <a:endParaRPr lang="en-US"/>
           </a:p>
@@ -13911,7 +13911,7 @@
           <a:p>
             <a:fld id="{2A14C9FE-EBC3-45D3-899C-58AAF4F8AF71}" type="datetimeFigureOut">
               <a:rPr lang="en-US" smtClean="0"/>
-              <a:t>7/5/2025</a:t>
+              <a:t>7/10/2025</a:t>
             </a:fld>
             <a:endParaRPr lang="en-US"/>
           </a:p>
@@ -18121,7 +18121,7 @@
                     <a:ea typeface="Roboto" pitchFamily="34" charset="-122"/>
                     <a:cs typeface="Roboto" pitchFamily="34" charset="-120"/>
                   </a:rPr>
-                  <a:t>Software Engineering</a:t>
+                  <a:t>Graduated from Software Engineering</a:t>
                 </a:r>
                 <a:endParaRPr lang="en-US" dirty="0"/>
               </a:p>
@@ -18272,7 +18272,7 @@
                     <a:ea typeface="Roboto" pitchFamily="34" charset="-122"/>
                     <a:cs typeface="Roboto" pitchFamily="34" charset="-120"/>
                   </a:rPr>
-                  <a:t>Master Degree</a:t>
+                  <a:t>Completed University Master Degree</a:t>
                 </a:r>
                 <a:endParaRPr lang="en-US" dirty="0"/>
               </a:p>
@@ -21751,7 +21751,7 @@
           <a:graphicData uri="http://schemas.openxmlformats.org/presentationml/2006/ole">
             <mc:AlternateContent xmlns:mc="http://schemas.openxmlformats.org/markup-compatibility/2006">
               <mc:Choice xmlns:v="urn:schemas-microsoft-com:vml" Requires="v">
-                <p:oleObj spid="_x0000_s1040" name="Bitmap Image" r:id="rId5" imgW="6610320" imgH="1574640" progId="Paint.Picture">
+                <p:oleObj spid="_x0000_s1042" name="Bitmap Image" r:id="rId5" imgW="6610320" imgH="1574640" progId="Paint.Picture">
                   <p:embed/>
                 </p:oleObj>
               </mc:Choice>
@@ -23431,7 +23431,7 @@
         </p:nvSpPr>
         <p:spPr>
           <a:xfrm>
-            <a:off x="3006723" y="357510"/>
+            <a:off x="2872042" y="357510"/>
             <a:ext cx="7920037" cy="916579"/>
           </a:xfrm>
         </p:spPr>
@@ -23482,8 +23482,8 @@
         </p:blipFill>
         <p:spPr>
           <a:xfrm>
-            <a:off x="9321475" y="471559"/>
-            <a:ext cx="2478769" cy="657023"/>
+            <a:off x="9821906" y="489810"/>
+            <a:ext cx="2039582" cy="540612"/>
           </a:xfrm>
           <a:prstGeom prst="rect">
             <a:avLst/>
@@ -23540,7 +23540,7 @@
         </p:nvCxnSpPr>
         <p:spPr>
           <a:xfrm>
-            <a:off x="2955923" y="301827"/>
+            <a:off x="2821244" y="301827"/>
             <a:ext cx="0" cy="916579"/>
           </a:xfrm>
           <a:prstGeom prst="line">
@@ -23824,6 +23824,42 @@
           </a:p>
         </p:txBody>
       </p:sp>
+      <p:cxnSp>
+        <p:nvCxnSpPr>
+          <p:cNvPr id="12" name="Straight Connector 11">
+            <a:extLst>
+              <a:ext uri="{FF2B5EF4-FFF2-40B4-BE49-F238E27FC236}">
+                <a16:creationId xmlns:a16="http://schemas.microsoft.com/office/drawing/2014/main" id="{34127603-0DC1-4807-B3A0-D2E588ACF808}"/>
+              </a:ext>
+            </a:extLst>
+          </p:cNvPr>
+          <p:cNvCxnSpPr/>
+          <p:nvPr/>
+        </p:nvCxnSpPr>
+        <p:spPr>
+          <a:xfrm>
+            <a:off x="9739495" y="314615"/>
+            <a:ext cx="0" cy="916579"/>
+          </a:xfrm>
+          <a:prstGeom prst="line">
+            <a:avLst/>
+          </a:prstGeom>
+        </p:spPr>
+        <p:style>
+          <a:lnRef idx="2">
+            <a:schemeClr val="accent3"/>
+          </a:lnRef>
+          <a:fillRef idx="0">
+            <a:schemeClr val="accent3"/>
+          </a:fillRef>
+          <a:effectRef idx="1">
+            <a:schemeClr val="accent3"/>
+          </a:effectRef>
+          <a:fontRef idx="minor">
+            <a:schemeClr val="tx1"/>
+          </a:fontRef>
+        </p:style>
+      </p:cxnSp>
     </p:spTree>
     <p:extLst>
       <p:ext uri="{BB962C8B-B14F-4D97-AF65-F5344CB8AC3E}">

--- a/multi-tenancy-wearedevelopers-2025_30mins.pptx
+++ b/multi-tenancy-wearedevelopers-2025_30mins.pptx
@@ -3453,7 +3453,7 @@
           <a:p>
             <a:fld id="{0243448F-3A69-4D00-BEC4-199950B08586}" type="datetimeFigureOut">
               <a:rPr lang="en-US" smtClean="0"/>
-              <a:t>7/10/2025</a:t>
+              <a:t>7/11/2025</a:t>
             </a:fld>
             <a:endParaRPr lang="en-US"/>
           </a:p>
@@ -10059,15 +10059,7 @@
             </a:r>
             <a:r>
               <a:rPr lang="en-US" b="0" i="0" dirty="0"/>
-              <a:t> Shouldn’t </a:t>
-            </a:r>
-            <a:r>
-              <a:rPr lang="en-US" b="1" i="0" dirty="0"/>
-              <a:t>pass</a:t>
-            </a:r>
-            <a:r>
-              <a:rPr lang="en-US" b="0" i="0" dirty="0"/>
-              <a:t> </a:t>
+              <a:t> Shouldn’t pass </a:t>
             </a:r>
             <a:r>
               <a:rPr lang="en-US" b="1" i="1" dirty="0" err="1"/>
@@ -10288,27 +10280,31 @@
             </a:r>
             <a:r>
               <a:rPr lang="en-US" dirty="0"/>
-              <a:t>Ensuring that all tenants receive updates and improvements at the same time. </a:t>
-            </a:r>
-            <a:r>
-              <a:rPr lang="en-US" b="1" noProof="0" dirty="0"/>
-              <a:t>F</a:t>
-            </a:r>
-            <a:r>
-              <a:rPr lang="en-US" b="1" dirty="0" err="1"/>
-              <a:t>ocus</a:t>
-            </a:r>
-            <a:r>
-              <a:rPr lang="en-US" b="1" dirty="0"/>
-              <a:t> on maintaining a single codebase</a:t>
-            </a:r>
-            <a:r>
-              <a:rPr lang="en-US" dirty="0"/>
-              <a:t>, </a:t>
-            </a:r>
-            <a:br>
-              <a:rPr lang="en-US" dirty="0"/>
-            </a:br>
+              <a:t>Ensuring that all tenants receive updates and improvements at the same time</a:t>
+            </a:r>
+            <a:r>
+              <a:rPr lang="en-US"/>
+              <a:t>. </a:t>
+            </a:r>
+          </a:p>
+          <a:p>
+            <a:pPr marL="228600" marR="0" lvl="0" indent="-228600" algn="l" defTabSz="914400" rtl="0" eaLnBrk="1" fontAlgn="auto" latinLnBrk="0" hangingPunct="1">
+              <a:lnSpc>
+                <a:spcPct val="100000"/>
+              </a:lnSpc>
+              <a:spcBef>
+                <a:spcPts val="0"/>
+              </a:spcBef>
+              <a:spcAft>
+                <a:spcPts val="0"/>
+              </a:spcAft>
+              <a:buClrTx/>
+              <a:buSzTx/>
+              <a:buFont typeface="+mj-lt"/>
+              <a:buAutoNum type="arabicPeriod"/>
+              <a:tabLst/>
+              <a:defRPr/>
+            </a:pPr>
             <a:endParaRPr lang="en-US" dirty="0"/>
           </a:p>
           <a:p>
@@ -11252,7 +11248,7 @@
           <a:p>
             <a:fld id="{2A14C9FE-EBC3-45D3-899C-58AAF4F8AF71}" type="datetimeFigureOut">
               <a:rPr lang="en-US" smtClean="0"/>
-              <a:t>7/10/2025</a:t>
+              <a:t>7/11/2025</a:t>
             </a:fld>
             <a:endParaRPr lang="en-US"/>
           </a:p>
@@ -11450,7 +11446,7 @@
           <a:p>
             <a:fld id="{2A14C9FE-EBC3-45D3-899C-58AAF4F8AF71}" type="datetimeFigureOut">
               <a:rPr lang="en-US" smtClean="0"/>
-              <a:t>7/10/2025</a:t>
+              <a:t>7/11/2025</a:t>
             </a:fld>
             <a:endParaRPr lang="en-US"/>
           </a:p>
@@ -11658,7 +11654,7 @@
           <a:p>
             <a:fld id="{2A14C9FE-EBC3-45D3-899C-58AAF4F8AF71}" type="datetimeFigureOut">
               <a:rPr lang="en-US" smtClean="0"/>
-              <a:t>7/10/2025</a:t>
+              <a:t>7/11/2025</a:t>
             </a:fld>
             <a:endParaRPr lang="en-US"/>
           </a:p>
@@ -11856,7 +11852,7 @@
           <a:p>
             <a:fld id="{2A14C9FE-EBC3-45D3-899C-58AAF4F8AF71}" type="datetimeFigureOut">
               <a:rPr lang="en-US" smtClean="0"/>
-              <a:t>7/10/2025</a:t>
+              <a:t>7/11/2025</a:t>
             </a:fld>
             <a:endParaRPr lang="en-US"/>
           </a:p>
@@ -12131,7 +12127,7 @@
           <a:p>
             <a:fld id="{2A14C9FE-EBC3-45D3-899C-58AAF4F8AF71}" type="datetimeFigureOut">
               <a:rPr lang="en-US" smtClean="0"/>
-              <a:t>7/10/2025</a:t>
+              <a:t>7/11/2025</a:t>
             </a:fld>
             <a:endParaRPr lang="en-US"/>
           </a:p>
@@ -12396,7 +12392,7 @@
           <a:p>
             <a:fld id="{2A14C9FE-EBC3-45D3-899C-58AAF4F8AF71}" type="datetimeFigureOut">
               <a:rPr lang="en-US" smtClean="0"/>
-              <a:t>7/10/2025</a:t>
+              <a:t>7/11/2025</a:t>
             </a:fld>
             <a:endParaRPr lang="en-US"/>
           </a:p>
@@ -12808,7 +12804,7 @@
           <a:p>
             <a:fld id="{2A14C9FE-EBC3-45D3-899C-58AAF4F8AF71}" type="datetimeFigureOut">
               <a:rPr lang="en-US" smtClean="0"/>
-              <a:t>7/10/2025</a:t>
+              <a:t>7/11/2025</a:t>
             </a:fld>
             <a:endParaRPr lang="en-US"/>
           </a:p>
@@ -12949,7 +12945,7 @@
           <a:p>
             <a:fld id="{2A14C9FE-EBC3-45D3-899C-58AAF4F8AF71}" type="datetimeFigureOut">
               <a:rPr lang="en-US" smtClean="0"/>
-              <a:t>7/10/2025</a:t>
+              <a:t>7/11/2025</a:t>
             </a:fld>
             <a:endParaRPr lang="en-US"/>
           </a:p>
@@ -13062,7 +13058,7 @@
           <a:p>
             <a:fld id="{2A14C9FE-EBC3-45D3-899C-58AAF4F8AF71}" type="datetimeFigureOut">
               <a:rPr lang="en-US" smtClean="0"/>
-              <a:t>7/10/2025</a:t>
+              <a:t>7/11/2025</a:t>
             </a:fld>
             <a:endParaRPr lang="en-US"/>
           </a:p>
@@ -13373,7 +13369,7 @@
           <a:p>
             <a:fld id="{2A14C9FE-EBC3-45D3-899C-58AAF4F8AF71}" type="datetimeFigureOut">
               <a:rPr lang="en-US" smtClean="0"/>
-              <a:t>7/10/2025</a:t>
+              <a:t>7/11/2025</a:t>
             </a:fld>
             <a:endParaRPr lang="en-US"/>
           </a:p>
@@ -13661,7 +13657,7 @@
           <a:p>
             <a:fld id="{2A14C9FE-EBC3-45D3-899C-58AAF4F8AF71}" type="datetimeFigureOut">
               <a:rPr lang="en-US" smtClean="0"/>
-              <a:t>7/10/2025</a:t>
+              <a:t>7/11/2025</a:t>
             </a:fld>
             <a:endParaRPr lang="en-US"/>
           </a:p>
@@ -13911,7 +13907,7 @@
           <a:p>
             <a:fld id="{2A14C9FE-EBC3-45D3-899C-58AAF4F8AF71}" type="datetimeFigureOut">
               <a:rPr lang="en-US" smtClean="0"/>
-              <a:t>7/10/2025</a:t>
+              <a:t>7/11/2025</a:t>
             </a:fld>
             <a:endParaRPr lang="en-US"/>
           </a:p>
@@ -21751,7 +21747,7 @@
           <a:graphicData uri="http://schemas.openxmlformats.org/presentationml/2006/ole">
             <mc:AlternateContent xmlns:mc="http://schemas.openxmlformats.org/markup-compatibility/2006">
               <mc:Choice xmlns:v="urn:schemas-microsoft-com:vml" Requires="v">
-                <p:oleObj spid="_x0000_s1042" name="Bitmap Image" r:id="rId5" imgW="6610320" imgH="1574640" progId="Paint.Picture">
+                <p:oleObj spid="_x0000_s1044" name="Bitmap Image" r:id="rId5" imgW="6610320" imgH="1574640" progId="Paint.Picture">
                   <p:embed/>
                 </p:oleObj>
               </mc:Choice>
